--- a/doc/UICrawler.pptx
+++ b/doc/UICrawler.pptx
@@ -5,7 +5,7 @@
     <p:sldMasterId id="2147483648" r:id="rId1"/>
   </p:sldMasterIdLst>
   <p:notesMasterIdLst>
-    <p:notesMasterId r:id="rId9"/>
+    <p:notesMasterId r:id="rId17"/>
   </p:notesMasterIdLst>
   <p:sldIdLst>
     <p:sldId id="256" r:id="rId2"/>
@@ -13,8 +13,16 @@
     <p:sldId id="259" r:id="rId4"/>
     <p:sldId id="263" r:id="rId5"/>
     <p:sldId id="262" r:id="rId6"/>
-    <p:sldId id="261" r:id="rId7"/>
-    <p:sldId id="264" r:id="rId8"/>
+    <p:sldId id="265" r:id="rId7"/>
+    <p:sldId id="261" r:id="rId8"/>
+    <p:sldId id="266" r:id="rId9"/>
+    <p:sldId id="267" r:id="rId10"/>
+    <p:sldId id="268" r:id="rId11"/>
+    <p:sldId id="269" r:id="rId12"/>
+    <p:sldId id="264" r:id="rId13"/>
+    <p:sldId id="270" r:id="rId14"/>
+    <p:sldId id="271" r:id="rId15"/>
+    <p:sldId id="272" r:id="rId16"/>
   </p:sldIdLst>
   <p:sldSz cx="12192000" cy="6858000"/>
   <p:notesSz cx="6858000" cy="9144000"/>
@@ -113,6 +121,11 @@
       </a:defRPr>
     </a:lvl9pPr>
   </p:defaultTextStyle>
+  <p:extLst>
+    <p:ext uri="{EFAFB233-063F-42B5-8137-9DF3F51BA10A}">
+      <p15:sldGuideLst xmlns:p15="http://schemas.microsoft.com/office/powerpoint/2012/main"/>
+    </p:ext>
+  </p:extLst>
 </p:presentation>
 </file>
 
@@ -1579,6 +1592,881 @@
     <dgm:fillClrLst meth="repeat">
       <a:schemeClr val="accent1">
         <a:tint val="60000"/>
+      </a:schemeClr>
+    </dgm:fillClrLst>
+    <dgm:linClrLst meth="repeat">
+      <a:schemeClr val="lt1"/>
+    </dgm:linClrLst>
+    <dgm:effectClrLst/>
+    <dgm:txLinClrLst/>
+    <dgm:txFillClrLst meth="repeat">
+      <a:schemeClr val="dk1"/>
+    </dgm:txFillClrLst>
+    <dgm:txEffectClrLst/>
+  </dgm:styleLbl>
+  <dgm:styleLbl name="revTx">
+    <dgm:fillClrLst meth="repeat">
+      <a:schemeClr val="lt1">
+        <a:alpha val="0"/>
+      </a:schemeClr>
+    </dgm:fillClrLst>
+    <dgm:linClrLst meth="repeat">
+      <a:schemeClr val="dk1">
+        <a:alpha val="0"/>
+      </a:schemeClr>
+    </dgm:linClrLst>
+    <dgm:effectClrLst/>
+    <dgm:txLinClrLst/>
+    <dgm:txFillClrLst meth="repeat">
+      <a:schemeClr val="tx1"/>
+    </dgm:txFillClrLst>
+    <dgm:txEffectClrLst/>
+  </dgm:styleLbl>
+</dgm:colorsDef>
+</file>
+
+<file path=ppt/diagrams/colors3.xml><?xml version="1.0" encoding="utf-8"?>
+<dgm:colorsDef xmlns:dgm="http://schemas.openxmlformats.org/drawingml/2006/diagram" xmlns:a="http://schemas.openxmlformats.org/drawingml/2006/main" uniqueId="urn:microsoft.com/office/officeart/2005/8/colors/accent1_3">
+  <dgm:title val=""/>
+  <dgm:desc val=""/>
+  <dgm:catLst>
+    <dgm:cat type="accent1" pri="11300"/>
+  </dgm:catLst>
+  <dgm:styleLbl name="node0">
+    <dgm:fillClrLst meth="repeat">
+      <a:schemeClr val="accent1">
+        <a:shade val="80000"/>
+      </a:schemeClr>
+    </dgm:fillClrLst>
+    <dgm:linClrLst meth="repeat">
+      <a:schemeClr val="lt1"/>
+    </dgm:linClrLst>
+    <dgm:effectClrLst/>
+    <dgm:txLinClrLst/>
+    <dgm:txFillClrLst/>
+    <dgm:txEffectClrLst/>
+  </dgm:styleLbl>
+  <dgm:styleLbl name="alignNode1">
+    <dgm:fillClrLst>
+      <a:schemeClr val="accent1">
+        <a:shade val="80000"/>
+      </a:schemeClr>
+      <a:schemeClr val="accent1">
+        <a:tint val="70000"/>
+      </a:schemeClr>
+    </dgm:fillClrLst>
+    <dgm:linClrLst>
+      <a:schemeClr val="accent1">
+        <a:shade val="80000"/>
+      </a:schemeClr>
+      <a:schemeClr val="accent1">
+        <a:tint val="70000"/>
+      </a:schemeClr>
+    </dgm:linClrLst>
+    <dgm:effectClrLst/>
+    <dgm:txLinClrLst/>
+    <dgm:txFillClrLst/>
+    <dgm:txEffectClrLst/>
+  </dgm:styleLbl>
+  <dgm:styleLbl name="node1">
+    <dgm:fillClrLst>
+      <a:schemeClr val="accent1">
+        <a:shade val="80000"/>
+      </a:schemeClr>
+      <a:schemeClr val="accent1">
+        <a:tint val="70000"/>
+      </a:schemeClr>
+    </dgm:fillClrLst>
+    <dgm:linClrLst meth="repeat">
+      <a:schemeClr val="lt1"/>
+    </dgm:linClrLst>
+    <dgm:effectClrLst/>
+    <dgm:txLinClrLst/>
+    <dgm:txFillClrLst/>
+    <dgm:txEffectClrLst/>
+  </dgm:styleLbl>
+  <dgm:styleLbl name="lnNode1">
+    <dgm:fillClrLst>
+      <a:schemeClr val="accent1">
+        <a:shade val="80000"/>
+      </a:schemeClr>
+      <a:schemeClr val="accent1">
+        <a:tint val="70000"/>
+      </a:schemeClr>
+    </dgm:fillClrLst>
+    <dgm:linClrLst meth="repeat">
+      <a:schemeClr val="lt1"/>
+    </dgm:linClrLst>
+    <dgm:effectClrLst/>
+    <dgm:txLinClrLst/>
+    <dgm:txFillClrLst/>
+    <dgm:txEffectClrLst/>
+  </dgm:styleLbl>
+  <dgm:styleLbl name="vennNode1">
+    <dgm:fillClrLst>
+      <a:schemeClr val="accent1">
+        <a:shade val="80000"/>
+        <a:alpha val="50000"/>
+      </a:schemeClr>
+      <a:schemeClr val="accent1">
+        <a:tint val="70000"/>
+        <a:alpha val="50000"/>
+      </a:schemeClr>
+    </dgm:fillClrLst>
+    <dgm:linClrLst meth="repeat">
+      <a:schemeClr val="lt1"/>
+    </dgm:linClrLst>
+    <dgm:effectClrLst/>
+    <dgm:txLinClrLst/>
+    <dgm:txFillClrLst/>
+    <dgm:txEffectClrLst/>
+  </dgm:styleLbl>
+  <dgm:styleLbl name="node2">
+    <dgm:fillClrLst>
+      <a:schemeClr val="accent1">
+        <a:tint val="99000"/>
+      </a:schemeClr>
+    </dgm:fillClrLst>
+    <dgm:linClrLst meth="repeat">
+      <a:schemeClr val="lt1"/>
+    </dgm:linClrLst>
+    <dgm:effectClrLst/>
+    <dgm:txLinClrLst/>
+    <dgm:txFillClrLst/>
+    <dgm:txEffectClrLst/>
+  </dgm:styleLbl>
+  <dgm:styleLbl name="node3">
+    <dgm:fillClrLst>
+      <a:schemeClr val="accent1">
+        <a:tint val="80000"/>
+      </a:schemeClr>
+    </dgm:fillClrLst>
+    <dgm:linClrLst meth="repeat">
+      <a:schemeClr val="lt1"/>
+    </dgm:linClrLst>
+    <dgm:effectClrLst/>
+    <dgm:txLinClrLst/>
+    <dgm:txFillClrLst/>
+    <dgm:txEffectClrLst/>
+  </dgm:styleLbl>
+  <dgm:styleLbl name="node4">
+    <dgm:fillClrLst>
+      <a:schemeClr val="accent1">
+        <a:tint val="70000"/>
+      </a:schemeClr>
+    </dgm:fillClrLst>
+    <dgm:linClrLst meth="repeat">
+      <a:schemeClr val="lt1"/>
+    </dgm:linClrLst>
+    <dgm:effectClrLst/>
+    <dgm:txLinClrLst/>
+    <dgm:txFillClrLst/>
+    <dgm:txEffectClrLst/>
+  </dgm:styleLbl>
+  <dgm:styleLbl name="fgImgPlace1">
+    <dgm:fillClrLst>
+      <a:schemeClr val="accent1">
+        <a:tint val="50000"/>
+      </a:schemeClr>
+      <a:schemeClr val="accent1">
+        <a:tint val="20000"/>
+      </a:schemeClr>
+    </dgm:fillClrLst>
+    <dgm:linClrLst meth="repeat">
+      <a:schemeClr val="lt1"/>
+    </dgm:linClrLst>
+    <dgm:effectClrLst/>
+    <dgm:txLinClrLst/>
+    <dgm:txFillClrLst meth="repeat">
+      <a:schemeClr val="lt1"/>
+    </dgm:txFillClrLst>
+    <dgm:txEffectClrLst/>
+  </dgm:styleLbl>
+  <dgm:styleLbl name="alignImgPlace1">
+    <dgm:fillClrLst>
+      <a:schemeClr val="accent1">
+        <a:tint val="50000"/>
+      </a:schemeClr>
+      <a:schemeClr val="accent1">
+        <a:tint val="20000"/>
+      </a:schemeClr>
+    </dgm:fillClrLst>
+    <dgm:linClrLst meth="repeat">
+      <a:schemeClr val="lt1"/>
+    </dgm:linClrLst>
+    <dgm:effectClrLst/>
+    <dgm:txLinClrLst/>
+    <dgm:txFillClrLst meth="repeat">
+      <a:schemeClr val="lt1"/>
+    </dgm:txFillClrLst>
+    <dgm:txEffectClrLst/>
+  </dgm:styleLbl>
+  <dgm:styleLbl name="bgImgPlace1">
+    <dgm:fillClrLst>
+      <a:schemeClr val="accent1">
+        <a:tint val="50000"/>
+      </a:schemeClr>
+      <a:schemeClr val="accent1">
+        <a:tint val="20000"/>
+      </a:schemeClr>
+    </dgm:fillClrLst>
+    <dgm:linClrLst meth="repeat">
+      <a:schemeClr val="lt1"/>
+    </dgm:linClrLst>
+    <dgm:effectClrLst/>
+    <dgm:txLinClrLst/>
+    <dgm:txFillClrLst meth="repeat">
+      <a:schemeClr val="lt1"/>
+    </dgm:txFillClrLst>
+    <dgm:txEffectClrLst/>
+  </dgm:styleLbl>
+  <dgm:styleLbl name="sibTrans2D1">
+    <dgm:fillClrLst>
+      <a:schemeClr val="accent1">
+        <a:shade val="90000"/>
+      </a:schemeClr>
+      <a:schemeClr val="accent1">
+        <a:tint val="70000"/>
+      </a:schemeClr>
+    </dgm:fillClrLst>
+    <dgm:linClrLst>
+      <a:schemeClr val="accent1">
+        <a:shade val="90000"/>
+      </a:schemeClr>
+      <a:schemeClr val="accent1">
+        <a:tint val="70000"/>
+      </a:schemeClr>
+    </dgm:linClrLst>
+    <dgm:effectClrLst/>
+    <dgm:txLinClrLst/>
+    <dgm:txFillClrLst/>
+    <dgm:txEffectClrLst/>
+  </dgm:styleLbl>
+  <dgm:styleLbl name="fgSibTrans2D1">
+    <dgm:fillClrLst>
+      <a:schemeClr val="accent1">
+        <a:shade val="90000"/>
+      </a:schemeClr>
+      <a:schemeClr val="accent1">
+        <a:tint val="70000"/>
+      </a:schemeClr>
+    </dgm:fillClrLst>
+    <dgm:linClrLst>
+      <a:schemeClr val="accent1">
+        <a:shade val="90000"/>
+      </a:schemeClr>
+      <a:schemeClr val="accent1">
+        <a:tint val="70000"/>
+      </a:schemeClr>
+    </dgm:linClrLst>
+    <dgm:effectClrLst/>
+    <dgm:txLinClrLst/>
+    <dgm:txFillClrLst meth="repeat">
+      <a:schemeClr val="lt1"/>
+    </dgm:txFillClrLst>
+    <dgm:txEffectClrLst/>
+  </dgm:styleLbl>
+  <dgm:styleLbl name="bgSibTrans2D1">
+    <dgm:fillClrLst>
+      <a:schemeClr val="accent1">
+        <a:shade val="90000"/>
+      </a:schemeClr>
+      <a:schemeClr val="accent1">
+        <a:tint val="70000"/>
+      </a:schemeClr>
+    </dgm:fillClrLst>
+    <dgm:linClrLst>
+      <a:schemeClr val="accent1">
+        <a:shade val="90000"/>
+      </a:schemeClr>
+      <a:schemeClr val="accent1">
+        <a:tint val="70000"/>
+      </a:schemeClr>
+    </dgm:linClrLst>
+    <dgm:effectClrLst/>
+    <dgm:txLinClrLst/>
+    <dgm:txFillClrLst meth="repeat">
+      <a:schemeClr val="lt1"/>
+    </dgm:txFillClrLst>
+    <dgm:txEffectClrLst/>
+  </dgm:styleLbl>
+  <dgm:styleLbl name="sibTrans1D1">
+    <dgm:fillClrLst>
+      <a:schemeClr val="accent1">
+        <a:shade val="90000"/>
+      </a:schemeClr>
+      <a:schemeClr val="accent1">
+        <a:tint val="70000"/>
+      </a:schemeClr>
+    </dgm:fillClrLst>
+    <dgm:linClrLst>
+      <a:schemeClr val="accent1">
+        <a:shade val="90000"/>
+      </a:schemeClr>
+      <a:schemeClr val="accent1">
+        <a:tint val="70000"/>
+      </a:schemeClr>
+    </dgm:linClrLst>
+    <dgm:effectClrLst/>
+    <dgm:txLinClrLst/>
+    <dgm:txFillClrLst meth="repeat">
+      <a:schemeClr val="tx1"/>
+    </dgm:txFillClrLst>
+    <dgm:txEffectClrLst/>
+  </dgm:styleLbl>
+  <dgm:styleLbl name="callout">
+    <dgm:fillClrLst meth="repeat">
+      <a:schemeClr val="accent1"/>
+    </dgm:fillClrLst>
+    <dgm:linClrLst meth="repeat">
+      <a:schemeClr val="accent1"/>
+    </dgm:linClrLst>
+    <dgm:effectClrLst/>
+    <dgm:txLinClrLst/>
+    <dgm:txFillClrLst meth="repeat">
+      <a:schemeClr val="tx1"/>
+    </dgm:txFillClrLst>
+    <dgm:txEffectClrLst/>
+  </dgm:styleLbl>
+  <dgm:styleLbl name="asst0">
+    <dgm:fillClrLst meth="repeat">
+      <a:schemeClr val="accent1">
+        <a:shade val="80000"/>
+      </a:schemeClr>
+    </dgm:fillClrLst>
+    <dgm:linClrLst meth="repeat">
+      <a:schemeClr val="lt1"/>
+    </dgm:linClrLst>
+    <dgm:effectClrLst/>
+    <dgm:txLinClrLst/>
+    <dgm:txFillClrLst/>
+    <dgm:txEffectClrLst/>
+  </dgm:styleLbl>
+  <dgm:styleLbl name="asst1">
+    <dgm:fillClrLst meth="repeat">
+      <a:schemeClr val="accent1">
+        <a:shade val="80000"/>
+      </a:schemeClr>
+    </dgm:fillClrLst>
+    <dgm:linClrLst meth="repeat">
+      <a:schemeClr val="lt1"/>
+    </dgm:linClrLst>
+    <dgm:effectClrLst/>
+    <dgm:txLinClrLst/>
+    <dgm:txFillClrLst/>
+    <dgm:txEffectClrLst/>
+  </dgm:styleLbl>
+  <dgm:styleLbl name="asst2">
+    <dgm:fillClrLst>
+      <a:schemeClr val="accent1">
+        <a:tint val="99000"/>
+      </a:schemeClr>
+    </dgm:fillClrLst>
+    <dgm:linClrLst meth="repeat">
+      <a:schemeClr val="lt1"/>
+    </dgm:linClrLst>
+    <dgm:effectClrLst/>
+    <dgm:txLinClrLst/>
+    <dgm:txFillClrLst/>
+    <dgm:txEffectClrLst/>
+  </dgm:styleLbl>
+  <dgm:styleLbl name="asst3">
+    <dgm:fillClrLst>
+      <a:schemeClr val="accent1">
+        <a:tint val="80000"/>
+      </a:schemeClr>
+    </dgm:fillClrLst>
+    <dgm:linClrLst meth="repeat">
+      <a:schemeClr val="lt1"/>
+    </dgm:linClrLst>
+    <dgm:effectClrLst/>
+    <dgm:txLinClrLst/>
+    <dgm:txFillClrLst/>
+    <dgm:txEffectClrLst/>
+  </dgm:styleLbl>
+  <dgm:styleLbl name="asst4">
+    <dgm:fillClrLst>
+      <a:schemeClr val="accent1">
+        <a:tint val="70000"/>
+      </a:schemeClr>
+    </dgm:fillClrLst>
+    <dgm:linClrLst meth="repeat">
+      <a:schemeClr val="lt1"/>
+    </dgm:linClrLst>
+    <dgm:effectClrLst/>
+    <dgm:txLinClrLst/>
+    <dgm:txFillClrLst/>
+    <dgm:txEffectClrLst/>
+  </dgm:styleLbl>
+  <dgm:styleLbl name="parChTrans2D1">
+    <dgm:fillClrLst meth="repeat">
+      <a:schemeClr val="accent1">
+        <a:tint val="60000"/>
+      </a:schemeClr>
+    </dgm:fillClrLst>
+    <dgm:linClrLst meth="repeat">
+      <a:schemeClr val="accent1">
+        <a:tint val="60000"/>
+      </a:schemeClr>
+    </dgm:linClrLst>
+    <dgm:effectClrLst/>
+    <dgm:txLinClrLst/>
+    <dgm:txFillClrLst meth="repeat">
+      <a:schemeClr val="lt1"/>
+    </dgm:txFillClrLst>
+    <dgm:txEffectClrLst/>
+  </dgm:styleLbl>
+  <dgm:styleLbl name="parChTrans2D2">
+    <dgm:fillClrLst meth="repeat">
+      <a:schemeClr val="accent1">
+        <a:tint val="90000"/>
+      </a:schemeClr>
+    </dgm:fillClrLst>
+    <dgm:linClrLst meth="repeat">
+      <a:schemeClr val="accent1">
+        <a:tint val="90000"/>
+      </a:schemeClr>
+    </dgm:linClrLst>
+    <dgm:effectClrLst/>
+    <dgm:txLinClrLst/>
+    <dgm:txFillClrLst/>
+    <dgm:txEffectClrLst/>
+  </dgm:styleLbl>
+  <dgm:styleLbl name="parChTrans2D3">
+    <dgm:fillClrLst meth="repeat">
+      <a:schemeClr val="accent1">
+        <a:tint val="70000"/>
+      </a:schemeClr>
+    </dgm:fillClrLst>
+    <dgm:linClrLst meth="repeat">
+      <a:schemeClr val="accent1">
+        <a:tint val="70000"/>
+      </a:schemeClr>
+    </dgm:linClrLst>
+    <dgm:effectClrLst/>
+    <dgm:txLinClrLst/>
+    <dgm:txFillClrLst/>
+    <dgm:txEffectClrLst/>
+  </dgm:styleLbl>
+  <dgm:styleLbl name="parChTrans2D4">
+    <dgm:fillClrLst meth="repeat">
+      <a:schemeClr val="accent1">
+        <a:tint val="50000"/>
+      </a:schemeClr>
+    </dgm:fillClrLst>
+    <dgm:linClrLst meth="repeat">
+      <a:schemeClr val="accent1">
+        <a:tint val="50000"/>
+      </a:schemeClr>
+    </dgm:linClrLst>
+    <dgm:effectClrLst/>
+    <dgm:txLinClrLst/>
+    <dgm:txFillClrLst meth="repeat">
+      <a:schemeClr val="lt1"/>
+    </dgm:txFillClrLst>
+    <dgm:txEffectClrLst/>
+  </dgm:styleLbl>
+  <dgm:styleLbl name="parChTrans1D1">
+    <dgm:fillClrLst meth="repeat">
+      <a:schemeClr val="accent1">
+        <a:shade val="80000"/>
+      </a:schemeClr>
+    </dgm:fillClrLst>
+    <dgm:linClrLst meth="repeat">
+      <a:schemeClr val="accent1">
+        <a:shade val="80000"/>
+      </a:schemeClr>
+    </dgm:linClrLst>
+    <dgm:effectClrLst/>
+    <dgm:txLinClrLst/>
+    <dgm:txFillClrLst meth="repeat">
+      <a:schemeClr val="tx1"/>
+    </dgm:txFillClrLst>
+    <dgm:txEffectClrLst/>
+  </dgm:styleLbl>
+  <dgm:styleLbl name="parChTrans1D2">
+    <dgm:fillClrLst meth="repeat">
+      <a:schemeClr val="accent1">
+        <a:tint val="99000"/>
+      </a:schemeClr>
+    </dgm:fillClrLst>
+    <dgm:linClrLst meth="repeat">
+      <a:schemeClr val="accent1">
+        <a:tint val="99000"/>
+      </a:schemeClr>
+    </dgm:linClrLst>
+    <dgm:effectClrLst/>
+    <dgm:txLinClrLst/>
+    <dgm:txFillClrLst meth="repeat">
+      <a:schemeClr val="tx1"/>
+    </dgm:txFillClrLst>
+    <dgm:txEffectClrLst/>
+  </dgm:styleLbl>
+  <dgm:styleLbl name="parChTrans1D3">
+    <dgm:fillClrLst meth="repeat">
+      <a:schemeClr val="accent1">
+        <a:tint val="80000"/>
+      </a:schemeClr>
+    </dgm:fillClrLst>
+    <dgm:linClrLst meth="repeat">
+      <a:schemeClr val="accent1">
+        <a:tint val="80000"/>
+      </a:schemeClr>
+    </dgm:linClrLst>
+    <dgm:effectClrLst/>
+    <dgm:txLinClrLst/>
+    <dgm:txFillClrLst meth="repeat">
+      <a:schemeClr val="tx1"/>
+    </dgm:txFillClrLst>
+    <dgm:txEffectClrLst/>
+  </dgm:styleLbl>
+  <dgm:styleLbl name="parChTrans1D4">
+    <dgm:fillClrLst meth="repeat">
+      <a:schemeClr val="accent1">
+        <a:tint val="70000"/>
+      </a:schemeClr>
+    </dgm:fillClrLst>
+    <dgm:linClrLst meth="repeat">
+      <a:schemeClr val="accent1">
+        <a:tint val="70000"/>
+      </a:schemeClr>
+    </dgm:linClrLst>
+    <dgm:effectClrLst/>
+    <dgm:txLinClrLst/>
+    <dgm:txFillClrLst meth="repeat">
+      <a:schemeClr val="tx1"/>
+    </dgm:txFillClrLst>
+    <dgm:txEffectClrLst/>
+  </dgm:styleLbl>
+  <dgm:styleLbl name="fgAcc1">
+    <dgm:fillClrLst meth="repeat">
+      <a:schemeClr val="lt1">
+        <a:alpha val="90000"/>
+      </a:schemeClr>
+    </dgm:fillClrLst>
+    <dgm:linClrLst>
+      <a:schemeClr val="accent1">
+        <a:shade val="80000"/>
+      </a:schemeClr>
+      <a:schemeClr val="accent1">
+        <a:tint val="70000"/>
+      </a:schemeClr>
+    </dgm:linClrLst>
+    <dgm:effectClrLst/>
+    <dgm:txLinClrLst/>
+    <dgm:txFillClrLst meth="repeat">
+      <a:schemeClr val="dk1"/>
+    </dgm:txFillClrLst>
+    <dgm:txEffectClrLst/>
+  </dgm:styleLbl>
+  <dgm:styleLbl name="conFgAcc1">
+    <dgm:fillClrLst meth="repeat">
+      <a:schemeClr val="lt1">
+        <a:alpha val="90000"/>
+      </a:schemeClr>
+    </dgm:fillClrLst>
+    <dgm:linClrLst>
+      <a:schemeClr val="accent1">
+        <a:shade val="80000"/>
+      </a:schemeClr>
+      <a:schemeClr val="accent1">
+        <a:tint val="70000"/>
+      </a:schemeClr>
+    </dgm:linClrLst>
+    <dgm:effectClrLst/>
+    <dgm:txLinClrLst/>
+    <dgm:txFillClrLst meth="repeat">
+      <a:schemeClr val="dk1"/>
+    </dgm:txFillClrLst>
+    <dgm:txEffectClrLst/>
+  </dgm:styleLbl>
+  <dgm:styleLbl name="alignAcc1">
+    <dgm:fillClrLst meth="repeat">
+      <a:schemeClr val="lt1">
+        <a:alpha val="90000"/>
+      </a:schemeClr>
+    </dgm:fillClrLst>
+    <dgm:linClrLst>
+      <a:schemeClr val="accent1">
+        <a:shade val="80000"/>
+      </a:schemeClr>
+      <a:schemeClr val="accent1">
+        <a:tint val="70000"/>
+      </a:schemeClr>
+    </dgm:linClrLst>
+    <dgm:effectClrLst/>
+    <dgm:txLinClrLst/>
+    <dgm:txFillClrLst meth="repeat">
+      <a:schemeClr val="dk1"/>
+    </dgm:txFillClrLst>
+    <dgm:txEffectClrLst/>
+  </dgm:styleLbl>
+  <dgm:styleLbl name="trAlignAcc1">
+    <dgm:fillClrLst meth="repeat">
+      <a:schemeClr val="lt1">
+        <a:alpha val="40000"/>
+      </a:schemeClr>
+    </dgm:fillClrLst>
+    <dgm:linClrLst meth="repeat">
+      <a:schemeClr val="accent1"/>
+    </dgm:linClrLst>
+    <dgm:effectClrLst/>
+    <dgm:txLinClrLst/>
+    <dgm:txFillClrLst meth="repeat">
+      <a:schemeClr val="dk1"/>
+    </dgm:txFillClrLst>
+    <dgm:txEffectClrLst/>
+  </dgm:styleLbl>
+  <dgm:styleLbl name="bgAcc1">
+    <dgm:fillClrLst meth="repeat">
+      <a:schemeClr val="lt1">
+        <a:alpha val="90000"/>
+      </a:schemeClr>
+    </dgm:fillClrLst>
+    <dgm:linClrLst>
+      <a:schemeClr val="accent1">
+        <a:shade val="80000"/>
+      </a:schemeClr>
+      <a:schemeClr val="accent1">
+        <a:tint val="70000"/>
+      </a:schemeClr>
+    </dgm:linClrLst>
+    <dgm:effectClrLst/>
+    <dgm:txLinClrLst/>
+    <dgm:txFillClrLst meth="repeat">
+      <a:schemeClr val="dk1"/>
+    </dgm:txFillClrLst>
+    <dgm:txEffectClrLst/>
+  </dgm:styleLbl>
+  <dgm:styleLbl name="solidFgAcc1">
+    <dgm:fillClrLst meth="repeat">
+      <a:schemeClr val="lt1"/>
+    </dgm:fillClrLst>
+    <dgm:linClrLst>
+      <a:schemeClr val="accent1">
+        <a:shade val="80000"/>
+      </a:schemeClr>
+      <a:schemeClr val="accent1">
+        <a:tint val="70000"/>
+      </a:schemeClr>
+    </dgm:linClrLst>
+    <dgm:effectClrLst/>
+    <dgm:txLinClrLst/>
+    <dgm:txFillClrLst meth="repeat">
+      <a:schemeClr val="dk1"/>
+    </dgm:txFillClrLst>
+    <dgm:txEffectClrLst/>
+  </dgm:styleLbl>
+  <dgm:styleLbl name="solidAlignAcc1">
+    <dgm:fillClrLst meth="repeat">
+      <a:schemeClr val="lt1"/>
+    </dgm:fillClrLst>
+    <dgm:linClrLst meth="repeat">
+      <a:schemeClr val="accent1"/>
+    </dgm:linClrLst>
+    <dgm:effectClrLst/>
+    <dgm:txLinClrLst/>
+    <dgm:txFillClrLst meth="repeat">
+      <a:schemeClr val="dk1"/>
+    </dgm:txFillClrLst>
+    <dgm:txEffectClrLst/>
+  </dgm:styleLbl>
+  <dgm:styleLbl name="solidBgAcc1">
+    <dgm:fillClrLst meth="repeat">
+      <a:schemeClr val="lt1"/>
+    </dgm:fillClrLst>
+    <dgm:linClrLst meth="repeat">
+      <a:schemeClr val="accent1"/>
+    </dgm:linClrLst>
+    <dgm:effectClrLst/>
+    <dgm:txLinClrLst/>
+    <dgm:txFillClrLst meth="repeat">
+      <a:schemeClr val="dk1"/>
+    </dgm:txFillClrLst>
+    <dgm:txEffectClrLst/>
+  </dgm:styleLbl>
+  <dgm:styleLbl name="fgAccFollowNode1">
+    <dgm:fillClrLst meth="repeat">
+      <a:schemeClr val="accent1">
+        <a:alpha val="90000"/>
+        <a:tint val="40000"/>
+      </a:schemeClr>
+    </dgm:fillClrLst>
+    <dgm:linClrLst meth="repeat">
+      <a:schemeClr val="accent1">
+        <a:alpha val="90000"/>
+        <a:tint val="40000"/>
+      </a:schemeClr>
+    </dgm:linClrLst>
+    <dgm:effectClrLst/>
+    <dgm:txLinClrLst/>
+    <dgm:txFillClrLst meth="repeat">
+      <a:schemeClr val="dk1"/>
+    </dgm:txFillClrLst>
+    <dgm:txEffectClrLst/>
+  </dgm:styleLbl>
+  <dgm:styleLbl name="alignAccFollowNode1">
+    <dgm:fillClrLst meth="repeat">
+      <a:schemeClr val="accent1">
+        <a:alpha val="90000"/>
+        <a:tint val="40000"/>
+      </a:schemeClr>
+    </dgm:fillClrLst>
+    <dgm:linClrLst meth="repeat">
+      <a:schemeClr val="accent1">
+        <a:alpha val="90000"/>
+        <a:tint val="40000"/>
+      </a:schemeClr>
+    </dgm:linClrLst>
+    <dgm:effectClrLst/>
+    <dgm:txLinClrLst/>
+    <dgm:txFillClrLst meth="repeat">
+      <a:schemeClr val="dk1"/>
+    </dgm:txFillClrLst>
+    <dgm:txEffectClrLst/>
+  </dgm:styleLbl>
+  <dgm:styleLbl name="bgAccFollowNode1">
+    <dgm:fillClrLst meth="repeat">
+      <a:schemeClr val="accent1">
+        <a:alpha val="90000"/>
+        <a:tint val="40000"/>
+      </a:schemeClr>
+    </dgm:fillClrLst>
+    <dgm:linClrLst meth="repeat">
+      <a:schemeClr val="lt1"/>
+    </dgm:linClrLst>
+    <dgm:effectClrLst/>
+    <dgm:txLinClrLst/>
+    <dgm:txFillClrLst meth="repeat">
+      <a:schemeClr val="dk1"/>
+    </dgm:txFillClrLst>
+    <dgm:txEffectClrLst/>
+  </dgm:styleLbl>
+  <dgm:styleLbl name="fgAcc0">
+    <dgm:fillClrLst meth="repeat">
+      <a:schemeClr val="lt1">
+        <a:alpha val="90000"/>
+      </a:schemeClr>
+    </dgm:fillClrLst>
+    <dgm:linClrLst meth="repeat">
+      <a:schemeClr val="accent1">
+        <a:shade val="80000"/>
+      </a:schemeClr>
+    </dgm:linClrLst>
+    <dgm:effectClrLst/>
+    <dgm:txLinClrLst/>
+    <dgm:txFillClrLst meth="repeat">
+      <a:schemeClr val="dk1"/>
+    </dgm:txFillClrLst>
+    <dgm:txEffectClrLst/>
+  </dgm:styleLbl>
+  <dgm:styleLbl name="fgAcc2">
+    <dgm:fillClrLst meth="repeat">
+      <a:schemeClr val="lt1">
+        <a:alpha val="90000"/>
+      </a:schemeClr>
+    </dgm:fillClrLst>
+    <dgm:linClrLst meth="repeat">
+      <a:schemeClr val="accent1">
+        <a:tint val="99000"/>
+      </a:schemeClr>
+    </dgm:linClrLst>
+    <dgm:effectClrLst/>
+    <dgm:txLinClrLst/>
+    <dgm:txFillClrLst meth="repeat">
+      <a:schemeClr val="dk1"/>
+    </dgm:txFillClrLst>
+    <dgm:txEffectClrLst/>
+  </dgm:styleLbl>
+  <dgm:styleLbl name="fgAcc3">
+    <dgm:fillClrLst meth="repeat">
+      <a:schemeClr val="lt1">
+        <a:alpha val="90000"/>
+      </a:schemeClr>
+    </dgm:fillClrLst>
+    <dgm:linClrLst meth="repeat">
+      <a:schemeClr val="accent1">
+        <a:tint val="80000"/>
+      </a:schemeClr>
+    </dgm:linClrLst>
+    <dgm:effectClrLst/>
+    <dgm:txLinClrLst/>
+    <dgm:txFillClrLst meth="repeat">
+      <a:schemeClr val="dk1"/>
+    </dgm:txFillClrLst>
+    <dgm:txEffectClrLst/>
+  </dgm:styleLbl>
+  <dgm:styleLbl name="fgAcc4">
+    <dgm:fillClrLst meth="repeat">
+      <a:schemeClr val="lt1">
+        <a:alpha val="90000"/>
+      </a:schemeClr>
+    </dgm:fillClrLst>
+    <dgm:linClrLst meth="repeat">
+      <a:schemeClr val="accent1">
+        <a:tint val="70000"/>
+      </a:schemeClr>
+    </dgm:linClrLst>
+    <dgm:effectClrLst/>
+    <dgm:txLinClrLst/>
+    <dgm:txFillClrLst meth="repeat">
+      <a:schemeClr val="dk1"/>
+    </dgm:txFillClrLst>
+    <dgm:txEffectClrLst/>
+  </dgm:styleLbl>
+  <dgm:styleLbl name="bgShp">
+    <dgm:fillClrLst meth="repeat">
+      <a:schemeClr val="accent1">
+        <a:tint val="40000"/>
+      </a:schemeClr>
+    </dgm:fillClrLst>
+    <dgm:linClrLst meth="repeat">
+      <a:schemeClr val="dk1"/>
+    </dgm:linClrLst>
+    <dgm:effectClrLst/>
+    <dgm:txLinClrLst/>
+    <dgm:txFillClrLst meth="repeat">
+      <a:schemeClr val="dk1"/>
+    </dgm:txFillClrLst>
+    <dgm:txEffectClrLst/>
+  </dgm:styleLbl>
+  <dgm:styleLbl name="dkBgShp">
+    <dgm:fillClrLst meth="repeat">
+      <a:schemeClr val="accent1">
+        <a:shade val="90000"/>
+      </a:schemeClr>
+    </dgm:fillClrLst>
+    <dgm:linClrLst meth="repeat">
+      <a:schemeClr val="dk1"/>
+    </dgm:linClrLst>
+    <dgm:effectClrLst/>
+    <dgm:txLinClrLst/>
+    <dgm:txFillClrLst meth="repeat">
+      <a:schemeClr val="lt1"/>
+    </dgm:txFillClrLst>
+    <dgm:txEffectClrLst/>
+  </dgm:styleLbl>
+  <dgm:styleLbl name="trBgShp">
+    <dgm:fillClrLst meth="repeat">
+      <a:schemeClr val="accent1">
+        <a:tint val="50000"/>
+        <a:alpha val="40000"/>
+      </a:schemeClr>
+    </dgm:fillClrLst>
+    <dgm:linClrLst meth="repeat">
+      <a:schemeClr val="accent1"/>
+    </dgm:linClrLst>
+    <dgm:effectClrLst/>
+    <dgm:txLinClrLst/>
+    <dgm:txFillClrLst meth="repeat">
+      <a:schemeClr val="lt1"/>
+    </dgm:txFillClrLst>
+    <dgm:txEffectClrLst/>
+  </dgm:styleLbl>
+  <dgm:styleLbl name="fgShp">
+    <dgm:fillClrLst meth="repeat">
+      <a:schemeClr val="accent1">
+        <a:tint val="40000"/>
       </a:schemeClr>
     </dgm:fillClrLst>
     <dgm:linClrLst meth="repeat">
@@ -2220,11 +3108,7 @@
           </a:r>
           <a:r>
             <a:rPr lang="zh-CN" altLang="en-US" dirty="0" smtClean="0"/>
-            <a:t> </a:t>
-          </a:r>
-          <a:r>
-            <a:rPr lang="zh-CN" altLang="en-US" dirty="0" smtClean="0"/>
-            <a:t>元素遍历 </a:t>
+            <a:t> 元素遍历 </a:t>
           </a:r>
           <a:endParaRPr lang="en-US" dirty="0"/>
         </a:p>
@@ -2578,6 +3462,485 @@
     <dgm:cxn modelId="{E4432B71-F051-A845-B932-84D342E0DB68}" type="presParOf" srcId="{E93CCB2A-B91E-42AA-A4BB-0B59543C2C5A}" destId="{B9D68C5F-29CF-402A-B643-46ECB47E71BB}" srcOrd="2" destOrd="0" presId="urn:microsoft.com/office/officeart/2016/7/layout/LinearArrowProcessNumbered"/>
     <dgm:cxn modelId="{31C4432B-7433-924A-928D-A726D365295C}" type="presParOf" srcId="{E93CCB2A-B91E-42AA-A4BB-0B59543C2C5A}" destId="{12B458B9-C64E-44D6-9998-3FA8D430F867}" srcOrd="3" destOrd="0" presId="urn:microsoft.com/office/officeart/2016/7/layout/LinearArrowProcessNumbered"/>
     <dgm:cxn modelId="{38D04C28-6422-0B46-91AC-CC14442D5C27}" type="presParOf" srcId="{CC6A200F-4C0F-428C-A3B4-E2DF525FA5CF}" destId="{B4A451B8-92AD-40CD-B84E-BC37F8C25AEE}" srcOrd="2" destOrd="0" presId="urn:microsoft.com/office/officeart/2016/7/layout/LinearArrowProcessNumbered"/>
+  </dgm:cxnLst>
+  <dgm:bg/>
+  <dgm:whole/>
+  <dgm:extLst>
+    <a:ext uri="http://schemas.microsoft.com/office/drawing/2008/diagram">
+      <dsp:dataModelExt xmlns:dsp="http://schemas.microsoft.com/office/drawing/2008/diagram" relId="rId7" minVer="http://schemas.openxmlformats.org/drawingml/2006/diagram"/>
+    </a:ext>
+  </dgm:extLst>
+</dgm:dataModel>
+</file>
+
+<file path=ppt/diagrams/data3.xml><?xml version="1.0" encoding="utf-8"?>
+<dgm:dataModel xmlns:dgm="http://schemas.openxmlformats.org/drawingml/2006/diagram" xmlns:a="http://schemas.openxmlformats.org/drawingml/2006/main">
+  <dgm:ptLst>
+    <dgm:pt modelId="{7CD3BFEF-4585-4E1D-B120-182144C59534}" type="doc">
+      <dgm:prSet loTypeId="urn:microsoft.com/office/officeart/2016/7/layout/LinearBlockProcessNumbered" loCatId="process" qsTypeId="urn:microsoft.com/office/officeart/2005/8/quickstyle/simple1" qsCatId="simple" csTypeId="urn:microsoft.com/office/officeart/2005/8/colors/accent1_3" csCatId="accent1" phldr="1"/>
+      <dgm:spPr/>
+      <dgm:t>
+        <a:bodyPr/>
+        <a:lstStyle/>
+        <a:p>
+          <a:endParaRPr lang="en-US"/>
+        </a:p>
+      </dgm:t>
+    </dgm:pt>
+    <dgm:pt modelId="{38559965-8312-45B0-912B-F6A8BA3E59EC}">
+      <dgm:prSet/>
+      <dgm:spPr/>
+      <dgm:t>
+        <a:bodyPr/>
+        <a:lstStyle/>
+        <a:p>
+          <a:r>
+            <a:rPr lang="zh-CN" altLang="en-US" dirty="0" smtClean="0"/>
+            <a:t>测试报告</a:t>
+          </a:r>
+          <a:endParaRPr lang="en-US" dirty="0"/>
+        </a:p>
+      </dgm:t>
+    </dgm:pt>
+    <dgm:pt modelId="{2FFF9C1D-825E-4465-9B67-7206C96ED052}" type="parTrans" cxnId="{C1BF3CC7-2477-4CAC-B3AD-54BD0B0DC9EF}">
+      <dgm:prSet/>
+      <dgm:spPr/>
+      <dgm:t>
+        <a:bodyPr/>
+        <a:lstStyle/>
+        <a:p>
+          <a:endParaRPr lang="en-US"/>
+        </a:p>
+      </dgm:t>
+    </dgm:pt>
+    <dgm:pt modelId="{F0DBECC1-3B68-4A56-95C9-C33497986D40}" type="sibTrans" cxnId="{C1BF3CC7-2477-4CAC-B3AD-54BD0B0DC9EF}">
+      <dgm:prSet phldrT="01" phldr="0"/>
+      <dgm:spPr/>
+      <dgm:t>
+        <a:bodyPr/>
+        <a:lstStyle/>
+        <a:p>
+          <a:r>
+            <a:rPr lang="en-US"/>
+            <a:t>01</a:t>
+          </a:r>
+        </a:p>
+      </dgm:t>
+    </dgm:pt>
+    <dgm:pt modelId="{9646C1D1-2F6A-426A-8039-5A3F85428D68}">
+      <dgm:prSet/>
+      <dgm:spPr/>
+      <dgm:t>
+        <a:bodyPr/>
+        <a:lstStyle/>
+        <a:p>
+          <a:r>
+            <a:rPr lang="zh-CN" altLang="en-US" dirty="0" smtClean="0"/>
+            <a:t>测试步骤截图、视频</a:t>
+          </a:r>
+          <a:endParaRPr lang="en-US" dirty="0"/>
+        </a:p>
+      </dgm:t>
+    </dgm:pt>
+    <dgm:pt modelId="{0762C543-225E-4A1A-9464-288D29C67D5B}" type="parTrans" cxnId="{DA067930-D188-4E8A-91D0-3100893D7627}">
+      <dgm:prSet/>
+      <dgm:spPr/>
+      <dgm:t>
+        <a:bodyPr/>
+        <a:lstStyle/>
+        <a:p>
+          <a:endParaRPr lang="en-US"/>
+        </a:p>
+      </dgm:t>
+    </dgm:pt>
+    <dgm:pt modelId="{DFFEDD5E-4726-48EC-8070-428797B82B44}" type="sibTrans" cxnId="{DA067930-D188-4E8A-91D0-3100893D7627}">
+      <dgm:prSet phldrT="02" phldr="0"/>
+      <dgm:spPr/>
+      <dgm:t>
+        <a:bodyPr/>
+        <a:lstStyle/>
+        <a:p>
+          <a:r>
+            <a:rPr lang="en-US"/>
+            <a:t>02</a:t>
+          </a:r>
+        </a:p>
+      </dgm:t>
+    </dgm:pt>
+    <dgm:pt modelId="{A9D759D8-3809-4666-9566-DF110F94BC4F}">
+      <dgm:prSet/>
+      <dgm:spPr/>
+      <dgm:t>
+        <a:bodyPr/>
+        <a:lstStyle/>
+        <a:p>
+          <a:r>
+            <a:rPr lang="zh-CN" altLang="en-US" dirty="0" smtClean="0"/>
+            <a:t>系统</a:t>
+          </a:r>
+          <a:r>
+            <a:rPr lang="en-US" altLang="zh-CN" dirty="0" smtClean="0"/>
+            <a:t>Log</a:t>
+          </a:r>
+          <a:endParaRPr lang="en-US" dirty="0"/>
+        </a:p>
+      </dgm:t>
+    </dgm:pt>
+    <dgm:pt modelId="{75C9F7A6-FE12-4139-A341-F6BE62BBA981}" type="parTrans" cxnId="{4E94B28A-5E5F-41EB-BAA6-61CEF1973D42}">
+      <dgm:prSet/>
+      <dgm:spPr/>
+      <dgm:t>
+        <a:bodyPr/>
+        <a:lstStyle/>
+        <a:p>
+          <a:endParaRPr lang="en-US"/>
+        </a:p>
+      </dgm:t>
+    </dgm:pt>
+    <dgm:pt modelId="{A12BE97D-A19B-4AD8-B4A1-E47653AB780E}" type="sibTrans" cxnId="{4E94B28A-5E5F-41EB-BAA6-61CEF1973D42}">
+      <dgm:prSet phldrT="03" phldr="0"/>
+      <dgm:spPr/>
+      <dgm:t>
+        <a:bodyPr/>
+        <a:lstStyle/>
+        <a:p>
+          <a:r>
+            <a:rPr lang="en-US"/>
+            <a:t>03</a:t>
+          </a:r>
+        </a:p>
+      </dgm:t>
+    </dgm:pt>
+    <dgm:pt modelId="{1901DC3D-3336-4D85-96D2-E6501F038BDE}">
+      <dgm:prSet/>
+      <dgm:spPr/>
+      <dgm:t>
+        <a:bodyPr/>
+        <a:lstStyle/>
+        <a:p>
+          <a:r>
+            <a:rPr lang="en-US" altLang="zh-CN" dirty="0" smtClean="0"/>
+            <a:t>Crash</a:t>
+          </a:r>
+          <a:r>
+            <a:rPr lang="zh-CN" altLang="en-US" dirty="0" smtClean="0"/>
+            <a:t> </a:t>
+          </a:r>
+          <a:r>
+            <a:rPr lang="en-US" altLang="zh-CN" dirty="0" smtClean="0"/>
+            <a:t>log</a:t>
+          </a:r>
+          <a:r>
+            <a:rPr lang="zh-CN" altLang="en-US" baseline="0" dirty="0" smtClean="0"/>
+            <a:t> </a:t>
+          </a:r>
+          <a:r>
+            <a:rPr lang="en-US" altLang="zh-CN" dirty="0" smtClean="0"/>
+            <a:t>(</a:t>
+          </a:r>
+          <a:r>
+            <a:rPr lang="en-US" altLang="zh-CN" dirty="0" smtClean="0"/>
+            <a:t>iOS)</a:t>
+          </a:r>
+          <a:r>
+            <a:rPr lang="zh-CN" altLang="en-US" baseline="0" dirty="0" smtClean="0"/>
+            <a:t> </a:t>
+          </a:r>
+          <a:endParaRPr lang="en-US" dirty="0"/>
+        </a:p>
+      </dgm:t>
+    </dgm:pt>
+    <dgm:pt modelId="{788699F7-86F0-4D11-9A1B-73C8E85B800A}" type="parTrans" cxnId="{0EA48081-90A6-4FAC-8C0C-7441F21E8D41}">
+      <dgm:prSet/>
+      <dgm:spPr/>
+      <dgm:t>
+        <a:bodyPr/>
+        <a:lstStyle/>
+        <a:p>
+          <a:endParaRPr lang="en-US"/>
+        </a:p>
+      </dgm:t>
+    </dgm:pt>
+    <dgm:pt modelId="{CC39306A-6E6F-4C24-99CB-8C3A5A69B9C9}" type="sibTrans" cxnId="{0EA48081-90A6-4FAC-8C0C-7441F21E8D41}">
+      <dgm:prSet phldrT="04" phldr="0"/>
+      <dgm:spPr/>
+      <dgm:t>
+        <a:bodyPr/>
+        <a:lstStyle/>
+        <a:p>
+          <a:r>
+            <a:rPr lang="en-US"/>
+            <a:t>04</a:t>
+          </a:r>
+        </a:p>
+      </dgm:t>
+    </dgm:pt>
+    <dgm:pt modelId="{D0BC22BB-1F06-4512-8938-3F315F914B3B}" type="pres">
+      <dgm:prSet presAssocID="{7CD3BFEF-4585-4E1D-B120-182144C59534}" presName="Name0" presStyleCnt="0">
+        <dgm:presLayoutVars>
+          <dgm:animLvl val="lvl"/>
+          <dgm:resizeHandles val="exact"/>
+        </dgm:presLayoutVars>
+      </dgm:prSet>
+      <dgm:spPr/>
+      <dgm:t>
+        <a:bodyPr/>
+        <a:lstStyle/>
+        <a:p>
+          <a:endParaRPr lang="en-US"/>
+        </a:p>
+      </dgm:t>
+    </dgm:pt>
+    <dgm:pt modelId="{1D463984-C49C-4C44-8EEE-D7C1F6E2B35A}" type="pres">
+      <dgm:prSet presAssocID="{38559965-8312-45B0-912B-F6A8BA3E59EC}" presName="compositeNode" presStyleCnt="0">
+        <dgm:presLayoutVars>
+          <dgm:bulletEnabled val="1"/>
+        </dgm:presLayoutVars>
+      </dgm:prSet>
+      <dgm:spPr/>
+    </dgm:pt>
+    <dgm:pt modelId="{2A7E092B-C8F5-455D-97FA-40C9BE210FD0}" type="pres">
+      <dgm:prSet presAssocID="{38559965-8312-45B0-912B-F6A8BA3E59EC}" presName="bgRect" presStyleLbl="alignNode1" presStyleIdx="0" presStyleCnt="4"/>
+      <dgm:spPr/>
+      <dgm:t>
+        <a:bodyPr/>
+        <a:lstStyle/>
+        <a:p>
+          <a:endParaRPr lang="en-US"/>
+        </a:p>
+      </dgm:t>
+    </dgm:pt>
+    <dgm:pt modelId="{11DDD22E-9549-4463-ACC2-AEA01B124582}" type="pres">
+      <dgm:prSet presAssocID="{F0DBECC1-3B68-4A56-95C9-C33497986D40}" presName="sibTransNodeRect" presStyleLbl="alignNode1" presStyleIdx="0" presStyleCnt="4">
+        <dgm:presLayoutVars>
+          <dgm:chMax val="0"/>
+          <dgm:bulletEnabled val="1"/>
+        </dgm:presLayoutVars>
+      </dgm:prSet>
+      <dgm:spPr/>
+      <dgm:t>
+        <a:bodyPr/>
+        <a:lstStyle/>
+        <a:p>
+          <a:endParaRPr lang="en-US"/>
+        </a:p>
+      </dgm:t>
+    </dgm:pt>
+    <dgm:pt modelId="{204B7849-5674-4559-9E47-52FB9830ED0E}" type="pres">
+      <dgm:prSet presAssocID="{38559965-8312-45B0-912B-F6A8BA3E59EC}" presName="nodeRect" presStyleLbl="alignNode1" presStyleIdx="0" presStyleCnt="4">
+        <dgm:presLayoutVars>
+          <dgm:bulletEnabled val="1"/>
+        </dgm:presLayoutVars>
+      </dgm:prSet>
+      <dgm:spPr/>
+      <dgm:t>
+        <a:bodyPr/>
+        <a:lstStyle/>
+        <a:p>
+          <a:endParaRPr lang="en-US"/>
+        </a:p>
+      </dgm:t>
+    </dgm:pt>
+    <dgm:pt modelId="{DA2AAC0C-FB0F-444B-B8E4-6AD7373F02C1}" type="pres">
+      <dgm:prSet presAssocID="{F0DBECC1-3B68-4A56-95C9-C33497986D40}" presName="sibTrans" presStyleCnt="0"/>
+      <dgm:spPr/>
+    </dgm:pt>
+    <dgm:pt modelId="{915492B5-35C4-4DEE-BBC8-B71809B71E88}" type="pres">
+      <dgm:prSet presAssocID="{9646C1D1-2F6A-426A-8039-5A3F85428D68}" presName="compositeNode" presStyleCnt="0">
+        <dgm:presLayoutVars>
+          <dgm:bulletEnabled val="1"/>
+        </dgm:presLayoutVars>
+      </dgm:prSet>
+      <dgm:spPr/>
+    </dgm:pt>
+    <dgm:pt modelId="{A45BC968-462B-4439-981F-BFFCD755D080}" type="pres">
+      <dgm:prSet presAssocID="{9646C1D1-2F6A-426A-8039-5A3F85428D68}" presName="bgRect" presStyleLbl="alignNode1" presStyleIdx="1" presStyleCnt="4"/>
+      <dgm:spPr/>
+      <dgm:t>
+        <a:bodyPr/>
+        <a:lstStyle/>
+        <a:p>
+          <a:endParaRPr lang="en-US"/>
+        </a:p>
+      </dgm:t>
+    </dgm:pt>
+    <dgm:pt modelId="{35FDF83B-9B70-4530-B5AE-251387563C49}" type="pres">
+      <dgm:prSet presAssocID="{DFFEDD5E-4726-48EC-8070-428797B82B44}" presName="sibTransNodeRect" presStyleLbl="alignNode1" presStyleIdx="1" presStyleCnt="4">
+        <dgm:presLayoutVars>
+          <dgm:chMax val="0"/>
+          <dgm:bulletEnabled val="1"/>
+        </dgm:presLayoutVars>
+      </dgm:prSet>
+      <dgm:spPr/>
+      <dgm:t>
+        <a:bodyPr/>
+        <a:lstStyle/>
+        <a:p>
+          <a:endParaRPr lang="en-US"/>
+        </a:p>
+      </dgm:t>
+    </dgm:pt>
+    <dgm:pt modelId="{8B43E5F3-0689-4F8B-BEB8-723F76B154A5}" type="pres">
+      <dgm:prSet presAssocID="{9646C1D1-2F6A-426A-8039-5A3F85428D68}" presName="nodeRect" presStyleLbl="alignNode1" presStyleIdx="1" presStyleCnt="4">
+        <dgm:presLayoutVars>
+          <dgm:bulletEnabled val="1"/>
+        </dgm:presLayoutVars>
+      </dgm:prSet>
+      <dgm:spPr/>
+      <dgm:t>
+        <a:bodyPr/>
+        <a:lstStyle/>
+        <a:p>
+          <a:endParaRPr lang="en-US"/>
+        </a:p>
+      </dgm:t>
+    </dgm:pt>
+    <dgm:pt modelId="{7E4B01B4-F253-48F2-A3A2-B59A5AE3F769}" type="pres">
+      <dgm:prSet presAssocID="{DFFEDD5E-4726-48EC-8070-428797B82B44}" presName="sibTrans" presStyleCnt="0"/>
+      <dgm:spPr/>
+    </dgm:pt>
+    <dgm:pt modelId="{362A92E4-8285-4900-A42C-0E1829EE7E76}" type="pres">
+      <dgm:prSet presAssocID="{A9D759D8-3809-4666-9566-DF110F94BC4F}" presName="compositeNode" presStyleCnt="0">
+        <dgm:presLayoutVars>
+          <dgm:bulletEnabled val="1"/>
+        </dgm:presLayoutVars>
+      </dgm:prSet>
+      <dgm:spPr/>
+    </dgm:pt>
+    <dgm:pt modelId="{313B2B51-1EF7-4190-92B1-00881B23E4B9}" type="pres">
+      <dgm:prSet presAssocID="{A9D759D8-3809-4666-9566-DF110F94BC4F}" presName="bgRect" presStyleLbl="alignNode1" presStyleIdx="2" presStyleCnt="4"/>
+      <dgm:spPr/>
+      <dgm:t>
+        <a:bodyPr/>
+        <a:lstStyle/>
+        <a:p>
+          <a:endParaRPr lang="en-US"/>
+        </a:p>
+      </dgm:t>
+    </dgm:pt>
+    <dgm:pt modelId="{A39FAB13-E959-49A8-B5D5-9D976FF4433A}" type="pres">
+      <dgm:prSet presAssocID="{A12BE97D-A19B-4AD8-B4A1-E47653AB780E}" presName="sibTransNodeRect" presStyleLbl="alignNode1" presStyleIdx="2" presStyleCnt="4">
+        <dgm:presLayoutVars>
+          <dgm:chMax val="0"/>
+          <dgm:bulletEnabled val="1"/>
+        </dgm:presLayoutVars>
+      </dgm:prSet>
+      <dgm:spPr/>
+      <dgm:t>
+        <a:bodyPr/>
+        <a:lstStyle/>
+        <a:p>
+          <a:endParaRPr lang="en-US"/>
+        </a:p>
+      </dgm:t>
+    </dgm:pt>
+    <dgm:pt modelId="{8DD0A183-71A5-4275-8039-3CD6344B29EC}" type="pres">
+      <dgm:prSet presAssocID="{A9D759D8-3809-4666-9566-DF110F94BC4F}" presName="nodeRect" presStyleLbl="alignNode1" presStyleIdx="2" presStyleCnt="4">
+        <dgm:presLayoutVars>
+          <dgm:bulletEnabled val="1"/>
+        </dgm:presLayoutVars>
+      </dgm:prSet>
+      <dgm:spPr/>
+      <dgm:t>
+        <a:bodyPr/>
+        <a:lstStyle/>
+        <a:p>
+          <a:endParaRPr lang="en-US"/>
+        </a:p>
+      </dgm:t>
+    </dgm:pt>
+    <dgm:pt modelId="{B328B067-C3FF-4F60-9B30-445A6999B7AE}" type="pres">
+      <dgm:prSet presAssocID="{A12BE97D-A19B-4AD8-B4A1-E47653AB780E}" presName="sibTrans" presStyleCnt="0"/>
+      <dgm:spPr/>
+    </dgm:pt>
+    <dgm:pt modelId="{2B9168D5-4AC3-4C8C-9062-5983B2F8AD8F}" type="pres">
+      <dgm:prSet presAssocID="{1901DC3D-3336-4D85-96D2-E6501F038BDE}" presName="compositeNode" presStyleCnt="0">
+        <dgm:presLayoutVars>
+          <dgm:bulletEnabled val="1"/>
+        </dgm:presLayoutVars>
+      </dgm:prSet>
+      <dgm:spPr/>
+    </dgm:pt>
+    <dgm:pt modelId="{1EC92B96-F5E7-4272-9053-4D586CA329FB}" type="pres">
+      <dgm:prSet presAssocID="{1901DC3D-3336-4D85-96D2-E6501F038BDE}" presName="bgRect" presStyleLbl="alignNode1" presStyleIdx="3" presStyleCnt="4"/>
+      <dgm:spPr/>
+      <dgm:t>
+        <a:bodyPr/>
+        <a:lstStyle/>
+        <a:p>
+          <a:endParaRPr lang="en-US"/>
+        </a:p>
+      </dgm:t>
+    </dgm:pt>
+    <dgm:pt modelId="{5F968826-08B8-492D-8717-83F2B1E131B8}" type="pres">
+      <dgm:prSet presAssocID="{CC39306A-6E6F-4C24-99CB-8C3A5A69B9C9}" presName="sibTransNodeRect" presStyleLbl="alignNode1" presStyleIdx="3" presStyleCnt="4">
+        <dgm:presLayoutVars>
+          <dgm:chMax val="0"/>
+          <dgm:bulletEnabled val="1"/>
+        </dgm:presLayoutVars>
+      </dgm:prSet>
+      <dgm:spPr/>
+      <dgm:t>
+        <a:bodyPr/>
+        <a:lstStyle/>
+        <a:p>
+          <a:endParaRPr lang="en-US"/>
+        </a:p>
+      </dgm:t>
+    </dgm:pt>
+    <dgm:pt modelId="{DF81B1B6-BD74-41AA-B3D0-62AF67505D83}" type="pres">
+      <dgm:prSet presAssocID="{1901DC3D-3336-4D85-96D2-E6501F038BDE}" presName="nodeRect" presStyleLbl="alignNode1" presStyleIdx="3" presStyleCnt="4">
+        <dgm:presLayoutVars>
+          <dgm:bulletEnabled val="1"/>
+        </dgm:presLayoutVars>
+      </dgm:prSet>
+      <dgm:spPr/>
+      <dgm:t>
+        <a:bodyPr/>
+        <a:lstStyle/>
+        <a:p>
+          <a:endParaRPr lang="en-US"/>
+        </a:p>
+      </dgm:t>
+    </dgm:pt>
+  </dgm:ptLst>
+  <dgm:cxnLst>
+    <dgm:cxn modelId="{878B8592-1B3C-0740-8F6F-BCB1E26980EB}" type="presOf" srcId="{1901DC3D-3336-4D85-96D2-E6501F038BDE}" destId="{DF81B1B6-BD74-41AA-B3D0-62AF67505D83}" srcOrd="1" destOrd="0" presId="urn:microsoft.com/office/officeart/2016/7/layout/LinearBlockProcessNumbered"/>
+    <dgm:cxn modelId="{4E94B28A-5E5F-41EB-BAA6-61CEF1973D42}" srcId="{7CD3BFEF-4585-4E1D-B120-182144C59534}" destId="{A9D759D8-3809-4666-9566-DF110F94BC4F}" srcOrd="2" destOrd="0" parTransId="{75C9F7A6-FE12-4139-A341-F6BE62BBA981}" sibTransId="{A12BE97D-A19B-4AD8-B4A1-E47653AB780E}"/>
+    <dgm:cxn modelId="{2FA8B6FA-A947-474A-8A67-73D1A2606967}" type="presOf" srcId="{7CD3BFEF-4585-4E1D-B120-182144C59534}" destId="{D0BC22BB-1F06-4512-8938-3F315F914B3B}" srcOrd="0" destOrd="0" presId="urn:microsoft.com/office/officeart/2016/7/layout/LinearBlockProcessNumbered"/>
+    <dgm:cxn modelId="{6B27225B-0201-AD4C-AFF6-E157CC08D94E}" type="presOf" srcId="{A9D759D8-3809-4666-9566-DF110F94BC4F}" destId="{313B2B51-1EF7-4190-92B1-00881B23E4B9}" srcOrd="0" destOrd="0" presId="urn:microsoft.com/office/officeart/2016/7/layout/LinearBlockProcessNumbered"/>
+    <dgm:cxn modelId="{10EB6A96-BB6C-C543-80A1-928C81E3E2C8}" type="presOf" srcId="{A12BE97D-A19B-4AD8-B4A1-E47653AB780E}" destId="{A39FAB13-E959-49A8-B5D5-9D976FF4433A}" srcOrd="0" destOrd="0" presId="urn:microsoft.com/office/officeart/2016/7/layout/LinearBlockProcessNumbered"/>
+    <dgm:cxn modelId="{DA067930-D188-4E8A-91D0-3100893D7627}" srcId="{7CD3BFEF-4585-4E1D-B120-182144C59534}" destId="{9646C1D1-2F6A-426A-8039-5A3F85428D68}" srcOrd="1" destOrd="0" parTransId="{0762C543-225E-4A1A-9464-288D29C67D5B}" sibTransId="{DFFEDD5E-4726-48EC-8070-428797B82B44}"/>
+    <dgm:cxn modelId="{745CD20C-7C84-8940-90E1-197F8DA09018}" type="presOf" srcId="{DFFEDD5E-4726-48EC-8070-428797B82B44}" destId="{35FDF83B-9B70-4530-B5AE-251387563C49}" srcOrd="0" destOrd="0" presId="urn:microsoft.com/office/officeart/2016/7/layout/LinearBlockProcessNumbered"/>
+    <dgm:cxn modelId="{DDC18C34-EB5A-E344-89A7-DD3689BD9B62}" type="presOf" srcId="{1901DC3D-3336-4D85-96D2-E6501F038BDE}" destId="{1EC92B96-F5E7-4272-9053-4D586CA329FB}" srcOrd="0" destOrd="0" presId="urn:microsoft.com/office/officeart/2016/7/layout/LinearBlockProcessNumbered"/>
+    <dgm:cxn modelId="{55D9FA25-0AFC-3E46-9332-FCAFFB50CA8A}" type="presOf" srcId="{F0DBECC1-3B68-4A56-95C9-C33497986D40}" destId="{11DDD22E-9549-4463-ACC2-AEA01B124582}" srcOrd="0" destOrd="0" presId="urn:microsoft.com/office/officeart/2016/7/layout/LinearBlockProcessNumbered"/>
+    <dgm:cxn modelId="{C1BF3CC7-2477-4CAC-B3AD-54BD0B0DC9EF}" srcId="{7CD3BFEF-4585-4E1D-B120-182144C59534}" destId="{38559965-8312-45B0-912B-F6A8BA3E59EC}" srcOrd="0" destOrd="0" parTransId="{2FFF9C1D-825E-4465-9B67-7206C96ED052}" sibTransId="{F0DBECC1-3B68-4A56-95C9-C33497986D40}"/>
+    <dgm:cxn modelId="{0EA48081-90A6-4FAC-8C0C-7441F21E8D41}" srcId="{7CD3BFEF-4585-4E1D-B120-182144C59534}" destId="{1901DC3D-3336-4D85-96D2-E6501F038BDE}" srcOrd="3" destOrd="0" parTransId="{788699F7-86F0-4D11-9A1B-73C8E85B800A}" sibTransId="{CC39306A-6E6F-4C24-99CB-8C3A5A69B9C9}"/>
+    <dgm:cxn modelId="{50905C45-B7F9-E942-ABE4-B80B1D05C6BD}" type="presOf" srcId="{38559965-8312-45B0-912B-F6A8BA3E59EC}" destId="{2A7E092B-C8F5-455D-97FA-40C9BE210FD0}" srcOrd="0" destOrd="0" presId="urn:microsoft.com/office/officeart/2016/7/layout/LinearBlockProcessNumbered"/>
+    <dgm:cxn modelId="{8460BDE2-A406-C34F-BD25-28AD60B48A99}" type="presOf" srcId="{CC39306A-6E6F-4C24-99CB-8C3A5A69B9C9}" destId="{5F968826-08B8-492D-8717-83F2B1E131B8}" srcOrd="0" destOrd="0" presId="urn:microsoft.com/office/officeart/2016/7/layout/LinearBlockProcessNumbered"/>
+    <dgm:cxn modelId="{AA2E107F-3A91-F440-AE0B-6807932B0F74}" type="presOf" srcId="{A9D759D8-3809-4666-9566-DF110F94BC4F}" destId="{8DD0A183-71A5-4275-8039-3CD6344B29EC}" srcOrd="1" destOrd="0" presId="urn:microsoft.com/office/officeart/2016/7/layout/LinearBlockProcessNumbered"/>
+    <dgm:cxn modelId="{6A37B2F9-9465-1342-AB40-62F796DC8208}" type="presOf" srcId="{38559965-8312-45B0-912B-F6A8BA3E59EC}" destId="{204B7849-5674-4559-9E47-52FB9830ED0E}" srcOrd="1" destOrd="0" presId="urn:microsoft.com/office/officeart/2016/7/layout/LinearBlockProcessNumbered"/>
+    <dgm:cxn modelId="{CA61D796-4EA2-B047-AF88-BDAE4C1ADC96}" type="presOf" srcId="{9646C1D1-2F6A-426A-8039-5A3F85428D68}" destId="{A45BC968-462B-4439-981F-BFFCD755D080}" srcOrd="0" destOrd="0" presId="urn:microsoft.com/office/officeart/2016/7/layout/LinearBlockProcessNumbered"/>
+    <dgm:cxn modelId="{A3A62167-947A-514F-8B4F-85E50D54EAEC}" type="presOf" srcId="{9646C1D1-2F6A-426A-8039-5A3F85428D68}" destId="{8B43E5F3-0689-4F8B-BEB8-723F76B154A5}" srcOrd="1" destOrd="0" presId="urn:microsoft.com/office/officeart/2016/7/layout/LinearBlockProcessNumbered"/>
+    <dgm:cxn modelId="{A2853A6E-19FD-EF4D-98EF-A75FCACD0AFD}" type="presParOf" srcId="{D0BC22BB-1F06-4512-8938-3F315F914B3B}" destId="{1D463984-C49C-4C44-8EEE-D7C1F6E2B35A}" srcOrd="0" destOrd="0" presId="urn:microsoft.com/office/officeart/2016/7/layout/LinearBlockProcessNumbered"/>
+    <dgm:cxn modelId="{675C4DFB-CF5A-3642-98B8-7797A03F0D41}" type="presParOf" srcId="{1D463984-C49C-4C44-8EEE-D7C1F6E2B35A}" destId="{2A7E092B-C8F5-455D-97FA-40C9BE210FD0}" srcOrd="0" destOrd="0" presId="urn:microsoft.com/office/officeart/2016/7/layout/LinearBlockProcessNumbered"/>
+    <dgm:cxn modelId="{5F32BFD3-5A47-584D-9242-F4550280B9FE}" type="presParOf" srcId="{1D463984-C49C-4C44-8EEE-D7C1F6E2B35A}" destId="{11DDD22E-9549-4463-ACC2-AEA01B124582}" srcOrd="1" destOrd="0" presId="urn:microsoft.com/office/officeart/2016/7/layout/LinearBlockProcessNumbered"/>
+    <dgm:cxn modelId="{03C70D1E-4BE8-884B-8AF6-D5C45B0ADE36}" type="presParOf" srcId="{1D463984-C49C-4C44-8EEE-D7C1F6E2B35A}" destId="{204B7849-5674-4559-9E47-52FB9830ED0E}" srcOrd="2" destOrd="0" presId="urn:microsoft.com/office/officeart/2016/7/layout/LinearBlockProcessNumbered"/>
+    <dgm:cxn modelId="{96E8276F-D340-2F4B-8015-8681D6646755}" type="presParOf" srcId="{D0BC22BB-1F06-4512-8938-3F315F914B3B}" destId="{DA2AAC0C-FB0F-444B-B8E4-6AD7373F02C1}" srcOrd="1" destOrd="0" presId="urn:microsoft.com/office/officeart/2016/7/layout/LinearBlockProcessNumbered"/>
+    <dgm:cxn modelId="{1F802F0F-6176-A941-8997-E0250C2DCE28}" type="presParOf" srcId="{D0BC22BB-1F06-4512-8938-3F315F914B3B}" destId="{915492B5-35C4-4DEE-BBC8-B71809B71E88}" srcOrd="2" destOrd="0" presId="urn:microsoft.com/office/officeart/2016/7/layout/LinearBlockProcessNumbered"/>
+    <dgm:cxn modelId="{3D67A73D-7291-3A4E-B55B-4F734B8D58C7}" type="presParOf" srcId="{915492B5-35C4-4DEE-BBC8-B71809B71E88}" destId="{A45BC968-462B-4439-981F-BFFCD755D080}" srcOrd="0" destOrd="0" presId="urn:microsoft.com/office/officeart/2016/7/layout/LinearBlockProcessNumbered"/>
+    <dgm:cxn modelId="{6D3367D8-6047-3843-B0A2-0948A91F799A}" type="presParOf" srcId="{915492B5-35C4-4DEE-BBC8-B71809B71E88}" destId="{35FDF83B-9B70-4530-B5AE-251387563C49}" srcOrd="1" destOrd="0" presId="urn:microsoft.com/office/officeart/2016/7/layout/LinearBlockProcessNumbered"/>
+    <dgm:cxn modelId="{F38612FE-3622-DE4A-B6EC-A9935CC5C3E8}" type="presParOf" srcId="{915492B5-35C4-4DEE-BBC8-B71809B71E88}" destId="{8B43E5F3-0689-4F8B-BEB8-723F76B154A5}" srcOrd="2" destOrd="0" presId="urn:microsoft.com/office/officeart/2016/7/layout/LinearBlockProcessNumbered"/>
+    <dgm:cxn modelId="{EC283C6A-CAC5-4E44-A7A2-F5F65180BBD7}" type="presParOf" srcId="{D0BC22BB-1F06-4512-8938-3F315F914B3B}" destId="{7E4B01B4-F253-48F2-A3A2-B59A5AE3F769}" srcOrd="3" destOrd="0" presId="urn:microsoft.com/office/officeart/2016/7/layout/LinearBlockProcessNumbered"/>
+    <dgm:cxn modelId="{C7957663-A3E3-BA47-9F35-30452486228D}" type="presParOf" srcId="{D0BC22BB-1F06-4512-8938-3F315F914B3B}" destId="{362A92E4-8285-4900-A42C-0E1829EE7E76}" srcOrd="4" destOrd="0" presId="urn:microsoft.com/office/officeart/2016/7/layout/LinearBlockProcessNumbered"/>
+    <dgm:cxn modelId="{3384400F-836F-0F44-A9C9-C92EEBD31775}" type="presParOf" srcId="{362A92E4-8285-4900-A42C-0E1829EE7E76}" destId="{313B2B51-1EF7-4190-92B1-00881B23E4B9}" srcOrd="0" destOrd="0" presId="urn:microsoft.com/office/officeart/2016/7/layout/LinearBlockProcessNumbered"/>
+    <dgm:cxn modelId="{3B13E1D7-B42D-ED4A-8A05-3F6223760EF5}" type="presParOf" srcId="{362A92E4-8285-4900-A42C-0E1829EE7E76}" destId="{A39FAB13-E959-49A8-B5D5-9D976FF4433A}" srcOrd="1" destOrd="0" presId="urn:microsoft.com/office/officeart/2016/7/layout/LinearBlockProcessNumbered"/>
+    <dgm:cxn modelId="{FC3CBB2E-CB49-2746-B5C7-5430640A6C1F}" type="presParOf" srcId="{362A92E4-8285-4900-A42C-0E1829EE7E76}" destId="{8DD0A183-71A5-4275-8039-3CD6344B29EC}" srcOrd="2" destOrd="0" presId="urn:microsoft.com/office/officeart/2016/7/layout/LinearBlockProcessNumbered"/>
+    <dgm:cxn modelId="{FF772E0F-3A59-DB42-A2A1-62A0BB5C9AEE}" type="presParOf" srcId="{D0BC22BB-1F06-4512-8938-3F315F914B3B}" destId="{B328B067-C3FF-4F60-9B30-445A6999B7AE}" srcOrd="5" destOrd="0" presId="urn:microsoft.com/office/officeart/2016/7/layout/LinearBlockProcessNumbered"/>
+    <dgm:cxn modelId="{59A51363-B3FB-FD41-A30D-FE9E3DC75BEB}" type="presParOf" srcId="{D0BC22BB-1F06-4512-8938-3F315F914B3B}" destId="{2B9168D5-4AC3-4C8C-9062-5983B2F8AD8F}" srcOrd="6" destOrd="0" presId="urn:microsoft.com/office/officeart/2016/7/layout/LinearBlockProcessNumbered"/>
+    <dgm:cxn modelId="{78332CC6-4EC4-9948-A70A-4F32D4BC19D6}" type="presParOf" srcId="{2B9168D5-4AC3-4C8C-9062-5983B2F8AD8F}" destId="{1EC92B96-F5E7-4272-9053-4D586CA329FB}" srcOrd="0" destOrd="0" presId="urn:microsoft.com/office/officeart/2016/7/layout/LinearBlockProcessNumbered"/>
+    <dgm:cxn modelId="{3F90CCCC-F0F6-974A-B7E2-DC7F97442D45}" type="presParOf" srcId="{2B9168D5-4AC3-4C8C-9062-5983B2F8AD8F}" destId="{5F968826-08B8-492D-8717-83F2B1E131B8}" srcOrd="1" destOrd="0" presId="urn:microsoft.com/office/officeart/2016/7/layout/LinearBlockProcessNumbered"/>
+    <dgm:cxn modelId="{D2FB1B74-4470-EF4A-95DE-95C921B0C2D2}" type="presParOf" srcId="{2B9168D5-4AC3-4C8C-9062-5983B2F8AD8F}" destId="{DF81B1B6-BD74-41AA-B3D0-62AF67505D83}" srcOrd="2" destOrd="0" presId="urn:microsoft.com/office/officeart/2016/7/layout/LinearBlockProcessNumbered"/>
   </dgm:cxnLst>
   <dgm:bg/>
   <dgm:whole/>
@@ -3713,11 +5076,7 @@
           </a:r>
           <a:r>
             <a:rPr lang="zh-CN" altLang="en-US" sz="2600" kern="1200" dirty="0" smtClean="0"/>
-            <a:t> </a:t>
-          </a:r>
-          <a:r>
-            <a:rPr lang="zh-CN" altLang="en-US" sz="2600" kern="1200" dirty="0" smtClean="0"/>
-            <a:t>元素遍历 </a:t>
+            <a:t> 元素遍历 </a:t>
           </a:r>
           <a:endParaRPr lang="en-US" sz="2600" kern="1200" dirty="0"/>
         </a:p>
@@ -3974,6 +5333,622 @@
       <dsp:txXfrm>
         <a:off x="5121321" y="2428389"/>
         <a:ext cx="5153162" cy="1572480"/>
+      </dsp:txXfrm>
+    </dsp:sp>
+  </dsp:spTree>
+</dsp:drawing>
+</file>
+
+<file path=ppt/diagrams/drawing3.xml><?xml version="1.0" encoding="utf-8"?>
+<dsp:drawing xmlns:dgm="http://schemas.openxmlformats.org/drawingml/2006/diagram" xmlns:dsp="http://schemas.microsoft.com/office/drawing/2008/diagram" xmlns:a="http://schemas.openxmlformats.org/drawingml/2006/main">
+  <dsp:spTree>
+    <dsp:nvGrpSpPr>
+      <dsp:cNvPr id="0" name=""/>
+      <dsp:cNvGrpSpPr/>
+    </dsp:nvGrpSpPr>
+    <dsp:grpSpPr/>
+    <dsp:sp modelId="{2A7E092B-C8F5-455D-97FA-40C9BE210FD0}">
+      <dsp:nvSpPr>
+        <dsp:cNvPr id="0" name=""/>
+        <dsp:cNvSpPr/>
+      </dsp:nvSpPr>
+      <dsp:spPr>
+        <a:xfrm>
+          <a:off x="205" y="687670"/>
+          <a:ext cx="2479997" cy="2975996"/>
+        </a:xfrm>
+        <a:prstGeom prst="rect">
+          <a:avLst/>
+        </a:prstGeom>
+        <a:solidFill>
+          <a:schemeClr val="accent1">
+            <a:shade val="80000"/>
+            <a:hueOff val="0"/>
+            <a:satOff val="0"/>
+            <a:lumOff val="0"/>
+            <a:alphaOff val="0"/>
+          </a:schemeClr>
+        </a:solidFill>
+        <a:ln w="12700" cap="flat" cmpd="sng" algn="ctr">
+          <a:solidFill>
+            <a:schemeClr val="accent1">
+              <a:shade val="80000"/>
+              <a:hueOff val="0"/>
+              <a:satOff val="0"/>
+              <a:lumOff val="0"/>
+              <a:alphaOff val="0"/>
+            </a:schemeClr>
+          </a:solidFill>
+          <a:prstDash val="solid"/>
+          <a:miter lim="800000"/>
+        </a:ln>
+        <a:effectLst/>
+      </dsp:spPr>
+      <dsp:style>
+        <a:lnRef idx="2">
+          <a:scrgbClr r="0" g="0" b="0"/>
+        </a:lnRef>
+        <a:fillRef idx="1">
+          <a:scrgbClr r="0" g="0" b="0"/>
+        </a:fillRef>
+        <a:effectRef idx="0">
+          <a:scrgbClr r="0" g="0" b="0"/>
+        </a:effectRef>
+        <a:fontRef idx="minor">
+          <a:schemeClr val="lt1"/>
+        </a:fontRef>
+      </dsp:style>
+      <dsp:txBody>
+        <a:bodyPr spcFirstLastPara="0" vert="horz" wrap="square" lIns="244969" tIns="0" rIns="244969" bIns="330200" numCol="1" spcCol="1270" anchor="t" anchorCtr="0">
+          <a:noAutofit/>
+        </a:bodyPr>
+        <a:lstStyle/>
+        <a:p>
+          <a:pPr lvl="0" algn="l" defTabSz="1155700">
+            <a:lnSpc>
+              <a:spcPct val="90000"/>
+            </a:lnSpc>
+            <a:spcBef>
+              <a:spcPct val="0"/>
+            </a:spcBef>
+            <a:spcAft>
+              <a:spcPct val="35000"/>
+            </a:spcAft>
+          </a:pPr>
+          <a:r>
+            <a:rPr lang="zh-CN" altLang="en-US" sz="2600" kern="1200" dirty="0" smtClean="0"/>
+            <a:t>测试报告</a:t>
+          </a:r>
+          <a:endParaRPr lang="en-US" sz="2600" kern="1200" dirty="0"/>
+        </a:p>
+      </dsp:txBody>
+      <dsp:txXfrm>
+        <a:off x="205" y="1878069"/>
+        <a:ext cx="2479997" cy="1785598"/>
+      </dsp:txXfrm>
+    </dsp:sp>
+    <dsp:sp modelId="{11DDD22E-9549-4463-ACC2-AEA01B124582}">
+      <dsp:nvSpPr>
+        <dsp:cNvPr id="0" name=""/>
+        <dsp:cNvSpPr/>
+      </dsp:nvSpPr>
+      <dsp:spPr>
+        <a:xfrm>
+          <a:off x="205" y="687670"/>
+          <a:ext cx="2479997" cy="1190398"/>
+        </a:xfrm>
+        <a:prstGeom prst="rect">
+          <a:avLst/>
+        </a:prstGeom>
+        <a:noFill/>
+        <a:ln w="12700" cap="flat" cmpd="sng" algn="ctr">
+          <a:noFill/>
+          <a:prstDash val="solid"/>
+          <a:miter lim="800000"/>
+        </a:ln>
+        <a:effectLst/>
+        <a:sp3d/>
+      </dsp:spPr>
+      <dsp:style>
+        <a:lnRef idx="2">
+          <a:scrgbClr r="0" g="0" b="0"/>
+        </a:lnRef>
+        <a:fillRef idx="1">
+          <a:scrgbClr r="0" g="0" b="0"/>
+        </a:fillRef>
+        <a:effectRef idx="0">
+          <a:scrgbClr r="0" g="0" b="0"/>
+        </a:effectRef>
+        <a:fontRef idx="minor">
+          <a:schemeClr val="lt1"/>
+        </a:fontRef>
+      </dsp:style>
+      <dsp:txBody>
+        <a:bodyPr spcFirstLastPara="0" vert="horz" wrap="square" lIns="244969" tIns="165100" rIns="244969" bIns="165100" numCol="1" spcCol="1270" anchor="ctr" anchorCtr="0">
+          <a:noAutofit/>
+        </a:bodyPr>
+        <a:lstStyle/>
+        <a:p>
+          <a:pPr lvl="0" algn="l" defTabSz="2711450">
+            <a:lnSpc>
+              <a:spcPct val="90000"/>
+            </a:lnSpc>
+            <a:spcBef>
+              <a:spcPct val="0"/>
+            </a:spcBef>
+            <a:spcAft>
+              <a:spcPct val="35000"/>
+            </a:spcAft>
+          </a:pPr>
+          <a:r>
+            <a:rPr lang="en-US" sz="6100" kern="1200"/>
+            <a:t>01</a:t>
+          </a:r>
+        </a:p>
+      </dsp:txBody>
+      <dsp:txXfrm>
+        <a:off x="205" y="687670"/>
+        <a:ext cx="2479997" cy="1190398"/>
+      </dsp:txXfrm>
+    </dsp:sp>
+    <dsp:sp modelId="{A45BC968-462B-4439-981F-BFFCD755D080}">
+      <dsp:nvSpPr>
+        <dsp:cNvPr id="0" name=""/>
+        <dsp:cNvSpPr/>
+      </dsp:nvSpPr>
+      <dsp:spPr>
+        <a:xfrm>
+          <a:off x="2678602" y="687670"/>
+          <a:ext cx="2479997" cy="2975996"/>
+        </a:xfrm>
+        <a:prstGeom prst="rect">
+          <a:avLst/>
+        </a:prstGeom>
+        <a:solidFill>
+          <a:schemeClr val="accent1">
+            <a:shade val="80000"/>
+            <a:hueOff val="90422"/>
+            <a:satOff val="1725"/>
+            <a:lumOff val="7619"/>
+            <a:alphaOff val="0"/>
+          </a:schemeClr>
+        </a:solidFill>
+        <a:ln w="12700" cap="flat" cmpd="sng" algn="ctr">
+          <a:solidFill>
+            <a:schemeClr val="accent1">
+              <a:shade val="80000"/>
+              <a:hueOff val="90422"/>
+              <a:satOff val="1725"/>
+              <a:lumOff val="7619"/>
+              <a:alphaOff val="0"/>
+            </a:schemeClr>
+          </a:solidFill>
+          <a:prstDash val="solid"/>
+          <a:miter lim="800000"/>
+        </a:ln>
+        <a:effectLst/>
+      </dsp:spPr>
+      <dsp:style>
+        <a:lnRef idx="2">
+          <a:scrgbClr r="0" g="0" b="0"/>
+        </a:lnRef>
+        <a:fillRef idx="1">
+          <a:scrgbClr r="0" g="0" b="0"/>
+        </a:fillRef>
+        <a:effectRef idx="0">
+          <a:scrgbClr r="0" g="0" b="0"/>
+        </a:effectRef>
+        <a:fontRef idx="minor">
+          <a:schemeClr val="lt1"/>
+        </a:fontRef>
+      </dsp:style>
+      <dsp:txBody>
+        <a:bodyPr spcFirstLastPara="0" vert="horz" wrap="square" lIns="244969" tIns="0" rIns="244969" bIns="330200" numCol="1" spcCol="1270" anchor="t" anchorCtr="0">
+          <a:noAutofit/>
+        </a:bodyPr>
+        <a:lstStyle/>
+        <a:p>
+          <a:pPr lvl="0" algn="l" defTabSz="1155700">
+            <a:lnSpc>
+              <a:spcPct val="90000"/>
+            </a:lnSpc>
+            <a:spcBef>
+              <a:spcPct val="0"/>
+            </a:spcBef>
+            <a:spcAft>
+              <a:spcPct val="35000"/>
+            </a:spcAft>
+          </a:pPr>
+          <a:r>
+            <a:rPr lang="zh-CN" altLang="en-US" sz="2600" kern="1200" dirty="0" smtClean="0"/>
+            <a:t>测试步骤截图、视频</a:t>
+          </a:r>
+          <a:endParaRPr lang="en-US" sz="2600" kern="1200" dirty="0"/>
+        </a:p>
+      </dsp:txBody>
+      <dsp:txXfrm>
+        <a:off x="2678602" y="1878069"/>
+        <a:ext cx="2479997" cy="1785598"/>
+      </dsp:txXfrm>
+    </dsp:sp>
+    <dsp:sp modelId="{35FDF83B-9B70-4530-B5AE-251387563C49}">
+      <dsp:nvSpPr>
+        <dsp:cNvPr id="0" name=""/>
+        <dsp:cNvSpPr/>
+      </dsp:nvSpPr>
+      <dsp:spPr>
+        <a:xfrm>
+          <a:off x="2678602" y="687670"/>
+          <a:ext cx="2479997" cy="1190398"/>
+        </a:xfrm>
+        <a:prstGeom prst="rect">
+          <a:avLst/>
+        </a:prstGeom>
+        <a:noFill/>
+        <a:ln w="12700" cap="flat" cmpd="sng" algn="ctr">
+          <a:noFill/>
+          <a:prstDash val="solid"/>
+          <a:miter lim="800000"/>
+        </a:ln>
+        <a:effectLst/>
+        <a:sp3d/>
+      </dsp:spPr>
+      <dsp:style>
+        <a:lnRef idx="2">
+          <a:scrgbClr r="0" g="0" b="0"/>
+        </a:lnRef>
+        <a:fillRef idx="1">
+          <a:scrgbClr r="0" g="0" b="0"/>
+        </a:fillRef>
+        <a:effectRef idx="0">
+          <a:scrgbClr r="0" g="0" b="0"/>
+        </a:effectRef>
+        <a:fontRef idx="minor">
+          <a:schemeClr val="lt1"/>
+        </a:fontRef>
+      </dsp:style>
+      <dsp:txBody>
+        <a:bodyPr spcFirstLastPara="0" vert="horz" wrap="square" lIns="244969" tIns="165100" rIns="244969" bIns="165100" numCol="1" spcCol="1270" anchor="ctr" anchorCtr="0">
+          <a:noAutofit/>
+        </a:bodyPr>
+        <a:lstStyle/>
+        <a:p>
+          <a:pPr lvl="0" algn="l" defTabSz="2711450">
+            <a:lnSpc>
+              <a:spcPct val="90000"/>
+            </a:lnSpc>
+            <a:spcBef>
+              <a:spcPct val="0"/>
+            </a:spcBef>
+            <a:spcAft>
+              <a:spcPct val="35000"/>
+            </a:spcAft>
+          </a:pPr>
+          <a:r>
+            <a:rPr lang="en-US" sz="6100" kern="1200"/>
+            <a:t>02</a:t>
+          </a:r>
+        </a:p>
+      </dsp:txBody>
+      <dsp:txXfrm>
+        <a:off x="2678602" y="687670"/>
+        <a:ext cx="2479997" cy="1190398"/>
+      </dsp:txXfrm>
+    </dsp:sp>
+    <dsp:sp modelId="{313B2B51-1EF7-4190-92B1-00881B23E4B9}">
+      <dsp:nvSpPr>
+        <dsp:cNvPr id="0" name=""/>
+        <dsp:cNvSpPr/>
+      </dsp:nvSpPr>
+      <dsp:spPr>
+        <a:xfrm>
+          <a:off x="5356999" y="687670"/>
+          <a:ext cx="2479997" cy="2975996"/>
+        </a:xfrm>
+        <a:prstGeom prst="rect">
+          <a:avLst/>
+        </a:prstGeom>
+        <a:solidFill>
+          <a:schemeClr val="accent1">
+            <a:shade val="80000"/>
+            <a:hueOff val="180844"/>
+            <a:satOff val="3450"/>
+            <a:lumOff val="15237"/>
+            <a:alphaOff val="0"/>
+          </a:schemeClr>
+        </a:solidFill>
+        <a:ln w="12700" cap="flat" cmpd="sng" algn="ctr">
+          <a:solidFill>
+            <a:schemeClr val="accent1">
+              <a:shade val="80000"/>
+              <a:hueOff val="180844"/>
+              <a:satOff val="3450"/>
+              <a:lumOff val="15237"/>
+              <a:alphaOff val="0"/>
+            </a:schemeClr>
+          </a:solidFill>
+          <a:prstDash val="solid"/>
+          <a:miter lim="800000"/>
+        </a:ln>
+        <a:effectLst/>
+      </dsp:spPr>
+      <dsp:style>
+        <a:lnRef idx="2">
+          <a:scrgbClr r="0" g="0" b="0"/>
+        </a:lnRef>
+        <a:fillRef idx="1">
+          <a:scrgbClr r="0" g="0" b="0"/>
+        </a:fillRef>
+        <a:effectRef idx="0">
+          <a:scrgbClr r="0" g="0" b="0"/>
+        </a:effectRef>
+        <a:fontRef idx="minor">
+          <a:schemeClr val="lt1"/>
+        </a:fontRef>
+      </dsp:style>
+      <dsp:txBody>
+        <a:bodyPr spcFirstLastPara="0" vert="horz" wrap="square" lIns="244969" tIns="0" rIns="244969" bIns="330200" numCol="1" spcCol="1270" anchor="t" anchorCtr="0">
+          <a:noAutofit/>
+        </a:bodyPr>
+        <a:lstStyle/>
+        <a:p>
+          <a:pPr lvl="0" algn="l" defTabSz="1155700">
+            <a:lnSpc>
+              <a:spcPct val="90000"/>
+            </a:lnSpc>
+            <a:spcBef>
+              <a:spcPct val="0"/>
+            </a:spcBef>
+            <a:spcAft>
+              <a:spcPct val="35000"/>
+            </a:spcAft>
+          </a:pPr>
+          <a:r>
+            <a:rPr lang="zh-CN" altLang="en-US" sz="2600" kern="1200" dirty="0" smtClean="0"/>
+            <a:t>系统</a:t>
+          </a:r>
+          <a:r>
+            <a:rPr lang="en-US" altLang="zh-CN" sz="2600" kern="1200" dirty="0" smtClean="0"/>
+            <a:t>Log</a:t>
+          </a:r>
+          <a:endParaRPr lang="en-US" sz="2600" kern="1200" dirty="0"/>
+        </a:p>
+      </dsp:txBody>
+      <dsp:txXfrm>
+        <a:off x="5356999" y="1878069"/>
+        <a:ext cx="2479997" cy="1785598"/>
+      </dsp:txXfrm>
+    </dsp:sp>
+    <dsp:sp modelId="{A39FAB13-E959-49A8-B5D5-9D976FF4433A}">
+      <dsp:nvSpPr>
+        <dsp:cNvPr id="0" name=""/>
+        <dsp:cNvSpPr/>
+      </dsp:nvSpPr>
+      <dsp:spPr>
+        <a:xfrm>
+          <a:off x="5356999" y="687670"/>
+          <a:ext cx="2479997" cy="1190398"/>
+        </a:xfrm>
+        <a:prstGeom prst="rect">
+          <a:avLst/>
+        </a:prstGeom>
+        <a:noFill/>
+        <a:ln w="12700" cap="flat" cmpd="sng" algn="ctr">
+          <a:noFill/>
+          <a:prstDash val="solid"/>
+          <a:miter lim="800000"/>
+        </a:ln>
+        <a:effectLst/>
+        <a:sp3d/>
+      </dsp:spPr>
+      <dsp:style>
+        <a:lnRef idx="2">
+          <a:scrgbClr r="0" g="0" b="0"/>
+        </a:lnRef>
+        <a:fillRef idx="1">
+          <a:scrgbClr r="0" g="0" b="0"/>
+        </a:fillRef>
+        <a:effectRef idx="0">
+          <a:scrgbClr r="0" g="0" b="0"/>
+        </a:effectRef>
+        <a:fontRef idx="minor">
+          <a:schemeClr val="lt1"/>
+        </a:fontRef>
+      </dsp:style>
+      <dsp:txBody>
+        <a:bodyPr spcFirstLastPara="0" vert="horz" wrap="square" lIns="244969" tIns="165100" rIns="244969" bIns="165100" numCol="1" spcCol="1270" anchor="ctr" anchorCtr="0">
+          <a:noAutofit/>
+        </a:bodyPr>
+        <a:lstStyle/>
+        <a:p>
+          <a:pPr lvl="0" algn="l" defTabSz="2711450">
+            <a:lnSpc>
+              <a:spcPct val="90000"/>
+            </a:lnSpc>
+            <a:spcBef>
+              <a:spcPct val="0"/>
+            </a:spcBef>
+            <a:spcAft>
+              <a:spcPct val="35000"/>
+            </a:spcAft>
+          </a:pPr>
+          <a:r>
+            <a:rPr lang="en-US" sz="6100" kern="1200"/>
+            <a:t>03</a:t>
+          </a:r>
+        </a:p>
+      </dsp:txBody>
+      <dsp:txXfrm>
+        <a:off x="5356999" y="687670"/>
+        <a:ext cx="2479997" cy="1190398"/>
+      </dsp:txXfrm>
+    </dsp:sp>
+    <dsp:sp modelId="{1EC92B96-F5E7-4272-9053-4D586CA329FB}">
+      <dsp:nvSpPr>
+        <dsp:cNvPr id="0" name=""/>
+        <dsp:cNvSpPr/>
+      </dsp:nvSpPr>
+      <dsp:spPr>
+        <a:xfrm>
+          <a:off x="8035397" y="687670"/>
+          <a:ext cx="2479997" cy="2975996"/>
+        </a:xfrm>
+        <a:prstGeom prst="rect">
+          <a:avLst/>
+        </a:prstGeom>
+        <a:solidFill>
+          <a:schemeClr val="accent1">
+            <a:shade val="80000"/>
+            <a:hueOff val="271265"/>
+            <a:satOff val="5175"/>
+            <a:lumOff val="22856"/>
+            <a:alphaOff val="0"/>
+          </a:schemeClr>
+        </a:solidFill>
+        <a:ln w="12700" cap="flat" cmpd="sng" algn="ctr">
+          <a:solidFill>
+            <a:schemeClr val="accent1">
+              <a:shade val="80000"/>
+              <a:hueOff val="271265"/>
+              <a:satOff val="5175"/>
+              <a:lumOff val="22856"/>
+              <a:alphaOff val="0"/>
+            </a:schemeClr>
+          </a:solidFill>
+          <a:prstDash val="solid"/>
+          <a:miter lim="800000"/>
+        </a:ln>
+        <a:effectLst/>
+      </dsp:spPr>
+      <dsp:style>
+        <a:lnRef idx="2">
+          <a:scrgbClr r="0" g="0" b="0"/>
+        </a:lnRef>
+        <a:fillRef idx="1">
+          <a:scrgbClr r="0" g="0" b="0"/>
+        </a:fillRef>
+        <a:effectRef idx="0">
+          <a:scrgbClr r="0" g="0" b="0"/>
+        </a:effectRef>
+        <a:fontRef idx="minor">
+          <a:schemeClr val="lt1"/>
+        </a:fontRef>
+      </dsp:style>
+      <dsp:txBody>
+        <a:bodyPr spcFirstLastPara="0" vert="horz" wrap="square" lIns="244969" tIns="0" rIns="244969" bIns="330200" numCol="1" spcCol="1270" anchor="t" anchorCtr="0">
+          <a:noAutofit/>
+        </a:bodyPr>
+        <a:lstStyle/>
+        <a:p>
+          <a:pPr lvl="0" algn="l" defTabSz="1155700">
+            <a:lnSpc>
+              <a:spcPct val="90000"/>
+            </a:lnSpc>
+            <a:spcBef>
+              <a:spcPct val="0"/>
+            </a:spcBef>
+            <a:spcAft>
+              <a:spcPct val="35000"/>
+            </a:spcAft>
+          </a:pPr>
+          <a:r>
+            <a:rPr lang="en-US" altLang="zh-CN" sz="2600" kern="1200" dirty="0" smtClean="0"/>
+            <a:t>Crash</a:t>
+          </a:r>
+          <a:r>
+            <a:rPr lang="zh-CN" altLang="en-US" sz="2600" kern="1200" dirty="0" smtClean="0"/>
+            <a:t> </a:t>
+          </a:r>
+          <a:r>
+            <a:rPr lang="en-US" altLang="zh-CN" sz="2600" kern="1200" dirty="0" smtClean="0"/>
+            <a:t>log</a:t>
+          </a:r>
+          <a:r>
+            <a:rPr lang="zh-CN" altLang="en-US" sz="2600" kern="1200" baseline="0" dirty="0" smtClean="0"/>
+            <a:t> </a:t>
+          </a:r>
+          <a:r>
+            <a:rPr lang="en-US" altLang="zh-CN" sz="2600" kern="1200" dirty="0" smtClean="0"/>
+            <a:t>(</a:t>
+          </a:r>
+          <a:r>
+            <a:rPr lang="en-US" altLang="zh-CN" sz="2600" kern="1200" dirty="0" smtClean="0"/>
+            <a:t>iOS)</a:t>
+          </a:r>
+          <a:r>
+            <a:rPr lang="zh-CN" altLang="en-US" sz="2600" kern="1200" baseline="0" dirty="0" smtClean="0"/>
+            <a:t> </a:t>
+          </a:r>
+          <a:endParaRPr lang="en-US" sz="2600" kern="1200" dirty="0"/>
+        </a:p>
+      </dsp:txBody>
+      <dsp:txXfrm>
+        <a:off x="8035397" y="1878069"/>
+        <a:ext cx="2479997" cy="1785598"/>
+      </dsp:txXfrm>
+    </dsp:sp>
+    <dsp:sp modelId="{5F968826-08B8-492D-8717-83F2B1E131B8}">
+      <dsp:nvSpPr>
+        <dsp:cNvPr id="0" name=""/>
+        <dsp:cNvSpPr/>
+      </dsp:nvSpPr>
+      <dsp:spPr>
+        <a:xfrm>
+          <a:off x="8035397" y="687670"/>
+          <a:ext cx="2479997" cy="1190398"/>
+        </a:xfrm>
+        <a:prstGeom prst="rect">
+          <a:avLst/>
+        </a:prstGeom>
+        <a:noFill/>
+        <a:ln w="12700" cap="flat" cmpd="sng" algn="ctr">
+          <a:noFill/>
+          <a:prstDash val="solid"/>
+          <a:miter lim="800000"/>
+        </a:ln>
+        <a:effectLst/>
+        <a:sp3d/>
+      </dsp:spPr>
+      <dsp:style>
+        <a:lnRef idx="2">
+          <a:scrgbClr r="0" g="0" b="0"/>
+        </a:lnRef>
+        <a:fillRef idx="1">
+          <a:scrgbClr r="0" g="0" b="0"/>
+        </a:fillRef>
+        <a:effectRef idx="0">
+          <a:scrgbClr r="0" g="0" b="0"/>
+        </a:effectRef>
+        <a:fontRef idx="minor">
+          <a:schemeClr val="lt1"/>
+        </a:fontRef>
+      </dsp:style>
+      <dsp:txBody>
+        <a:bodyPr spcFirstLastPara="0" vert="horz" wrap="square" lIns="244969" tIns="165100" rIns="244969" bIns="165100" numCol="1" spcCol="1270" anchor="ctr" anchorCtr="0">
+          <a:noAutofit/>
+        </a:bodyPr>
+        <a:lstStyle/>
+        <a:p>
+          <a:pPr lvl="0" algn="l" defTabSz="2711450">
+            <a:lnSpc>
+              <a:spcPct val="90000"/>
+            </a:lnSpc>
+            <a:spcBef>
+              <a:spcPct val="0"/>
+            </a:spcBef>
+            <a:spcAft>
+              <a:spcPct val="35000"/>
+            </a:spcAft>
+          </a:pPr>
+          <a:r>
+            <a:rPr lang="en-US" sz="6100" kern="1200"/>
+            <a:t>04</a:t>
+          </a:r>
+        </a:p>
+      </dsp:txBody>
+      <dsp:txXfrm>
+        <a:off x="8035397" y="687670"/>
+        <a:ext cx="2479997" cy="1190398"/>
       </dsp:txXfrm>
     </dsp:sp>
   </dsp:spTree>
@@ -4764,9 +6739,275 @@
   </dgm:layoutNode>
   <dgm:extLst>
     <a:ext uri="{4F341089-5ED1-44EC-B178-C955D00A3D55}">
+      <dgm1611:autoBuNodeInfoLst xmlns="" xmlns:dgm1611="http://schemas.microsoft.com/office/drawing/2016/11/diagram">
+        <dgm1611:autoBuNodeInfo lvl="1" ptType="sibTrans">
+          <dgm1611:buPr prefix="" leadZeros="0">
+            <a:buAutoNum type="arabicParenBoth"/>
+          </dgm1611:buPr>
+        </dgm1611:autoBuNodeInfo>
+      </dgm1611:autoBuNodeInfoLst>
+    </a:ext>
+  </dgm:extLst>
+</dgm:layoutDef>
+</file>
+
+<file path=ppt/diagrams/layout3.xml><?xml version="1.0" encoding="utf-8"?>
+<dgm:layoutDef xmlns:dgm="http://schemas.openxmlformats.org/drawingml/2006/diagram" xmlns:a="http://schemas.openxmlformats.org/drawingml/2006/main" uniqueId="urn:microsoft.com/office/officeart/2016/7/layout/LinearBlockProcessNumbered">
+  <dgm:title val="Linear Block Process Numbered"/>
+  <dgm:desc val="Used to show a progression; a timeline; sequential steps in a task, process, or workflow; or to emphasize movement or direction. Automatic numbers have been introduced to show the steps of the process. Level 1 text and Level 2 text both appears in a rectangle."/>
+  <dgm:catLst>
+    <dgm:cat type="process" pri="500"/>
+  </dgm:catLst>
+  <dgm:sampData>
+    <dgm:dataModel>
+      <dgm:ptLst>
+        <dgm:pt modelId="0" type="doc"/>
+        <dgm:pt modelId="1">
+          <dgm:prSet phldr="1"/>
+        </dgm:pt>
+        <dgm:pt modelId="11">
+          <dgm:prSet phldr="1"/>
+        </dgm:pt>
+        <dgm:pt modelId="2">
+          <dgm:prSet phldr="1"/>
+        </dgm:pt>
+        <dgm:pt modelId="21">
+          <dgm:prSet phldr="1"/>
+        </dgm:pt>
+        <dgm:pt modelId="3">
+          <dgm:prSet phldr="1"/>
+        </dgm:pt>
+        <dgm:pt modelId="31">
+          <dgm:prSet phldr="1"/>
+        </dgm:pt>
+        <dgm:pt modelId="101" type="sibTrans" cxnId="4">
+          <dgm:prSet phldrT="1"/>
+          <dgm:t>
+            <a:bodyPr/>
+            <a:lstStyle/>
+            <a:p>
+              <a:r>
+                <a:t>01</a:t>
+              </a:r>
+            </a:p>
+          </dgm:t>
+        </dgm:pt>
+        <dgm:pt modelId="201" type="sibTrans" cxnId="5">
+          <dgm:prSet phldrT="2"/>
+          <dgm:t>
+            <a:bodyPr/>
+            <a:lstStyle/>
+            <a:p>
+              <a:r>
+                <a:t>02</a:t>
+              </a:r>
+            </a:p>
+          </dgm:t>
+        </dgm:pt>
+        <dgm:pt modelId="301" type="sibTrans" cxnId="6">
+          <dgm:prSet phldrT="3"/>
+          <dgm:t>
+            <a:bodyPr/>
+            <a:lstStyle/>
+            <a:p>
+              <a:r>
+                <a:t>03</a:t>
+              </a:r>
+            </a:p>
+          </dgm:t>
+        </dgm:pt>
+      </dgm:ptLst>
+      <dgm:cxnLst>
+        <dgm:cxn modelId="4" srcId="0" destId="1" srcOrd="0" destOrd="0" sibTransId="101"/>
+        <dgm:cxn modelId="5" srcId="0" destId="2" srcOrd="1" destOrd="0" sibTransId="201"/>
+        <dgm:cxn modelId="6" srcId="0" destId="3" srcOrd="2" destOrd="0" sibTransId="301"/>
+        <dgm:cxn modelId="13" srcId="1" destId="11" srcOrd="0" destOrd="0"/>
+        <dgm:cxn modelId="23" srcId="2" destId="21" srcOrd="0" destOrd="0"/>
+        <dgm:cxn modelId="33" srcId="3" destId="31" srcOrd="0" destOrd="0"/>
+      </dgm:cxnLst>
+      <dgm:bg/>
+      <dgm:whole/>
+    </dgm:dataModel>
+  </dgm:sampData>
+  <dgm:styleData>
+    <dgm:dataModel>
+      <dgm:ptLst>
+        <dgm:pt modelId="0" type="doc"/>
+        <dgm:pt modelId="1"/>
+        <dgm:pt modelId="11"/>
+        <dgm:pt modelId="2"/>
+        <dgm:pt modelId="21"/>
+      </dgm:ptLst>
+      <dgm:cxnLst>
+        <dgm:cxn modelId="4" srcId="0" destId="1" srcOrd="0" destOrd="0"/>
+        <dgm:cxn modelId="5" srcId="0" destId="2" srcOrd="1" destOrd="0"/>
+        <dgm:cxn modelId="13" srcId="1" destId="11" srcOrd="0" destOrd="0"/>
+        <dgm:cxn modelId="23" srcId="2" destId="21" srcOrd="0" destOrd="0"/>
+      </dgm:cxnLst>
+      <dgm:bg/>
+      <dgm:whole/>
+    </dgm:dataModel>
+  </dgm:styleData>
+  <dgm:clrData>
+    <dgm:dataModel>
+      <dgm:ptLst>
+        <dgm:pt modelId="0" type="doc"/>
+        <dgm:pt modelId="1"/>
+        <dgm:pt modelId="11"/>
+        <dgm:pt modelId="2"/>
+        <dgm:pt modelId="21"/>
+        <dgm:pt modelId="3"/>
+        <dgm:pt modelId="31"/>
+        <dgm:pt modelId="4"/>
+        <dgm:pt modelId="41"/>
+      </dgm:ptLst>
+      <dgm:cxnLst>
+        <dgm:cxn modelId="5" srcId="0" destId="1" srcOrd="0" destOrd="0"/>
+        <dgm:cxn modelId="6" srcId="0" destId="2" srcOrd="1" destOrd="0"/>
+        <dgm:cxn modelId="7" srcId="0" destId="3" srcOrd="2" destOrd="0"/>
+        <dgm:cxn modelId="8" srcId="0" destId="4" srcOrd="3" destOrd="0"/>
+        <dgm:cxn modelId="13" srcId="1" destId="11" srcOrd="0" destOrd="0"/>
+        <dgm:cxn modelId="23" srcId="2" destId="21" srcOrd="0" destOrd="0"/>
+        <dgm:cxn modelId="33" srcId="3" destId="31" srcOrd="0" destOrd="0"/>
+        <dgm:cxn modelId="43" srcId="4" destId="41" srcOrd="0" destOrd="0"/>
+      </dgm:cxnLst>
+      <dgm:bg/>
+      <dgm:whole/>
+    </dgm:dataModel>
+  </dgm:clrData>
+  <dgm:layoutNode name="Name0">
+    <dgm:varLst>
+      <dgm:animLvl val="lvl"/>
+      <dgm:resizeHandles val="exact"/>
+    </dgm:varLst>
+    <dgm:alg type="lin">
+      <dgm:param type="linDir" val="fromL"/>
+      <dgm:param type="nodeVertAlign" val="t"/>
+    </dgm:alg>
+    <dgm:shape xmlns:r="http://schemas.openxmlformats.org/officeDocument/2006/relationships" r:blip="">
+      <dgm:adjLst/>
+    </dgm:shape>
+    <dgm:presOf/>
+    <dgm:constrLst>
+      <dgm:constr type="h" for="ch" forName="compositeNode" refType="h"/>
+      <dgm:constr type="w" for="ch" forName="compositeNode" refType="w"/>
+      <dgm:constr type="w" for="des" forName="simulatedConn" refType="w" refFor="ch" refForName="compositeNode" fact="0.15"/>
+      <dgm:constr type="h" for="des" forName="simulatedConn" refType="w" refFor="des" refForName="simulatedConn"/>
+      <dgm:constr type="h" for="des" forName="vSp1" refType="w" refFor="ch" refForName="compositeNode" fact="0.8"/>
+      <dgm:constr type="h" for="des" forName="vSp2" refType="w" refFor="ch" refForName="compositeNode" fact="0.07"/>
+      <dgm:constr type="w" for="ch" forName="vProcSp" refType="w" refFor="des" refForName="simulatedConn" op="equ"/>
+      <dgm:constr type="h" for="ch" forName="vProcSp" refType="h" refFor="ch" refForName="compositeNode" op="equ"/>
+      <dgm:constr type="w" for="ch" forName="sibTrans" refType="w" refFor="ch" refForName="compositeNode" fact="0.08"/>
+      <dgm:constr type="primFontSz" for="des" forName="sibTransNodeRect" op="equ"/>
+      <dgm:constr type="primFontSz" for="des" forName="nodeRect" op="equ"/>
+    </dgm:constrLst>
+    <dgm:ruleLst/>
+    <dgm:forEach name="Name4" axis="ch" ptType="node">
+      <dgm:layoutNode name="compositeNode">
+        <dgm:varLst>
+          <dgm:bulletEnabled val="1"/>
+        </dgm:varLst>
+        <dgm:alg type="composite"/>
+        <dgm:constrLst>
+          <dgm:constr type="h" refType="w" op="lte" fact="1.2"/>
+          <dgm:constr type="w" for="ch" forName="bgRect" refType="w"/>
+          <dgm:constr type="h" for="ch" forName="bgRect" refType="h"/>
+          <dgm:constr type="t" for="ch" forName="bgRect"/>
+          <dgm:constr type="l" for="ch" forName="bgRect"/>
+          <dgm:constr type="w" for="ch" forName="sibTransNodeRect" refType="w" refFor="ch" refForName="bgRect"/>
+          <dgm:constr type="h" for="ch" forName="sibTransNodeRect" refType="h" refFor="ch" refForName="bgRect" fact="0.4"/>
+          <dgm:constr type="t" for="ch" forName="sibTransNodeRect"/>
+          <dgm:constr type="l" for="ch" forName="sibTransNodeRect"/>
+          <dgm:constr type="r" for="ch" forName="nodeRect" refType="r" refFor="ch" refForName="bgRect"/>
+          <dgm:constr type="h" for="ch" forName="nodeRect" refType="h" refFor="ch" refForName="bgRect" fact="0.6"/>
+          <dgm:constr type="t" for="ch" forName="nodeRect" refType="b" refFor="ch" refForName="sibTransNodeRect"/>
+          <dgm:constr type="l" for="ch" forName="nodeRect" refType="l" refFor="ch" refForName="bgRect"/>
+        </dgm:constrLst>
+        <dgm:ruleLst>
+          <dgm:rule type="w" for="ch" forName="nodeRect" val="NaN" fact="NaN" max="30"/>
+        </dgm:ruleLst>
+        <dgm:layoutNode name="bgRect" styleLbl="alignNode1">
+          <dgm:alg type="sp"/>
+          <dgm:shape xmlns:r="http://schemas.openxmlformats.org/officeDocument/2006/relationships" type="rect" r:blip="">
+            <dgm:adjLst>
+              <dgm:adj idx="1" val="0.05"/>
+            </dgm:adjLst>
+          </dgm:shape>
+          <dgm:presOf axis="self"/>
+          <dgm:constrLst/>
+          <dgm:ruleLst/>
+        </dgm:layoutNode>
+        <dgm:forEach name="Name19" axis="followSib" ptType="sibTrans" hideLastTrans="0" cnt="1">
+          <dgm:layoutNode name="sibTransNodeRect" styleLbl="alignNode1">
+            <dgm:varLst>
+              <dgm:chMax val="0"/>
+              <dgm:bulletEnabled val="1"/>
+            </dgm:varLst>
+            <dgm:presOf axis="self"/>
+            <dgm:alg type="tx">
+              <dgm:param type="parTxLTRAlign" val="l"/>
+              <dgm:param type="parTxRTLAlign" val="l"/>
+            </dgm:alg>
+            <dgm:shape xmlns:r="http://schemas.openxmlformats.org/officeDocument/2006/relationships" type="rect" r:blip="" hideGeom="1">
+              <dgm:adjLst/>
+            </dgm:shape>
+            <dgm:constrLst>
+              <dgm:constr type="primFontSz" val="66"/>
+              <dgm:constr type="tMarg" val="13"/>
+              <dgm:constr type="lMarg" refType="w" fact="0.28"/>
+              <dgm:constr type="rMarg" refType="w" fact="0.28"/>
+              <dgm:constr type="bMarg" val="13"/>
+            </dgm:constrLst>
+            <dgm:ruleLst>
+              <dgm:rule type="primFontSz" val="14" fact="NaN" max="NaN"/>
+              <dgm:rule type="tMarg" val="13" fact="NaN" max="NaN"/>
+            </dgm:ruleLst>
+          </dgm:layoutNode>
+        </dgm:forEach>
+        <dgm:layoutNode name="nodeRect" styleLbl="alignNode1" moveWith="bgRect">
+          <dgm:varLst>
+            <dgm:bulletEnabled val="1"/>
+          </dgm:varLst>
+          <dgm:alg type="tx">
+            <dgm:param type="parTxLTRAlign" val="l"/>
+            <dgm:param type="parTxRTLAlign" val="r"/>
+            <dgm:param type="txAnchorVert" val="t"/>
+            <dgm:param type="stBulletLvl" val="2"/>
+          </dgm:alg>
+          <dgm:shape xmlns:r="http://schemas.openxmlformats.org/officeDocument/2006/relationships" type="rect" r:blip="" hideGeom="1">
+            <dgm:adjLst/>
+          </dgm:shape>
+          <dgm:presOf axis="desOrSelf" ptType="node"/>
+          <dgm:constrLst>
+            <dgm:constr type="primFontSz" val="26"/>
+            <dgm:constr type="tMarg"/>
+            <dgm:constr type="lMarg" refType="w" fact="0.28"/>
+            <dgm:constr type="rMarg" refType="w" fact="0.28"/>
+            <dgm:constr type="bMarg" val="26"/>
+          </dgm:constrLst>
+          <dgm:ruleLst>
+            <dgm:rule type="primFontSz" val="11" fact="NaN" max="NaN"/>
+          </dgm:ruleLst>
+        </dgm:layoutNode>
+      </dgm:layoutNode>
+      <dgm:forEach name="Name14" axis="followSib" ptType="sibTrans" cnt="1">
+        <dgm:layoutNode name="sibTrans">
+          <dgm:alg type="sp"/>
+          <dgm:shape xmlns:r="http://schemas.openxmlformats.org/officeDocument/2006/relationships" r:blip="">
+            <dgm:adjLst/>
+          </dgm:shape>
+          <dgm:presOf/>
+          <dgm:constrLst/>
+          <dgm:ruleLst/>
+        </dgm:layoutNode>
+      </dgm:forEach>
+    </dgm:forEach>
+  </dgm:layoutNode>
+  <dgm:extLst>
+    <a:ext uri="{4F341089-5ED1-44EC-B178-C955D00A3D55}">
       <dgm1611:autoBuNodeInfoLst xmlns:dgm1611="http://schemas.microsoft.com/office/drawing/2016/11/diagram" xmlns="">
         <dgm1611:autoBuNodeInfo lvl="1" ptType="sibTrans">
-          <dgm1611:buPr prefix="" leadZeros="0">
+          <dgm1611:buPr prefix="" leadZeros="1">
             <a:buAutoNum type="arabicParenBoth"/>
           </dgm1611:buPr>
         </dgm1611:autoBuNodeInfo>
@@ -5811,6 +8052,1040 @@
 </file>
 
 <file path=ppt/diagrams/quickStyle2.xml><?xml version="1.0" encoding="utf-8"?>
+<dgm:styleDef xmlns:dgm="http://schemas.openxmlformats.org/drawingml/2006/diagram" xmlns:a="http://schemas.openxmlformats.org/drawingml/2006/main" uniqueId="urn:microsoft.com/office/officeart/2005/8/quickstyle/simple1">
+  <dgm:title val=""/>
+  <dgm:desc val=""/>
+  <dgm:catLst>
+    <dgm:cat type="simple" pri="10100"/>
+  </dgm:catLst>
+  <dgm:scene3d>
+    <a:camera prst="orthographicFront"/>
+    <a:lightRig rig="threePt" dir="t"/>
+  </dgm:scene3d>
+  <dgm:styleLbl name="node0">
+    <dgm:scene3d>
+      <a:camera prst="orthographicFront"/>
+      <a:lightRig rig="threePt" dir="t"/>
+    </dgm:scene3d>
+    <dgm:sp3d/>
+    <dgm:txPr/>
+    <dgm:style>
+      <a:lnRef idx="2">
+        <a:scrgbClr r="0" g="0" b="0"/>
+      </a:lnRef>
+      <a:fillRef idx="1">
+        <a:scrgbClr r="0" g="0" b="0"/>
+      </a:fillRef>
+      <a:effectRef idx="0">
+        <a:scrgbClr r="0" g="0" b="0"/>
+      </a:effectRef>
+      <a:fontRef idx="minor">
+        <a:schemeClr val="lt1"/>
+      </a:fontRef>
+    </dgm:style>
+  </dgm:styleLbl>
+  <dgm:styleLbl name="lnNode1">
+    <dgm:scene3d>
+      <a:camera prst="orthographicFront"/>
+      <a:lightRig rig="threePt" dir="t"/>
+    </dgm:scene3d>
+    <dgm:sp3d/>
+    <dgm:txPr/>
+    <dgm:style>
+      <a:lnRef idx="2">
+        <a:scrgbClr r="0" g="0" b="0"/>
+      </a:lnRef>
+      <a:fillRef idx="1">
+        <a:scrgbClr r="0" g="0" b="0"/>
+      </a:fillRef>
+      <a:effectRef idx="0">
+        <a:scrgbClr r="0" g="0" b="0"/>
+      </a:effectRef>
+      <a:fontRef idx="minor">
+        <a:schemeClr val="lt1"/>
+      </a:fontRef>
+    </dgm:style>
+  </dgm:styleLbl>
+  <dgm:styleLbl name="vennNode1">
+    <dgm:scene3d>
+      <a:camera prst="orthographicFront"/>
+      <a:lightRig rig="threePt" dir="t"/>
+    </dgm:scene3d>
+    <dgm:sp3d/>
+    <dgm:txPr/>
+    <dgm:style>
+      <a:lnRef idx="2">
+        <a:scrgbClr r="0" g="0" b="0"/>
+      </a:lnRef>
+      <a:fillRef idx="1">
+        <a:scrgbClr r="0" g="0" b="0"/>
+      </a:fillRef>
+      <a:effectRef idx="0">
+        <a:scrgbClr r="0" g="0" b="0"/>
+      </a:effectRef>
+      <a:fontRef idx="minor">
+        <a:schemeClr val="tx1"/>
+      </a:fontRef>
+    </dgm:style>
+  </dgm:styleLbl>
+  <dgm:styleLbl name="alignNode1">
+    <dgm:scene3d>
+      <a:camera prst="orthographicFront"/>
+      <a:lightRig rig="threePt" dir="t"/>
+    </dgm:scene3d>
+    <dgm:sp3d/>
+    <dgm:txPr/>
+    <dgm:style>
+      <a:lnRef idx="2">
+        <a:scrgbClr r="0" g="0" b="0"/>
+      </a:lnRef>
+      <a:fillRef idx="1">
+        <a:scrgbClr r="0" g="0" b="0"/>
+      </a:fillRef>
+      <a:effectRef idx="0">
+        <a:scrgbClr r="0" g="0" b="0"/>
+      </a:effectRef>
+      <a:fontRef idx="minor">
+        <a:schemeClr val="lt1"/>
+      </a:fontRef>
+    </dgm:style>
+  </dgm:styleLbl>
+  <dgm:styleLbl name="node1">
+    <dgm:scene3d>
+      <a:camera prst="orthographicFront"/>
+      <a:lightRig rig="threePt" dir="t"/>
+    </dgm:scene3d>
+    <dgm:sp3d/>
+    <dgm:txPr/>
+    <dgm:style>
+      <a:lnRef idx="2">
+        <a:scrgbClr r="0" g="0" b="0"/>
+      </a:lnRef>
+      <a:fillRef idx="1">
+        <a:scrgbClr r="0" g="0" b="0"/>
+      </a:fillRef>
+      <a:effectRef idx="0">
+        <a:scrgbClr r="0" g="0" b="0"/>
+      </a:effectRef>
+      <a:fontRef idx="minor">
+        <a:schemeClr val="lt1"/>
+      </a:fontRef>
+    </dgm:style>
+  </dgm:styleLbl>
+  <dgm:styleLbl name="node2">
+    <dgm:scene3d>
+      <a:camera prst="orthographicFront"/>
+      <a:lightRig rig="threePt" dir="t"/>
+    </dgm:scene3d>
+    <dgm:sp3d/>
+    <dgm:txPr/>
+    <dgm:style>
+      <a:lnRef idx="2">
+        <a:scrgbClr r="0" g="0" b="0"/>
+      </a:lnRef>
+      <a:fillRef idx="1">
+        <a:scrgbClr r="0" g="0" b="0"/>
+      </a:fillRef>
+      <a:effectRef idx="0">
+        <a:scrgbClr r="0" g="0" b="0"/>
+      </a:effectRef>
+      <a:fontRef idx="minor">
+        <a:schemeClr val="lt1"/>
+      </a:fontRef>
+    </dgm:style>
+  </dgm:styleLbl>
+  <dgm:styleLbl name="node3">
+    <dgm:scene3d>
+      <a:camera prst="orthographicFront"/>
+      <a:lightRig rig="threePt" dir="t"/>
+    </dgm:scene3d>
+    <dgm:sp3d/>
+    <dgm:txPr/>
+    <dgm:style>
+      <a:lnRef idx="2">
+        <a:scrgbClr r="0" g="0" b="0"/>
+      </a:lnRef>
+      <a:fillRef idx="1">
+        <a:scrgbClr r="0" g="0" b="0"/>
+      </a:fillRef>
+      <a:effectRef idx="0">
+        <a:scrgbClr r="0" g="0" b="0"/>
+      </a:effectRef>
+      <a:fontRef idx="minor">
+        <a:schemeClr val="lt1"/>
+      </a:fontRef>
+    </dgm:style>
+  </dgm:styleLbl>
+  <dgm:styleLbl name="node4">
+    <dgm:scene3d>
+      <a:camera prst="orthographicFront"/>
+      <a:lightRig rig="threePt" dir="t"/>
+    </dgm:scene3d>
+    <dgm:sp3d/>
+    <dgm:txPr/>
+    <dgm:style>
+      <a:lnRef idx="2">
+        <a:scrgbClr r="0" g="0" b="0"/>
+      </a:lnRef>
+      <a:fillRef idx="1">
+        <a:scrgbClr r="0" g="0" b="0"/>
+      </a:fillRef>
+      <a:effectRef idx="0">
+        <a:scrgbClr r="0" g="0" b="0"/>
+      </a:effectRef>
+      <a:fontRef idx="minor">
+        <a:schemeClr val="lt1"/>
+      </a:fontRef>
+    </dgm:style>
+  </dgm:styleLbl>
+  <dgm:styleLbl name="fgImgPlace1">
+    <dgm:scene3d>
+      <a:camera prst="orthographicFront"/>
+      <a:lightRig rig="threePt" dir="t"/>
+    </dgm:scene3d>
+    <dgm:sp3d/>
+    <dgm:txPr/>
+    <dgm:style>
+      <a:lnRef idx="2">
+        <a:scrgbClr r="0" g="0" b="0"/>
+      </a:lnRef>
+      <a:fillRef idx="1">
+        <a:scrgbClr r="0" g="0" b="0"/>
+      </a:fillRef>
+      <a:effectRef idx="0">
+        <a:scrgbClr r="0" g="0" b="0"/>
+      </a:effectRef>
+      <a:fontRef idx="minor"/>
+    </dgm:style>
+  </dgm:styleLbl>
+  <dgm:styleLbl name="alignImgPlace1">
+    <dgm:scene3d>
+      <a:camera prst="orthographicFront"/>
+      <a:lightRig rig="threePt" dir="t"/>
+    </dgm:scene3d>
+    <dgm:sp3d/>
+    <dgm:txPr/>
+    <dgm:style>
+      <a:lnRef idx="2">
+        <a:scrgbClr r="0" g="0" b="0"/>
+      </a:lnRef>
+      <a:fillRef idx="1">
+        <a:scrgbClr r="0" g="0" b="0"/>
+      </a:fillRef>
+      <a:effectRef idx="0">
+        <a:scrgbClr r="0" g="0" b="0"/>
+      </a:effectRef>
+      <a:fontRef idx="minor"/>
+    </dgm:style>
+  </dgm:styleLbl>
+  <dgm:styleLbl name="bgImgPlace1">
+    <dgm:scene3d>
+      <a:camera prst="orthographicFront"/>
+      <a:lightRig rig="threePt" dir="t"/>
+    </dgm:scene3d>
+    <dgm:sp3d/>
+    <dgm:txPr/>
+    <dgm:style>
+      <a:lnRef idx="2">
+        <a:scrgbClr r="0" g="0" b="0"/>
+      </a:lnRef>
+      <a:fillRef idx="1">
+        <a:scrgbClr r="0" g="0" b="0"/>
+      </a:fillRef>
+      <a:effectRef idx="0">
+        <a:scrgbClr r="0" g="0" b="0"/>
+      </a:effectRef>
+      <a:fontRef idx="minor"/>
+    </dgm:style>
+  </dgm:styleLbl>
+  <dgm:styleLbl name="sibTrans2D1">
+    <dgm:scene3d>
+      <a:camera prst="orthographicFront"/>
+      <a:lightRig rig="threePt" dir="t"/>
+    </dgm:scene3d>
+    <dgm:sp3d/>
+    <dgm:txPr/>
+    <dgm:style>
+      <a:lnRef idx="0">
+        <a:scrgbClr r="0" g="0" b="0"/>
+      </a:lnRef>
+      <a:fillRef idx="1">
+        <a:scrgbClr r="0" g="0" b="0"/>
+      </a:fillRef>
+      <a:effectRef idx="0">
+        <a:scrgbClr r="0" g="0" b="0"/>
+      </a:effectRef>
+      <a:fontRef idx="minor">
+        <a:schemeClr val="lt1"/>
+      </a:fontRef>
+    </dgm:style>
+  </dgm:styleLbl>
+  <dgm:styleLbl name="fgSibTrans2D1">
+    <dgm:scene3d>
+      <a:camera prst="orthographicFront"/>
+      <a:lightRig rig="threePt" dir="t"/>
+    </dgm:scene3d>
+    <dgm:sp3d/>
+    <dgm:txPr/>
+    <dgm:style>
+      <a:lnRef idx="0">
+        <a:scrgbClr r="0" g="0" b="0"/>
+      </a:lnRef>
+      <a:fillRef idx="1">
+        <a:scrgbClr r="0" g="0" b="0"/>
+      </a:fillRef>
+      <a:effectRef idx="0">
+        <a:scrgbClr r="0" g="0" b="0"/>
+      </a:effectRef>
+      <a:fontRef idx="minor">
+        <a:schemeClr val="lt1"/>
+      </a:fontRef>
+    </dgm:style>
+  </dgm:styleLbl>
+  <dgm:styleLbl name="bgSibTrans2D1">
+    <dgm:scene3d>
+      <a:camera prst="orthographicFront"/>
+      <a:lightRig rig="threePt" dir="t"/>
+    </dgm:scene3d>
+    <dgm:sp3d/>
+    <dgm:txPr/>
+    <dgm:style>
+      <a:lnRef idx="0">
+        <a:scrgbClr r="0" g="0" b="0"/>
+      </a:lnRef>
+      <a:fillRef idx="1">
+        <a:scrgbClr r="0" g="0" b="0"/>
+      </a:fillRef>
+      <a:effectRef idx="0">
+        <a:scrgbClr r="0" g="0" b="0"/>
+      </a:effectRef>
+      <a:fontRef idx="minor">
+        <a:schemeClr val="lt1"/>
+      </a:fontRef>
+    </dgm:style>
+  </dgm:styleLbl>
+  <dgm:styleLbl name="sibTrans1D1">
+    <dgm:scene3d>
+      <a:camera prst="orthographicFront"/>
+      <a:lightRig rig="threePt" dir="t"/>
+    </dgm:scene3d>
+    <dgm:sp3d/>
+    <dgm:txPr/>
+    <dgm:style>
+      <a:lnRef idx="1">
+        <a:scrgbClr r="0" g="0" b="0"/>
+      </a:lnRef>
+      <a:fillRef idx="0">
+        <a:scrgbClr r="0" g="0" b="0"/>
+      </a:fillRef>
+      <a:effectRef idx="0">
+        <a:scrgbClr r="0" g="0" b="0"/>
+      </a:effectRef>
+      <a:fontRef idx="minor"/>
+    </dgm:style>
+  </dgm:styleLbl>
+  <dgm:styleLbl name="callout">
+    <dgm:scene3d>
+      <a:camera prst="orthographicFront"/>
+      <a:lightRig rig="threePt" dir="t"/>
+    </dgm:scene3d>
+    <dgm:sp3d/>
+    <dgm:txPr/>
+    <dgm:style>
+      <a:lnRef idx="2">
+        <a:scrgbClr r="0" g="0" b="0"/>
+      </a:lnRef>
+      <a:fillRef idx="1">
+        <a:scrgbClr r="0" g="0" b="0"/>
+      </a:fillRef>
+      <a:effectRef idx="0">
+        <a:scrgbClr r="0" g="0" b="0"/>
+      </a:effectRef>
+      <a:fontRef idx="minor"/>
+    </dgm:style>
+  </dgm:styleLbl>
+  <dgm:styleLbl name="asst0">
+    <dgm:scene3d>
+      <a:camera prst="orthographicFront"/>
+      <a:lightRig rig="threePt" dir="t"/>
+    </dgm:scene3d>
+    <dgm:sp3d/>
+    <dgm:txPr/>
+    <dgm:style>
+      <a:lnRef idx="2">
+        <a:scrgbClr r="0" g="0" b="0"/>
+      </a:lnRef>
+      <a:fillRef idx="1">
+        <a:scrgbClr r="0" g="0" b="0"/>
+      </a:fillRef>
+      <a:effectRef idx="0">
+        <a:scrgbClr r="0" g="0" b="0"/>
+      </a:effectRef>
+      <a:fontRef idx="minor">
+        <a:schemeClr val="lt1"/>
+      </a:fontRef>
+    </dgm:style>
+  </dgm:styleLbl>
+  <dgm:styleLbl name="asst1">
+    <dgm:scene3d>
+      <a:camera prst="orthographicFront"/>
+      <a:lightRig rig="threePt" dir="t"/>
+    </dgm:scene3d>
+    <dgm:sp3d/>
+    <dgm:txPr/>
+    <dgm:style>
+      <a:lnRef idx="2">
+        <a:scrgbClr r="0" g="0" b="0"/>
+      </a:lnRef>
+      <a:fillRef idx="1">
+        <a:scrgbClr r="0" g="0" b="0"/>
+      </a:fillRef>
+      <a:effectRef idx="0">
+        <a:scrgbClr r="0" g="0" b="0"/>
+      </a:effectRef>
+      <a:fontRef idx="minor">
+        <a:schemeClr val="lt1"/>
+      </a:fontRef>
+    </dgm:style>
+  </dgm:styleLbl>
+  <dgm:styleLbl name="asst2">
+    <dgm:scene3d>
+      <a:camera prst="orthographicFront"/>
+      <a:lightRig rig="threePt" dir="t"/>
+    </dgm:scene3d>
+    <dgm:sp3d/>
+    <dgm:txPr/>
+    <dgm:style>
+      <a:lnRef idx="2">
+        <a:scrgbClr r="0" g="0" b="0"/>
+      </a:lnRef>
+      <a:fillRef idx="1">
+        <a:scrgbClr r="0" g="0" b="0"/>
+      </a:fillRef>
+      <a:effectRef idx="0">
+        <a:scrgbClr r="0" g="0" b="0"/>
+      </a:effectRef>
+      <a:fontRef idx="minor">
+        <a:schemeClr val="lt1"/>
+      </a:fontRef>
+    </dgm:style>
+  </dgm:styleLbl>
+  <dgm:styleLbl name="asst3">
+    <dgm:scene3d>
+      <a:camera prst="orthographicFront"/>
+      <a:lightRig rig="threePt" dir="t"/>
+    </dgm:scene3d>
+    <dgm:sp3d/>
+    <dgm:txPr/>
+    <dgm:style>
+      <a:lnRef idx="2">
+        <a:scrgbClr r="0" g="0" b="0"/>
+      </a:lnRef>
+      <a:fillRef idx="1">
+        <a:scrgbClr r="0" g="0" b="0"/>
+      </a:fillRef>
+      <a:effectRef idx="0">
+        <a:scrgbClr r="0" g="0" b="0"/>
+      </a:effectRef>
+      <a:fontRef idx="minor">
+        <a:schemeClr val="lt1"/>
+      </a:fontRef>
+    </dgm:style>
+  </dgm:styleLbl>
+  <dgm:styleLbl name="asst4">
+    <dgm:scene3d>
+      <a:camera prst="orthographicFront"/>
+      <a:lightRig rig="threePt" dir="t"/>
+    </dgm:scene3d>
+    <dgm:sp3d/>
+    <dgm:txPr/>
+    <dgm:style>
+      <a:lnRef idx="2">
+        <a:scrgbClr r="0" g="0" b="0"/>
+      </a:lnRef>
+      <a:fillRef idx="1">
+        <a:scrgbClr r="0" g="0" b="0"/>
+      </a:fillRef>
+      <a:effectRef idx="0">
+        <a:scrgbClr r="0" g="0" b="0"/>
+      </a:effectRef>
+      <a:fontRef idx="minor">
+        <a:schemeClr val="lt1"/>
+      </a:fontRef>
+    </dgm:style>
+  </dgm:styleLbl>
+  <dgm:styleLbl name="parChTrans2D1">
+    <dgm:scene3d>
+      <a:camera prst="orthographicFront"/>
+      <a:lightRig rig="threePt" dir="t"/>
+    </dgm:scene3d>
+    <dgm:sp3d/>
+    <dgm:txPr/>
+    <dgm:style>
+      <a:lnRef idx="2">
+        <a:scrgbClr r="0" g="0" b="0"/>
+      </a:lnRef>
+      <a:fillRef idx="1">
+        <a:scrgbClr r="0" g="0" b="0"/>
+      </a:fillRef>
+      <a:effectRef idx="0">
+        <a:scrgbClr r="0" g="0" b="0"/>
+      </a:effectRef>
+      <a:fontRef idx="minor">
+        <a:schemeClr val="lt1"/>
+      </a:fontRef>
+    </dgm:style>
+  </dgm:styleLbl>
+  <dgm:styleLbl name="parChTrans2D2">
+    <dgm:scene3d>
+      <a:camera prst="orthographicFront"/>
+      <a:lightRig rig="threePt" dir="t"/>
+    </dgm:scene3d>
+    <dgm:sp3d/>
+    <dgm:txPr/>
+    <dgm:style>
+      <a:lnRef idx="2">
+        <a:scrgbClr r="0" g="0" b="0"/>
+      </a:lnRef>
+      <a:fillRef idx="1">
+        <a:scrgbClr r="0" g="0" b="0"/>
+      </a:fillRef>
+      <a:effectRef idx="0">
+        <a:scrgbClr r="0" g="0" b="0"/>
+      </a:effectRef>
+      <a:fontRef idx="minor">
+        <a:schemeClr val="lt1"/>
+      </a:fontRef>
+    </dgm:style>
+  </dgm:styleLbl>
+  <dgm:styleLbl name="parChTrans2D3">
+    <dgm:scene3d>
+      <a:camera prst="orthographicFront"/>
+      <a:lightRig rig="threePt" dir="t"/>
+    </dgm:scene3d>
+    <dgm:sp3d/>
+    <dgm:txPr/>
+    <dgm:style>
+      <a:lnRef idx="2">
+        <a:scrgbClr r="0" g="0" b="0"/>
+      </a:lnRef>
+      <a:fillRef idx="1">
+        <a:scrgbClr r="0" g="0" b="0"/>
+      </a:fillRef>
+      <a:effectRef idx="0">
+        <a:scrgbClr r="0" g="0" b="0"/>
+      </a:effectRef>
+      <a:fontRef idx="minor">
+        <a:schemeClr val="lt1"/>
+      </a:fontRef>
+    </dgm:style>
+  </dgm:styleLbl>
+  <dgm:styleLbl name="parChTrans2D4">
+    <dgm:scene3d>
+      <a:camera prst="orthographicFront"/>
+      <a:lightRig rig="threePt" dir="t"/>
+    </dgm:scene3d>
+    <dgm:sp3d/>
+    <dgm:txPr/>
+    <dgm:style>
+      <a:lnRef idx="2">
+        <a:scrgbClr r="0" g="0" b="0"/>
+      </a:lnRef>
+      <a:fillRef idx="1">
+        <a:scrgbClr r="0" g="0" b="0"/>
+      </a:fillRef>
+      <a:effectRef idx="0">
+        <a:scrgbClr r="0" g="0" b="0"/>
+      </a:effectRef>
+      <a:fontRef idx="minor">
+        <a:schemeClr val="lt1"/>
+      </a:fontRef>
+    </dgm:style>
+  </dgm:styleLbl>
+  <dgm:styleLbl name="parChTrans1D1">
+    <dgm:scene3d>
+      <a:camera prst="orthographicFront"/>
+      <a:lightRig rig="threePt" dir="t"/>
+    </dgm:scene3d>
+    <dgm:sp3d/>
+    <dgm:txPr/>
+    <dgm:style>
+      <a:lnRef idx="2">
+        <a:scrgbClr r="0" g="0" b="0"/>
+      </a:lnRef>
+      <a:fillRef idx="0">
+        <a:scrgbClr r="0" g="0" b="0"/>
+      </a:fillRef>
+      <a:effectRef idx="0">
+        <a:scrgbClr r="0" g="0" b="0"/>
+      </a:effectRef>
+      <a:fontRef idx="minor"/>
+    </dgm:style>
+  </dgm:styleLbl>
+  <dgm:styleLbl name="parChTrans1D2">
+    <dgm:scene3d>
+      <a:camera prst="orthographicFront"/>
+      <a:lightRig rig="threePt" dir="t"/>
+    </dgm:scene3d>
+    <dgm:sp3d/>
+    <dgm:txPr/>
+    <dgm:style>
+      <a:lnRef idx="2">
+        <a:scrgbClr r="0" g="0" b="0"/>
+      </a:lnRef>
+      <a:fillRef idx="0">
+        <a:scrgbClr r="0" g="0" b="0"/>
+      </a:fillRef>
+      <a:effectRef idx="0">
+        <a:scrgbClr r="0" g="0" b="0"/>
+      </a:effectRef>
+      <a:fontRef idx="minor"/>
+    </dgm:style>
+  </dgm:styleLbl>
+  <dgm:styleLbl name="parChTrans1D3">
+    <dgm:scene3d>
+      <a:camera prst="orthographicFront"/>
+      <a:lightRig rig="threePt" dir="t"/>
+    </dgm:scene3d>
+    <dgm:sp3d/>
+    <dgm:txPr/>
+    <dgm:style>
+      <a:lnRef idx="2">
+        <a:scrgbClr r="0" g="0" b="0"/>
+      </a:lnRef>
+      <a:fillRef idx="0">
+        <a:scrgbClr r="0" g="0" b="0"/>
+      </a:fillRef>
+      <a:effectRef idx="0">
+        <a:scrgbClr r="0" g="0" b="0"/>
+      </a:effectRef>
+      <a:fontRef idx="minor"/>
+    </dgm:style>
+  </dgm:styleLbl>
+  <dgm:styleLbl name="parChTrans1D4">
+    <dgm:scene3d>
+      <a:camera prst="orthographicFront"/>
+      <a:lightRig rig="threePt" dir="t"/>
+    </dgm:scene3d>
+    <dgm:sp3d/>
+    <dgm:txPr/>
+    <dgm:style>
+      <a:lnRef idx="2">
+        <a:scrgbClr r="0" g="0" b="0"/>
+      </a:lnRef>
+      <a:fillRef idx="0">
+        <a:scrgbClr r="0" g="0" b="0"/>
+      </a:fillRef>
+      <a:effectRef idx="0">
+        <a:scrgbClr r="0" g="0" b="0"/>
+      </a:effectRef>
+      <a:fontRef idx="minor"/>
+    </dgm:style>
+  </dgm:styleLbl>
+  <dgm:styleLbl name="fgAcc1">
+    <dgm:scene3d>
+      <a:camera prst="orthographicFront"/>
+      <a:lightRig rig="threePt" dir="t"/>
+    </dgm:scene3d>
+    <dgm:sp3d/>
+    <dgm:txPr/>
+    <dgm:style>
+      <a:lnRef idx="2">
+        <a:scrgbClr r="0" g="0" b="0"/>
+      </a:lnRef>
+      <a:fillRef idx="1">
+        <a:scrgbClr r="0" g="0" b="0"/>
+      </a:fillRef>
+      <a:effectRef idx="0">
+        <a:scrgbClr r="0" g="0" b="0"/>
+      </a:effectRef>
+      <a:fontRef idx="minor"/>
+    </dgm:style>
+  </dgm:styleLbl>
+  <dgm:styleLbl name="conFgAcc1">
+    <dgm:scene3d>
+      <a:camera prst="orthographicFront"/>
+      <a:lightRig rig="threePt" dir="t"/>
+    </dgm:scene3d>
+    <dgm:sp3d/>
+    <dgm:txPr/>
+    <dgm:style>
+      <a:lnRef idx="2">
+        <a:scrgbClr r="0" g="0" b="0"/>
+      </a:lnRef>
+      <a:fillRef idx="1">
+        <a:scrgbClr r="0" g="0" b="0"/>
+      </a:fillRef>
+      <a:effectRef idx="0">
+        <a:scrgbClr r="0" g="0" b="0"/>
+      </a:effectRef>
+      <a:fontRef idx="minor"/>
+    </dgm:style>
+  </dgm:styleLbl>
+  <dgm:styleLbl name="alignAcc1">
+    <dgm:scene3d>
+      <a:camera prst="orthographicFront"/>
+      <a:lightRig rig="threePt" dir="t"/>
+    </dgm:scene3d>
+    <dgm:sp3d/>
+    <dgm:txPr/>
+    <dgm:style>
+      <a:lnRef idx="2">
+        <a:scrgbClr r="0" g="0" b="0"/>
+      </a:lnRef>
+      <a:fillRef idx="1">
+        <a:scrgbClr r="0" g="0" b="0"/>
+      </a:fillRef>
+      <a:effectRef idx="0">
+        <a:scrgbClr r="0" g="0" b="0"/>
+      </a:effectRef>
+      <a:fontRef idx="minor"/>
+    </dgm:style>
+  </dgm:styleLbl>
+  <dgm:styleLbl name="trAlignAcc1">
+    <dgm:scene3d>
+      <a:camera prst="orthographicFront"/>
+      <a:lightRig rig="threePt" dir="t"/>
+    </dgm:scene3d>
+    <dgm:sp3d/>
+    <dgm:txPr/>
+    <dgm:style>
+      <a:lnRef idx="1">
+        <a:scrgbClr r="0" g="0" b="0"/>
+      </a:lnRef>
+      <a:fillRef idx="1">
+        <a:scrgbClr r="0" g="0" b="0"/>
+      </a:fillRef>
+      <a:effectRef idx="0">
+        <a:scrgbClr r="0" g="0" b="0"/>
+      </a:effectRef>
+      <a:fontRef idx="minor"/>
+    </dgm:style>
+  </dgm:styleLbl>
+  <dgm:styleLbl name="bgAcc1">
+    <dgm:scene3d>
+      <a:camera prst="orthographicFront"/>
+      <a:lightRig rig="threePt" dir="t"/>
+    </dgm:scene3d>
+    <dgm:sp3d/>
+    <dgm:txPr/>
+    <dgm:style>
+      <a:lnRef idx="2">
+        <a:scrgbClr r="0" g="0" b="0"/>
+      </a:lnRef>
+      <a:fillRef idx="1">
+        <a:scrgbClr r="0" g="0" b="0"/>
+      </a:fillRef>
+      <a:effectRef idx="0">
+        <a:scrgbClr r="0" g="0" b="0"/>
+      </a:effectRef>
+      <a:fontRef idx="minor"/>
+    </dgm:style>
+  </dgm:styleLbl>
+  <dgm:styleLbl name="solidFgAcc1">
+    <dgm:scene3d>
+      <a:camera prst="orthographicFront"/>
+      <a:lightRig rig="threePt" dir="t"/>
+    </dgm:scene3d>
+    <dgm:sp3d/>
+    <dgm:txPr/>
+    <dgm:style>
+      <a:lnRef idx="2">
+        <a:scrgbClr r="0" g="0" b="0"/>
+      </a:lnRef>
+      <a:fillRef idx="1">
+        <a:scrgbClr r="0" g="0" b="0"/>
+      </a:fillRef>
+      <a:effectRef idx="0">
+        <a:scrgbClr r="0" g="0" b="0"/>
+      </a:effectRef>
+      <a:fontRef idx="minor"/>
+    </dgm:style>
+  </dgm:styleLbl>
+  <dgm:styleLbl name="solidAlignAcc1">
+    <dgm:scene3d>
+      <a:camera prst="orthographicFront"/>
+      <a:lightRig rig="threePt" dir="t"/>
+    </dgm:scene3d>
+    <dgm:sp3d/>
+    <dgm:txPr/>
+    <dgm:style>
+      <a:lnRef idx="2">
+        <a:scrgbClr r="0" g="0" b="0"/>
+      </a:lnRef>
+      <a:fillRef idx="1">
+        <a:scrgbClr r="0" g="0" b="0"/>
+      </a:fillRef>
+      <a:effectRef idx="0">
+        <a:scrgbClr r="0" g="0" b="0"/>
+      </a:effectRef>
+      <a:fontRef idx="minor"/>
+    </dgm:style>
+  </dgm:styleLbl>
+  <dgm:styleLbl name="solidBgAcc1">
+    <dgm:scene3d>
+      <a:camera prst="orthographicFront"/>
+      <a:lightRig rig="threePt" dir="t"/>
+    </dgm:scene3d>
+    <dgm:sp3d/>
+    <dgm:txPr/>
+    <dgm:style>
+      <a:lnRef idx="2">
+        <a:scrgbClr r="0" g="0" b="0"/>
+      </a:lnRef>
+      <a:fillRef idx="1">
+        <a:scrgbClr r="0" g="0" b="0"/>
+      </a:fillRef>
+      <a:effectRef idx="0">
+        <a:scrgbClr r="0" g="0" b="0"/>
+      </a:effectRef>
+      <a:fontRef idx="minor"/>
+    </dgm:style>
+  </dgm:styleLbl>
+  <dgm:styleLbl name="fgAccFollowNode1">
+    <dgm:scene3d>
+      <a:camera prst="orthographicFront"/>
+      <a:lightRig rig="threePt" dir="t"/>
+    </dgm:scene3d>
+    <dgm:sp3d/>
+    <dgm:txPr/>
+    <dgm:style>
+      <a:lnRef idx="2">
+        <a:scrgbClr r="0" g="0" b="0"/>
+      </a:lnRef>
+      <a:fillRef idx="1">
+        <a:scrgbClr r="0" g="0" b="0"/>
+      </a:fillRef>
+      <a:effectRef idx="0">
+        <a:scrgbClr r="0" g="0" b="0"/>
+      </a:effectRef>
+      <a:fontRef idx="minor"/>
+    </dgm:style>
+  </dgm:styleLbl>
+  <dgm:styleLbl name="alignAccFollowNode1">
+    <dgm:scene3d>
+      <a:camera prst="orthographicFront"/>
+      <a:lightRig rig="threePt" dir="t"/>
+    </dgm:scene3d>
+    <dgm:sp3d/>
+    <dgm:txPr/>
+    <dgm:style>
+      <a:lnRef idx="2">
+        <a:scrgbClr r="0" g="0" b="0"/>
+      </a:lnRef>
+      <a:fillRef idx="1">
+        <a:scrgbClr r="0" g="0" b="0"/>
+      </a:fillRef>
+      <a:effectRef idx="0">
+        <a:scrgbClr r="0" g="0" b="0"/>
+      </a:effectRef>
+      <a:fontRef idx="minor"/>
+    </dgm:style>
+  </dgm:styleLbl>
+  <dgm:styleLbl name="bgAccFollowNode1">
+    <dgm:scene3d>
+      <a:camera prst="orthographicFront"/>
+      <a:lightRig rig="threePt" dir="t"/>
+    </dgm:scene3d>
+    <dgm:sp3d/>
+    <dgm:txPr/>
+    <dgm:style>
+      <a:lnRef idx="2">
+        <a:scrgbClr r="0" g="0" b="0"/>
+      </a:lnRef>
+      <a:fillRef idx="1">
+        <a:scrgbClr r="0" g="0" b="0"/>
+      </a:fillRef>
+      <a:effectRef idx="0">
+        <a:scrgbClr r="0" g="0" b="0"/>
+      </a:effectRef>
+      <a:fontRef idx="minor"/>
+    </dgm:style>
+  </dgm:styleLbl>
+  <dgm:styleLbl name="fgAcc0">
+    <dgm:scene3d>
+      <a:camera prst="orthographicFront"/>
+      <a:lightRig rig="threePt" dir="t"/>
+    </dgm:scene3d>
+    <dgm:sp3d/>
+    <dgm:txPr/>
+    <dgm:style>
+      <a:lnRef idx="2">
+        <a:scrgbClr r="0" g="0" b="0"/>
+      </a:lnRef>
+      <a:fillRef idx="1">
+        <a:scrgbClr r="0" g="0" b="0"/>
+      </a:fillRef>
+      <a:effectRef idx="0">
+        <a:scrgbClr r="0" g="0" b="0"/>
+      </a:effectRef>
+      <a:fontRef idx="minor"/>
+    </dgm:style>
+  </dgm:styleLbl>
+  <dgm:styleLbl name="fgAcc2">
+    <dgm:scene3d>
+      <a:camera prst="orthographicFront"/>
+      <a:lightRig rig="threePt" dir="t"/>
+    </dgm:scene3d>
+    <dgm:sp3d/>
+    <dgm:txPr/>
+    <dgm:style>
+      <a:lnRef idx="2">
+        <a:scrgbClr r="0" g="0" b="0"/>
+      </a:lnRef>
+      <a:fillRef idx="1">
+        <a:scrgbClr r="0" g="0" b="0"/>
+      </a:fillRef>
+      <a:effectRef idx="0">
+        <a:scrgbClr r="0" g="0" b="0"/>
+      </a:effectRef>
+      <a:fontRef idx="minor"/>
+    </dgm:style>
+  </dgm:styleLbl>
+  <dgm:styleLbl name="fgAcc3">
+    <dgm:scene3d>
+      <a:camera prst="orthographicFront"/>
+      <a:lightRig rig="threePt" dir="t"/>
+    </dgm:scene3d>
+    <dgm:sp3d/>
+    <dgm:txPr/>
+    <dgm:style>
+      <a:lnRef idx="2">
+        <a:scrgbClr r="0" g="0" b="0"/>
+      </a:lnRef>
+      <a:fillRef idx="1">
+        <a:scrgbClr r="0" g="0" b="0"/>
+      </a:fillRef>
+      <a:effectRef idx="0">
+        <a:scrgbClr r="0" g="0" b="0"/>
+      </a:effectRef>
+      <a:fontRef idx="minor"/>
+    </dgm:style>
+  </dgm:styleLbl>
+  <dgm:styleLbl name="fgAcc4">
+    <dgm:scene3d>
+      <a:camera prst="orthographicFront"/>
+      <a:lightRig rig="threePt" dir="t"/>
+    </dgm:scene3d>
+    <dgm:sp3d/>
+    <dgm:txPr/>
+    <dgm:style>
+      <a:lnRef idx="2">
+        <a:scrgbClr r="0" g="0" b="0"/>
+      </a:lnRef>
+      <a:fillRef idx="1">
+        <a:scrgbClr r="0" g="0" b="0"/>
+      </a:fillRef>
+      <a:effectRef idx="0">
+        <a:scrgbClr r="0" g="0" b="0"/>
+      </a:effectRef>
+      <a:fontRef idx="minor"/>
+    </dgm:style>
+  </dgm:styleLbl>
+  <dgm:styleLbl name="bgShp">
+    <dgm:scene3d>
+      <a:camera prst="orthographicFront"/>
+      <a:lightRig rig="threePt" dir="t"/>
+    </dgm:scene3d>
+    <dgm:sp3d/>
+    <dgm:txPr/>
+    <dgm:style>
+      <a:lnRef idx="0">
+        <a:scrgbClr r="0" g="0" b="0"/>
+      </a:lnRef>
+      <a:fillRef idx="1">
+        <a:scrgbClr r="0" g="0" b="0"/>
+      </a:fillRef>
+      <a:effectRef idx="0">
+        <a:scrgbClr r="0" g="0" b="0"/>
+      </a:effectRef>
+      <a:fontRef idx="minor"/>
+    </dgm:style>
+  </dgm:styleLbl>
+  <dgm:styleLbl name="dkBgShp">
+    <dgm:scene3d>
+      <a:camera prst="orthographicFront"/>
+      <a:lightRig rig="threePt" dir="t"/>
+    </dgm:scene3d>
+    <dgm:sp3d/>
+    <dgm:txPr/>
+    <dgm:style>
+      <a:lnRef idx="0">
+        <a:scrgbClr r="0" g="0" b="0"/>
+      </a:lnRef>
+      <a:fillRef idx="1">
+        <a:scrgbClr r="0" g="0" b="0"/>
+      </a:fillRef>
+      <a:effectRef idx="0">
+        <a:scrgbClr r="0" g="0" b="0"/>
+      </a:effectRef>
+      <a:fontRef idx="minor"/>
+    </dgm:style>
+  </dgm:styleLbl>
+  <dgm:styleLbl name="trBgShp">
+    <dgm:scene3d>
+      <a:camera prst="orthographicFront"/>
+      <a:lightRig rig="threePt" dir="t"/>
+    </dgm:scene3d>
+    <dgm:sp3d/>
+    <dgm:txPr/>
+    <dgm:style>
+      <a:lnRef idx="0">
+        <a:scrgbClr r="0" g="0" b="0"/>
+      </a:lnRef>
+      <a:fillRef idx="1">
+        <a:scrgbClr r="0" g="0" b="0"/>
+      </a:fillRef>
+      <a:effectRef idx="0">
+        <a:scrgbClr r="0" g="0" b="0"/>
+      </a:effectRef>
+      <a:fontRef idx="minor"/>
+    </dgm:style>
+  </dgm:styleLbl>
+  <dgm:styleLbl name="fgShp">
+    <dgm:scene3d>
+      <a:camera prst="orthographicFront"/>
+      <a:lightRig rig="threePt" dir="t"/>
+    </dgm:scene3d>
+    <dgm:sp3d/>
+    <dgm:txPr/>
+    <dgm:style>
+      <a:lnRef idx="2">
+        <a:scrgbClr r="0" g="0" b="0"/>
+      </a:lnRef>
+      <a:fillRef idx="1">
+        <a:scrgbClr r="0" g="0" b="0"/>
+      </a:fillRef>
+      <a:effectRef idx="0">
+        <a:scrgbClr r="0" g="0" b="0"/>
+      </a:effectRef>
+      <a:fontRef idx="minor"/>
+    </dgm:style>
+  </dgm:styleLbl>
+  <dgm:styleLbl name="revTx">
+    <dgm:scene3d>
+      <a:camera prst="orthographicFront"/>
+      <a:lightRig rig="threePt" dir="t"/>
+    </dgm:scene3d>
+    <dgm:sp3d/>
+    <dgm:txPr/>
+    <dgm:style>
+      <a:lnRef idx="0">
+        <a:scrgbClr r="0" g="0" b="0"/>
+      </a:lnRef>
+      <a:fillRef idx="0">
+        <a:scrgbClr r="0" g="0" b="0"/>
+      </a:fillRef>
+      <a:effectRef idx="0">
+        <a:scrgbClr r="0" g="0" b="0"/>
+      </a:effectRef>
+      <a:fontRef idx="minor"/>
+    </dgm:style>
+  </dgm:styleLbl>
+</dgm:styleDef>
+</file>
+
+<file path=ppt/diagrams/quickStyle3.xml><?xml version="1.0" encoding="utf-8"?>
 <dgm:styleDef xmlns:dgm="http://schemas.openxmlformats.org/drawingml/2006/diagram" xmlns:a="http://schemas.openxmlformats.org/drawingml/2006/main" uniqueId="urn:microsoft.com/office/officeart/2005/8/quickstyle/simple1">
   <dgm:title val=""/>
   <dgm:desc val=""/>
@@ -6926,7 +10201,7 @@
           <a:p>
             <a:fld id="{8BBB6034-8C7C-DE4A-B016-4A2E981D7224}" type="datetimeFigureOut">
               <a:rPr lang="en-US" smtClean="0"/>
-              <a:t>5/21/18</a:t>
+              <a:t>5/22/18</a:t>
             </a:fld>
             <a:endParaRPr lang="en-US"/>
           </a:p>
@@ -7278,6 +10553,262 @@
 </p:notes>
 </file>
 
+<file path=ppt/notesSlides/notesSlide10.xml><?xml version="1.0" encoding="utf-8"?>
+<p:notes xmlns:a="http://schemas.openxmlformats.org/drawingml/2006/main" xmlns:r="http://schemas.openxmlformats.org/officeDocument/2006/relationships" xmlns:p="http://schemas.openxmlformats.org/presentationml/2006/main">
+  <p:cSld>
+    <p:spTree>
+      <p:nvGrpSpPr>
+        <p:cNvPr id="1" name=""/>
+        <p:cNvGrpSpPr/>
+        <p:nvPr/>
+      </p:nvGrpSpPr>
+      <p:grpSpPr>
+        <a:xfrm>
+          <a:off x="0" y="0"/>
+          <a:ext cx="0" cy="0"/>
+          <a:chOff x="0" y="0"/>
+          <a:chExt cx="0" cy="0"/>
+        </a:xfrm>
+      </p:grpSpPr>
+      <p:sp>
+        <p:nvSpPr>
+          <p:cNvPr id="2" name="幻灯片图像占位符 1"/>
+          <p:cNvSpPr>
+            <a:spLocks noGrp="1" noRot="1" noChangeAspect="1"/>
+          </p:cNvSpPr>
+          <p:nvPr>
+            <p:ph type="sldImg"/>
+          </p:nvPr>
+        </p:nvSpPr>
+        <p:spPr/>
+      </p:sp>
+      <p:sp>
+        <p:nvSpPr>
+          <p:cNvPr id="3" name="备注占位符 2"/>
+          <p:cNvSpPr>
+            <a:spLocks noGrp="1"/>
+          </p:cNvSpPr>
+          <p:nvPr>
+            <p:ph type="body" idx="1"/>
+          </p:nvPr>
+        </p:nvSpPr>
+        <p:spPr/>
+        <p:txBody>
+          <a:bodyPr/>
+          <a:lstStyle/>
+          <a:p>
+            <a:r>
+              <a:rPr lang="zh-CN" altLang="en-US" dirty="0" smtClean="0"/>
+              <a:t>模仿用户的一些随机操作</a:t>
+            </a:r>
+            <a:endParaRPr lang="zh-CN" altLang="en-US" dirty="0"/>
+          </a:p>
+        </p:txBody>
+      </p:sp>
+      <p:sp>
+        <p:nvSpPr>
+          <p:cNvPr id="4" name="灯片编号占位符 3"/>
+          <p:cNvSpPr>
+            <a:spLocks noGrp="1"/>
+          </p:cNvSpPr>
+          <p:nvPr>
+            <p:ph type="sldNum" sz="quarter" idx="10"/>
+          </p:nvPr>
+        </p:nvSpPr>
+        <p:spPr/>
+        <p:txBody>
+          <a:bodyPr/>
+          <a:lstStyle/>
+          <a:p>
+            <a:fld id="{F068A748-A07F-45AA-8C4E-DF6D52704AC4}" type="slidenum">
+              <a:rPr lang="zh-CN" altLang="en-US" smtClean="0"/>
+              <a:t>13</a:t>
+            </a:fld>
+            <a:endParaRPr lang="zh-CN" altLang="en-US"/>
+          </a:p>
+        </p:txBody>
+      </p:sp>
+    </p:spTree>
+    <p:extLst>
+      <p:ext uri="{BB962C8B-B14F-4D97-AF65-F5344CB8AC3E}">
+        <p14:creationId xmlns:p14="http://schemas.microsoft.com/office/powerpoint/2010/main" val="1980145433"/>
+      </p:ext>
+    </p:extLst>
+  </p:cSld>
+  <p:clrMapOvr>
+    <a:masterClrMapping/>
+  </p:clrMapOvr>
+</p:notes>
+</file>
+
+<file path=ppt/notesSlides/notesSlide11.xml><?xml version="1.0" encoding="utf-8"?>
+<p:notes xmlns:a="http://schemas.openxmlformats.org/drawingml/2006/main" xmlns:r="http://schemas.openxmlformats.org/officeDocument/2006/relationships" xmlns:p="http://schemas.openxmlformats.org/presentationml/2006/main">
+  <p:cSld>
+    <p:spTree>
+      <p:nvGrpSpPr>
+        <p:cNvPr id="1" name=""/>
+        <p:cNvGrpSpPr/>
+        <p:nvPr/>
+      </p:nvGrpSpPr>
+      <p:grpSpPr>
+        <a:xfrm>
+          <a:off x="0" y="0"/>
+          <a:ext cx="0" cy="0"/>
+          <a:chOff x="0" y="0"/>
+          <a:chExt cx="0" cy="0"/>
+        </a:xfrm>
+      </p:grpSpPr>
+      <p:sp>
+        <p:nvSpPr>
+          <p:cNvPr id="2" name="Slide Image Placeholder 1"/>
+          <p:cNvSpPr>
+            <a:spLocks noGrp="1" noRot="1" noChangeAspect="1"/>
+          </p:cNvSpPr>
+          <p:nvPr>
+            <p:ph type="sldImg"/>
+          </p:nvPr>
+        </p:nvSpPr>
+        <p:spPr/>
+      </p:sp>
+      <p:sp>
+        <p:nvSpPr>
+          <p:cNvPr id="3" name="Notes Placeholder 2"/>
+          <p:cNvSpPr>
+            <a:spLocks noGrp="1"/>
+          </p:cNvSpPr>
+          <p:nvPr>
+            <p:ph type="body" idx="1"/>
+          </p:nvPr>
+        </p:nvSpPr>
+        <p:spPr/>
+        <p:txBody>
+          <a:bodyPr/>
+          <a:lstStyle/>
+          <a:p>
+            <a:endParaRPr lang="en-US" dirty="0"/>
+          </a:p>
+        </p:txBody>
+      </p:sp>
+      <p:sp>
+        <p:nvSpPr>
+          <p:cNvPr id="4" name="Slide Number Placeholder 3"/>
+          <p:cNvSpPr>
+            <a:spLocks noGrp="1"/>
+          </p:cNvSpPr>
+          <p:nvPr>
+            <p:ph type="sldNum" sz="quarter" idx="10"/>
+          </p:nvPr>
+        </p:nvSpPr>
+        <p:spPr/>
+        <p:txBody>
+          <a:bodyPr/>
+          <a:lstStyle/>
+          <a:p>
+            <a:fld id="{CF9A55BC-772A-6B4B-B482-1929458065AD}" type="slidenum">
+              <a:rPr lang="en-US" smtClean="0"/>
+              <a:t>14</a:t>
+            </a:fld>
+            <a:endParaRPr lang="en-US"/>
+          </a:p>
+        </p:txBody>
+      </p:sp>
+    </p:spTree>
+    <p:extLst>
+      <p:ext uri="{BB962C8B-B14F-4D97-AF65-F5344CB8AC3E}">
+        <p14:creationId xmlns:p14="http://schemas.microsoft.com/office/powerpoint/2010/main" val="695891822"/>
+      </p:ext>
+    </p:extLst>
+  </p:cSld>
+  <p:clrMapOvr>
+    <a:masterClrMapping/>
+  </p:clrMapOvr>
+</p:notes>
+</file>
+
+<file path=ppt/notesSlides/notesSlide12.xml><?xml version="1.0" encoding="utf-8"?>
+<p:notes xmlns:a="http://schemas.openxmlformats.org/drawingml/2006/main" xmlns:r="http://schemas.openxmlformats.org/officeDocument/2006/relationships" xmlns:p="http://schemas.openxmlformats.org/presentationml/2006/main">
+  <p:cSld>
+    <p:spTree>
+      <p:nvGrpSpPr>
+        <p:cNvPr id="1" name=""/>
+        <p:cNvGrpSpPr/>
+        <p:nvPr/>
+      </p:nvGrpSpPr>
+      <p:grpSpPr>
+        <a:xfrm>
+          <a:off x="0" y="0"/>
+          <a:ext cx="0" cy="0"/>
+          <a:chOff x="0" y="0"/>
+          <a:chExt cx="0" cy="0"/>
+        </a:xfrm>
+      </p:grpSpPr>
+      <p:sp>
+        <p:nvSpPr>
+          <p:cNvPr id="2" name="幻灯片图像占位符 1"/>
+          <p:cNvSpPr>
+            <a:spLocks noGrp="1" noRot="1" noChangeAspect="1"/>
+          </p:cNvSpPr>
+          <p:nvPr>
+            <p:ph type="sldImg"/>
+          </p:nvPr>
+        </p:nvSpPr>
+        <p:spPr/>
+      </p:sp>
+      <p:sp>
+        <p:nvSpPr>
+          <p:cNvPr id="3" name="备注占位符 2"/>
+          <p:cNvSpPr>
+            <a:spLocks noGrp="1"/>
+          </p:cNvSpPr>
+          <p:nvPr>
+            <p:ph type="body" idx="1"/>
+          </p:nvPr>
+        </p:nvSpPr>
+        <p:spPr/>
+        <p:txBody>
+          <a:bodyPr/>
+          <a:lstStyle/>
+          <a:p>
+            <a:endParaRPr lang="zh-CN" altLang="en-US" dirty="0"/>
+          </a:p>
+        </p:txBody>
+      </p:sp>
+      <p:sp>
+        <p:nvSpPr>
+          <p:cNvPr id="4" name="灯片编号占位符 3"/>
+          <p:cNvSpPr>
+            <a:spLocks noGrp="1"/>
+          </p:cNvSpPr>
+          <p:nvPr>
+            <p:ph type="sldNum" sz="quarter" idx="10"/>
+          </p:nvPr>
+        </p:nvSpPr>
+        <p:spPr/>
+        <p:txBody>
+          <a:bodyPr/>
+          <a:lstStyle/>
+          <a:p>
+            <a:fld id="{F068A748-A07F-45AA-8C4E-DF6D52704AC4}" type="slidenum">
+              <a:rPr lang="zh-CN" altLang="en-US" smtClean="0"/>
+              <a:t>15</a:t>
+            </a:fld>
+            <a:endParaRPr lang="zh-CN" altLang="en-US"/>
+          </a:p>
+        </p:txBody>
+      </p:sp>
+    </p:spTree>
+    <p:extLst>
+      <p:ext uri="{BB962C8B-B14F-4D97-AF65-F5344CB8AC3E}">
+        <p14:creationId xmlns:p14="http://schemas.microsoft.com/office/powerpoint/2010/main" val="54128299"/>
+      </p:ext>
+    </p:extLst>
+  </p:cSld>
+  <p:clrMapOvr>
+    <a:masterClrMapping/>
+  </p:clrMapOvr>
+</p:notes>
+</file>
+
 <file path=ppt/notesSlides/notesSlide2.xml><?xml version="1.0" encoding="utf-8"?>
 <p:notes xmlns:a="http://schemas.openxmlformats.org/drawingml/2006/main" xmlns:r="http://schemas.openxmlformats.org/officeDocument/2006/relationships" xmlns:p="http://schemas.openxmlformats.org/presentationml/2006/main">
   <p:cSld>
@@ -7520,7 +11051,483 @@
     </p:spTree>
     <p:extLst>
       <p:ext uri="{BB962C8B-B14F-4D97-AF65-F5344CB8AC3E}">
+        <p14:creationId xmlns:p14="http://schemas.microsoft.com/office/powerpoint/2010/main" val="986669923"/>
+      </p:ext>
+    </p:extLst>
+  </p:cSld>
+  <p:clrMapOvr>
+    <a:masterClrMapping/>
+  </p:clrMapOvr>
+</p:notes>
+</file>
+
+<file path=ppt/notesSlides/notesSlide5.xml><?xml version="1.0" encoding="utf-8"?>
+<p:notes xmlns:a="http://schemas.openxmlformats.org/drawingml/2006/main" xmlns:r="http://schemas.openxmlformats.org/officeDocument/2006/relationships" xmlns:p="http://schemas.openxmlformats.org/presentationml/2006/main">
+  <p:cSld>
+    <p:spTree>
+      <p:nvGrpSpPr>
+        <p:cNvPr id="1" name=""/>
+        <p:cNvGrpSpPr/>
+        <p:nvPr/>
+      </p:nvGrpSpPr>
+      <p:grpSpPr>
+        <a:xfrm>
+          <a:off x="0" y="0"/>
+          <a:ext cx="0" cy="0"/>
+          <a:chOff x="0" y="0"/>
+          <a:chExt cx="0" cy="0"/>
+        </a:xfrm>
+      </p:grpSpPr>
+      <p:sp>
+        <p:nvSpPr>
+          <p:cNvPr id="2" name="幻灯片图像占位符 1"/>
+          <p:cNvSpPr>
+            <a:spLocks noGrp="1" noRot="1" noChangeAspect="1"/>
+          </p:cNvSpPr>
+          <p:nvPr>
+            <p:ph type="sldImg"/>
+          </p:nvPr>
+        </p:nvSpPr>
+        <p:spPr/>
+      </p:sp>
+      <p:sp>
+        <p:nvSpPr>
+          <p:cNvPr id="3" name="备注占位符 2"/>
+          <p:cNvSpPr>
+            <a:spLocks noGrp="1"/>
+          </p:cNvSpPr>
+          <p:nvPr>
+            <p:ph type="body" idx="1"/>
+          </p:nvPr>
+        </p:nvSpPr>
+        <p:spPr/>
+        <p:txBody>
+          <a:bodyPr/>
+          <a:lstStyle/>
+          <a:p>
+            <a:r>
+              <a:rPr lang="zh-CN" altLang="en-US" dirty="0" smtClean="0"/>
+              <a:t>模仿用户的一些随机操作</a:t>
+            </a:r>
+            <a:endParaRPr lang="zh-CN" altLang="en-US" dirty="0"/>
+          </a:p>
+        </p:txBody>
+      </p:sp>
+      <p:sp>
+        <p:nvSpPr>
+          <p:cNvPr id="4" name="灯片编号占位符 3"/>
+          <p:cNvSpPr>
+            <a:spLocks noGrp="1"/>
+          </p:cNvSpPr>
+          <p:nvPr>
+            <p:ph type="sldNum" sz="quarter" idx="10"/>
+          </p:nvPr>
+        </p:nvSpPr>
+        <p:spPr/>
+        <p:txBody>
+          <a:bodyPr/>
+          <a:lstStyle/>
+          <a:p>
+            <a:fld id="{F068A748-A07F-45AA-8C4E-DF6D52704AC4}" type="slidenum">
+              <a:rPr lang="zh-CN" altLang="en-US" smtClean="0"/>
+              <a:t>7</a:t>
+            </a:fld>
+            <a:endParaRPr lang="zh-CN" altLang="en-US"/>
+          </a:p>
+        </p:txBody>
+      </p:sp>
+    </p:spTree>
+    <p:extLst>
+      <p:ext uri="{BB962C8B-B14F-4D97-AF65-F5344CB8AC3E}">
         <p14:creationId xmlns:p14="http://schemas.microsoft.com/office/powerpoint/2010/main" val="397238315"/>
+      </p:ext>
+    </p:extLst>
+  </p:cSld>
+  <p:clrMapOvr>
+    <a:masterClrMapping/>
+  </p:clrMapOvr>
+</p:notes>
+</file>
+
+<file path=ppt/notesSlides/notesSlide6.xml><?xml version="1.0" encoding="utf-8"?>
+<p:notes xmlns:a="http://schemas.openxmlformats.org/drawingml/2006/main" xmlns:r="http://schemas.openxmlformats.org/officeDocument/2006/relationships" xmlns:p="http://schemas.openxmlformats.org/presentationml/2006/main">
+  <p:cSld>
+    <p:spTree>
+      <p:nvGrpSpPr>
+        <p:cNvPr id="1" name=""/>
+        <p:cNvGrpSpPr/>
+        <p:nvPr/>
+      </p:nvGrpSpPr>
+      <p:grpSpPr>
+        <a:xfrm>
+          <a:off x="0" y="0"/>
+          <a:ext cx="0" cy="0"/>
+          <a:chOff x="0" y="0"/>
+          <a:chExt cx="0" cy="0"/>
+        </a:xfrm>
+      </p:grpSpPr>
+      <p:sp>
+        <p:nvSpPr>
+          <p:cNvPr id="2" name="幻灯片图像占位符 1"/>
+          <p:cNvSpPr>
+            <a:spLocks noGrp="1" noRot="1" noChangeAspect="1"/>
+          </p:cNvSpPr>
+          <p:nvPr>
+            <p:ph type="sldImg"/>
+          </p:nvPr>
+        </p:nvSpPr>
+        <p:spPr/>
+      </p:sp>
+      <p:sp>
+        <p:nvSpPr>
+          <p:cNvPr id="3" name="备注占位符 2"/>
+          <p:cNvSpPr>
+            <a:spLocks noGrp="1"/>
+          </p:cNvSpPr>
+          <p:nvPr>
+            <p:ph type="body" idx="1"/>
+          </p:nvPr>
+        </p:nvSpPr>
+        <p:spPr/>
+        <p:txBody>
+          <a:bodyPr/>
+          <a:lstStyle/>
+          <a:p>
+            <a:r>
+              <a:rPr lang="en-US" altLang="zh-CN" dirty="0"/>
+              <a:t> </a:t>
+            </a:r>
+            <a:endParaRPr lang="zh-CN" altLang="en-US" dirty="0"/>
+          </a:p>
+        </p:txBody>
+      </p:sp>
+      <p:sp>
+        <p:nvSpPr>
+          <p:cNvPr id="4" name="灯片编号占位符 3"/>
+          <p:cNvSpPr>
+            <a:spLocks noGrp="1"/>
+          </p:cNvSpPr>
+          <p:nvPr>
+            <p:ph type="sldNum" sz="quarter" idx="10"/>
+          </p:nvPr>
+        </p:nvSpPr>
+        <p:spPr/>
+        <p:txBody>
+          <a:bodyPr/>
+          <a:lstStyle/>
+          <a:p>
+            <a:fld id="{F068A748-A07F-45AA-8C4E-DF6D52704AC4}" type="slidenum">
+              <a:rPr lang="zh-CN" altLang="en-US" smtClean="0"/>
+              <a:t>8</a:t>
+            </a:fld>
+            <a:endParaRPr lang="zh-CN" altLang="en-US"/>
+          </a:p>
+        </p:txBody>
+      </p:sp>
+    </p:spTree>
+    <p:extLst>
+      <p:ext uri="{BB962C8B-B14F-4D97-AF65-F5344CB8AC3E}">
+        <p14:creationId xmlns:p14="http://schemas.microsoft.com/office/powerpoint/2010/main" val="1994404782"/>
+      </p:ext>
+    </p:extLst>
+  </p:cSld>
+  <p:clrMapOvr>
+    <a:masterClrMapping/>
+  </p:clrMapOvr>
+</p:notes>
+</file>
+
+<file path=ppt/notesSlides/notesSlide7.xml><?xml version="1.0" encoding="utf-8"?>
+<p:notes xmlns:a="http://schemas.openxmlformats.org/drawingml/2006/main" xmlns:r="http://schemas.openxmlformats.org/officeDocument/2006/relationships" xmlns:p="http://schemas.openxmlformats.org/presentationml/2006/main">
+  <p:cSld>
+    <p:spTree>
+      <p:nvGrpSpPr>
+        <p:cNvPr id="1" name=""/>
+        <p:cNvGrpSpPr/>
+        <p:nvPr/>
+      </p:nvGrpSpPr>
+      <p:grpSpPr>
+        <a:xfrm>
+          <a:off x="0" y="0"/>
+          <a:ext cx="0" cy="0"/>
+          <a:chOff x="0" y="0"/>
+          <a:chExt cx="0" cy="0"/>
+        </a:xfrm>
+      </p:grpSpPr>
+      <p:sp>
+        <p:nvSpPr>
+          <p:cNvPr id="2" name="Slide Image Placeholder 1"/>
+          <p:cNvSpPr>
+            <a:spLocks noGrp="1" noRot="1" noChangeAspect="1"/>
+          </p:cNvSpPr>
+          <p:nvPr>
+            <p:ph type="sldImg"/>
+          </p:nvPr>
+        </p:nvSpPr>
+        <p:spPr/>
+      </p:sp>
+      <p:sp>
+        <p:nvSpPr>
+          <p:cNvPr id="3" name="Notes Placeholder 2"/>
+          <p:cNvSpPr>
+            <a:spLocks noGrp="1"/>
+          </p:cNvSpPr>
+          <p:nvPr>
+            <p:ph type="body" idx="1"/>
+          </p:nvPr>
+        </p:nvSpPr>
+        <p:spPr/>
+        <p:txBody>
+          <a:bodyPr/>
+          <a:lstStyle/>
+          <a:p>
+            <a:r>
+              <a:rPr lang="zh-CN" altLang="en-US" dirty="0" smtClean="0"/>
+              <a:t>红点</a:t>
+            </a:r>
+            <a:r>
+              <a:rPr lang="en-US" altLang="zh-CN" dirty="0" smtClean="0"/>
+              <a:t>+</a:t>
+            </a:r>
+            <a:r>
+              <a:rPr lang="zh-CN" altLang="en-US" dirty="0" smtClean="0"/>
+              <a:t>黑点</a:t>
+            </a:r>
+            <a:endParaRPr lang="en-US" dirty="0"/>
+          </a:p>
+        </p:txBody>
+      </p:sp>
+      <p:sp>
+        <p:nvSpPr>
+          <p:cNvPr id="4" name="Slide Number Placeholder 3"/>
+          <p:cNvSpPr>
+            <a:spLocks noGrp="1"/>
+          </p:cNvSpPr>
+          <p:nvPr>
+            <p:ph type="sldNum" sz="quarter" idx="10"/>
+          </p:nvPr>
+        </p:nvSpPr>
+        <p:spPr/>
+        <p:txBody>
+          <a:bodyPr/>
+          <a:lstStyle/>
+          <a:p>
+            <a:fld id="{CF9A55BC-772A-6B4B-B482-1929458065AD}" type="slidenum">
+              <a:rPr lang="en-US" smtClean="0"/>
+              <a:t>9</a:t>
+            </a:fld>
+            <a:endParaRPr lang="en-US"/>
+          </a:p>
+        </p:txBody>
+      </p:sp>
+    </p:spTree>
+    <p:extLst>
+      <p:ext uri="{BB962C8B-B14F-4D97-AF65-F5344CB8AC3E}">
+        <p14:creationId xmlns:p14="http://schemas.microsoft.com/office/powerpoint/2010/main" val="667578123"/>
+      </p:ext>
+    </p:extLst>
+  </p:cSld>
+  <p:clrMapOvr>
+    <a:masterClrMapping/>
+  </p:clrMapOvr>
+</p:notes>
+</file>
+
+<file path=ppt/notesSlides/notesSlide8.xml><?xml version="1.0" encoding="utf-8"?>
+<p:notes xmlns:a="http://schemas.openxmlformats.org/drawingml/2006/main" xmlns:r="http://schemas.openxmlformats.org/officeDocument/2006/relationships" xmlns:p="http://schemas.openxmlformats.org/presentationml/2006/main">
+  <p:cSld>
+    <p:spTree>
+      <p:nvGrpSpPr>
+        <p:cNvPr id="1" name=""/>
+        <p:cNvGrpSpPr/>
+        <p:nvPr/>
+      </p:nvGrpSpPr>
+      <p:grpSpPr>
+        <a:xfrm>
+          <a:off x="0" y="0"/>
+          <a:ext cx="0" cy="0"/>
+          <a:chOff x="0" y="0"/>
+          <a:chExt cx="0" cy="0"/>
+        </a:xfrm>
+      </p:grpSpPr>
+      <p:sp>
+        <p:nvSpPr>
+          <p:cNvPr id="2" name="Slide Image Placeholder 1"/>
+          <p:cNvSpPr>
+            <a:spLocks noGrp="1" noRot="1" noChangeAspect="1"/>
+          </p:cNvSpPr>
+          <p:nvPr>
+            <p:ph type="sldImg"/>
+          </p:nvPr>
+        </p:nvSpPr>
+        <p:spPr/>
+      </p:sp>
+      <p:sp>
+        <p:nvSpPr>
+          <p:cNvPr id="3" name="Notes Placeholder 2"/>
+          <p:cNvSpPr>
+            <a:spLocks noGrp="1"/>
+          </p:cNvSpPr>
+          <p:nvPr>
+            <p:ph type="body" idx="1"/>
+          </p:nvPr>
+        </p:nvSpPr>
+        <p:spPr/>
+        <p:txBody>
+          <a:bodyPr/>
+          <a:lstStyle/>
+          <a:p>
+            <a:r>
+              <a:rPr lang="zh-CN" altLang="en-US" dirty="0" smtClean="0"/>
+              <a:t>系统</a:t>
+            </a:r>
+            <a:r>
+              <a:rPr lang="en-US" altLang="zh-CN" dirty="0" smtClean="0"/>
+              <a:t>Log</a:t>
+            </a:r>
+            <a:r>
+              <a:rPr lang="zh-CN" altLang="en-US" dirty="0" smtClean="0"/>
+              <a:t> </a:t>
+            </a:r>
+            <a:r>
+              <a:rPr lang="en-US" altLang="zh-CN" dirty="0" smtClean="0"/>
+              <a:t>+</a:t>
+            </a:r>
+            <a:r>
+              <a:rPr lang="zh-CN" altLang="en-US" dirty="0" smtClean="0"/>
+              <a:t> </a:t>
+            </a:r>
+            <a:r>
+              <a:rPr lang="en-US" altLang="zh-CN" dirty="0" smtClean="0"/>
+              <a:t>crash</a:t>
+            </a:r>
+            <a:r>
+              <a:rPr lang="zh-CN" altLang="en-US" dirty="0" smtClean="0"/>
+              <a:t> </a:t>
+            </a:r>
+            <a:r>
+              <a:rPr lang="en-US" altLang="zh-CN" dirty="0" smtClean="0"/>
+              <a:t>file</a:t>
+            </a:r>
+            <a:r>
+              <a:rPr lang="zh-CN" altLang="en-US" dirty="0" smtClean="0"/>
+              <a:t> </a:t>
+            </a:r>
+            <a:endParaRPr lang="en-US" dirty="0"/>
+          </a:p>
+        </p:txBody>
+      </p:sp>
+      <p:sp>
+        <p:nvSpPr>
+          <p:cNvPr id="4" name="Slide Number Placeholder 3"/>
+          <p:cNvSpPr>
+            <a:spLocks noGrp="1"/>
+          </p:cNvSpPr>
+          <p:nvPr>
+            <p:ph type="sldNum" sz="quarter" idx="10"/>
+          </p:nvPr>
+        </p:nvSpPr>
+        <p:spPr/>
+        <p:txBody>
+          <a:bodyPr/>
+          <a:lstStyle/>
+          <a:p>
+            <a:fld id="{CF9A55BC-772A-6B4B-B482-1929458065AD}" type="slidenum">
+              <a:rPr lang="en-US" smtClean="0"/>
+              <a:t>11</a:t>
+            </a:fld>
+            <a:endParaRPr lang="en-US"/>
+          </a:p>
+        </p:txBody>
+      </p:sp>
+    </p:spTree>
+    <p:extLst>
+      <p:ext uri="{BB962C8B-B14F-4D97-AF65-F5344CB8AC3E}">
+        <p14:creationId xmlns:p14="http://schemas.microsoft.com/office/powerpoint/2010/main" val="1413942319"/>
+      </p:ext>
+    </p:extLst>
+  </p:cSld>
+  <p:clrMapOvr>
+    <a:masterClrMapping/>
+  </p:clrMapOvr>
+</p:notes>
+</file>
+
+<file path=ppt/notesSlides/notesSlide9.xml><?xml version="1.0" encoding="utf-8"?>
+<p:notes xmlns:a="http://schemas.openxmlformats.org/drawingml/2006/main" xmlns:r="http://schemas.openxmlformats.org/officeDocument/2006/relationships" xmlns:p="http://schemas.openxmlformats.org/presentationml/2006/main">
+  <p:cSld>
+    <p:spTree>
+      <p:nvGrpSpPr>
+        <p:cNvPr id="1" name=""/>
+        <p:cNvGrpSpPr/>
+        <p:nvPr/>
+      </p:nvGrpSpPr>
+      <p:grpSpPr>
+        <a:xfrm>
+          <a:off x="0" y="0"/>
+          <a:ext cx="0" cy="0"/>
+          <a:chOff x="0" y="0"/>
+          <a:chExt cx="0" cy="0"/>
+        </a:xfrm>
+      </p:grpSpPr>
+      <p:sp>
+        <p:nvSpPr>
+          <p:cNvPr id="2" name="Slide Image Placeholder 1"/>
+          <p:cNvSpPr>
+            <a:spLocks noGrp="1" noRot="1" noChangeAspect="1"/>
+          </p:cNvSpPr>
+          <p:nvPr>
+            <p:ph type="sldImg"/>
+          </p:nvPr>
+        </p:nvSpPr>
+        <p:spPr/>
+      </p:sp>
+      <p:sp>
+        <p:nvSpPr>
+          <p:cNvPr id="3" name="Notes Placeholder 2"/>
+          <p:cNvSpPr>
+            <a:spLocks noGrp="1"/>
+          </p:cNvSpPr>
+          <p:nvPr>
+            <p:ph type="body" idx="1"/>
+          </p:nvPr>
+        </p:nvSpPr>
+        <p:spPr/>
+        <p:txBody>
+          <a:bodyPr/>
+          <a:lstStyle/>
+          <a:p>
+            <a:endParaRPr lang="en-US" dirty="0"/>
+          </a:p>
+        </p:txBody>
+      </p:sp>
+      <p:sp>
+        <p:nvSpPr>
+          <p:cNvPr id="4" name="Slide Number Placeholder 3"/>
+          <p:cNvSpPr>
+            <a:spLocks noGrp="1"/>
+          </p:cNvSpPr>
+          <p:nvPr>
+            <p:ph type="sldNum" sz="quarter" idx="10"/>
+          </p:nvPr>
+        </p:nvSpPr>
+        <p:spPr/>
+        <p:txBody>
+          <a:bodyPr/>
+          <a:lstStyle/>
+          <a:p>
+            <a:fld id="{CF9A55BC-772A-6B4B-B482-1929458065AD}" type="slidenum">
+              <a:rPr lang="en-US" smtClean="0"/>
+              <a:t>12</a:t>
+            </a:fld>
+            <a:endParaRPr lang="en-US"/>
+          </a:p>
+        </p:txBody>
+      </p:sp>
+    </p:spTree>
+    <p:extLst>
+      <p:ext uri="{BB962C8B-B14F-4D97-AF65-F5344CB8AC3E}">
+        <p14:creationId xmlns:p14="http://schemas.microsoft.com/office/powerpoint/2010/main" val="320937940"/>
       </p:ext>
     </p:extLst>
   </p:cSld>
@@ -7661,7 +11668,7 @@
           <a:p>
             <a:fld id="{281976D8-4F8D-7147-929E-C5FBCC10CBE3}" type="datetimeFigureOut">
               <a:rPr lang="en-US" smtClean="0"/>
-              <a:t>5/21/18</a:t>
+              <a:t>5/22/18</a:t>
             </a:fld>
             <a:endParaRPr lang="en-US"/>
           </a:p>
@@ -7831,7 +11838,7 @@
           <a:p>
             <a:fld id="{281976D8-4F8D-7147-929E-C5FBCC10CBE3}" type="datetimeFigureOut">
               <a:rPr lang="en-US" smtClean="0"/>
-              <a:t>5/21/18</a:t>
+              <a:t>5/22/18</a:t>
             </a:fld>
             <a:endParaRPr lang="en-US"/>
           </a:p>
@@ -8011,7 +12018,7 @@
           <a:p>
             <a:fld id="{281976D8-4F8D-7147-929E-C5FBCC10CBE3}" type="datetimeFigureOut">
               <a:rPr lang="en-US" smtClean="0"/>
-              <a:t>5/21/18</a:t>
+              <a:t>5/22/18</a:t>
             </a:fld>
             <a:endParaRPr lang="en-US"/>
           </a:p>
@@ -8181,7 +12188,7 @@
           <a:p>
             <a:fld id="{281976D8-4F8D-7147-929E-C5FBCC10CBE3}" type="datetimeFigureOut">
               <a:rPr lang="en-US" smtClean="0"/>
-              <a:t>5/21/18</a:t>
+              <a:t>5/22/18</a:t>
             </a:fld>
             <a:endParaRPr lang="en-US"/>
           </a:p>
@@ -8427,7 +12434,7 @@
           <a:p>
             <a:fld id="{281976D8-4F8D-7147-929E-C5FBCC10CBE3}" type="datetimeFigureOut">
               <a:rPr lang="en-US" smtClean="0"/>
-              <a:t>5/21/18</a:t>
+              <a:t>5/22/18</a:t>
             </a:fld>
             <a:endParaRPr lang="en-US"/>
           </a:p>
@@ -8659,7 +12666,7 @@
           <a:p>
             <a:fld id="{281976D8-4F8D-7147-929E-C5FBCC10CBE3}" type="datetimeFigureOut">
               <a:rPr lang="en-US" smtClean="0"/>
-              <a:t>5/21/18</a:t>
+              <a:t>5/22/18</a:t>
             </a:fld>
             <a:endParaRPr lang="en-US"/>
           </a:p>
@@ -9026,7 +13033,7 @@
           <a:p>
             <a:fld id="{281976D8-4F8D-7147-929E-C5FBCC10CBE3}" type="datetimeFigureOut">
               <a:rPr lang="en-US" smtClean="0"/>
-              <a:t>5/21/18</a:t>
+              <a:t>5/22/18</a:t>
             </a:fld>
             <a:endParaRPr lang="en-US"/>
           </a:p>
@@ -9144,7 +13151,7 @@
           <a:p>
             <a:fld id="{281976D8-4F8D-7147-929E-C5FBCC10CBE3}" type="datetimeFigureOut">
               <a:rPr lang="en-US" smtClean="0"/>
-              <a:t>5/21/18</a:t>
+              <a:t>5/22/18</a:t>
             </a:fld>
             <a:endParaRPr lang="en-US"/>
           </a:p>
@@ -9239,7 +13246,7 @@
           <a:p>
             <a:fld id="{281976D8-4F8D-7147-929E-C5FBCC10CBE3}" type="datetimeFigureOut">
               <a:rPr lang="en-US" smtClean="0"/>
-              <a:t>5/21/18</a:t>
+              <a:t>5/22/18</a:t>
             </a:fld>
             <a:endParaRPr lang="en-US"/>
           </a:p>
@@ -9516,7 +13523,7 @@
           <a:p>
             <a:fld id="{281976D8-4F8D-7147-929E-C5FBCC10CBE3}" type="datetimeFigureOut">
               <a:rPr lang="en-US" smtClean="0"/>
-              <a:t>5/21/18</a:t>
+              <a:t>5/22/18</a:t>
             </a:fld>
             <a:endParaRPr lang="en-US"/>
           </a:p>
@@ -9769,7 +13776,7 @@
           <a:p>
             <a:fld id="{281976D8-4F8D-7147-929E-C5FBCC10CBE3}" type="datetimeFigureOut">
               <a:rPr lang="en-US" smtClean="0"/>
-              <a:t>5/21/18</a:t>
+              <a:t>5/22/18</a:t>
             </a:fld>
             <a:endParaRPr lang="en-US"/>
           </a:p>
@@ -9982,7 +13989,7 @@
           <a:p>
             <a:fld id="{281976D8-4F8D-7147-929E-C5FBCC10CBE3}" type="datetimeFigureOut">
               <a:rPr lang="en-US" smtClean="0"/>
-              <a:t>5/21/18</a:t>
+              <a:t>5/22/18</a:t>
             </a:fld>
             <a:endParaRPr lang="en-US"/>
           </a:p>
@@ -10515,6 +14522,814 @@
 </p:sld>
 </file>
 
+<file path=ppt/slides/slide10.xml><?xml version="1.0" encoding="utf-8"?>
+<p:sld xmlns:a="http://schemas.openxmlformats.org/drawingml/2006/main" xmlns:r="http://schemas.openxmlformats.org/officeDocument/2006/relationships" xmlns:p="http://schemas.openxmlformats.org/presentationml/2006/main">
+  <p:cSld>
+    <p:spTree>
+      <p:nvGrpSpPr>
+        <p:cNvPr id="1" name=""/>
+        <p:cNvGrpSpPr/>
+        <p:nvPr/>
+      </p:nvGrpSpPr>
+      <p:grpSpPr>
+        <a:xfrm>
+          <a:off x="0" y="0"/>
+          <a:ext cx="0" cy="0"/>
+          <a:chOff x="0" y="0"/>
+          <a:chExt cx="0" cy="0"/>
+        </a:xfrm>
+      </p:grpSpPr>
+      <p:sp>
+        <p:nvSpPr>
+          <p:cNvPr id="2" name="Title 1"/>
+          <p:cNvSpPr>
+            <a:spLocks noGrp="1"/>
+          </p:cNvSpPr>
+          <p:nvPr>
+            <p:ph type="title"/>
+          </p:nvPr>
+        </p:nvSpPr>
+        <p:spPr/>
+        <p:txBody>
+          <a:bodyPr/>
+          <a:lstStyle/>
+          <a:p>
+            <a:endParaRPr lang="en-US"/>
+          </a:p>
+        </p:txBody>
+      </p:sp>
+      <p:pic>
+        <p:nvPicPr>
+          <p:cNvPr id="4" name="Content Placeholder 3"/>
+          <p:cNvPicPr>
+            <a:picLocks noGrp="1" noChangeAspect="1"/>
+          </p:cNvPicPr>
+          <p:nvPr>
+            <p:ph idx="1"/>
+          </p:nvPr>
+        </p:nvPicPr>
+        <p:blipFill>
+          <a:blip r:embed="rId2">
+            <a:extLst>
+              <a:ext uri="{28A0092B-C50C-407E-A947-70E740481C1C}">
+                <a14:useLocalDpi xmlns:a14="http://schemas.microsoft.com/office/drawing/2010/main" val="0"/>
+              </a:ext>
+            </a:extLst>
+          </a:blip>
+          <a:stretch>
+            <a:fillRect/>
+          </a:stretch>
+        </p:blipFill>
+        <p:spPr>
+          <a:xfrm>
+            <a:off x="4385993" y="765950"/>
+            <a:ext cx="2984625" cy="5158910"/>
+          </a:xfrm>
+        </p:spPr>
+      </p:pic>
+    </p:spTree>
+    <p:extLst>
+      <p:ext uri="{BB962C8B-B14F-4D97-AF65-F5344CB8AC3E}">
+        <p14:creationId xmlns:p14="http://schemas.microsoft.com/office/powerpoint/2010/main" val="1942579705"/>
+      </p:ext>
+    </p:extLst>
+  </p:cSld>
+  <p:clrMapOvr>
+    <a:masterClrMapping/>
+  </p:clrMapOvr>
+  <p:timing>
+    <p:tnLst>
+      <p:par>
+        <p:cTn id="1" dur="indefinite" restart="never" nodeType="tmRoot"/>
+      </p:par>
+    </p:tnLst>
+  </p:timing>
+</p:sld>
+</file>
+
+<file path=ppt/slides/slide11.xml><?xml version="1.0" encoding="utf-8"?>
+<p:sld xmlns:a="http://schemas.openxmlformats.org/drawingml/2006/main" xmlns:r="http://schemas.openxmlformats.org/officeDocument/2006/relationships" xmlns:p="http://schemas.openxmlformats.org/presentationml/2006/main">
+  <p:cSld>
+    <p:spTree>
+      <p:nvGrpSpPr>
+        <p:cNvPr id="1" name=""/>
+        <p:cNvGrpSpPr/>
+        <p:nvPr/>
+      </p:nvGrpSpPr>
+      <p:grpSpPr>
+        <a:xfrm>
+          <a:off x="0" y="0"/>
+          <a:ext cx="0" cy="0"/>
+          <a:chOff x="0" y="0"/>
+          <a:chExt cx="0" cy="0"/>
+        </a:xfrm>
+      </p:grpSpPr>
+      <p:pic>
+        <p:nvPicPr>
+          <p:cNvPr id="4" name="Content Placeholder 3"/>
+          <p:cNvPicPr>
+            <a:picLocks noGrp="1" noChangeAspect="1"/>
+          </p:cNvPicPr>
+          <p:nvPr>
+            <p:ph idx="1"/>
+          </p:nvPr>
+        </p:nvPicPr>
+        <p:blipFill>
+          <a:blip r:embed="rId3">
+            <a:extLst>
+              <a:ext uri="{28A0092B-C50C-407E-A947-70E740481C1C}">
+                <a14:useLocalDpi xmlns:a14="http://schemas.microsoft.com/office/drawing/2010/main" val="0"/>
+              </a:ext>
+            </a:extLst>
+          </a:blip>
+          <a:stretch>
+            <a:fillRect/>
+          </a:stretch>
+        </p:blipFill>
+        <p:spPr>
+          <a:xfrm>
+            <a:off x="690994" y="1317553"/>
+            <a:ext cx="10481199" cy="4390520"/>
+          </a:xfrm>
+        </p:spPr>
+      </p:pic>
+    </p:spTree>
+    <p:extLst>
+      <p:ext uri="{BB962C8B-B14F-4D97-AF65-F5344CB8AC3E}">
+        <p14:creationId xmlns:p14="http://schemas.microsoft.com/office/powerpoint/2010/main" val="685804362"/>
+      </p:ext>
+    </p:extLst>
+  </p:cSld>
+  <p:clrMapOvr>
+    <a:masterClrMapping/>
+  </p:clrMapOvr>
+</p:sld>
+</file>
+
+<file path=ppt/slides/slide12.xml><?xml version="1.0" encoding="utf-8"?>
+<p:sld xmlns:a="http://schemas.openxmlformats.org/drawingml/2006/main" xmlns:r="http://schemas.openxmlformats.org/officeDocument/2006/relationships" xmlns:p="http://schemas.openxmlformats.org/presentationml/2006/main">
+  <p:cSld>
+    <p:spTree>
+      <p:nvGrpSpPr>
+        <p:cNvPr id="1" name=""/>
+        <p:cNvGrpSpPr/>
+        <p:nvPr/>
+      </p:nvGrpSpPr>
+      <p:grpSpPr>
+        <a:xfrm>
+          <a:off x="0" y="0"/>
+          <a:ext cx="0" cy="0"/>
+          <a:chOff x="0" y="0"/>
+          <a:chExt cx="0" cy="0"/>
+        </a:xfrm>
+      </p:grpSpPr>
+      <p:pic>
+        <p:nvPicPr>
+          <p:cNvPr id="4" name="Content Placeholder 3"/>
+          <p:cNvPicPr>
+            <a:picLocks noGrp="1" noChangeAspect="1"/>
+          </p:cNvPicPr>
+          <p:nvPr>
+            <p:ph idx="1"/>
+          </p:nvPr>
+        </p:nvPicPr>
+        <p:blipFill>
+          <a:blip r:embed="rId3">
+            <a:extLst>
+              <a:ext uri="{28A0092B-C50C-407E-A947-70E740481C1C}">
+                <a14:useLocalDpi xmlns:a14="http://schemas.microsoft.com/office/drawing/2010/main" val="0"/>
+              </a:ext>
+            </a:extLst>
+          </a:blip>
+          <a:stretch>
+            <a:fillRect/>
+          </a:stretch>
+        </p:blipFill>
+        <p:spPr>
+          <a:xfrm>
+            <a:off x="53301" y="124691"/>
+            <a:ext cx="12138699" cy="6179395"/>
+          </a:xfrm>
+        </p:spPr>
+      </p:pic>
+    </p:spTree>
+    <p:extLst>
+      <p:ext uri="{BB962C8B-B14F-4D97-AF65-F5344CB8AC3E}">
+        <p14:creationId xmlns:p14="http://schemas.microsoft.com/office/powerpoint/2010/main" val="1651341446"/>
+      </p:ext>
+    </p:extLst>
+  </p:cSld>
+  <p:clrMapOvr>
+    <a:masterClrMapping/>
+  </p:clrMapOvr>
+  <p:timing>
+    <p:tnLst>
+      <p:par>
+        <p:cTn id="1" dur="indefinite" restart="never" nodeType="tmRoot"/>
+      </p:par>
+    </p:tnLst>
+  </p:timing>
+</p:sld>
+</file>
+
+<file path=ppt/slides/slide13.xml><?xml version="1.0" encoding="utf-8"?>
+<p:sld xmlns:a="http://schemas.openxmlformats.org/drawingml/2006/main" xmlns:r="http://schemas.openxmlformats.org/officeDocument/2006/relationships" xmlns:p="http://schemas.openxmlformats.org/presentationml/2006/main">
+  <p:cSld>
+    <p:spTree>
+      <p:nvGrpSpPr>
+        <p:cNvPr id="1" name=""/>
+        <p:cNvGrpSpPr/>
+        <p:nvPr/>
+      </p:nvGrpSpPr>
+      <p:grpSpPr>
+        <a:xfrm>
+          <a:off x="0" y="0"/>
+          <a:ext cx="0" cy="0"/>
+          <a:chOff x="0" y="0"/>
+          <a:chExt cx="0" cy="0"/>
+        </a:xfrm>
+      </p:grpSpPr>
+      <p:sp>
+        <p:nvSpPr>
+          <p:cNvPr id="12" name="Rectangle 6">
+            <a:extLst>
+              <a:ext uri="{FF2B5EF4-FFF2-40B4-BE49-F238E27FC236}">
+                <a16:creationId xmlns="" xmlns:a16="http://schemas.microsoft.com/office/drawing/2014/main" id="{FEF4E260-B79D-41D8-90EB-C84807CD77EC}"/>
+              </a:ext>
+            </a:extLst>
+          </p:cNvPr>
+          <p:cNvSpPr>
+            <a:spLocks noGrp="1" noRot="1" noChangeAspect="1" noMove="1" noResize="1" noEditPoints="1" noAdjustHandles="1" noChangeArrowheads="1" noChangeShapeType="1" noTextEdit="1"/>
+          </p:cNvSpPr>
+          <p:nvPr>
+            <p:extLst>
+              <p:ext uri="{386F3935-93C4-4BCD-93E2-E3B085C9AB24}">
+                <p16:designElem xmlns="" xmlns:p16="http://schemas.microsoft.com/office/powerpoint/2015/main" val="1"/>
+              </p:ext>
+            </p:extLst>
+          </p:nvPr>
+        </p:nvSpPr>
+        <p:spPr>
+          <a:xfrm>
+            <a:off x="478135" y="476778"/>
+            <a:ext cx="7212450" cy="5920653"/>
+          </a:xfrm>
+          <a:prstGeom prst="rect">
+            <a:avLst/>
+          </a:prstGeom>
+          <a:solidFill>
+            <a:schemeClr val="accent1"/>
+          </a:solidFill>
+          <a:ln>
+            <a:noFill/>
+          </a:ln>
+        </p:spPr>
+        <p:style>
+          <a:lnRef idx="1">
+            <a:schemeClr val="accent1"/>
+          </a:lnRef>
+          <a:fillRef idx="3">
+            <a:schemeClr val="accent1"/>
+          </a:fillRef>
+          <a:effectRef idx="2">
+            <a:schemeClr val="accent1"/>
+          </a:effectRef>
+          <a:fontRef idx="minor">
+            <a:schemeClr val="lt1"/>
+          </a:fontRef>
+        </p:style>
+        <p:txBody>
+          <a:bodyPr rtlCol="0" anchor="ctr"/>
+          <a:lstStyle/>
+          <a:p>
+            <a:pPr algn="ctr"/>
+            <a:endParaRPr lang="en-US"/>
+          </a:p>
+        </p:txBody>
+      </p:sp>
+      <p:sp>
+        <p:nvSpPr>
+          <p:cNvPr id="11" name="Rectangle 10">
+            <a:extLst>
+              <a:ext uri="{FF2B5EF4-FFF2-40B4-BE49-F238E27FC236}">
+                <a16:creationId xmlns="" xmlns:a16="http://schemas.microsoft.com/office/drawing/2014/main" id="{241208F6-8B1C-4098-9388-150BC8E447B2}"/>
+              </a:ext>
+            </a:extLst>
+          </p:cNvPr>
+          <p:cNvSpPr>
+            <a:spLocks noGrp="1" noRot="1" noChangeAspect="1" noMove="1" noResize="1" noEditPoints="1" noAdjustHandles="1" noChangeArrowheads="1" noChangeShapeType="1" noTextEdit="1"/>
+          </p:cNvSpPr>
+          <p:nvPr>
+            <p:extLst>
+              <p:ext uri="{386F3935-93C4-4BCD-93E2-E3B085C9AB24}">
+                <p16:designElem xmlns="" xmlns:p16="http://schemas.microsoft.com/office/powerpoint/2015/main" val="1"/>
+              </p:ext>
+            </p:extLst>
+          </p:nvPr>
+        </p:nvSpPr>
+        <p:spPr>
+          <a:xfrm>
+            <a:off x="7851452" y="476778"/>
+            <a:ext cx="3864383" cy="5920653"/>
+          </a:xfrm>
+          <a:prstGeom prst="rect">
+            <a:avLst/>
+          </a:prstGeom>
+          <a:solidFill>
+            <a:schemeClr val="bg2">
+              <a:lumMod val="90000"/>
+            </a:schemeClr>
+          </a:solidFill>
+          <a:ln>
+            <a:noFill/>
+          </a:ln>
+        </p:spPr>
+        <p:style>
+          <a:lnRef idx="2">
+            <a:schemeClr val="accent1">
+              <a:shade val="50000"/>
+            </a:schemeClr>
+          </a:lnRef>
+          <a:fillRef idx="1">
+            <a:schemeClr val="accent1"/>
+          </a:fillRef>
+          <a:effectRef idx="0">
+            <a:schemeClr val="accent1"/>
+          </a:effectRef>
+          <a:fontRef idx="minor">
+            <a:schemeClr val="lt1"/>
+          </a:fontRef>
+        </p:style>
+        <p:txBody>
+          <a:bodyPr rtlCol="0" anchor="ctr"/>
+          <a:lstStyle/>
+          <a:p>
+            <a:pPr algn="ctr"/>
+            <a:endParaRPr lang="en-US"/>
+          </a:p>
+        </p:txBody>
+      </p:sp>
+      <p:sp>
+        <p:nvSpPr>
+          <p:cNvPr id="4" name="TextBox 3"/>
+          <p:cNvSpPr txBox="1"/>
+          <p:nvPr/>
+        </p:nvSpPr>
+        <p:spPr>
+          <a:xfrm>
+            <a:off x="680759" y="1041037"/>
+            <a:ext cx="7009826" cy="2677656"/>
+          </a:xfrm>
+          <a:prstGeom prst="rect">
+            <a:avLst/>
+          </a:prstGeom>
+          <a:noFill/>
+        </p:spPr>
+        <p:txBody>
+          <a:bodyPr wrap="square" rtlCol="0">
+            <a:spAutoFit/>
+          </a:bodyPr>
+          <a:lstStyle/>
+          <a:p>
+            <a:pPr marL="457200" indent="-457200">
+              <a:buFont typeface="Arial" charset="0"/>
+              <a:buChar char="•"/>
+            </a:pPr>
+            <a:r>
+              <a:rPr lang="zh-CN" altLang="en-US" sz="2800" dirty="0">
+                <a:solidFill>
+                  <a:schemeClr val="bg1"/>
+                </a:solidFill>
+              </a:rPr>
+              <a:t>截图数量</a:t>
+            </a:r>
+            <a:r>
+              <a:rPr lang="zh-CN" altLang="en-US" sz="2800" dirty="0" smtClean="0">
+                <a:solidFill>
+                  <a:schemeClr val="bg1"/>
+                </a:solidFill>
+              </a:rPr>
+              <a:t>控制</a:t>
+            </a:r>
+          </a:p>
+          <a:p>
+            <a:pPr marL="457200" indent="-457200">
+              <a:buFont typeface="Arial" charset="0"/>
+              <a:buChar char="•"/>
+            </a:pPr>
+            <a:r>
+              <a:rPr lang="zh-CN" altLang="en-US" sz="2800" dirty="0" smtClean="0">
+                <a:solidFill>
+                  <a:schemeClr val="bg1"/>
+                </a:solidFill>
+              </a:rPr>
+              <a:t>黑名单</a:t>
+            </a:r>
+          </a:p>
+          <a:p>
+            <a:pPr marL="457200" indent="-457200">
+              <a:buFont typeface="Arial" charset="0"/>
+              <a:buChar char="•"/>
+            </a:pPr>
+            <a:r>
+              <a:rPr lang="zh-CN" altLang="en-US" sz="2800" dirty="0" smtClean="0">
+                <a:solidFill>
+                  <a:schemeClr val="bg1"/>
+                </a:solidFill>
+              </a:rPr>
+              <a:t>白名单</a:t>
+            </a:r>
+          </a:p>
+          <a:p>
+            <a:pPr marL="457200" indent="-457200">
+              <a:buFont typeface="Arial" charset="0"/>
+              <a:buChar char="•"/>
+            </a:pPr>
+            <a:r>
+              <a:rPr lang="zh-CN" altLang="en-US" sz="2800" dirty="0" smtClean="0">
+                <a:solidFill>
+                  <a:schemeClr val="bg1"/>
+                </a:solidFill>
+              </a:rPr>
+              <a:t>限制</a:t>
+            </a:r>
+            <a:r>
+              <a:rPr lang="zh-CN" altLang="en-US" sz="2800" dirty="0">
+                <a:solidFill>
+                  <a:schemeClr val="bg1"/>
+                </a:solidFill>
+              </a:rPr>
+              <a:t>遍历</a:t>
+            </a:r>
+            <a:r>
+              <a:rPr lang="zh-CN" altLang="en-US" sz="2800" dirty="0" smtClean="0">
+                <a:solidFill>
+                  <a:schemeClr val="bg1"/>
+                </a:solidFill>
+              </a:rPr>
+              <a:t>深度</a:t>
+            </a:r>
+          </a:p>
+          <a:p>
+            <a:pPr marL="457200" indent="-457200">
+              <a:buFont typeface="Arial" charset="0"/>
+              <a:buChar char="•"/>
+            </a:pPr>
+            <a:r>
+              <a:rPr lang="zh-CN" altLang="en-US" sz="2800" dirty="0" smtClean="0">
+                <a:solidFill>
+                  <a:schemeClr val="bg1"/>
+                </a:solidFill>
+              </a:rPr>
+              <a:t>限制</a:t>
+            </a:r>
+            <a:r>
+              <a:rPr lang="zh-CN" altLang="en-US" sz="2800" dirty="0">
+                <a:solidFill>
+                  <a:schemeClr val="bg1"/>
+                </a:solidFill>
+              </a:rPr>
+              <a:t>点击</a:t>
+            </a:r>
+            <a:r>
+              <a:rPr lang="zh-CN" altLang="en-US" sz="2800" dirty="0" smtClean="0">
+                <a:solidFill>
+                  <a:schemeClr val="bg1"/>
+                </a:solidFill>
+              </a:rPr>
+              <a:t>次数</a:t>
+            </a:r>
+          </a:p>
+          <a:p>
+            <a:pPr marL="457200" indent="-457200">
+              <a:buFont typeface="Arial" charset="0"/>
+              <a:buChar char="•"/>
+            </a:pPr>
+            <a:r>
+              <a:rPr lang="zh-CN" altLang="en-US" sz="2800" dirty="0">
+                <a:solidFill>
+                  <a:schemeClr val="bg1"/>
+                </a:solidFill>
+              </a:rPr>
+              <a:t>自动登录的用户名和</a:t>
+            </a:r>
+            <a:r>
+              <a:rPr lang="zh-CN" altLang="en-US" sz="2800" dirty="0" smtClean="0">
+                <a:solidFill>
+                  <a:schemeClr val="bg1"/>
+                </a:solidFill>
+              </a:rPr>
+              <a:t>密码</a:t>
+            </a:r>
+            <a:endParaRPr lang="zh-CN" altLang="en-US" sz="2800" dirty="0">
+              <a:solidFill>
+                <a:schemeClr val="bg1"/>
+              </a:solidFill>
+            </a:endParaRPr>
+          </a:p>
+        </p:txBody>
+      </p:sp>
+      <p:sp>
+        <p:nvSpPr>
+          <p:cNvPr id="9" name="标题 1"/>
+          <p:cNvSpPr>
+            <a:spLocks noGrp="1"/>
+          </p:cNvSpPr>
+          <p:nvPr>
+            <p:ph type="title"/>
+          </p:nvPr>
+        </p:nvSpPr>
+        <p:spPr>
+          <a:xfrm>
+            <a:off x="8524885" y="3002652"/>
+            <a:ext cx="2517515" cy="868904"/>
+          </a:xfrm>
+        </p:spPr>
+        <p:txBody>
+          <a:bodyPr vert="horz" lIns="91440" tIns="45720" rIns="91440" bIns="45720" rtlCol="0" anchor="b">
+            <a:normAutofit/>
+          </a:bodyPr>
+          <a:lstStyle/>
+          <a:p>
+            <a:pPr algn="r"/>
+            <a:r>
+              <a:rPr lang="zh-CN" altLang="en-US" sz="4000" kern="1200" dirty="0" smtClean="0">
+                <a:solidFill>
+                  <a:srgbClr val="FFFFFF"/>
+                </a:solidFill>
+                <a:latin typeface="+mj-lt"/>
+                <a:ea typeface="+mj-ea"/>
+                <a:cs typeface="+mj-cs"/>
+              </a:rPr>
+              <a:t>配置文件</a:t>
+            </a:r>
+            <a:endParaRPr lang="zh-CN" altLang="en-US" sz="4000" kern="1200" dirty="0">
+              <a:solidFill>
+                <a:srgbClr val="FFFFFF"/>
+              </a:solidFill>
+              <a:latin typeface="+mj-lt"/>
+              <a:ea typeface="+mj-ea"/>
+              <a:cs typeface="+mj-cs"/>
+            </a:endParaRPr>
+          </a:p>
+        </p:txBody>
+      </p:sp>
+    </p:spTree>
+    <p:extLst>
+      <p:ext uri="{BB962C8B-B14F-4D97-AF65-F5344CB8AC3E}">
+        <p14:creationId xmlns:p14="http://schemas.microsoft.com/office/powerpoint/2010/main" val="480417158"/>
+      </p:ext>
+    </p:extLst>
+  </p:cSld>
+  <p:clrMapOvr>
+    <a:masterClrMapping/>
+  </p:clrMapOvr>
+  <p:timing>
+    <p:tnLst>
+      <p:par>
+        <p:cTn id="1" dur="indefinite" restart="never" nodeType="tmRoot"/>
+      </p:par>
+    </p:tnLst>
+  </p:timing>
+</p:sld>
+</file>
+
+<file path=ppt/slides/slide14.xml><?xml version="1.0" encoding="utf-8"?>
+<p:sld xmlns:a="http://schemas.openxmlformats.org/drawingml/2006/main" xmlns:r="http://schemas.openxmlformats.org/officeDocument/2006/relationships" xmlns:p="http://schemas.openxmlformats.org/presentationml/2006/main">
+  <p:cSld>
+    <p:spTree>
+      <p:nvGrpSpPr>
+        <p:cNvPr id="1" name=""/>
+        <p:cNvGrpSpPr/>
+        <p:nvPr/>
+      </p:nvGrpSpPr>
+      <p:grpSpPr>
+        <a:xfrm>
+          <a:off x="0" y="0"/>
+          <a:ext cx="0" cy="0"/>
+          <a:chOff x="0" y="0"/>
+          <a:chExt cx="0" cy="0"/>
+        </a:xfrm>
+      </p:grpSpPr>
+      <p:pic>
+        <p:nvPicPr>
+          <p:cNvPr id="4" name="Content Placeholder 3"/>
+          <p:cNvPicPr>
+            <a:picLocks noGrp="1" noChangeAspect="1"/>
+          </p:cNvPicPr>
+          <p:nvPr>
+            <p:ph idx="1"/>
+          </p:nvPr>
+        </p:nvPicPr>
+        <p:blipFill>
+          <a:blip r:embed="rId3">
+            <a:extLst>
+              <a:ext uri="{28A0092B-C50C-407E-A947-70E740481C1C}">
+                <a14:useLocalDpi xmlns:a14="http://schemas.microsoft.com/office/drawing/2010/main" val="0"/>
+              </a:ext>
+            </a:extLst>
+          </a:blip>
+          <a:stretch>
+            <a:fillRect/>
+          </a:stretch>
+        </p:blipFill>
+        <p:spPr>
+          <a:xfrm>
+            <a:off x="263967" y="1151067"/>
+            <a:ext cx="5012571" cy="4573972"/>
+          </a:xfrm>
+        </p:spPr>
+      </p:pic>
+      <p:pic>
+        <p:nvPicPr>
+          <p:cNvPr id="5" name="Picture 4"/>
+          <p:cNvPicPr>
+            <a:picLocks noChangeAspect="1"/>
+          </p:cNvPicPr>
+          <p:nvPr/>
+        </p:nvPicPr>
+        <p:blipFill>
+          <a:blip r:embed="rId4">
+            <a:extLst>
+              <a:ext uri="{28A0092B-C50C-407E-A947-70E740481C1C}">
+                <a14:useLocalDpi xmlns:a14="http://schemas.microsoft.com/office/drawing/2010/main" val="0"/>
+              </a:ext>
+            </a:extLst>
+          </a:blip>
+          <a:stretch>
+            <a:fillRect/>
+          </a:stretch>
+        </p:blipFill>
+        <p:spPr>
+          <a:xfrm>
+            <a:off x="6005643" y="1151068"/>
+            <a:ext cx="5926527" cy="4573971"/>
+          </a:xfrm>
+          <a:prstGeom prst="rect">
+            <a:avLst/>
+          </a:prstGeom>
+        </p:spPr>
+      </p:pic>
+      <p:sp>
+        <p:nvSpPr>
+          <p:cNvPr id="6" name="TextBox 5"/>
+          <p:cNvSpPr txBox="1"/>
+          <p:nvPr/>
+        </p:nvSpPr>
+        <p:spPr>
+          <a:xfrm>
+            <a:off x="2770252" y="6488668"/>
+            <a:ext cx="11287593" cy="369332"/>
+          </a:xfrm>
+          <a:prstGeom prst="rect">
+            <a:avLst/>
+          </a:prstGeom>
+          <a:noFill/>
+        </p:spPr>
+        <p:txBody>
+          <a:bodyPr wrap="square" rtlCol="0">
+            <a:spAutoFit/>
+          </a:bodyPr>
+          <a:lstStyle/>
+          <a:p>
+            <a:r>
+              <a:rPr lang="en-US" dirty="0"/>
+              <a:t>https://</a:t>
+            </a:r>
+            <a:r>
+              <a:rPr lang="en-US" dirty="0" err="1"/>
+              <a:t>github.com</a:t>
+            </a:r>
+            <a:r>
+              <a:rPr lang="en-US" dirty="0"/>
+              <a:t>/</a:t>
+            </a:r>
+            <a:r>
+              <a:rPr lang="en-US" dirty="0" err="1"/>
+              <a:t>lgxqf</a:t>
+            </a:r>
+            <a:r>
+              <a:rPr lang="en-US" dirty="0"/>
+              <a:t>/</a:t>
+            </a:r>
+            <a:r>
+              <a:rPr lang="en-US" dirty="0" err="1"/>
+              <a:t>UICrawler</a:t>
+            </a:r>
+            <a:r>
+              <a:rPr lang="en-US" dirty="0"/>
+              <a:t>/blob/master/doc/</a:t>
+            </a:r>
+            <a:r>
+              <a:rPr lang="en-US" dirty="0" err="1"/>
+              <a:t>Config.md</a:t>
+            </a:r>
+            <a:endParaRPr lang="en-US" dirty="0"/>
+          </a:p>
+        </p:txBody>
+      </p:sp>
+    </p:spTree>
+    <p:extLst>
+      <p:ext uri="{BB962C8B-B14F-4D97-AF65-F5344CB8AC3E}">
+        <p14:creationId xmlns:p14="http://schemas.microsoft.com/office/powerpoint/2010/main" val="1172412923"/>
+      </p:ext>
+    </p:extLst>
+  </p:cSld>
+  <p:clrMapOvr>
+    <a:masterClrMapping/>
+  </p:clrMapOvr>
+  <p:timing>
+    <p:tnLst>
+      <p:par>
+        <p:cTn id="1" dur="indefinite" restart="never" nodeType="tmRoot"/>
+      </p:par>
+    </p:tnLst>
+  </p:timing>
+</p:sld>
+</file>
+
+<file path=ppt/slides/slide15.xml><?xml version="1.0" encoding="utf-8"?>
+<p:sld xmlns:a="http://schemas.openxmlformats.org/drawingml/2006/main" xmlns:r="http://schemas.openxmlformats.org/officeDocument/2006/relationships" xmlns:p="http://schemas.openxmlformats.org/presentationml/2006/main">
+  <p:cSld>
+    <p:spTree>
+      <p:nvGrpSpPr>
+        <p:cNvPr id="1" name=""/>
+        <p:cNvGrpSpPr/>
+        <p:nvPr/>
+      </p:nvGrpSpPr>
+      <p:grpSpPr>
+        <a:xfrm>
+          <a:off x="0" y="0"/>
+          <a:ext cx="0" cy="0"/>
+          <a:chOff x="0" y="0"/>
+          <a:chExt cx="0" cy="0"/>
+        </a:xfrm>
+      </p:grpSpPr>
+      <p:sp>
+        <p:nvSpPr>
+          <p:cNvPr id="2" name="标题 1"/>
+          <p:cNvSpPr>
+            <a:spLocks noGrp="1"/>
+          </p:cNvSpPr>
+          <p:nvPr>
+            <p:ph type="ctrTitle"/>
+          </p:nvPr>
+        </p:nvSpPr>
+        <p:spPr>
+          <a:xfrm>
+            <a:off x="1524000" y="1122363"/>
+            <a:ext cx="9144000" cy="2387600"/>
+          </a:xfrm>
+        </p:spPr>
+        <p:txBody>
+          <a:bodyPr/>
+          <a:lstStyle/>
+          <a:p>
+            <a:r>
+              <a:rPr lang="en-US" altLang="zh-CN" dirty="0"/>
+              <a:t>QA</a:t>
+            </a:r>
+            <a:endParaRPr lang="zh-CN" altLang="en-US" dirty="0"/>
+          </a:p>
+        </p:txBody>
+      </p:sp>
+      <p:sp>
+        <p:nvSpPr>
+          <p:cNvPr id="3" name="副标题 2"/>
+          <p:cNvSpPr>
+            <a:spLocks noGrp="1"/>
+          </p:cNvSpPr>
+          <p:nvPr>
+            <p:ph type="subTitle" idx="1"/>
+          </p:nvPr>
+        </p:nvSpPr>
+        <p:spPr>
+          <a:xfrm>
+            <a:off x="1524000" y="3602038"/>
+            <a:ext cx="9144000" cy="1655762"/>
+          </a:xfrm>
+        </p:spPr>
+        <p:txBody>
+          <a:bodyPr/>
+          <a:lstStyle/>
+          <a:p>
+            <a:endParaRPr lang="zh-CN" altLang="en-US"/>
+          </a:p>
+        </p:txBody>
+      </p:sp>
+    </p:spTree>
+    <p:extLst>
+      <p:ext uri="{BB962C8B-B14F-4D97-AF65-F5344CB8AC3E}">
+        <p14:creationId xmlns:p14="http://schemas.microsoft.com/office/powerpoint/2010/main" val="66956361"/>
+      </p:ext>
+    </p:extLst>
+  </p:cSld>
+  <p:clrMapOvr>
+    <a:masterClrMapping/>
+  </p:clrMapOvr>
+</p:sld>
+</file>
+
 <file path=ppt/slides/slide2.xml><?xml version="1.0" encoding="utf-8"?>
 <p:sld xmlns:a="http://schemas.openxmlformats.org/drawingml/2006/main" xmlns:r="http://schemas.openxmlformats.org/officeDocument/2006/relationships" xmlns:p="http://schemas.openxmlformats.org/presentationml/2006/main">
   <p:cSld>
@@ -10692,7 +15507,7 @@
           <p:cNvPr id="10" name="Rectangle 9">
             <a:extLst>
               <a:ext uri="{FF2B5EF4-FFF2-40B4-BE49-F238E27FC236}">
-                <a16:creationId xmlns:a16="http://schemas.microsoft.com/office/drawing/2014/main" xmlns="" id="{08E89D5E-1885-4160-AC77-CC471DD1D0DB}"/>
+                <a16:creationId xmlns="" xmlns:a16="http://schemas.microsoft.com/office/drawing/2014/main" id="{08E89D5E-1885-4160-AC77-CC471DD1D0DB}"/>
               </a:ext>
             </a:extLst>
           </p:cNvPr>
@@ -10702,7 +15517,7 @@
           <p:nvPr>
             <p:extLst>
               <p:ext uri="{386F3935-93C4-4BCD-93E2-E3B085C9AB24}">
-                <p16:designElem xmlns:p16="http://schemas.microsoft.com/office/powerpoint/2015/main" xmlns="" val="1"/>
+                <p16:designElem xmlns="" xmlns:p16="http://schemas.microsoft.com/office/powerpoint/2015/main" val="1"/>
               </p:ext>
             </p:extLst>
           </p:nvPr>
@@ -10749,7 +15564,7 @@
           <p:cNvPr id="12" name="Straight Connector 11">
             <a:extLst>
               <a:ext uri="{FF2B5EF4-FFF2-40B4-BE49-F238E27FC236}">
-                <a16:creationId xmlns:a16="http://schemas.microsoft.com/office/drawing/2014/main" xmlns="" id="{550D2BD1-98F9-412D-905B-3A843EF4078B}"/>
+                <a16:creationId xmlns="" xmlns:a16="http://schemas.microsoft.com/office/drawing/2014/main" id="{550D2BD1-98F9-412D-905B-3A843EF4078B}"/>
               </a:ext>
             </a:extLst>
           </p:cNvPr>
@@ -10759,7 +15574,7 @@
           <p:nvPr>
             <p:extLst>
               <p:ext uri="{386F3935-93C4-4BCD-93E2-E3B085C9AB24}">
-                <p16:designElem xmlns:p16="http://schemas.microsoft.com/office/powerpoint/2015/main" xmlns="" val="1"/>
+                <p16:designElem xmlns="" xmlns:p16="http://schemas.microsoft.com/office/powerpoint/2015/main" val="1"/>
               </p:ext>
             </p:extLst>
           </p:nvPr>
@@ -10951,7 +15766,9 @@
         </p:nvSpPr>
         <p:spPr/>
         <p:txBody>
-          <a:bodyPr/>
+          <a:bodyPr>
+            <a:normAutofit lnSpcReduction="10000"/>
+          </a:bodyPr>
           <a:lstStyle/>
           <a:p>
             <a:r>
@@ -11012,21 +15829,8 @@
           <a:p>
             <a:r>
               <a:rPr lang="zh-CN" altLang="en-US" dirty="0" smtClean="0"/>
-              <a:t>每次点击都会生一个一截图，</a:t>
-            </a:r>
-            <a:r>
-              <a:rPr lang="zh-CN" altLang="en-US" dirty="0" smtClean="0"/>
-              <a:t>并以</a:t>
-            </a:r>
-            <a:r>
-              <a:rPr lang="zh-CN" altLang="en-US" dirty="0" smtClean="0"/>
-              <a:t>红点标注</a:t>
-            </a:r>
-            <a:r>
-              <a:rPr lang="zh-CN" altLang="en-US" dirty="0" smtClean="0"/>
-              <a:t>位置</a:t>
-            </a:r>
-            <a:endParaRPr lang="zh-CN" altLang="en-US" dirty="0" smtClean="0"/>
+              <a:t>每次点击都会生一个一截图，并以红点标注位置</a:t>
+            </a:r>
           </a:p>
           <a:p>
             <a:r>
@@ -11043,11 +15847,7 @@
           <a:p>
             <a:r>
               <a:rPr lang="zh-CN" altLang="en-US" dirty="0" smtClean="0"/>
-              <a:t>当检查</a:t>
-            </a:r>
-            <a:r>
-              <a:rPr lang="zh-CN" altLang="en-US" dirty="0" smtClean="0"/>
-              <a:t>到</a:t>
+              <a:t>当检查到</a:t>
             </a:r>
             <a:r>
               <a:rPr lang="en-US" altLang="zh-CN" dirty="0" smtClean="0"/>
@@ -11075,6 +15875,30 @@
             </a:r>
           </a:p>
           <a:p>
+            <a:r>
+              <a:rPr lang="en-US" altLang="zh-CN" dirty="0"/>
+              <a:t>https://</a:t>
+            </a:r>
+            <a:r>
+              <a:rPr lang="en-US" altLang="zh-CN" dirty="0" err="1"/>
+              <a:t>github.com</a:t>
+            </a:r>
+            <a:r>
+              <a:rPr lang="en-US" altLang="zh-CN" dirty="0"/>
+              <a:t>/</a:t>
+            </a:r>
+            <a:r>
+              <a:rPr lang="en-US" altLang="zh-CN" dirty="0" err="1"/>
+              <a:t>lgxqf</a:t>
+            </a:r>
+            <a:r>
+              <a:rPr lang="en-US" altLang="zh-CN" dirty="0"/>
+              <a:t>/</a:t>
+            </a:r>
+            <a:r>
+              <a:rPr lang="en-US" altLang="zh-CN" dirty="0" err="1"/>
+              <a:t>UICrawler</a:t>
+            </a:r>
             <a:endParaRPr lang="zh-CN" altLang="en-US" dirty="0" smtClean="0"/>
           </a:p>
         </p:txBody>
@@ -11211,7 +16035,7 @@
           <p:cNvPr id="12" name="Rectangle 6">
             <a:extLst>
               <a:ext uri="{FF2B5EF4-FFF2-40B4-BE49-F238E27FC236}">
-                <a16:creationId xmlns:a16="http://schemas.microsoft.com/office/drawing/2014/main" xmlns="" id="{FEF4E260-B79D-41D8-90EB-C84807CD77EC}"/>
+                <a16:creationId xmlns="" xmlns:a16="http://schemas.microsoft.com/office/drawing/2014/main" id="{FEF4E260-B79D-41D8-90EB-C84807CD77EC}"/>
               </a:ext>
             </a:extLst>
           </p:cNvPr>
@@ -11221,7 +16045,7 @@
           <p:nvPr>
             <p:extLst>
               <p:ext uri="{386F3935-93C4-4BCD-93E2-E3B085C9AB24}">
-                <p16:designElem xmlns:p16="http://schemas.microsoft.com/office/powerpoint/2015/main" xmlns="" val="1"/>
+                <p16:designElem xmlns="" xmlns:p16="http://schemas.microsoft.com/office/powerpoint/2015/main" val="1"/>
               </p:ext>
             </p:extLst>
           </p:nvPr>
@@ -11269,7 +16093,7 @@
           <p:cNvPr id="13" name="Straight Connector 8">
             <a:extLst>
               <a:ext uri="{FF2B5EF4-FFF2-40B4-BE49-F238E27FC236}">
-                <a16:creationId xmlns:a16="http://schemas.microsoft.com/office/drawing/2014/main" xmlns="" id="{0686AD50-C6DC-4D98-A467-9AC1F3C2D8D0}"/>
+                <a16:creationId xmlns="" xmlns:a16="http://schemas.microsoft.com/office/drawing/2014/main" id="{0686AD50-C6DC-4D98-A467-9AC1F3C2D8D0}"/>
               </a:ext>
             </a:extLst>
           </p:cNvPr>
@@ -11279,7 +16103,7 @@
           <p:nvPr>
             <p:extLst>
               <p:ext uri="{386F3935-93C4-4BCD-93E2-E3B085C9AB24}">
-                <p16:designElem xmlns:p16="http://schemas.microsoft.com/office/powerpoint/2015/main" xmlns="" val="1"/>
+                <p16:designElem xmlns="" xmlns:p16="http://schemas.microsoft.com/office/powerpoint/2015/main" val="1"/>
               </p:ext>
             </p:extLst>
           </p:nvPr>
@@ -11320,7 +16144,7 @@
           <p:cNvPr id="11" name="Rectangle 10">
             <a:extLst>
               <a:ext uri="{FF2B5EF4-FFF2-40B4-BE49-F238E27FC236}">
-                <a16:creationId xmlns:a16="http://schemas.microsoft.com/office/drawing/2014/main" xmlns="" id="{241208F6-8B1C-4098-9388-150BC8E447B2}"/>
+                <a16:creationId xmlns="" xmlns:a16="http://schemas.microsoft.com/office/drawing/2014/main" id="{241208F6-8B1C-4098-9388-150BC8E447B2}"/>
               </a:ext>
             </a:extLst>
           </p:cNvPr>
@@ -11330,7 +16154,7 @@
           <p:nvPr>
             <p:extLst>
               <p:ext uri="{386F3935-93C4-4BCD-93E2-E3B085C9AB24}">
-                <p16:designElem xmlns:p16="http://schemas.microsoft.com/office/powerpoint/2015/main" xmlns="" val="1"/>
+                <p16:designElem xmlns="" xmlns:p16="http://schemas.microsoft.com/office/powerpoint/2015/main" val="1"/>
               </p:ext>
             </p:extLst>
           </p:nvPr>
@@ -11389,8 +16213,8 @@
         </p:nvSpPr>
         <p:spPr>
           <a:xfrm>
-            <a:off x="1118215" y="1269255"/>
-            <a:ext cx="5956353" cy="3038947"/>
+            <a:off x="8517466" y="2692400"/>
+            <a:ext cx="2377421" cy="1732506"/>
           </a:xfrm>
         </p:spPr>
         <p:txBody>
@@ -11401,7 +16225,7 @@
           <a:p>
             <a:pPr algn="r"/>
             <a:r>
-              <a:rPr lang="zh-CN" altLang="en-US" sz="5400" kern="1200" dirty="0" smtClean="0">
+              <a:rPr lang="zh-CN" altLang="en-US" sz="4000" kern="1200" dirty="0" smtClean="0">
                 <a:solidFill>
                   <a:srgbClr val="FFFFFF"/>
                 </a:solidFill>
@@ -11409,9 +16233,41 @@
                 <a:ea typeface="+mj-ea"/>
                 <a:cs typeface="+mj-cs"/>
               </a:rPr>
-              <a:t>元素遍历功能</a:t>
-            </a:r>
-            <a:endParaRPr lang="zh-CN" altLang="en-US" sz="5400" kern="1200" dirty="0">
+              <a:t>元素</a:t>
+            </a:r>
+            <a:r>
+              <a:rPr lang="zh-CN" altLang="en-US" sz="4000" kern="1200" dirty="0" smtClean="0">
+                <a:solidFill>
+                  <a:srgbClr val="FFFFFF"/>
+                </a:solidFill>
+                <a:latin typeface="+mj-lt"/>
+                <a:ea typeface="+mj-ea"/>
+                <a:cs typeface="+mj-cs"/>
+              </a:rPr>
+              <a:t>遍历</a:t>
+            </a:r>
+            <a:br>
+              <a:rPr lang="zh-CN" altLang="en-US" sz="4000" kern="1200" dirty="0" smtClean="0">
+                <a:solidFill>
+                  <a:srgbClr val="FFFFFF"/>
+                </a:solidFill>
+                <a:latin typeface="+mj-lt"/>
+                <a:ea typeface="+mj-ea"/>
+                <a:cs typeface="+mj-cs"/>
+              </a:rPr>
+            </a:br>
+            <a:r>
+              <a:rPr lang="zh-CN" altLang="en-US" sz="4000" kern="1200" dirty="0" smtClean="0">
+                <a:solidFill>
+                  <a:srgbClr val="FFFFFF"/>
+                </a:solidFill>
+                <a:latin typeface="+mj-lt"/>
+                <a:ea typeface="+mj-ea"/>
+                <a:cs typeface="+mj-cs"/>
+              </a:rPr>
+              <a:t>深度优先</a:t>
+            </a:r>
+            <a:endParaRPr lang="zh-CN" altLang="en-US" sz="4000" kern="1200" dirty="0">
               <a:solidFill>
                 <a:srgbClr val="FFFFFF"/>
               </a:solidFill>
@@ -11422,10 +16278,40 @@
           </a:p>
         </p:txBody>
       </p:sp>
+      <p:pic>
+        <p:nvPicPr>
+          <p:cNvPr id="3" name="Picture 2"/>
+          <p:cNvPicPr>
+            <a:picLocks noChangeAspect="1"/>
+          </p:cNvPicPr>
+          <p:nvPr/>
+        </p:nvPicPr>
+        <p:blipFill>
+          <a:blip r:embed="rId3">
+            <a:extLst>
+              <a:ext uri="{28A0092B-C50C-407E-A947-70E740481C1C}">
+                <a14:useLocalDpi xmlns:a14="http://schemas.microsoft.com/office/drawing/2010/main" val="0"/>
+              </a:ext>
+            </a:extLst>
+          </a:blip>
+          <a:stretch>
+            <a:fillRect/>
+          </a:stretch>
+        </p:blipFill>
+        <p:spPr>
+          <a:xfrm>
+            <a:off x="1145161" y="1794933"/>
+            <a:ext cx="6047811" cy="3526367"/>
+          </a:xfrm>
+          <a:prstGeom prst="rect">
+            <a:avLst/>
+          </a:prstGeom>
+        </p:spPr>
+      </p:pic>
     </p:spTree>
     <p:extLst>
       <p:ext uri="{BB962C8B-B14F-4D97-AF65-F5344CB8AC3E}">
-        <p14:creationId xmlns:p14="http://schemas.microsoft.com/office/powerpoint/2010/main" val="619212411"/>
+        <p14:creationId xmlns:p14="http://schemas.microsoft.com/office/powerpoint/2010/main" val="1383586577"/>
       </p:ext>
     </p:extLst>
   </p:cSld>
@@ -11454,7 +16340,327 @@
       </p:grpSpPr>
       <p:sp>
         <p:nvSpPr>
-          <p:cNvPr id="2" name="Title 1"/>
+          <p:cNvPr id="12" name="Rectangle 6">
+            <a:extLst>
+              <a:ext uri="{FF2B5EF4-FFF2-40B4-BE49-F238E27FC236}">
+                <a16:creationId xmlns="" xmlns:a16="http://schemas.microsoft.com/office/drawing/2014/main" id="{FEF4E260-B79D-41D8-90EB-C84807CD77EC}"/>
+              </a:ext>
+            </a:extLst>
+          </p:cNvPr>
+          <p:cNvSpPr>
+            <a:spLocks noGrp="1" noRot="1" noChangeAspect="1" noMove="1" noResize="1" noEditPoints="1" noAdjustHandles="1" noChangeArrowheads="1" noChangeShapeType="1" noTextEdit="1"/>
+          </p:cNvSpPr>
+          <p:nvPr>
+            <p:extLst>
+              <p:ext uri="{386F3935-93C4-4BCD-93E2-E3B085C9AB24}">
+                <p16:designElem xmlns="" xmlns:p16="http://schemas.microsoft.com/office/powerpoint/2015/main" val="1"/>
+              </p:ext>
+            </p:extLst>
+          </p:nvPr>
+        </p:nvSpPr>
+        <p:spPr>
+          <a:xfrm>
+            <a:off x="478135" y="476778"/>
+            <a:ext cx="7212450" cy="5920653"/>
+          </a:xfrm>
+          <a:prstGeom prst="rect">
+            <a:avLst/>
+          </a:prstGeom>
+          <a:solidFill>
+            <a:schemeClr val="accent1"/>
+          </a:solidFill>
+          <a:ln>
+            <a:noFill/>
+          </a:ln>
+        </p:spPr>
+        <p:style>
+          <a:lnRef idx="1">
+            <a:schemeClr val="accent1"/>
+          </a:lnRef>
+          <a:fillRef idx="3">
+            <a:schemeClr val="accent1"/>
+          </a:fillRef>
+          <a:effectRef idx="2">
+            <a:schemeClr val="accent1"/>
+          </a:effectRef>
+          <a:fontRef idx="minor">
+            <a:schemeClr val="lt1"/>
+          </a:fontRef>
+        </p:style>
+        <p:txBody>
+          <a:bodyPr rtlCol="0" anchor="ctr"/>
+          <a:lstStyle/>
+          <a:p>
+            <a:pPr algn="ctr"/>
+            <a:endParaRPr lang="en-US"/>
+          </a:p>
+        </p:txBody>
+      </p:sp>
+      <p:sp>
+        <p:nvSpPr>
+          <p:cNvPr id="11" name="Rectangle 10">
+            <a:extLst>
+              <a:ext uri="{FF2B5EF4-FFF2-40B4-BE49-F238E27FC236}">
+                <a16:creationId xmlns="" xmlns:a16="http://schemas.microsoft.com/office/drawing/2014/main" id="{241208F6-8B1C-4098-9388-150BC8E447B2}"/>
+              </a:ext>
+            </a:extLst>
+          </p:cNvPr>
+          <p:cNvSpPr>
+            <a:spLocks noGrp="1" noRot="1" noChangeAspect="1" noMove="1" noResize="1" noEditPoints="1" noAdjustHandles="1" noChangeArrowheads="1" noChangeShapeType="1" noTextEdit="1"/>
+          </p:cNvSpPr>
+          <p:nvPr>
+            <p:extLst>
+              <p:ext uri="{386F3935-93C4-4BCD-93E2-E3B085C9AB24}">
+                <p16:designElem xmlns="" xmlns:p16="http://schemas.microsoft.com/office/powerpoint/2015/main" val="1"/>
+              </p:ext>
+            </p:extLst>
+          </p:nvPr>
+        </p:nvSpPr>
+        <p:spPr>
+          <a:xfrm>
+            <a:off x="7851452" y="476778"/>
+            <a:ext cx="3864383" cy="5920653"/>
+          </a:xfrm>
+          <a:prstGeom prst="rect">
+            <a:avLst/>
+          </a:prstGeom>
+          <a:solidFill>
+            <a:schemeClr val="bg2">
+              <a:lumMod val="90000"/>
+            </a:schemeClr>
+          </a:solidFill>
+          <a:ln>
+            <a:noFill/>
+          </a:ln>
+        </p:spPr>
+        <p:style>
+          <a:lnRef idx="2">
+            <a:schemeClr val="accent1">
+              <a:shade val="50000"/>
+            </a:schemeClr>
+          </a:lnRef>
+          <a:fillRef idx="1">
+            <a:schemeClr val="accent1"/>
+          </a:fillRef>
+          <a:effectRef idx="0">
+            <a:schemeClr val="accent1"/>
+          </a:effectRef>
+          <a:fontRef idx="minor">
+            <a:schemeClr val="lt1"/>
+          </a:fontRef>
+        </p:style>
+        <p:txBody>
+          <a:bodyPr rtlCol="0" anchor="ctr"/>
+          <a:lstStyle/>
+          <a:p>
+            <a:pPr algn="ctr"/>
+            <a:endParaRPr lang="en-US"/>
+          </a:p>
+        </p:txBody>
+      </p:sp>
+      <p:sp>
+        <p:nvSpPr>
+          <p:cNvPr id="4" name="TextBox 3"/>
+          <p:cNvSpPr txBox="1"/>
+          <p:nvPr/>
+        </p:nvSpPr>
+        <p:spPr>
+          <a:xfrm>
+            <a:off x="680759" y="1041037"/>
+            <a:ext cx="7009826" cy="2677656"/>
+          </a:xfrm>
+          <a:prstGeom prst="rect">
+            <a:avLst/>
+          </a:prstGeom>
+          <a:noFill/>
+        </p:spPr>
+        <p:txBody>
+          <a:bodyPr wrap="square" rtlCol="0">
+            <a:spAutoFit/>
+          </a:bodyPr>
+          <a:lstStyle/>
+          <a:p>
+            <a:pPr marL="457200" indent="-457200">
+              <a:buFont typeface="Arial" charset="0"/>
+              <a:buChar char="•"/>
+            </a:pPr>
+            <a:r>
+              <a:rPr lang="zh-CN" altLang="en-US" sz="2800" dirty="0" smtClean="0">
+                <a:solidFill>
+                  <a:schemeClr val="bg1"/>
+                </a:solidFill>
+              </a:rPr>
+              <a:t>随机</a:t>
+            </a:r>
+            <a:r>
+              <a:rPr lang="zh-CN" altLang="en-US" sz="2800" dirty="0">
+                <a:solidFill>
+                  <a:schemeClr val="bg1"/>
+                </a:solidFill>
+              </a:rPr>
+              <a:t>点击</a:t>
+            </a:r>
+          </a:p>
+          <a:p>
+            <a:pPr marL="457200" indent="-457200">
+              <a:buFont typeface="Arial" charset="0"/>
+              <a:buChar char="•"/>
+            </a:pPr>
+            <a:r>
+              <a:rPr lang="zh-CN" altLang="en-US" sz="2800" dirty="0">
+                <a:solidFill>
+                  <a:schemeClr val="bg1"/>
+                </a:solidFill>
+              </a:rPr>
+              <a:t>特殊位置</a:t>
+            </a:r>
+            <a:r>
+              <a:rPr lang="zh-CN" altLang="en-US" sz="2800" dirty="0" smtClean="0">
+                <a:solidFill>
+                  <a:schemeClr val="bg1"/>
+                </a:solidFill>
+              </a:rPr>
+              <a:t>点击</a:t>
+            </a:r>
+          </a:p>
+          <a:p>
+            <a:pPr marL="457200" indent="-457200">
+              <a:buFont typeface="Arial" charset="0"/>
+              <a:buChar char="•"/>
+            </a:pPr>
+            <a:r>
+              <a:rPr lang="zh-CN" altLang="en-US" sz="2800" dirty="0" smtClean="0">
+                <a:solidFill>
+                  <a:schemeClr val="bg1"/>
+                </a:solidFill>
+              </a:rPr>
+              <a:t>特殊</a:t>
+            </a:r>
+            <a:r>
+              <a:rPr lang="zh-CN" altLang="en-US" sz="2800" dirty="0">
+                <a:solidFill>
+                  <a:schemeClr val="bg1"/>
+                </a:solidFill>
+              </a:rPr>
+              <a:t>位置长按</a:t>
+            </a:r>
+            <a:r>
+              <a:rPr lang="en-US" altLang="zh-CN" sz="2800" dirty="0">
+                <a:solidFill>
+                  <a:schemeClr val="bg1"/>
+                </a:solidFill>
+              </a:rPr>
+              <a:t>10</a:t>
+            </a:r>
+            <a:r>
+              <a:rPr lang="zh-CN" altLang="en-US" sz="2800" dirty="0" smtClean="0">
+                <a:solidFill>
+                  <a:schemeClr val="bg1"/>
+                </a:solidFill>
+              </a:rPr>
+              <a:t>秒</a:t>
+            </a:r>
+          </a:p>
+          <a:p>
+            <a:pPr marL="457200" indent="-457200">
+              <a:buFont typeface="Arial" charset="0"/>
+              <a:buChar char="•"/>
+            </a:pPr>
+            <a:r>
+              <a:rPr lang="zh-CN" altLang="en-US" sz="2800" dirty="0" smtClean="0">
+                <a:solidFill>
+                  <a:schemeClr val="bg1"/>
+                </a:solidFill>
+              </a:rPr>
+              <a:t>任意</a:t>
+            </a:r>
+            <a:r>
+              <a:rPr lang="zh-CN" altLang="en-US" sz="2800" dirty="0">
+                <a:solidFill>
+                  <a:schemeClr val="bg1"/>
+                </a:solidFill>
+              </a:rPr>
+              <a:t>方向及长度的滑动</a:t>
+            </a:r>
+          </a:p>
+          <a:p>
+            <a:pPr marL="457200" indent="-457200">
+              <a:buFont typeface="Arial" charset="0"/>
+              <a:buChar char="•"/>
+            </a:pPr>
+            <a:r>
+              <a:rPr lang="zh-CN" altLang="en-US" sz="2800" dirty="0">
+                <a:solidFill>
+                  <a:schemeClr val="bg1"/>
+                </a:solidFill>
+              </a:rPr>
+              <a:t>触发</a:t>
+            </a:r>
+            <a:r>
+              <a:rPr lang="en-US" altLang="zh-CN" sz="2800" dirty="0">
+                <a:solidFill>
+                  <a:schemeClr val="bg1"/>
+                </a:solidFill>
+              </a:rPr>
+              <a:t>Home</a:t>
+            </a:r>
+            <a:r>
+              <a:rPr lang="zh-CN" altLang="en-US" sz="2800" dirty="0">
+                <a:solidFill>
+                  <a:schemeClr val="bg1"/>
+                </a:solidFill>
+              </a:rPr>
+              <a:t>键</a:t>
+            </a:r>
+            <a:r>
+              <a:rPr lang="en-US" altLang="zh-CN" sz="2800" dirty="0">
+                <a:solidFill>
+                  <a:schemeClr val="bg1"/>
+                </a:solidFill>
+              </a:rPr>
+              <a:t>(Android Only)</a:t>
+            </a:r>
+          </a:p>
+          <a:p>
+            <a:pPr marL="457200" indent="-457200">
+              <a:buFont typeface="Arial" charset="0"/>
+              <a:buChar char="•"/>
+            </a:pPr>
+            <a:r>
+              <a:rPr lang="zh-CN" altLang="en-US" sz="2800" dirty="0" smtClean="0">
+                <a:solidFill>
+                  <a:schemeClr val="bg1"/>
+                </a:solidFill>
+              </a:rPr>
+              <a:t>重启</a:t>
+            </a:r>
+            <a:r>
+              <a:rPr lang="en-US" altLang="zh-CN" sz="2800" dirty="0">
+                <a:solidFill>
+                  <a:schemeClr val="bg1"/>
+                </a:solidFill>
+              </a:rPr>
+              <a:t>A</a:t>
+            </a:r>
+            <a:r>
+              <a:rPr lang="en-US" altLang="zh-CN" sz="2800" dirty="0" smtClean="0">
+                <a:solidFill>
+                  <a:schemeClr val="bg1"/>
+                </a:solidFill>
+              </a:rPr>
+              <a:t>pp</a:t>
+            </a:r>
+            <a:endParaRPr lang="en-US" altLang="zh-CN" sz="2800" dirty="0">
+              <a:solidFill>
+                <a:schemeClr val="bg1"/>
+              </a:solidFill>
+            </a:endParaRPr>
+          </a:p>
+        </p:txBody>
+      </p:sp>
+      <p:sp>
+        <p:nvSpPr>
+          <p:cNvPr id="9" name="标题 1"/>
           <p:cNvSpPr>
             <a:spLocks noGrp="1"/>
           </p:cNvSpPr>
@@ -11462,38 +16668,196 @@
             <p:ph type="title"/>
           </p:nvPr>
         </p:nvSpPr>
-        <p:spPr/>
+        <p:spPr>
+          <a:xfrm>
+            <a:off x="8890000" y="2980267"/>
+            <a:ext cx="1886354" cy="868904"/>
+          </a:xfrm>
+        </p:spPr>
         <p:txBody>
-          <a:bodyPr/>
+          <a:bodyPr vert="horz" lIns="91440" tIns="45720" rIns="91440" bIns="45720" rtlCol="0" anchor="b">
+            <a:normAutofit/>
+          </a:bodyPr>
           <a:lstStyle/>
           <a:p>
-            <a:endParaRPr lang="en-US"/>
-          </a:p>
-        </p:txBody>
-      </p:sp>
-      <p:sp>
-        <p:nvSpPr>
-          <p:cNvPr id="3" name="Content Placeholder 2"/>
-          <p:cNvSpPr>
-            <a:spLocks noGrp="1"/>
-          </p:cNvSpPr>
-          <p:nvPr>
-            <p:ph idx="1"/>
-          </p:nvPr>
-        </p:nvSpPr>
-        <p:spPr/>
-        <p:txBody>
-          <a:bodyPr/>
-          <a:lstStyle/>
-          <a:p>
-            <a:endParaRPr lang="en-US"/>
+            <a:pPr algn="r"/>
+            <a:r>
+              <a:rPr lang="en-US" altLang="zh-CN" sz="4000" kern="1200" dirty="0" smtClean="0">
+                <a:solidFill>
+                  <a:srgbClr val="FFFFFF"/>
+                </a:solidFill>
+                <a:latin typeface="+mj-lt"/>
+                <a:ea typeface="+mj-ea"/>
+                <a:cs typeface="+mj-cs"/>
+              </a:rPr>
+              <a:t>Monkey</a:t>
+            </a:r>
+            <a:endParaRPr lang="zh-CN" altLang="en-US" sz="4000" kern="1200" dirty="0">
+              <a:solidFill>
+                <a:srgbClr val="FFFFFF"/>
+              </a:solidFill>
+              <a:latin typeface="+mj-lt"/>
+              <a:ea typeface="+mj-ea"/>
+              <a:cs typeface="+mj-cs"/>
+            </a:endParaRPr>
           </a:p>
         </p:txBody>
       </p:sp>
     </p:spTree>
     <p:extLst>
       <p:ext uri="{BB962C8B-B14F-4D97-AF65-F5344CB8AC3E}">
-        <p14:creationId xmlns:p14="http://schemas.microsoft.com/office/powerpoint/2010/main" val="1651341446"/>
+        <p14:creationId xmlns:p14="http://schemas.microsoft.com/office/powerpoint/2010/main" val="619212411"/>
+      </p:ext>
+    </p:extLst>
+  </p:cSld>
+  <p:clrMapOvr>
+    <a:masterClrMapping/>
+  </p:clrMapOvr>
+  <p:timing>
+    <p:tnLst>
+      <p:par>
+        <p:cTn id="1" dur="indefinite" restart="never" nodeType="tmRoot"/>
+      </p:par>
+    </p:tnLst>
+  </p:timing>
+</p:sld>
+</file>
+
+<file path=ppt/slides/slide8.xml><?xml version="1.0" encoding="utf-8"?>
+<p:sld xmlns:a="http://schemas.openxmlformats.org/drawingml/2006/main" xmlns:r="http://schemas.openxmlformats.org/officeDocument/2006/relationships" xmlns:p="http://schemas.openxmlformats.org/presentationml/2006/main">
+  <p:cSld>
+    <p:spTree>
+      <p:nvGrpSpPr>
+        <p:cNvPr id="1" name=""/>
+        <p:cNvGrpSpPr/>
+        <p:nvPr/>
+      </p:nvGrpSpPr>
+      <p:grpSpPr>
+        <a:xfrm>
+          <a:off x="0" y="0"/>
+          <a:ext cx="0" cy="0"/>
+          <a:chOff x="0" y="0"/>
+          <a:chExt cx="0" cy="0"/>
+        </a:xfrm>
+      </p:grpSpPr>
+      <p:graphicFrame>
+        <p:nvGraphicFramePr>
+          <p:cNvPr id="7" name="内容占位符 2"/>
+          <p:cNvGraphicFramePr>
+            <a:graphicFrameLocks noGrp="1"/>
+          </p:cNvGraphicFramePr>
+          <p:nvPr>
+            <p:ph idx="1"/>
+            <p:extLst>
+              <p:ext uri="{D42A27DB-BD31-4B8C-83A1-F6EECF244321}">
+                <p14:modId xmlns:p14="http://schemas.microsoft.com/office/powerpoint/2010/main" val="2046541175"/>
+              </p:ext>
+            </p:extLst>
+          </p:nvPr>
+        </p:nvGraphicFramePr>
+        <p:xfrm>
+          <a:off x="838200" y="1825625"/>
+          <a:ext cx="10515600" cy="4351338"/>
+        </p:xfrm>
+        <a:graphic>
+          <a:graphicData uri="http://schemas.openxmlformats.org/drawingml/2006/diagram">
+            <dgm:relIds xmlns:dgm="http://schemas.openxmlformats.org/drawingml/2006/diagram" xmlns:r="http://schemas.openxmlformats.org/officeDocument/2006/relationships" r:dm="rId3" r:lo="rId4" r:qs="rId5" r:cs="rId6"/>
+          </a:graphicData>
+        </a:graphic>
+      </p:graphicFrame>
+      <p:sp>
+        <p:nvSpPr>
+          <p:cNvPr id="2" name="TextBox 1"/>
+          <p:cNvSpPr txBox="1"/>
+          <p:nvPr/>
+        </p:nvSpPr>
+        <p:spPr>
+          <a:xfrm>
+            <a:off x="838200" y="484910"/>
+            <a:ext cx="9656618" cy="707886"/>
+          </a:xfrm>
+          <a:prstGeom prst="rect">
+            <a:avLst/>
+          </a:prstGeom>
+          <a:noFill/>
+        </p:spPr>
+        <p:txBody>
+          <a:bodyPr wrap="square" rtlCol="0">
+            <a:spAutoFit/>
+          </a:bodyPr>
+          <a:lstStyle/>
+          <a:p>
+            <a:r>
+              <a:rPr lang="zh-CN" altLang="en-US" sz="4000" dirty="0" smtClean="0"/>
+              <a:t>测试结果</a:t>
+            </a:r>
+            <a:endParaRPr lang="en-US" sz="4000" dirty="0"/>
+          </a:p>
+        </p:txBody>
+      </p:sp>
+    </p:spTree>
+    <p:extLst>
+      <p:ext uri="{BB962C8B-B14F-4D97-AF65-F5344CB8AC3E}">
+        <p14:creationId xmlns:p14="http://schemas.microsoft.com/office/powerpoint/2010/main" val="536893747"/>
+      </p:ext>
+    </p:extLst>
+  </p:cSld>
+  <p:clrMapOvr>
+    <a:masterClrMapping/>
+  </p:clrMapOvr>
+</p:sld>
+</file>
+
+<file path=ppt/slides/slide9.xml><?xml version="1.0" encoding="utf-8"?>
+<p:sld xmlns:a="http://schemas.openxmlformats.org/drawingml/2006/main" xmlns:r="http://schemas.openxmlformats.org/officeDocument/2006/relationships" xmlns:p="http://schemas.openxmlformats.org/presentationml/2006/main">
+  <p:cSld>
+    <p:spTree>
+      <p:nvGrpSpPr>
+        <p:cNvPr id="1" name=""/>
+        <p:cNvGrpSpPr/>
+        <p:nvPr/>
+      </p:nvGrpSpPr>
+      <p:grpSpPr>
+        <a:xfrm>
+          <a:off x="0" y="0"/>
+          <a:ext cx="0" cy="0"/>
+          <a:chOff x="0" y="0"/>
+          <a:chExt cx="0" cy="0"/>
+        </a:xfrm>
+      </p:grpSpPr>
+      <p:pic>
+        <p:nvPicPr>
+          <p:cNvPr id="4" name="Content Placeholder 3"/>
+          <p:cNvPicPr>
+            <a:picLocks noGrp="1" noChangeAspect="1"/>
+          </p:cNvPicPr>
+          <p:nvPr>
+            <p:ph idx="1"/>
+          </p:nvPr>
+        </p:nvPicPr>
+        <p:blipFill>
+          <a:blip r:embed="rId3">
+            <a:extLst>
+              <a:ext uri="{28A0092B-C50C-407E-A947-70E740481C1C}">
+                <a14:useLocalDpi xmlns:a14="http://schemas.microsoft.com/office/drawing/2010/main" val="0"/>
+              </a:ext>
+            </a:extLst>
+          </a:blip>
+          <a:stretch>
+            <a:fillRect/>
+          </a:stretch>
+        </p:blipFill>
+        <p:spPr>
+          <a:xfrm>
+            <a:off x="2183725" y="176933"/>
+            <a:ext cx="8276455" cy="6207341"/>
+          </a:xfrm>
+        </p:spPr>
+      </p:pic>
+    </p:spTree>
+    <p:extLst>
+      <p:ext uri="{BB962C8B-B14F-4D97-AF65-F5344CB8AC3E}">
+        <p14:creationId xmlns:p14="http://schemas.microsoft.com/office/powerpoint/2010/main" val="603524576"/>
       </p:ext>
     </p:extLst>
   </p:cSld>

--- a/doc/UICrawler.pptx
+++ b/doc/UICrawler.pptx
@@ -5,7 +5,7 @@
     <p:sldMasterId id="2147483648" r:id="rId1"/>
   </p:sldMasterIdLst>
   <p:notesMasterIdLst>
-    <p:notesMasterId r:id="rId17"/>
+    <p:notesMasterId r:id="rId18"/>
   </p:notesMasterIdLst>
   <p:sldIdLst>
     <p:sldId id="256" r:id="rId2"/>
@@ -22,7 +22,8 @@
     <p:sldId id="264" r:id="rId13"/>
     <p:sldId id="270" r:id="rId14"/>
     <p:sldId id="271" r:id="rId15"/>
-    <p:sldId id="272" r:id="rId16"/>
+    <p:sldId id="273" r:id="rId16"/>
+    <p:sldId id="272" r:id="rId17"/>
   </p:sldIdLst>
   <p:sldSz cx="12192000" cy="6858000"/>
   <p:notesSz cx="6858000" cy="9144000"/>
@@ -3636,11 +3637,7 @@
           </a:r>
           <a:r>
             <a:rPr lang="en-US" altLang="zh-CN" dirty="0" smtClean="0"/>
-            <a:t>(</a:t>
-          </a:r>
-          <a:r>
-            <a:rPr lang="en-US" altLang="zh-CN" dirty="0" smtClean="0"/>
-            <a:t>iOS)</a:t>
+            <a:t>(iOS)</a:t>
           </a:r>
           <a:r>
             <a:rPr lang="zh-CN" altLang="en-US" baseline="0" dirty="0" smtClean="0"/>
@@ -3916,8 +3913,8 @@
     <dgm:cxn modelId="{55D9FA25-0AFC-3E46-9332-FCAFFB50CA8A}" type="presOf" srcId="{F0DBECC1-3B68-4A56-95C9-C33497986D40}" destId="{11DDD22E-9549-4463-ACC2-AEA01B124582}" srcOrd="0" destOrd="0" presId="urn:microsoft.com/office/officeart/2016/7/layout/LinearBlockProcessNumbered"/>
     <dgm:cxn modelId="{C1BF3CC7-2477-4CAC-B3AD-54BD0B0DC9EF}" srcId="{7CD3BFEF-4585-4E1D-B120-182144C59534}" destId="{38559965-8312-45B0-912B-F6A8BA3E59EC}" srcOrd="0" destOrd="0" parTransId="{2FFF9C1D-825E-4465-9B67-7206C96ED052}" sibTransId="{F0DBECC1-3B68-4A56-95C9-C33497986D40}"/>
     <dgm:cxn modelId="{0EA48081-90A6-4FAC-8C0C-7441F21E8D41}" srcId="{7CD3BFEF-4585-4E1D-B120-182144C59534}" destId="{1901DC3D-3336-4D85-96D2-E6501F038BDE}" srcOrd="3" destOrd="0" parTransId="{788699F7-86F0-4D11-9A1B-73C8E85B800A}" sibTransId="{CC39306A-6E6F-4C24-99CB-8C3A5A69B9C9}"/>
+    <dgm:cxn modelId="{8460BDE2-A406-C34F-BD25-28AD60B48A99}" type="presOf" srcId="{CC39306A-6E6F-4C24-99CB-8C3A5A69B9C9}" destId="{5F968826-08B8-492D-8717-83F2B1E131B8}" srcOrd="0" destOrd="0" presId="urn:microsoft.com/office/officeart/2016/7/layout/LinearBlockProcessNumbered"/>
     <dgm:cxn modelId="{50905C45-B7F9-E942-ABE4-B80B1D05C6BD}" type="presOf" srcId="{38559965-8312-45B0-912B-F6A8BA3E59EC}" destId="{2A7E092B-C8F5-455D-97FA-40C9BE210FD0}" srcOrd="0" destOrd="0" presId="urn:microsoft.com/office/officeart/2016/7/layout/LinearBlockProcessNumbered"/>
-    <dgm:cxn modelId="{8460BDE2-A406-C34F-BD25-28AD60B48A99}" type="presOf" srcId="{CC39306A-6E6F-4C24-99CB-8C3A5A69B9C9}" destId="{5F968826-08B8-492D-8717-83F2B1E131B8}" srcOrd="0" destOrd="0" presId="urn:microsoft.com/office/officeart/2016/7/layout/LinearBlockProcessNumbered"/>
     <dgm:cxn modelId="{AA2E107F-3A91-F440-AE0B-6807932B0F74}" type="presOf" srcId="{A9D759D8-3809-4666-9566-DF110F94BC4F}" destId="{8DD0A183-71A5-4275-8039-3CD6344B29EC}" srcOrd="1" destOrd="0" presId="urn:microsoft.com/office/officeart/2016/7/layout/LinearBlockProcessNumbered"/>
     <dgm:cxn modelId="{6A37B2F9-9465-1342-AB40-62F796DC8208}" type="presOf" srcId="{38559965-8312-45B0-912B-F6A8BA3E59EC}" destId="{204B7849-5674-4559-9E47-52FB9830ED0E}" srcOrd="1" destOrd="0" presId="urn:microsoft.com/office/officeart/2016/7/layout/LinearBlockProcessNumbered"/>
     <dgm:cxn modelId="{CA61D796-4EA2-B047-AF88-BDAE4C1ADC96}" type="presOf" srcId="{9646C1D1-2F6A-426A-8039-5A3F85428D68}" destId="{A45BC968-462B-4439-981F-BFFCD755D080}" srcOrd="0" destOrd="0" presId="urn:microsoft.com/office/officeart/2016/7/layout/LinearBlockProcessNumbered"/>
@@ -5869,11 +5866,7 @@
           </a:r>
           <a:r>
             <a:rPr lang="en-US" altLang="zh-CN" sz="2600" kern="1200" dirty="0" smtClean="0"/>
-            <a:t>(</a:t>
-          </a:r>
-          <a:r>
-            <a:rPr lang="en-US" altLang="zh-CN" sz="2600" kern="1200" dirty="0" smtClean="0"/>
-            <a:t>iOS)</a:t>
+            <a:t>(iOS)</a:t>
           </a:r>
           <a:r>
             <a:rPr lang="zh-CN" altLang="en-US" sz="2600" kern="1200" baseline="0" dirty="0" smtClean="0"/>
@@ -6739,7 +6732,7 @@
   </dgm:layoutNode>
   <dgm:extLst>
     <a:ext uri="{4F341089-5ED1-44EC-B178-C955D00A3D55}">
-      <dgm1611:autoBuNodeInfoLst xmlns="" xmlns:dgm1611="http://schemas.microsoft.com/office/drawing/2016/11/diagram">
+      <dgm1611:autoBuNodeInfoLst xmlns:dgm1611="http://schemas.microsoft.com/office/drawing/2016/11/diagram" xmlns="">
         <dgm1611:autoBuNodeInfo lvl="1" ptType="sibTrans">
           <dgm1611:buPr prefix="" leadZeros="0">
             <a:buAutoNum type="arabicParenBoth"/>
@@ -7005,7 +6998,7 @@
   </dgm:layoutNode>
   <dgm:extLst>
     <a:ext uri="{4F341089-5ED1-44EC-B178-C955D00A3D55}">
-      <dgm1611:autoBuNodeInfoLst xmlns:dgm1611="http://schemas.microsoft.com/office/drawing/2016/11/diagram" xmlns="">
+      <dgm1611:autoBuNodeInfoLst xmlns="" xmlns:dgm1611="http://schemas.microsoft.com/office/drawing/2016/11/diagram">
         <dgm1611:autoBuNodeInfo lvl="1" ptType="sibTrans">
           <dgm1611:buPr prefix="" leadZeros="1">
             <a:buAutoNum type="arabicParenBoth"/>
@@ -10744,6 +10737,90 @@
       </p:grpSpPr>
       <p:sp>
         <p:nvSpPr>
+          <p:cNvPr id="2" name="Slide Image Placeholder 1"/>
+          <p:cNvSpPr>
+            <a:spLocks noGrp="1" noRot="1" noChangeAspect="1"/>
+          </p:cNvSpPr>
+          <p:nvPr>
+            <p:ph type="sldImg"/>
+          </p:nvPr>
+        </p:nvSpPr>
+        <p:spPr/>
+      </p:sp>
+      <p:sp>
+        <p:nvSpPr>
+          <p:cNvPr id="3" name="Notes Placeholder 2"/>
+          <p:cNvSpPr>
+            <a:spLocks noGrp="1"/>
+          </p:cNvSpPr>
+          <p:nvPr>
+            <p:ph type="body" idx="1"/>
+          </p:nvPr>
+        </p:nvSpPr>
+        <p:spPr/>
+        <p:txBody>
+          <a:bodyPr/>
+          <a:lstStyle/>
+          <a:p>
+            <a:endParaRPr lang="en-US" dirty="0"/>
+          </a:p>
+        </p:txBody>
+      </p:sp>
+      <p:sp>
+        <p:nvSpPr>
+          <p:cNvPr id="4" name="Slide Number Placeholder 3"/>
+          <p:cNvSpPr>
+            <a:spLocks noGrp="1"/>
+          </p:cNvSpPr>
+          <p:nvPr>
+            <p:ph type="sldNum" sz="quarter" idx="10"/>
+          </p:nvPr>
+        </p:nvSpPr>
+        <p:spPr/>
+        <p:txBody>
+          <a:bodyPr/>
+          <a:lstStyle/>
+          <a:p>
+            <a:fld id="{CF9A55BC-772A-6B4B-B482-1929458065AD}" type="slidenum">
+              <a:rPr lang="en-US" smtClean="0"/>
+              <a:t>15</a:t>
+            </a:fld>
+            <a:endParaRPr lang="en-US"/>
+          </a:p>
+        </p:txBody>
+      </p:sp>
+    </p:spTree>
+    <p:extLst>
+      <p:ext uri="{BB962C8B-B14F-4D97-AF65-F5344CB8AC3E}">
+        <p14:creationId xmlns:p14="http://schemas.microsoft.com/office/powerpoint/2010/main" val="728748831"/>
+      </p:ext>
+    </p:extLst>
+  </p:cSld>
+  <p:clrMapOvr>
+    <a:masterClrMapping/>
+  </p:clrMapOvr>
+</p:notes>
+</file>
+
+<file path=ppt/notesSlides/notesSlide13.xml><?xml version="1.0" encoding="utf-8"?>
+<p:notes xmlns:a="http://schemas.openxmlformats.org/drawingml/2006/main" xmlns:r="http://schemas.openxmlformats.org/officeDocument/2006/relationships" xmlns:p="http://schemas.openxmlformats.org/presentationml/2006/main">
+  <p:cSld>
+    <p:spTree>
+      <p:nvGrpSpPr>
+        <p:cNvPr id="1" name=""/>
+        <p:cNvGrpSpPr/>
+        <p:nvPr/>
+      </p:nvGrpSpPr>
+      <p:grpSpPr>
+        <a:xfrm>
+          <a:off x="0" y="0"/>
+          <a:ext cx="0" cy="0"/>
+          <a:chOff x="0" y="0"/>
+          <a:chExt cx="0" cy="0"/>
+        </a:xfrm>
+      </p:grpSpPr>
+      <p:sp>
+        <p:nvSpPr>
           <p:cNvPr id="2" name="幻灯片图像占位符 1"/>
           <p:cNvSpPr>
             <a:spLocks noGrp="1" noRot="1" noChangeAspect="1"/>
@@ -10790,7 +10867,7 @@
           <a:p>
             <a:fld id="{F068A748-A07F-45AA-8C4E-DF6D52704AC4}" type="slidenum">
               <a:rPr lang="zh-CN" altLang="en-US" smtClean="0"/>
-              <a:t>15</a:t>
+              <a:t>16</a:t>
             </a:fld>
             <a:endParaRPr lang="zh-CN" altLang="en-US"/>
           </a:p>
@@ -14754,7 +14831,7 @@
           <p:cNvPr id="12" name="Rectangle 6">
             <a:extLst>
               <a:ext uri="{FF2B5EF4-FFF2-40B4-BE49-F238E27FC236}">
-                <a16:creationId xmlns="" xmlns:a16="http://schemas.microsoft.com/office/drawing/2014/main" id="{FEF4E260-B79D-41D8-90EB-C84807CD77EC}"/>
+                <a16:creationId xmlns:a16="http://schemas.microsoft.com/office/drawing/2014/main" xmlns="" id="{FEF4E260-B79D-41D8-90EB-C84807CD77EC}"/>
               </a:ext>
             </a:extLst>
           </p:cNvPr>
@@ -14764,7 +14841,7 @@
           <p:nvPr>
             <p:extLst>
               <p:ext uri="{386F3935-93C4-4BCD-93E2-E3B085C9AB24}">
-                <p16:designElem xmlns="" xmlns:p16="http://schemas.microsoft.com/office/powerpoint/2015/main" val="1"/>
+                <p16:designElem xmlns:p16="http://schemas.microsoft.com/office/powerpoint/2015/main" xmlns="" val="1"/>
               </p:ext>
             </p:extLst>
           </p:nvPr>
@@ -14812,7 +14889,7 @@
           <p:cNvPr id="11" name="Rectangle 10">
             <a:extLst>
               <a:ext uri="{FF2B5EF4-FFF2-40B4-BE49-F238E27FC236}">
-                <a16:creationId xmlns="" xmlns:a16="http://schemas.microsoft.com/office/drawing/2014/main" id="{241208F6-8B1C-4098-9388-150BC8E447B2}"/>
+                <a16:creationId xmlns:a16="http://schemas.microsoft.com/office/drawing/2014/main" xmlns="" id="{241208F6-8B1C-4098-9388-150BC8E447B2}"/>
               </a:ext>
             </a:extLst>
           </p:cNvPr>
@@ -14822,7 +14899,7 @@
           <p:nvPr>
             <p:extLst>
               <p:ext uri="{386F3935-93C4-4BCD-93E2-E3B085C9AB24}">
-                <p16:designElem xmlns="" xmlns:p16="http://schemas.microsoft.com/office/powerpoint/2015/main" val="1"/>
+                <p16:designElem xmlns:p16="http://schemas.microsoft.com/office/powerpoint/2015/main" xmlns="" val="1"/>
               </p:ext>
             </p:extLst>
           </p:nvPr>
@@ -15267,6 +15344,138 @@
       </p:grpSpPr>
       <p:sp>
         <p:nvSpPr>
+          <p:cNvPr id="2" name="Title 1"/>
+          <p:cNvSpPr>
+            <a:spLocks noGrp="1"/>
+          </p:cNvSpPr>
+          <p:nvPr>
+            <p:ph type="title"/>
+          </p:nvPr>
+        </p:nvSpPr>
+        <p:spPr/>
+        <p:txBody>
+          <a:bodyPr/>
+          <a:lstStyle/>
+          <a:p>
+            <a:r>
+              <a:rPr lang="zh-CN" altLang="en-US" dirty="0" smtClean="0"/>
+              <a:t>关于测试工具使用的一些建议</a:t>
+            </a:r>
+            <a:endParaRPr lang="en-US" dirty="0"/>
+          </a:p>
+        </p:txBody>
+      </p:sp>
+      <p:sp>
+        <p:nvSpPr>
+          <p:cNvPr id="3" name="Content Placeholder 2"/>
+          <p:cNvSpPr>
+            <a:spLocks noGrp="1"/>
+          </p:cNvSpPr>
+          <p:nvPr>
+            <p:ph idx="1"/>
+          </p:nvPr>
+        </p:nvSpPr>
+        <p:spPr>
+          <a:xfrm>
+            <a:off x="838200" y="1825625"/>
+            <a:ext cx="10515600" cy="4859988"/>
+          </a:xfrm>
+        </p:spPr>
+        <p:txBody>
+          <a:bodyPr>
+            <a:normAutofit lnSpcReduction="10000"/>
+          </a:bodyPr>
+          <a:lstStyle/>
+          <a:p>
+            <a:r>
+              <a:rPr lang="zh-CN" altLang="en-US" dirty="0"/>
+              <a:t>用不同的账号运行测试，因为每个账号可能看到的内容不</a:t>
+            </a:r>
+            <a:r>
+              <a:rPr lang="zh-CN" altLang="en-US" dirty="0" smtClean="0"/>
+              <a:t>一样</a:t>
+            </a:r>
+          </a:p>
+          <a:p>
+            <a:endParaRPr lang="zh-CN" altLang="en-US" dirty="0"/>
+          </a:p>
+          <a:p>
+            <a:r>
+              <a:rPr lang="zh-CN" altLang="en-US" dirty="0"/>
+              <a:t>用不同的手机系统版本运行测试，尽可能做到</a:t>
+            </a:r>
+            <a:r>
+              <a:rPr lang="en-US" altLang="zh-CN" dirty="0"/>
+              <a:t>iOS 9-11, Android 4-8 </a:t>
+            </a:r>
+            <a:r>
+              <a:rPr lang="zh-CN" altLang="en-US" dirty="0"/>
+              <a:t>都覆盖到，如果资源有限无法同时运行多台设备，每天可以选择一两个系统版的手机去运行</a:t>
+            </a:r>
+            <a:r>
+              <a:rPr lang="zh-CN" altLang="en-US" dirty="0" smtClean="0"/>
+              <a:t>测试</a:t>
+            </a:r>
+          </a:p>
+          <a:p>
+            <a:endParaRPr lang="zh-CN" altLang="en-US" dirty="0"/>
+          </a:p>
+          <a:p>
+            <a:r>
+              <a:rPr lang="zh-CN" altLang="en-US" dirty="0"/>
+              <a:t>用不同的手机运行测试，尤其安卓碎片化严重，手机厂商多，有的问题只有特定手机才能</a:t>
+            </a:r>
+            <a:r>
+              <a:rPr lang="zh-CN" altLang="en-US" dirty="0" smtClean="0"/>
+              <a:t>发现</a:t>
+            </a:r>
+          </a:p>
+          <a:p>
+            <a:endParaRPr lang="zh-CN" altLang="en-US" dirty="0"/>
+          </a:p>
+          <a:p>
+            <a:r>
+              <a:rPr lang="zh-CN" altLang="en-US" dirty="0"/>
+              <a:t>关于测试运行的频度，只要有代码改动建议至少一天一次，下班时运行，第二天看结果</a:t>
+            </a:r>
+          </a:p>
+          <a:p>
+            <a:endParaRPr lang="en-US" dirty="0"/>
+          </a:p>
+        </p:txBody>
+      </p:sp>
+    </p:spTree>
+    <p:extLst>
+      <p:ext uri="{BB962C8B-B14F-4D97-AF65-F5344CB8AC3E}">
+        <p14:creationId xmlns:p14="http://schemas.microsoft.com/office/powerpoint/2010/main" val="1513936489"/>
+      </p:ext>
+    </p:extLst>
+  </p:cSld>
+  <p:clrMapOvr>
+    <a:masterClrMapping/>
+  </p:clrMapOvr>
+</p:sld>
+</file>
+
+<file path=ppt/slides/slide16.xml><?xml version="1.0" encoding="utf-8"?>
+<p:sld xmlns:a="http://schemas.openxmlformats.org/drawingml/2006/main" xmlns:r="http://schemas.openxmlformats.org/officeDocument/2006/relationships" xmlns:p="http://schemas.openxmlformats.org/presentationml/2006/main">
+  <p:cSld>
+    <p:spTree>
+      <p:nvGrpSpPr>
+        <p:cNvPr id="1" name=""/>
+        <p:cNvGrpSpPr/>
+        <p:nvPr/>
+      </p:nvGrpSpPr>
+      <p:grpSpPr>
+        <a:xfrm>
+          <a:off x="0" y="0"/>
+          <a:ext cx="0" cy="0"/>
+          <a:chOff x="0" y="0"/>
+          <a:chExt cx="0" cy="0"/>
+        </a:xfrm>
+      </p:grpSpPr>
+      <p:sp>
+        <p:nvSpPr>
           <p:cNvPr id="2" name="标题 1"/>
           <p:cNvSpPr>
             <a:spLocks noGrp="1"/>
@@ -15507,7 +15716,7 @@
           <p:cNvPr id="10" name="Rectangle 9">
             <a:extLst>
               <a:ext uri="{FF2B5EF4-FFF2-40B4-BE49-F238E27FC236}">
-                <a16:creationId xmlns="" xmlns:a16="http://schemas.microsoft.com/office/drawing/2014/main" id="{08E89D5E-1885-4160-AC77-CC471DD1D0DB}"/>
+                <a16:creationId xmlns:a16="http://schemas.microsoft.com/office/drawing/2014/main" xmlns="" id="{08E89D5E-1885-4160-AC77-CC471DD1D0DB}"/>
               </a:ext>
             </a:extLst>
           </p:cNvPr>
@@ -15517,7 +15726,7 @@
           <p:nvPr>
             <p:extLst>
               <p:ext uri="{386F3935-93C4-4BCD-93E2-E3B085C9AB24}">
-                <p16:designElem xmlns="" xmlns:p16="http://schemas.microsoft.com/office/powerpoint/2015/main" val="1"/>
+                <p16:designElem xmlns:p16="http://schemas.microsoft.com/office/powerpoint/2015/main" xmlns="" val="1"/>
               </p:ext>
             </p:extLst>
           </p:nvPr>
@@ -15564,7 +15773,7 @@
           <p:cNvPr id="12" name="Straight Connector 11">
             <a:extLst>
               <a:ext uri="{FF2B5EF4-FFF2-40B4-BE49-F238E27FC236}">
-                <a16:creationId xmlns="" xmlns:a16="http://schemas.microsoft.com/office/drawing/2014/main" id="{550D2BD1-98F9-412D-905B-3A843EF4078B}"/>
+                <a16:creationId xmlns:a16="http://schemas.microsoft.com/office/drawing/2014/main" xmlns="" id="{550D2BD1-98F9-412D-905B-3A843EF4078B}"/>
               </a:ext>
             </a:extLst>
           </p:cNvPr>
@@ -15574,7 +15783,7 @@
           <p:nvPr>
             <p:extLst>
               <p:ext uri="{386F3935-93C4-4BCD-93E2-E3B085C9AB24}">
-                <p16:designElem xmlns="" xmlns:p16="http://schemas.microsoft.com/office/powerpoint/2015/main" val="1"/>
+                <p16:designElem xmlns:p16="http://schemas.microsoft.com/office/powerpoint/2015/main" xmlns="" val="1"/>
               </p:ext>
             </p:extLst>
           </p:nvPr>
@@ -16035,7 +16244,7 @@
           <p:cNvPr id="12" name="Rectangle 6">
             <a:extLst>
               <a:ext uri="{FF2B5EF4-FFF2-40B4-BE49-F238E27FC236}">
-                <a16:creationId xmlns="" xmlns:a16="http://schemas.microsoft.com/office/drawing/2014/main" id="{FEF4E260-B79D-41D8-90EB-C84807CD77EC}"/>
+                <a16:creationId xmlns:a16="http://schemas.microsoft.com/office/drawing/2014/main" xmlns="" id="{FEF4E260-B79D-41D8-90EB-C84807CD77EC}"/>
               </a:ext>
             </a:extLst>
           </p:cNvPr>
@@ -16045,7 +16254,7 @@
           <p:nvPr>
             <p:extLst>
               <p:ext uri="{386F3935-93C4-4BCD-93E2-E3B085C9AB24}">
-                <p16:designElem xmlns="" xmlns:p16="http://schemas.microsoft.com/office/powerpoint/2015/main" val="1"/>
+                <p16:designElem xmlns:p16="http://schemas.microsoft.com/office/powerpoint/2015/main" xmlns="" val="1"/>
               </p:ext>
             </p:extLst>
           </p:nvPr>
@@ -16093,7 +16302,7 @@
           <p:cNvPr id="13" name="Straight Connector 8">
             <a:extLst>
               <a:ext uri="{FF2B5EF4-FFF2-40B4-BE49-F238E27FC236}">
-                <a16:creationId xmlns="" xmlns:a16="http://schemas.microsoft.com/office/drawing/2014/main" id="{0686AD50-C6DC-4D98-A467-9AC1F3C2D8D0}"/>
+                <a16:creationId xmlns:a16="http://schemas.microsoft.com/office/drawing/2014/main" xmlns="" id="{0686AD50-C6DC-4D98-A467-9AC1F3C2D8D0}"/>
               </a:ext>
             </a:extLst>
           </p:cNvPr>
@@ -16103,7 +16312,7 @@
           <p:nvPr>
             <p:extLst>
               <p:ext uri="{386F3935-93C4-4BCD-93E2-E3B085C9AB24}">
-                <p16:designElem xmlns="" xmlns:p16="http://schemas.microsoft.com/office/powerpoint/2015/main" val="1"/>
+                <p16:designElem xmlns:p16="http://schemas.microsoft.com/office/powerpoint/2015/main" xmlns="" val="1"/>
               </p:ext>
             </p:extLst>
           </p:nvPr>
@@ -16144,7 +16353,7 @@
           <p:cNvPr id="11" name="Rectangle 10">
             <a:extLst>
               <a:ext uri="{FF2B5EF4-FFF2-40B4-BE49-F238E27FC236}">
-                <a16:creationId xmlns="" xmlns:a16="http://schemas.microsoft.com/office/drawing/2014/main" id="{241208F6-8B1C-4098-9388-150BC8E447B2}"/>
+                <a16:creationId xmlns:a16="http://schemas.microsoft.com/office/drawing/2014/main" xmlns="" id="{241208F6-8B1C-4098-9388-150BC8E447B2}"/>
               </a:ext>
             </a:extLst>
           </p:cNvPr>
@@ -16154,7 +16363,7 @@
           <p:nvPr>
             <p:extLst>
               <p:ext uri="{386F3935-93C4-4BCD-93E2-E3B085C9AB24}">
-                <p16:designElem xmlns="" xmlns:p16="http://schemas.microsoft.com/office/powerpoint/2015/main" val="1"/>
+                <p16:designElem xmlns:p16="http://schemas.microsoft.com/office/powerpoint/2015/main" xmlns="" val="1"/>
               </p:ext>
             </p:extLst>
           </p:nvPr>
@@ -16233,18 +16442,7 @@
                 <a:ea typeface="+mj-ea"/>
                 <a:cs typeface="+mj-cs"/>
               </a:rPr>
-              <a:t>元素</a:t>
-            </a:r>
-            <a:r>
-              <a:rPr lang="zh-CN" altLang="en-US" sz="4000" kern="1200" dirty="0" smtClean="0">
-                <a:solidFill>
-                  <a:srgbClr val="FFFFFF"/>
-                </a:solidFill>
-                <a:latin typeface="+mj-lt"/>
-                <a:ea typeface="+mj-ea"/>
-                <a:cs typeface="+mj-cs"/>
-              </a:rPr>
-              <a:t>遍历</a:t>
+              <a:t>元素遍历</a:t>
             </a:r>
             <a:br>
               <a:rPr lang="zh-CN" altLang="en-US" sz="4000" kern="1200" dirty="0" smtClean="0">
@@ -16343,7 +16541,7 @@
           <p:cNvPr id="12" name="Rectangle 6">
             <a:extLst>
               <a:ext uri="{FF2B5EF4-FFF2-40B4-BE49-F238E27FC236}">
-                <a16:creationId xmlns="" xmlns:a16="http://schemas.microsoft.com/office/drawing/2014/main" id="{FEF4E260-B79D-41D8-90EB-C84807CD77EC}"/>
+                <a16:creationId xmlns:a16="http://schemas.microsoft.com/office/drawing/2014/main" xmlns="" id="{FEF4E260-B79D-41D8-90EB-C84807CD77EC}"/>
               </a:ext>
             </a:extLst>
           </p:cNvPr>
@@ -16353,7 +16551,7 @@
           <p:nvPr>
             <p:extLst>
               <p:ext uri="{386F3935-93C4-4BCD-93E2-E3B085C9AB24}">
-                <p16:designElem xmlns="" xmlns:p16="http://schemas.microsoft.com/office/powerpoint/2015/main" val="1"/>
+                <p16:designElem xmlns:p16="http://schemas.microsoft.com/office/powerpoint/2015/main" xmlns="" val="1"/>
               </p:ext>
             </p:extLst>
           </p:nvPr>
@@ -16401,7 +16599,7 @@
           <p:cNvPr id="11" name="Rectangle 10">
             <a:extLst>
               <a:ext uri="{FF2B5EF4-FFF2-40B4-BE49-F238E27FC236}">
-                <a16:creationId xmlns="" xmlns:a16="http://schemas.microsoft.com/office/drawing/2014/main" id="{241208F6-8B1C-4098-9388-150BC8E447B2}"/>
+                <a16:creationId xmlns:a16="http://schemas.microsoft.com/office/drawing/2014/main" xmlns="" id="{241208F6-8B1C-4098-9388-150BC8E447B2}"/>
               </a:ext>
             </a:extLst>
           </p:cNvPr>
@@ -16411,7 +16609,7 @@
           <p:nvPr>
             <p:extLst>
               <p:ext uri="{386F3935-93C4-4BCD-93E2-E3B085C9AB24}">
-                <p16:designElem xmlns="" xmlns:p16="http://schemas.microsoft.com/office/powerpoint/2015/main" val="1"/>
+                <p16:designElem xmlns:p16="http://schemas.microsoft.com/office/powerpoint/2015/main" xmlns="" val="1"/>
               </p:ext>
             </p:extLst>
           </p:nvPr>

--- a/doc/UICrawler.pptx
+++ b/doc/UICrawler.pptx
@@ -5,7 +5,7 @@
     <p:sldMasterId id="2147483648" r:id="rId1"/>
   </p:sldMasterIdLst>
   <p:notesMasterIdLst>
-    <p:notesMasterId r:id="rId18"/>
+    <p:notesMasterId r:id="rId19"/>
   </p:notesMasterIdLst>
   <p:sldIdLst>
     <p:sldId id="256" r:id="rId2"/>
@@ -22,8 +22,9 @@
     <p:sldId id="264" r:id="rId13"/>
     <p:sldId id="270" r:id="rId14"/>
     <p:sldId id="271" r:id="rId15"/>
-    <p:sldId id="273" r:id="rId16"/>
-    <p:sldId id="272" r:id="rId17"/>
+    <p:sldId id="274" r:id="rId16"/>
+    <p:sldId id="273" r:id="rId17"/>
+    <p:sldId id="272" r:id="rId18"/>
   </p:sldIdLst>
   <p:sldSz cx="12192000" cy="6858000"/>
   <p:notesSz cx="6858000" cy="9144000"/>
@@ -10783,7 +10784,7 @@
           <a:p>
             <a:fld id="{CF9A55BC-772A-6B4B-B482-1929458065AD}" type="slidenum">
               <a:rPr lang="en-US" smtClean="0"/>
-              <a:t>15</a:t>
+              <a:t>16</a:t>
             </a:fld>
             <a:endParaRPr lang="en-US"/>
           </a:p>
@@ -10867,7 +10868,7 @@
           <a:p>
             <a:fld id="{F068A748-A07F-45AA-8C4E-DF6D52704AC4}" type="slidenum">
               <a:rPr lang="zh-CN" altLang="en-US" smtClean="0"/>
-              <a:t>16</a:t>
+              <a:t>17</a:t>
             </a:fld>
             <a:endParaRPr lang="zh-CN" altLang="en-US"/>
           </a:p>
@@ -14831,7 +14832,7 @@
           <p:cNvPr id="12" name="Rectangle 6">
             <a:extLst>
               <a:ext uri="{FF2B5EF4-FFF2-40B4-BE49-F238E27FC236}">
-                <a16:creationId xmlns:a16="http://schemas.microsoft.com/office/drawing/2014/main" xmlns="" id="{FEF4E260-B79D-41D8-90EB-C84807CD77EC}"/>
+                <a16:creationId xmlns="" xmlns:a16="http://schemas.microsoft.com/office/drawing/2014/main" id="{FEF4E260-B79D-41D8-90EB-C84807CD77EC}"/>
               </a:ext>
             </a:extLst>
           </p:cNvPr>
@@ -14841,7 +14842,7 @@
           <p:nvPr>
             <p:extLst>
               <p:ext uri="{386F3935-93C4-4BCD-93E2-E3B085C9AB24}">
-                <p16:designElem xmlns:p16="http://schemas.microsoft.com/office/powerpoint/2015/main" xmlns="" val="1"/>
+                <p16:designElem xmlns="" xmlns:p16="http://schemas.microsoft.com/office/powerpoint/2015/main" val="1"/>
               </p:ext>
             </p:extLst>
           </p:nvPr>
@@ -14889,7 +14890,7 @@
           <p:cNvPr id="11" name="Rectangle 10">
             <a:extLst>
               <a:ext uri="{FF2B5EF4-FFF2-40B4-BE49-F238E27FC236}">
-                <a16:creationId xmlns:a16="http://schemas.microsoft.com/office/drawing/2014/main" xmlns="" id="{241208F6-8B1C-4098-9388-150BC8E447B2}"/>
+                <a16:creationId xmlns="" xmlns:a16="http://schemas.microsoft.com/office/drawing/2014/main" id="{241208F6-8B1C-4098-9388-150BC8E447B2}"/>
               </a:ext>
             </a:extLst>
           </p:cNvPr>
@@ -14899,7 +14900,7 @@
           <p:nvPr>
             <p:extLst>
               <p:ext uri="{386F3935-93C4-4BCD-93E2-E3B085C9AB24}">
-                <p16:designElem xmlns:p16="http://schemas.microsoft.com/office/powerpoint/2015/main" xmlns="" val="1"/>
+                <p16:designElem xmlns="" xmlns:p16="http://schemas.microsoft.com/office/powerpoint/2015/main" val="1"/>
               </p:ext>
             </p:extLst>
           </p:nvPr>
@@ -15359,6 +15360,95 @@
           <a:p>
             <a:r>
               <a:rPr lang="zh-CN" altLang="en-US" dirty="0" smtClean="0"/>
+              <a:t>运行测试工具</a:t>
+            </a:r>
+            <a:endParaRPr lang="en-US" dirty="0"/>
+          </a:p>
+        </p:txBody>
+      </p:sp>
+      <p:pic>
+        <p:nvPicPr>
+          <p:cNvPr id="4" name="Content Placeholder 3"/>
+          <p:cNvPicPr>
+            <a:picLocks noGrp="1" noChangeAspect="1"/>
+          </p:cNvPicPr>
+          <p:nvPr>
+            <p:ph idx="1"/>
+          </p:nvPr>
+        </p:nvPicPr>
+        <p:blipFill>
+          <a:blip r:embed="rId2">
+            <a:extLst>
+              <a:ext uri="{28A0092B-C50C-407E-A947-70E740481C1C}">
+                <a14:useLocalDpi xmlns:a14="http://schemas.microsoft.com/office/drawing/2010/main" val="0"/>
+              </a:ext>
+            </a:extLst>
+          </a:blip>
+          <a:stretch>
+            <a:fillRect/>
+          </a:stretch>
+        </p:blipFill>
+        <p:spPr>
+          <a:xfrm>
+            <a:off x="1096702" y="1528997"/>
+            <a:ext cx="10680193" cy="4647966"/>
+          </a:xfrm>
+        </p:spPr>
+      </p:pic>
+    </p:spTree>
+    <p:extLst>
+      <p:ext uri="{BB962C8B-B14F-4D97-AF65-F5344CB8AC3E}">
+        <p14:creationId xmlns:p14="http://schemas.microsoft.com/office/powerpoint/2010/main" val="1980835290"/>
+      </p:ext>
+    </p:extLst>
+  </p:cSld>
+  <p:clrMapOvr>
+    <a:masterClrMapping/>
+  </p:clrMapOvr>
+  <p:timing>
+    <p:tnLst>
+      <p:par>
+        <p:cTn id="1" dur="indefinite" restart="never" nodeType="tmRoot"/>
+      </p:par>
+    </p:tnLst>
+  </p:timing>
+</p:sld>
+</file>
+
+<file path=ppt/slides/slide16.xml><?xml version="1.0" encoding="utf-8"?>
+<p:sld xmlns:a="http://schemas.openxmlformats.org/drawingml/2006/main" xmlns:r="http://schemas.openxmlformats.org/officeDocument/2006/relationships" xmlns:p="http://schemas.openxmlformats.org/presentationml/2006/main">
+  <p:cSld>
+    <p:spTree>
+      <p:nvGrpSpPr>
+        <p:cNvPr id="1" name=""/>
+        <p:cNvGrpSpPr/>
+        <p:nvPr/>
+      </p:nvGrpSpPr>
+      <p:grpSpPr>
+        <a:xfrm>
+          <a:off x="0" y="0"/>
+          <a:ext cx="0" cy="0"/>
+          <a:chOff x="0" y="0"/>
+          <a:chExt cx="0" cy="0"/>
+        </a:xfrm>
+      </p:grpSpPr>
+      <p:sp>
+        <p:nvSpPr>
+          <p:cNvPr id="2" name="Title 1"/>
+          <p:cNvSpPr>
+            <a:spLocks noGrp="1"/>
+          </p:cNvSpPr>
+          <p:nvPr>
+            <p:ph type="title"/>
+          </p:nvPr>
+        </p:nvSpPr>
+        <p:spPr/>
+        <p:txBody>
+          <a:bodyPr/>
+          <a:lstStyle/>
+          <a:p>
+            <a:r>
+              <a:rPr lang="zh-CN" altLang="en-US" dirty="0" smtClean="0"/>
               <a:t>关于测试工具使用的一些建议</a:t>
             </a:r>
             <a:endParaRPr lang="en-US" dirty="0"/>
@@ -15454,10 +15544,17 @@
   <p:clrMapOvr>
     <a:masterClrMapping/>
   </p:clrMapOvr>
+  <p:timing>
+    <p:tnLst>
+      <p:par>
+        <p:cTn id="1" dur="indefinite" restart="never" nodeType="tmRoot"/>
+      </p:par>
+    </p:tnLst>
+  </p:timing>
 </p:sld>
 </file>
 
-<file path=ppt/slides/slide16.xml><?xml version="1.0" encoding="utf-8"?>
+<file path=ppt/slides/slide17.xml><?xml version="1.0" encoding="utf-8"?>
 <p:sld xmlns:a="http://schemas.openxmlformats.org/drawingml/2006/main" xmlns:r="http://schemas.openxmlformats.org/officeDocument/2006/relationships" xmlns:p="http://schemas.openxmlformats.org/presentationml/2006/main">
   <p:cSld>
     <p:spTree>
@@ -15716,7 +15813,7 @@
           <p:cNvPr id="10" name="Rectangle 9">
             <a:extLst>
               <a:ext uri="{FF2B5EF4-FFF2-40B4-BE49-F238E27FC236}">
-                <a16:creationId xmlns:a16="http://schemas.microsoft.com/office/drawing/2014/main" xmlns="" id="{08E89D5E-1885-4160-AC77-CC471DD1D0DB}"/>
+                <a16:creationId xmlns="" xmlns:a16="http://schemas.microsoft.com/office/drawing/2014/main" id="{08E89D5E-1885-4160-AC77-CC471DD1D0DB}"/>
               </a:ext>
             </a:extLst>
           </p:cNvPr>
@@ -15726,7 +15823,7 @@
           <p:nvPr>
             <p:extLst>
               <p:ext uri="{386F3935-93C4-4BCD-93E2-E3B085C9AB24}">
-                <p16:designElem xmlns:p16="http://schemas.microsoft.com/office/powerpoint/2015/main" xmlns="" val="1"/>
+                <p16:designElem xmlns="" xmlns:p16="http://schemas.microsoft.com/office/powerpoint/2015/main" val="1"/>
               </p:ext>
             </p:extLst>
           </p:nvPr>
@@ -15773,7 +15870,7 @@
           <p:cNvPr id="12" name="Straight Connector 11">
             <a:extLst>
               <a:ext uri="{FF2B5EF4-FFF2-40B4-BE49-F238E27FC236}">
-                <a16:creationId xmlns:a16="http://schemas.microsoft.com/office/drawing/2014/main" xmlns="" id="{550D2BD1-98F9-412D-905B-3A843EF4078B}"/>
+                <a16:creationId xmlns="" xmlns:a16="http://schemas.microsoft.com/office/drawing/2014/main" id="{550D2BD1-98F9-412D-905B-3A843EF4078B}"/>
               </a:ext>
             </a:extLst>
           </p:cNvPr>
@@ -15783,7 +15880,7 @@
           <p:nvPr>
             <p:extLst>
               <p:ext uri="{386F3935-93C4-4BCD-93E2-E3B085C9AB24}">
-                <p16:designElem xmlns:p16="http://schemas.microsoft.com/office/powerpoint/2015/main" xmlns="" val="1"/>
+                <p16:designElem xmlns="" xmlns:p16="http://schemas.microsoft.com/office/powerpoint/2015/main" val="1"/>
               </p:ext>
             </p:extLst>
           </p:nvPr>
@@ -16244,7 +16341,7 @@
           <p:cNvPr id="12" name="Rectangle 6">
             <a:extLst>
               <a:ext uri="{FF2B5EF4-FFF2-40B4-BE49-F238E27FC236}">
-                <a16:creationId xmlns:a16="http://schemas.microsoft.com/office/drawing/2014/main" xmlns="" id="{FEF4E260-B79D-41D8-90EB-C84807CD77EC}"/>
+                <a16:creationId xmlns="" xmlns:a16="http://schemas.microsoft.com/office/drawing/2014/main" id="{FEF4E260-B79D-41D8-90EB-C84807CD77EC}"/>
               </a:ext>
             </a:extLst>
           </p:cNvPr>
@@ -16254,7 +16351,7 @@
           <p:nvPr>
             <p:extLst>
               <p:ext uri="{386F3935-93C4-4BCD-93E2-E3B085C9AB24}">
-                <p16:designElem xmlns:p16="http://schemas.microsoft.com/office/powerpoint/2015/main" xmlns="" val="1"/>
+                <p16:designElem xmlns="" xmlns:p16="http://schemas.microsoft.com/office/powerpoint/2015/main" val="1"/>
               </p:ext>
             </p:extLst>
           </p:nvPr>
@@ -16302,7 +16399,7 @@
           <p:cNvPr id="13" name="Straight Connector 8">
             <a:extLst>
               <a:ext uri="{FF2B5EF4-FFF2-40B4-BE49-F238E27FC236}">
-                <a16:creationId xmlns:a16="http://schemas.microsoft.com/office/drawing/2014/main" xmlns="" id="{0686AD50-C6DC-4D98-A467-9AC1F3C2D8D0}"/>
+                <a16:creationId xmlns="" xmlns:a16="http://schemas.microsoft.com/office/drawing/2014/main" id="{0686AD50-C6DC-4D98-A467-9AC1F3C2D8D0}"/>
               </a:ext>
             </a:extLst>
           </p:cNvPr>
@@ -16312,7 +16409,7 @@
           <p:nvPr>
             <p:extLst>
               <p:ext uri="{386F3935-93C4-4BCD-93E2-E3B085C9AB24}">
-                <p16:designElem xmlns:p16="http://schemas.microsoft.com/office/powerpoint/2015/main" xmlns="" val="1"/>
+                <p16:designElem xmlns="" xmlns:p16="http://schemas.microsoft.com/office/powerpoint/2015/main" val="1"/>
               </p:ext>
             </p:extLst>
           </p:nvPr>
@@ -16353,7 +16450,7 @@
           <p:cNvPr id="11" name="Rectangle 10">
             <a:extLst>
               <a:ext uri="{FF2B5EF4-FFF2-40B4-BE49-F238E27FC236}">
-                <a16:creationId xmlns:a16="http://schemas.microsoft.com/office/drawing/2014/main" xmlns="" id="{241208F6-8B1C-4098-9388-150BC8E447B2}"/>
+                <a16:creationId xmlns="" xmlns:a16="http://schemas.microsoft.com/office/drawing/2014/main" id="{241208F6-8B1C-4098-9388-150BC8E447B2}"/>
               </a:ext>
             </a:extLst>
           </p:cNvPr>
@@ -16363,7 +16460,7 @@
           <p:nvPr>
             <p:extLst>
               <p:ext uri="{386F3935-93C4-4BCD-93E2-E3B085C9AB24}">
-                <p16:designElem xmlns:p16="http://schemas.microsoft.com/office/powerpoint/2015/main" xmlns="" val="1"/>
+                <p16:designElem xmlns="" xmlns:p16="http://schemas.microsoft.com/office/powerpoint/2015/main" val="1"/>
               </p:ext>
             </p:extLst>
           </p:nvPr>
@@ -16541,7 +16638,7 @@
           <p:cNvPr id="12" name="Rectangle 6">
             <a:extLst>
               <a:ext uri="{FF2B5EF4-FFF2-40B4-BE49-F238E27FC236}">
-                <a16:creationId xmlns:a16="http://schemas.microsoft.com/office/drawing/2014/main" xmlns="" id="{FEF4E260-B79D-41D8-90EB-C84807CD77EC}"/>
+                <a16:creationId xmlns="" xmlns:a16="http://schemas.microsoft.com/office/drawing/2014/main" id="{FEF4E260-B79D-41D8-90EB-C84807CD77EC}"/>
               </a:ext>
             </a:extLst>
           </p:cNvPr>
@@ -16551,7 +16648,7 @@
           <p:nvPr>
             <p:extLst>
               <p:ext uri="{386F3935-93C4-4BCD-93E2-E3B085C9AB24}">
-                <p16:designElem xmlns:p16="http://schemas.microsoft.com/office/powerpoint/2015/main" xmlns="" val="1"/>
+                <p16:designElem xmlns="" xmlns:p16="http://schemas.microsoft.com/office/powerpoint/2015/main" val="1"/>
               </p:ext>
             </p:extLst>
           </p:nvPr>
@@ -16599,7 +16696,7 @@
           <p:cNvPr id="11" name="Rectangle 10">
             <a:extLst>
               <a:ext uri="{FF2B5EF4-FFF2-40B4-BE49-F238E27FC236}">
-                <a16:creationId xmlns:a16="http://schemas.microsoft.com/office/drawing/2014/main" xmlns="" id="{241208F6-8B1C-4098-9388-150BC8E447B2}"/>
+                <a16:creationId xmlns="" xmlns:a16="http://schemas.microsoft.com/office/drawing/2014/main" id="{241208F6-8B1C-4098-9388-150BC8E447B2}"/>
               </a:ext>
             </a:extLst>
           </p:cNvPr>
@@ -16609,7 +16706,7 @@
           <p:nvPr>
             <p:extLst>
               <p:ext uri="{386F3935-93C4-4BCD-93E2-E3B085C9AB24}">
-                <p16:designElem xmlns:p16="http://schemas.microsoft.com/office/powerpoint/2015/main" xmlns="" val="1"/>
+                <p16:designElem xmlns="" xmlns:p16="http://schemas.microsoft.com/office/powerpoint/2015/main" val="1"/>
               </p:ext>
             </p:extLst>
           </p:nvPr>

--- a/doc/UICrawler.pptx
+++ b/doc/UICrawler.pptx
@@ -6733,7 +6733,7 @@
   </dgm:layoutNode>
   <dgm:extLst>
     <a:ext uri="{4F341089-5ED1-44EC-B178-C955D00A3D55}">
-      <dgm1611:autoBuNodeInfoLst xmlns:dgm1611="http://schemas.microsoft.com/office/drawing/2016/11/diagram" xmlns="">
+      <dgm1611:autoBuNodeInfoLst xmlns="" xmlns:dgm1611="http://schemas.microsoft.com/office/drawing/2016/11/diagram">
         <dgm1611:autoBuNodeInfo lvl="1" ptType="sibTrans">
           <dgm1611:buPr prefix="" leadZeros="0">
             <a:buAutoNum type="arabicParenBoth"/>
@@ -6999,7 +6999,7 @@
   </dgm:layoutNode>
   <dgm:extLst>
     <a:ext uri="{4F341089-5ED1-44EC-B178-C955D00A3D55}">
-      <dgm1611:autoBuNodeInfoLst xmlns="" xmlns:dgm1611="http://schemas.microsoft.com/office/drawing/2016/11/diagram">
+      <dgm1611:autoBuNodeInfoLst xmlns:dgm1611="http://schemas.microsoft.com/office/drawing/2016/11/diagram" xmlns="">
         <dgm1611:autoBuNodeInfo lvl="1" ptType="sibTrans">
           <dgm1611:buPr prefix="" leadZeros="1">
             <a:buAutoNum type="arabicParenBoth"/>
@@ -10195,7 +10195,7 @@
           <a:p>
             <a:fld id="{8BBB6034-8C7C-DE4A-B016-4A2E981D7224}" type="datetimeFigureOut">
               <a:rPr lang="en-US" smtClean="0"/>
-              <a:t>5/22/18</a:t>
+              <a:t>5/29/18</a:t>
             </a:fld>
             <a:endParaRPr lang="en-US"/>
           </a:p>
@@ -11746,7 +11746,7 @@
           <a:p>
             <a:fld id="{281976D8-4F8D-7147-929E-C5FBCC10CBE3}" type="datetimeFigureOut">
               <a:rPr lang="en-US" smtClean="0"/>
-              <a:t>5/22/18</a:t>
+              <a:t>5/29/18</a:t>
             </a:fld>
             <a:endParaRPr lang="en-US"/>
           </a:p>
@@ -11916,7 +11916,7 @@
           <a:p>
             <a:fld id="{281976D8-4F8D-7147-929E-C5FBCC10CBE3}" type="datetimeFigureOut">
               <a:rPr lang="en-US" smtClean="0"/>
-              <a:t>5/22/18</a:t>
+              <a:t>5/29/18</a:t>
             </a:fld>
             <a:endParaRPr lang="en-US"/>
           </a:p>
@@ -12096,7 +12096,7 @@
           <a:p>
             <a:fld id="{281976D8-4F8D-7147-929E-C5FBCC10CBE3}" type="datetimeFigureOut">
               <a:rPr lang="en-US" smtClean="0"/>
-              <a:t>5/22/18</a:t>
+              <a:t>5/29/18</a:t>
             </a:fld>
             <a:endParaRPr lang="en-US"/>
           </a:p>
@@ -12266,7 +12266,7 @@
           <a:p>
             <a:fld id="{281976D8-4F8D-7147-929E-C5FBCC10CBE3}" type="datetimeFigureOut">
               <a:rPr lang="en-US" smtClean="0"/>
-              <a:t>5/22/18</a:t>
+              <a:t>5/29/18</a:t>
             </a:fld>
             <a:endParaRPr lang="en-US"/>
           </a:p>
@@ -12512,7 +12512,7 @@
           <a:p>
             <a:fld id="{281976D8-4F8D-7147-929E-C5FBCC10CBE3}" type="datetimeFigureOut">
               <a:rPr lang="en-US" smtClean="0"/>
-              <a:t>5/22/18</a:t>
+              <a:t>5/29/18</a:t>
             </a:fld>
             <a:endParaRPr lang="en-US"/>
           </a:p>
@@ -12744,7 +12744,7 @@
           <a:p>
             <a:fld id="{281976D8-4F8D-7147-929E-C5FBCC10CBE3}" type="datetimeFigureOut">
               <a:rPr lang="en-US" smtClean="0"/>
-              <a:t>5/22/18</a:t>
+              <a:t>5/29/18</a:t>
             </a:fld>
             <a:endParaRPr lang="en-US"/>
           </a:p>
@@ -13111,7 +13111,7 @@
           <a:p>
             <a:fld id="{281976D8-4F8D-7147-929E-C5FBCC10CBE3}" type="datetimeFigureOut">
               <a:rPr lang="en-US" smtClean="0"/>
-              <a:t>5/22/18</a:t>
+              <a:t>5/29/18</a:t>
             </a:fld>
             <a:endParaRPr lang="en-US"/>
           </a:p>
@@ -13229,7 +13229,7 @@
           <a:p>
             <a:fld id="{281976D8-4F8D-7147-929E-C5FBCC10CBE3}" type="datetimeFigureOut">
               <a:rPr lang="en-US" smtClean="0"/>
-              <a:t>5/22/18</a:t>
+              <a:t>5/29/18</a:t>
             </a:fld>
             <a:endParaRPr lang="en-US"/>
           </a:p>
@@ -13324,7 +13324,7 @@
           <a:p>
             <a:fld id="{281976D8-4F8D-7147-929E-C5FBCC10CBE3}" type="datetimeFigureOut">
               <a:rPr lang="en-US" smtClean="0"/>
-              <a:t>5/22/18</a:t>
+              <a:t>5/29/18</a:t>
             </a:fld>
             <a:endParaRPr lang="en-US"/>
           </a:p>
@@ -13601,7 +13601,7 @@
           <a:p>
             <a:fld id="{281976D8-4F8D-7147-929E-C5FBCC10CBE3}" type="datetimeFigureOut">
               <a:rPr lang="en-US" smtClean="0"/>
-              <a:t>5/22/18</a:t>
+              <a:t>5/29/18</a:t>
             </a:fld>
             <a:endParaRPr lang="en-US"/>
           </a:p>
@@ -13854,7 +13854,7 @@
           <a:p>
             <a:fld id="{281976D8-4F8D-7147-929E-C5FBCC10CBE3}" type="datetimeFigureOut">
               <a:rPr lang="en-US" smtClean="0"/>
-              <a:t>5/22/18</a:t>
+              <a:t>5/29/18</a:t>
             </a:fld>
             <a:endParaRPr lang="en-US"/>
           </a:p>
@@ -14067,7 +14067,7 @@
           <a:p>
             <a:fld id="{281976D8-4F8D-7147-929E-C5FBCC10CBE3}" type="datetimeFigureOut">
               <a:rPr lang="en-US" smtClean="0"/>
-              <a:t>5/22/18</a:t>
+              <a:t>5/29/18</a:t>
             </a:fld>
             <a:endParaRPr lang="en-US"/>
           </a:p>
@@ -14832,7 +14832,7 @@
           <p:cNvPr id="12" name="Rectangle 6">
             <a:extLst>
               <a:ext uri="{FF2B5EF4-FFF2-40B4-BE49-F238E27FC236}">
-                <a16:creationId xmlns="" xmlns:a16="http://schemas.microsoft.com/office/drawing/2014/main" id="{FEF4E260-B79D-41D8-90EB-C84807CD77EC}"/>
+                <a16:creationId xmlns:a16="http://schemas.microsoft.com/office/drawing/2014/main" xmlns="" id="{FEF4E260-B79D-41D8-90EB-C84807CD77EC}"/>
               </a:ext>
             </a:extLst>
           </p:cNvPr>
@@ -14842,7 +14842,7 @@
           <p:nvPr>
             <p:extLst>
               <p:ext uri="{386F3935-93C4-4BCD-93E2-E3B085C9AB24}">
-                <p16:designElem xmlns="" xmlns:p16="http://schemas.microsoft.com/office/powerpoint/2015/main" val="1"/>
+                <p16:designElem xmlns:p16="http://schemas.microsoft.com/office/powerpoint/2015/main" xmlns="" val="1"/>
               </p:ext>
             </p:extLst>
           </p:nvPr>
@@ -14890,7 +14890,7 @@
           <p:cNvPr id="11" name="Rectangle 10">
             <a:extLst>
               <a:ext uri="{FF2B5EF4-FFF2-40B4-BE49-F238E27FC236}">
-                <a16:creationId xmlns="" xmlns:a16="http://schemas.microsoft.com/office/drawing/2014/main" id="{241208F6-8B1C-4098-9388-150BC8E447B2}"/>
+                <a16:creationId xmlns:a16="http://schemas.microsoft.com/office/drawing/2014/main" xmlns="" id="{241208F6-8B1C-4098-9388-150BC8E447B2}"/>
               </a:ext>
             </a:extLst>
           </p:cNvPr>
@@ -14900,7 +14900,7 @@
           <p:nvPr>
             <p:extLst>
               <p:ext uri="{386F3935-93C4-4BCD-93E2-E3B085C9AB24}">
-                <p16:designElem xmlns="" xmlns:p16="http://schemas.microsoft.com/office/powerpoint/2015/main" val="1"/>
+                <p16:designElem xmlns:p16="http://schemas.microsoft.com/office/powerpoint/2015/main" xmlns="" val="1"/>
               </p:ext>
             </p:extLst>
           </p:nvPr>
@@ -15473,13 +15473,26 @@
         </p:spPr>
         <p:txBody>
           <a:bodyPr>
-            <a:normAutofit lnSpcReduction="10000"/>
+            <a:normAutofit fontScale="92500" lnSpcReduction="20000"/>
           </a:bodyPr>
           <a:lstStyle/>
           <a:p>
             <a:r>
+              <a:rPr lang="zh-CN" altLang="en-US" dirty="0" smtClean="0"/>
+              <a:t>指定专人去负责运行测试工具</a:t>
+            </a:r>
+          </a:p>
+          <a:p>
+            <a:endParaRPr lang="zh-CN" altLang="en-US" dirty="0" smtClean="0"/>
+          </a:p>
+          <a:p>
+            <a:r>
+              <a:rPr lang="zh-CN" altLang="en-US" dirty="0" smtClean="0"/>
+              <a:t>用</a:t>
+            </a:r>
+            <a:r>
               <a:rPr lang="zh-CN" altLang="en-US" dirty="0"/>
-              <a:t>用不同的账号运行测试，因为每个账号可能看到的内容不</a:t>
+              <a:t>不同的账号运行测试，因为每个账号可能看到的内容不</a:t>
             </a:r>
             <a:r>
               <a:rPr lang="zh-CN" altLang="en-US" dirty="0" smtClean="0"/>
@@ -15633,6 +15646,13 @@
   <p:clrMapOvr>
     <a:masterClrMapping/>
   </p:clrMapOvr>
+  <p:timing>
+    <p:tnLst>
+      <p:par>
+        <p:cTn id="1" dur="indefinite" restart="never" nodeType="tmRoot"/>
+      </p:par>
+    </p:tnLst>
+  </p:timing>
 </p:sld>
 </file>
 
@@ -15813,7 +15833,7 @@
           <p:cNvPr id="10" name="Rectangle 9">
             <a:extLst>
               <a:ext uri="{FF2B5EF4-FFF2-40B4-BE49-F238E27FC236}">
-                <a16:creationId xmlns="" xmlns:a16="http://schemas.microsoft.com/office/drawing/2014/main" id="{08E89D5E-1885-4160-AC77-CC471DD1D0DB}"/>
+                <a16:creationId xmlns:a16="http://schemas.microsoft.com/office/drawing/2014/main" xmlns="" id="{08E89D5E-1885-4160-AC77-CC471DD1D0DB}"/>
               </a:ext>
             </a:extLst>
           </p:cNvPr>
@@ -15823,7 +15843,7 @@
           <p:nvPr>
             <p:extLst>
               <p:ext uri="{386F3935-93C4-4BCD-93E2-E3B085C9AB24}">
-                <p16:designElem xmlns="" xmlns:p16="http://schemas.microsoft.com/office/powerpoint/2015/main" val="1"/>
+                <p16:designElem xmlns:p16="http://schemas.microsoft.com/office/powerpoint/2015/main" xmlns="" val="1"/>
               </p:ext>
             </p:extLst>
           </p:nvPr>
@@ -15870,7 +15890,7 @@
           <p:cNvPr id="12" name="Straight Connector 11">
             <a:extLst>
               <a:ext uri="{FF2B5EF4-FFF2-40B4-BE49-F238E27FC236}">
-                <a16:creationId xmlns="" xmlns:a16="http://schemas.microsoft.com/office/drawing/2014/main" id="{550D2BD1-98F9-412D-905B-3A843EF4078B}"/>
+                <a16:creationId xmlns:a16="http://schemas.microsoft.com/office/drawing/2014/main" xmlns="" id="{550D2BD1-98F9-412D-905B-3A843EF4078B}"/>
               </a:ext>
             </a:extLst>
           </p:cNvPr>
@@ -15880,7 +15900,7 @@
           <p:nvPr>
             <p:extLst>
               <p:ext uri="{386F3935-93C4-4BCD-93E2-E3B085C9AB24}">
-                <p16:designElem xmlns="" xmlns:p16="http://schemas.microsoft.com/office/powerpoint/2015/main" val="1"/>
+                <p16:designElem xmlns:p16="http://schemas.microsoft.com/office/powerpoint/2015/main" xmlns="" val="1"/>
               </p:ext>
             </p:extLst>
           </p:nvPr>
@@ -16341,7 +16361,7 @@
           <p:cNvPr id="12" name="Rectangle 6">
             <a:extLst>
               <a:ext uri="{FF2B5EF4-FFF2-40B4-BE49-F238E27FC236}">
-                <a16:creationId xmlns="" xmlns:a16="http://schemas.microsoft.com/office/drawing/2014/main" id="{FEF4E260-B79D-41D8-90EB-C84807CD77EC}"/>
+                <a16:creationId xmlns:a16="http://schemas.microsoft.com/office/drawing/2014/main" xmlns="" id="{FEF4E260-B79D-41D8-90EB-C84807CD77EC}"/>
               </a:ext>
             </a:extLst>
           </p:cNvPr>
@@ -16351,7 +16371,7 @@
           <p:nvPr>
             <p:extLst>
               <p:ext uri="{386F3935-93C4-4BCD-93E2-E3B085C9AB24}">
-                <p16:designElem xmlns="" xmlns:p16="http://schemas.microsoft.com/office/powerpoint/2015/main" val="1"/>
+                <p16:designElem xmlns:p16="http://schemas.microsoft.com/office/powerpoint/2015/main" xmlns="" val="1"/>
               </p:ext>
             </p:extLst>
           </p:nvPr>
@@ -16399,7 +16419,7 @@
           <p:cNvPr id="13" name="Straight Connector 8">
             <a:extLst>
               <a:ext uri="{FF2B5EF4-FFF2-40B4-BE49-F238E27FC236}">
-                <a16:creationId xmlns="" xmlns:a16="http://schemas.microsoft.com/office/drawing/2014/main" id="{0686AD50-C6DC-4D98-A467-9AC1F3C2D8D0}"/>
+                <a16:creationId xmlns:a16="http://schemas.microsoft.com/office/drawing/2014/main" xmlns="" id="{0686AD50-C6DC-4D98-A467-9AC1F3C2D8D0}"/>
               </a:ext>
             </a:extLst>
           </p:cNvPr>
@@ -16409,7 +16429,7 @@
           <p:nvPr>
             <p:extLst>
               <p:ext uri="{386F3935-93C4-4BCD-93E2-E3B085C9AB24}">
-                <p16:designElem xmlns="" xmlns:p16="http://schemas.microsoft.com/office/powerpoint/2015/main" val="1"/>
+                <p16:designElem xmlns:p16="http://schemas.microsoft.com/office/powerpoint/2015/main" xmlns="" val="1"/>
               </p:ext>
             </p:extLst>
           </p:nvPr>
@@ -16450,7 +16470,7 @@
           <p:cNvPr id="11" name="Rectangle 10">
             <a:extLst>
               <a:ext uri="{FF2B5EF4-FFF2-40B4-BE49-F238E27FC236}">
-                <a16:creationId xmlns="" xmlns:a16="http://schemas.microsoft.com/office/drawing/2014/main" id="{241208F6-8B1C-4098-9388-150BC8E447B2}"/>
+                <a16:creationId xmlns:a16="http://schemas.microsoft.com/office/drawing/2014/main" xmlns="" id="{241208F6-8B1C-4098-9388-150BC8E447B2}"/>
               </a:ext>
             </a:extLst>
           </p:cNvPr>
@@ -16460,7 +16480,7 @@
           <p:nvPr>
             <p:extLst>
               <p:ext uri="{386F3935-93C4-4BCD-93E2-E3B085C9AB24}">
-                <p16:designElem xmlns="" xmlns:p16="http://schemas.microsoft.com/office/powerpoint/2015/main" val="1"/>
+                <p16:designElem xmlns:p16="http://schemas.microsoft.com/office/powerpoint/2015/main" xmlns="" val="1"/>
               </p:ext>
             </p:extLst>
           </p:nvPr>
@@ -16638,7 +16658,7 @@
           <p:cNvPr id="12" name="Rectangle 6">
             <a:extLst>
               <a:ext uri="{FF2B5EF4-FFF2-40B4-BE49-F238E27FC236}">
-                <a16:creationId xmlns="" xmlns:a16="http://schemas.microsoft.com/office/drawing/2014/main" id="{FEF4E260-B79D-41D8-90EB-C84807CD77EC}"/>
+                <a16:creationId xmlns:a16="http://schemas.microsoft.com/office/drawing/2014/main" xmlns="" id="{FEF4E260-B79D-41D8-90EB-C84807CD77EC}"/>
               </a:ext>
             </a:extLst>
           </p:cNvPr>
@@ -16648,7 +16668,7 @@
           <p:nvPr>
             <p:extLst>
               <p:ext uri="{386F3935-93C4-4BCD-93E2-E3B085C9AB24}">
-                <p16:designElem xmlns="" xmlns:p16="http://schemas.microsoft.com/office/powerpoint/2015/main" val="1"/>
+                <p16:designElem xmlns:p16="http://schemas.microsoft.com/office/powerpoint/2015/main" xmlns="" val="1"/>
               </p:ext>
             </p:extLst>
           </p:nvPr>
@@ -16696,7 +16716,7 @@
           <p:cNvPr id="11" name="Rectangle 10">
             <a:extLst>
               <a:ext uri="{FF2B5EF4-FFF2-40B4-BE49-F238E27FC236}">
-                <a16:creationId xmlns="" xmlns:a16="http://schemas.microsoft.com/office/drawing/2014/main" id="{241208F6-8B1C-4098-9388-150BC8E447B2}"/>
+                <a16:creationId xmlns:a16="http://schemas.microsoft.com/office/drawing/2014/main" xmlns="" id="{241208F6-8B1C-4098-9388-150BC8E447B2}"/>
               </a:ext>
             </a:extLst>
           </p:cNvPr>
@@ -16706,7 +16726,7 @@
           <p:nvPr>
             <p:extLst>
               <p:ext uri="{386F3935-93C4-4BCD-93E2-E3B085C9AB24}">
-                <p16:designElem xmlns="" xmlns:p16="http://schemas.microsoft.com/office/powerpoint/2015/main" val="1"/>
+                <p16:designElem xmlns:p16="http://schemas.microsoft.com/office/powerpoint/2015/main" xmlns="" val="1"/>
               </p:ext>
             </p:extLst>
           </p:nvPr>

--- a/doc/UICrawler.pptx
+++ b/doc/UICrawler.pptx
@@ -11,8 +11,8 @@
     <p:sldId id="256" r:id="rId2"/>
     <p:sldId id="257" r:id="rId3"/>
     <p:sldId id="259" r:id="rId4"/>
-    <p:sldId id="263" r:id="rId5"/>
-    <p:sldId id="262" r:id="rId6"/>
+    <p:sldId id="262" r:id="rId5"/>
+    <p:sldId id="275" r:id="rId6"/>
     <p:sldId id="265" r:id="rId7"/>
     <p:sldId id="261" r:id="rId8"/>
     <p:sldId id="266" r:id="rId9"/>
@@ -3110,7 +3110,21 @@
           </a:r>
           <a:r>
             <a:rPr lang="zh-CN" altLang="en-US" dirty="0" smtClean="0"/>
-            <a:t> 元素遍历 </a:t>
+            <a:t> 元素</a:t>
+          </a:r>
+          <a:r>
+            <a:rPr lang="zh-CN" altLang="en-US" dirty="0" smtClean="0"/>
+            <a:t>遍历</a:t>
+          </a:r>
+        </a:p>
+        <a:p>
+          <a:r>
+            <a:rPr lang="zh-CN" altLang="en-US" dirty="0" smtClean="0"/>
+            <a:t>深度优先原则</a:t>
+          </a:r>
+          <a:r>
+            <a:rPr lang="zh-CN" altLang="en-US" dirty="0" smtClean="0"/>
+            <a:t> </a:t>
           </a:r>
           <a:endParaRPr lang="en-US" dirty="0"/>
         </a:p>
@@ -3162,6 +3176,24 @@
           <a:r>
             <a:rPr lang="en-US" altLang="zh-CN" sz="2800" dirty="0" smtClean="0"/>
             <a:t>Monkey</a:t>
+          </a:r>
+          <a:endParaRPr lang="zh-CN" altLang="en-US" sz="2800" dirty="0" smtClean="0"/>
+        </a:p>
+        <a:p>
+          <a:pPr lvl="0" algn="l" defTabSz="666750">
+            <a:lnSpc>
+              <a:spcPct val="90000"/>
+            </a:lnSpc>
+            <a:spcBef>
+              <a:spcPct val="0"/>
+            </a:spcBef>
+            <a:spcAft>
+              <a:spcPct val="35000"/>
+            </a:spcAft>
+          </a:pPr>
+          <a:r>
+            <a:rPr lang="zh-CN" altLang="en-US" sz="2800" dirty="0" smtClean="0"/>
+            <a:t>自定义事件比率</a:t>
           </a:r>
           <a:endParaRPr lang="en-US" sz="2800" dirty="0"/>
         </a:p>
@@ -3420,7 +3452,7 @@
       <dgm:spPr/>
     </dgm:pt>
     <dgm:pt modelId="{B4A451B8-92AD-40CD-B84E-BC37F8C25AEE}" type="pres">
-      <dgm:prSet presAssocID="{409549B7-8D29-4A3A-8A2D-F0CC29731AC8}" presName="nodeText" presStyleLbl="alignAccFollowNode1" presStyleIdx="5" presStyleCnt="6" custScaleX="111849">
+      <dgm:prSet presAssocID="{409549B7-8D29-4A3A-8A2D-F0CC29731AC8}" presName="nodeText" presStyleLbl="alignAccFollowNode1" presStyleIdx="5" presStyleCnt="6" custScaleX="111849" custLinFactNeighborX="325">
         <dgm:presLayoutVars>
           <dgm:bulletEnabled val="1"/>
         </dgm:presLayoutVars>
@@ -4819,8 +4851,8 @@
       </dsp:nvSpPr>
       <dsp:spPr>
         <a:xfrm>
-          <a:off x="2561738" y="1110755"/>
-          <a:ext cx="2047666" cy="71"/>
+          <a:off x="2564371" y="1110755"/>
+          <a:ext cx="2045666" cy="71"/>
         </a:xfrm>
         <a:prstGeom prst="rect">
           <a:avLst/>
@@ -4871,8 +4903,8 @@
       </dsp:nvSpPr>
       <dsp:spPr>
         <a:xfrm>
-          <a:off x="4732265" y="993883"/>
-          <a:ext cx="235481" cy="300619"/>
+          <a:off x="4732778" y="992854"/>
+          <a:ext cx="235251" cy="300619"/>
         </a:xfrm>
         <a:prstGeom prst="chevron">
           <a:avLst>
@@ -4925,7 +4957,7 @@
       </dsp:nvSpPr>
       <dsp:spPr>
         <a:xfrm>
-          <a:off x="1538769" y="350469"/>
+          <a:off x="1548340" y="350469"/>
           <a:ext cx="1520643" cy="1520643"/>
         </a:xfrm>
         <a:prstGeom prst="ellipse">
@@ -4968,7 +5000,7 @@
         </a:fontRef>
       </dsp:style>
       <dsp:txBody>
-        <a:bodyPr spcFirstLastPara="0" vert="horz" wrap="square" lIns="59529" tIns="59529" rIns="59529" bIns="59529" numCol="1" spcCol="1270" anchor="ctr" anchorCtr="0">
+        <a:bodyPr spcFirstLastPara="0" vert="horz" wrap="square" lIns="59009" tIns="59009" rIns="59009" bIns="59009" numCol="1" spcCol="1270" anchor="ctr" anchorCtr="0">
           <a:noAutofit/>
         </a:bodyPr>
         <a:lstStyle/>
@@ -4991,7 +5023,7 @@
         </a:p>
       </dsp:txBody>
       <dsp:txXfrm>
-        <a:off x="1761462" y="573162"/>
+        <a:off x="1771033" y="573162"/>
         <a:ext cx="1075257" cy="1075257"/>
       </dsp:txXfrm>
     </dsp:sp>
@@ -5002,8 +5034,8 @@
       </dsp:nvSpPr>
       <dsp:spPr>
         <a:xfrm>
-          <a:off x="2155" y="2035269"/>
-          <a:ext cx="4607249" cy="1965600"/>
+          <a:off x="7287" y="2035269"/>
+          <a:ext cx="4602750" cy="1965600"/>
         </a:xfrm>
         <a:prstGeom prst="upArrowCallout">
           <a:avLst>
@@ -5052,7 +5084,7 @@
         <a:fontRef idx="minor"/>
       </dsp:style>
       <dsp:txBody>
-        <a:bodyPr spcFirstLastPara="0" vert="horz" wrap="square" lIns="363425" tIns="165100" rIns="363425" bIns="165100" numCol="1" spcCol="1270" anchor="t" anchorCtr="0">
+        <a:bodyPr spcFirstLastPara="0" vert="horz" wrap="square" lIns="363070" tIns="165100" rIns="363070" bIns="165100" numCol="1" spcCol="1270" anchor="t" anchorCtr="0">
           <a:noAutofit/>
         </a:bodyPr>
         <a:lstStyle/>
@@ -5074,14 +5106,39 @@
           </a:r>
           <a:r>
             <a:rPr lang="zh-CN" altLang="en-US" sz="2600" kern="1200" dirty="0" smtClean="0"/>
-            <a:t> 元素遍历 </a:t>
+            <a:t> 元素</a:t>
+          </a:r>
+          <a:r>
+            <a:rPr lang="zh-CN" altLang="en-US" sz="2600" kern="1200" dirty="0" smtClean="0"/>
+            <a:t>遍历</a:t>
+          </a:r>
+        </a:p>
+        <a:p>
+          <a:pPr lvl="0" algn="l" defTabSz="1155700">
+            <a:lnSpc>
+              <a:spcPct val="90000"/>
+            </a:lnSpc>
+            <a:spcBef>
+              <a:spcPct val="0"/>
+            </a:spcBef>
+            <a:spcAft>
+              <a:spcPct val="35000"/>
+            </a:spcAft>
+          </a:pPr>
+          <a:r>
+            <a:rPr lang="zh-CN" altLang="en-US" sz="2600" kern="1200" dirty="0" smtClean="0"/>
+            <a:t>深度优先原则</a:t>
+          </a:r>
+          <a:r>
+            <a:rPr lang="zh-CN" altLang="en-US" sz="2600" kern="1200" dirty="0" smtClean="0"/>
+            <a:t> </a:t>
           </a:r>
           <a:endParaRPr lang="en-US" sz="2600" kern="1200" dirty="0"/>
         </a:p>
       </dsp:txBody>
       <dsp:txXfrm>
-        <a:off x="2155" y="2428389"/>
-        <a:ext cx="4607249" cy="1572480"/>
+        <a:off x="7287" y="2428389"/>
+        <a:ext cx="4602750" cy="1572480"/>
       </dsp:txXfrm>
     </dsp:sp>
     <dsp:sp modelId="{5A4FA628-2507-4F33-AE18-93AD51EF0E17}">
@@ -5091,8 +5148,8 @@
       </dsp:nvSpPr>
       <dsp:spPr>
         <a:xfrm>
-          <a:off x="5394278" y="1117446"/>
-          <a:ext cx="2303624" cy="65"/>
+          <a:off x="5394144" y="1117446"/>
+          <a:ext cx="2301375" cy="65"/>
         </a:xfrm>
         <a:prstGeom prst="rect">
           <a:avLst/>
@@ -5143,7 +5200,7 @@
       </dsp:nvSpPr>
       <dsp:spPr>
         <a:xfrm>
-          <a:off x="6937581" y="357157"/>
+          <a:off x="6935198" y="357157"/>
           <a:ext cx="1520643" cy="1520643"/>
         </a:xfrm>
         <a:prstGeom prst="ellipse">
@@ -5209,7 +5266,7 @@
         </a:p>
       </dsp:txBody>
       <dsp:txXfrm>
-        <a:off x="7160274" y="579850"/>
+        <a:off x="7157891" y="579850"/>
         <a:ext cx="1075257" cy="1075257"/>
       </dsp:txXfrm>
     </dsp:sp>
@@ -5220,8 +5277,8 @@
       </dsp:nvSpPr>
       <dsp:spPr>
         <a:xfrm>
-          <a:off x="5121321" y="2035269"/>
-          <a:ext cx="5153162" cy="1965600"/>
+          <a:off x="5136413" y="2035269"/>
+          <a:ext cx="5148130" cy="1965600"/>
         </a:xfrm>
         <a:prstGeom prst="upArrowCallout">
           <a:avLst>
@@ -5270,7 +5327,7 @@
         <a:fontRef idx="minor"/>
       </dsp:style>
       <dsp:txBody>
-        <a:bodyPr spcFirstLastPara="0" vert="horz" wrap="square" lIns="363425" tIns="165100" rIns="363425" bIns="165100" numCol="1" spcCol="1270" anchor="t" anchorCtr="0">
+        <a:bodyPr spcFirstLastPara="0" vert="horz" wrap="square" lIns="363070" tIns="165100" rIns="363070" bIns="165100" numCol="1" spcCol="1270" anchor="t" anchorCtr="0">
           <a:noAutofit/>
         </a:bodyPr>
         <a:lstStyle/>
@@ -5289,6 +5346,24 @@
           <a:r>
             <a:rPr lang="en-US" altLang="zh-CN" sz="2800" kern="1200" dirty="0" smtClean="0"/>
             <a:t>Monkey</a:t>
+          </a:r>
+          <a:endParaRPr lang="zh-CN" altLang="en-US" sz="2800" kern="1200" dirty="0" smtClean="0"/>
+        </a:p>
+        <a:p>
+          <a:pPr lvl="0" algn="l" defTabSz="666750">
+            <a:lnSpc>
+              <a:spcPct val="90000"/>
+            </a:lnSpc>
+            <a:spcBef>
+              <a:spcPct val="0"/>
+            </a:spcBef>
+            <a:spcAft>
+              <a:spcPct val="35000"/>
+            </a:spcAft>
+          </a:pPr>
+          <a:r>
+            <a:rPr lang="zh-CN" altLang="en-US" sz="2800" kern="1200" dirty="0" smtClean="0"/>
+            <a:t>自定义事件比率</a:t>
           </a:r>
           <a:endParaRPr lang="en-US" sz="2800" kern="1200" dirty="0"/>
         </a:p>
@@ -5329,8 +5404,8 @@
         </a:p>
       </dsp:txBody>
       <dsp:txXfrm>
-        <a:off x="5121321" y="2428389"/>
-        <a:ext cx="5153162" cy="1572480"/>
+        <a:off x="5136413" y="2428389"/>
+        <a:ext cx="5148130" cy="1572480"/>
       </dsp:txXfrm>
     </dsp:sp>
   </dsp:spTree>
@@ -6733,7 +6808,7 @@
   </dgm:layoutNode>
   <dgm:extLst>
     <a:ext uri="{4F341089-5ED1-44EC-B178-C955D00A3D55}">
-      <dgm1611:autoBuNodeInfoLst xmlns="" xmlns:dgm1611="http://schemas.microsoft.com/office/drawing/2016/11/diagram">
+      <dgm1611:autoBuNodeInfoLst xmlns:dgm1611="http://schemas.microsoft.com/office/drawing/2016/11/diagram" xmlns="">
         <dgm1611:autoBuNodeInfo lvl="1" ptType="sibTrans">
           <dgm1611:buPr prefix="" leadZeros="0">
             <a:buAutoNum type="arabicParenBoth"/>
@@ -6999,7 +7074,7 @@
   </dgm:layoutNode>
   <dgm:extLst>
     <a:ext uri="{4F341089-5ED1-44EC-B178-C955D00A3D55}">
-      <dgm1611:autoBuNodeInfoLst xmlns:dgm1611="http://schemas.microsoft.com/office/drawing/2016/11/diagram" xmlns="">
+      <dgm1611:autoBuNodeInfoLst xmlns="" xmlns:dgm1611="http://schemas.microsoft.com/office/drawing/2016/11/diagram">
         <dgm1611:autoBuNodeInfo lvl="1" ptType="sibTrans">
           <dgm1611:buPr prefix="" leadZeros="1">
             <a:buAutoNum type="arabicParenBoth"/>
@@ -10195,7 +10270,7 @@
           <a:p>
             <a:fld id="{8BBB6034-8C7C-DE4A-B016-4A2E981D7224}" type="datetimeFigureOut">
               <a:rPr lang="en-US" smtClean="0"/>
-              <a:t>5/29/18</a:t>
+              <a:t>7/13/18</a:t>
             </a:fld>
             <a:endParaRPr lang="en-US"/>
           </a:p>
@@ -10482,7 +10557,7 @@
       </p:grpSpPr>
       <p:sp>
         <p:nvSpPr>
-          <p:cNvPr id="2" name="幻灯片图像占位符 1"/>
+          <p:cNvPr id="2" name="Slide Image Placeholder 1"/>
           <p:cNvSpPr>
             <a:spLocks noGrp="1" noRot="1" noChangeAspect="1"/>
           </p:cNvSpPr>
@@ -10494,7 +10569,7 @@
       </p:sp>
       <p:sp>
         <p:nvSpPr>
-          <p:cNvPr id="3" name="备注占位符 2"/>
+          <p:cNvPr id="3" name="Notes Placeholder 2"/>
           <p:cNvSpPr>
             <a:spLocks noGrp="1"/>
           </p:cNvSpPr>
@@ -10507,13 +10582,57 @@
           <a:bodyPr/>
           <a:lstStyle/>
           <a:p>
-            <a:endParaRPr lang="zh-CN" altLang="en-US" dirty="0"/>
+            <a:pPr marL="0" marR="0" indent="0" algn="l" defTabSz="914400" rtl="0" eaLnBrk="1" fontAlgn="auto" latinLnBrk="0" hangingPunct="1">
+              <a:lnSpc>
+                <a:spcPct val="100000"/>
+              </a:lnSpc>
+              <a:spcBef>
+                <a:spcPts val="0"/>
+              </a:spcBef>
+              <a:spcAft>
+                <a:spcPts val="0"/>
+              </a:spcAft>
+              <a:buClrTx/>
+              <a:buSzTx/>
+              <a:buFontTx/>
+              <a:buNone/>
+              <a:tabLst/>
+              <a:defRPr/>
+            </a:pPr>
+            <a:r>
+              <a:rPr lang="en-US" altLang="zh-CN" dirty="0" smtClean="0"/>
+              <a:t>https://</a:t>
+            </a:r>
+            <a:r>
+              <a:rPr lang="en-US" altLang="zh-CN" dirty="0" err="1" smtClean="0"/>
+              <a:t>github.com</a:t>
+            </a:r>
+            <a:r>
+              <a:rPr lang="en-US" altLang="zh-CN" dirty="0" smtClean="0"/>
+              <a:t>/</a:t>
+            </a:r>
+            <a:r>
+              <a:rPr lang="en-US" altLang="zh-CN" dirty="0" err="1" smtClean="0"/>
+              <a:t>lgxqf</a:t>
+            </a:r>
+            <a:r>
+              <a:rPr lang="en-US" altLang="zh-CN" dirty="0" smtClean="0"/>
+              <a:t>/</a:t>
+            </a:r>
+            <a:r>
+              <a:rPr lang="en-US" altLang="zh-CN" dirty="0" err="1" smtClean="0"/>
+              <a:t>UICrawler</a:t>
+            </a:r>
+            <a:endParaRPr lang="zh-CN" altLang="en-US" dirty="0" smtClean="0"/>
+          </a:p>
+          <a:p>
+            <a:endParaRPr lang="en-US" dirty="0"/>
           </a:p>
         </p:txBody>
       </p:sp>
       <p:sp>
         <p:nvSpPr>
-          <p:cNvPr id="4" name="灯片编号占位符 3"/>
+          <p:cNvPr id="4" name="Slide Number Placeholder 3"/>
           <p:cNvSpPr>
             <a:spLocks noGrp="1"/>
           </p:cNvSpPr>
@@ -10526,18 +10645,18 @@
           <a:bodyPr/>
           <a:lstStyle/>
           <a:p>
-            <a:fld id="{F068A748-A07F-45AA-8C4E-DF6D52704AC4}" type="slidenum">
-              <a:rPr lang="zh-CN" altLang="en-US" smtClean="0"/>
-              <a:t>3</a:t>
+            <a:fld id="{CF9A55BC-772A-6B4B-B482-1929458065AD}" type="slidenum">
+              <a:rPr lang="en-US" smtClean="0"/>
+              <a:t>1</a:t>
             </a:fld>
-            <a:endParaRPr lang="zh-CN" altLang="en-US"/>
+            <a:endParaRPr lang="en-US"/>
           </a:p>
         </p:txBody>
       </p:sp>
     </p:spTree>
     <p:extLst>
       <p:ext uri="{BB962C8B-B14F-4D97-AF65-F5344CB8AC3E}">
-        <p14:creationId xmlns:p14="http://schemas.microsoft.com/office/powerpoint/2010/main" val="664722303"/>
+        <p14:creationId xmlns:p14="http://schemas.microsoft.com/office/powerpoint/2010/main" val="60779159"/>
       </p:ext>
     </p:extLst>
   </p:cSld>
@@ -10548,6 +10667,90 @@
 </file>
 
 <file path=ppt/notesSlides/notesSlide10.xml><?xml version="1.0" encoding="utf-8"?>
+<p:notes xmlns:a="http://schemas.openxmlformats.org/drawingml/2006/main" xmlns:r="http://schemas.openxmlformats.org/officeDocument/2006/relationships" xmlns:p="http://schemas.openxmlformats.org/presentationml/2006/main">
+  <p:cSld>
+    <p:spTree>
+      <p:nvGrpSpPr>
+        <p:cNvPr id="1" name=""/>
+        <p:cNvGrpSpPr/>
+        <p:nvPr/>
+      </p:nvGrpSpPr>
+      <p:grpSpPr>
+        <a:xfrm>
+          <a:off x="0" y="0"/>
+          <a:ext cx="0" cy="0"/>
+          <a:chOff x="0" y="0"/>
+          <a:chExt cx="0" cy="0"/>
+        </a:xfrm>
+      </p:grpSpPr>
+      <p:sp>
+        <p:nvSpPr>
+          <p:cNvPr id="2" name="Slide Image Placeholder 1"/>
+          <p:cNvSpPr>
+            <a:spLocks noGrp="1" noRot="1" noChangeAspect="1"/>
+          </p:cNvSpPr>
+          <p:nvPr>
+            <p:ph type="sldImg"/>
+          </p:nvPr>
+        </p:nvSpPr>
+        <p:spPr/>
+      </p:sp>
+      <p:sp>
+        <p:nvSpPr>
+          <p:cNvPr id="3" name="Notes Placeholder 2"/>
+          <p:cNvSpPr>
+            <a:spLocks noGrp="1"/>
+          </p:cNvSpPr>
+          <p:nvPr>
+            <p:ph type="body" idx="1"/>
+          </p:nvPr>
+        </p:nvSpPr>
+        <p:spPr/>
+        <p:txBody>
+          <a:bodyPr/>
+          <a:lstStyle/>
+          <a:p>
+            <a:endParaRPr lang="en-US" dirty="0"/>
+          </a:p>
+        </p:txBody>
+      </p:sp>
+      <p:sp>
+        <p:nvSpPr>
+          <p:cNvPr id="4" name="Slide Number Placeholder 3"/>
+          <p:cNvSpPr>
+            <a:spLocks noGrp="1"/>
+          </p:cNvSpPr>
+          <p:nvPr>
+            <p:ph type="sldNum" sz="quarter" idx="10"/>
+          </p:nvPr>
+        </p:nvSpPr>
+        <p:spPr/>
+        <p:txBody>
+          <a:bodyPr/>
+          <a:lstStyle/>
+          <a:p>
+            <a:fld id="{CF9A55BC-772A-6B4B-B482-1929458065AD}" type="slidenum">
+              <a:rPr lang="en-US" smtClean="0"/>
+              <a:t>12</a:t>
+            </a:fld>
+            <a:endParaRPr lang="en-US"/>
+          </a:p>
+        </p:txBody>
+      </p:sp>
+    </p:spTree>
+    <p:extLst>
+      <p:ext uri="{BB962C8B-B14F-4D97-AF65-F5344CB8AC3E}">
+        <p14:creationId xmlns:p14="http://schemas.microsoft.com/office/powerpoint/2010/main" val="320937940"/>
+      </p:ext>
+    </p:extLst>
+  </p:cSld>
+  <p:clrMapOvr>
+    <a:masterClrMapping/>
+  </p:clrMapOvr>
+</p:notes>
+</file>
+
+<file path=ppt/notesSlides/notesSlide11.xml><?xml version="1.0" encoding="utf-8"?>
 <p:notes xmlns:a="http://schemas.openxmlformats.org/drawingml/2006/main" xmlns:r="http://schemas.openxmlformats.org/officeDocument/2006/relationships" xmlns:p="http://schemas.openxmlformats.org/presentationml/2006/main">
   <p:cSld>
     <p:spTree>
@@ -10626,90 +10829,6 @@
     <p:extLst>
       <p:ext uri="{BB962C8B-B14F-4D97-AF65-F5344CB8AC3E}">
         <p14:creationId xmlns:p14="http://schemas.microsoft.com/office/powerpoint/2010/main" val="1980145433"/>
-      </p:ext>
-    </p:extLst>
-  </p:cSld>
-  <p:clrMapOvr>
-    <a:masterClrMapping/>
-  </p:clrMapOvr>
-</p:notes>
-</file>
-
-<file path=ppt/notesSlides/notesSlide11.xml><?xml version="1.0" encoding="utf-8"?>
-<p:notes xmlns:a="http://schemas.openxmlformats.org/drawingml/2006/main" xmlns:r="http://schemas.openxmlformats.org/officeDocument/2006/relationships" xmlns:p="http://schemas.openxmlformats.org/presentationml/2006/main">
-  <p:cSld>
-    <p:spTree>
-      <p:nvGrpSpPr>
-        <p:cNvPr id="1" name=""/>
-        <p:cNvGrpSpPr/>
-        <p:nvPr/>
-      </p:nvGrpSpPr>
-      <p:grpSpPr>
-        <a:xfrm>
-          <a:off x="0" y="0"/>
-          <a:ext cx="0" cy="0"/>
-          <a:chOff x="0" y="0"/>
-          <a:chExt cx="0" cy="0"/>
-        </a:xfrm>
-      </p:grpSpPr>
-      <p:sp>
-        <p:nvSpPr>
-          <p:cNvPr id="2" name="Slide Image Placeholder 1"/>
-          <p:cNvSpPr>
-            <a:spLocks noGrp="1" noRot="1" noChangeAspect="1"/>
-          </p:cNvSpPr>
-          <p:nvPr>
-            <p:ph type="sldImg"/>
-          </p:nvPr>
-        </p:nvSpPr>
-        <p:spPr/>
-      </p:sp>
-      <p:sp>
-        <p:nvSpPr>
-          <p:cNvPr id="3" name="Notes Placeholder 2"/>
-          <p:cNvSpPr>
-            <a:spLocks noGrp="1"/>
-          </p:cNvSpPr>
-          <p:nvPr>
-            <p:ph type="body" idx="1"/>
-          </p:nvPr>
-        </p:nvSpPr>
-        <p:spPr/>
-        <p:txBody>
-          <a:bodyPr/>
-          <a:lstStyle/>
-          <a:p>
-            <a:endParaRPr lang="en-US" dirty="0"/>
-          </a:p>
-        </p:txBody>
-      </p:sp>
-      <p:sp>
-        <p:nvSpPr>
-          <p:cNvPr id="4" name="Slide Number Placeholder 3"/>
-          <p:cNvSpPr>
-            <a:spLocks noGrp="1"/>
-          </p:cNvSpPr>
-          <p:nvPr>
-            <p:ph type="sldNum" sz="quarter" idx="10"/>
-          </p:nvPr>
-        </p:nvSpPr>
-        <p:spPr/>
-        <p:txBody>
-          <a:bodyPr/>
-          <a:lstStyle/>
-          <a:p>
-            <a:fld id="{CF9A55BC-772A-6B4B-B482-1929458065AD}" type="slidenum">
-              <a:rPr lang="en-US" smtClean="0"/>
-              <a:t>14</a:t>
-            </a:fld>
-            <a:endParaRPr lang="en-US"/>
-          </a:p>
-        </p:txBody>
-      </p:sp>
-    </p:spTree>
-    <p:extLst>
-      <p:ext uri="{BB962C8B-B14F-4D97-AF65-F5344CB8AC3E}">
-        <p14:creationId xmlns:p14="http://schemas.microsoft.com/office/powerpoint/2010/main" val="695891822"/>
       </p:ext>
     </p:extLst>
   </p:cSld>
@@ -10784,6 +10903,90 @@
           <a:p>
             <a:fld id="{CF9A55BC-772A-6B4B-B482-1929458065AD}" type="slidenum">
               <a:rPr lang="en-US" smtClean="0"/>
+              <a:t>14</a:t>
+            </a:fld>
+            <a:endParaRPr lang="en-US"/>
+          </a:p>
+        </p:txBody>
+      </p:sp>
+    </p:spTree>
+    <p:extLst>
+      <p:ext uri="{BB962C8B-B14F-4D97-AF65-F5344CB8AC3E}">
+        <p14:creationId xmlns:p14="http://schemas.microsoft.com/office/powerpoint/2010/main" val="695891822"/>
+      </p:ext>
+    </p:extLst>
+  </p:cSld>
+  <p:clrMapOvr>
+    <a:masterClrMapping/>
+  </p:clrMapOvr>
+</p:notes>
+</file>
+
+<file path=ppt/notesSlides/notesSlide13.xml><?xml version="1.0" encoding="utf-8"?>
+<p:notes xmlns:a="http://schemas.openxmlformats.org/drawingml/2006/main" xmlns:r="http://schemas.openxmlformats.org/officeDocument/2006/relationships" xmlns:p="http://schemas.openxmlformats.org/presentationml/2006/main">
+  <p:cSld>
+    <p:spTree>
+      <p:nvGrpSpPr>
+        <p:cNvPr id="1" name=""/>
+        <p:cNvGrpSpPr/>
+        <p:nvPr/>
+      </p:nvGrpSpPr>
+      <p:grpSpPr>
+        <a:xfrm>
+          <a:off x="0" y="0"/>
+          <a:ext cx="0" cy="0"/>
+          <a:chOff x="0" y="0"/>
+          <a:chExt cx="0" cy="0"/>
+        </a:xfrm>
+      </p:grpSpPr>
+      <p:sp>
+        <p:nvSpPr>
+          <p:cNvPr id="2" name="Slide Image Placeholder 1"/>
+          <p:cNvSpPr>
+            <a:spLocks noGrp="1" noRot="1" noChangeAspect="1"/>
+          </p:cNvSpPr>
+          <p:nvPr>
+            <p:ph type="sldImg"/>
+          </p:nvPr>
+        </p:nvSpPr>
+        <p:spPr/>
+      </p:sp>
+      <p:sp>
+        <p:nvSpPr>
+          <p:cNvPr id="3" name="Notes Placeholder 2"/>
+          <p:cNvSpPr>
+            <a:spLocks noGrp="1"/>
+          </p:cNvSpPr>
+          <p:nvPr>
+            <p:ph type="body" idx="1"/>
+          </p:nvPr>
+        </p:nvSpPr>
+        <p:spPr/>
+        <p:txBody>
+          <a:bodyPr/>
+          <a:lstStyle/>
+          <a:p>
+            <a:endParaRPr lang="en-US" dirty="0"/>
+          </a:p>
+        </p:txBody>
+      </p:sp>
+      <p:sp>
+        <p:nvSpPr>
+          <p:cNvPr id="4" name="Slide Number Placeholder 3"/>
+          <p:cNvSpPr>
+            <a:spLocks noGrp="1"/>
+          </p:cNvSpPr>
+          <p:nvPr>
+            <p:ph type="sldNum" sz="quarter" idx="10"/>
+          </p:nvPr>
+        </p:nvSpPr>
+        <p:spPr/>
+        <p:txBody>
+          <a:bodyPr/>
+          <a:lstStyle/>
+          <a:p>
+            <a:fld id="{CF9A55BC-772A-6B4B-B482-1929458065AD}" type="slidenum">
+              <a:rPr lang="en-US" smtClean="0"/>
               <a:t>16</a:t>
             </a:fld>
             <a:endParaRPr lang="en-US"/>
@@ -10803,7 +11006,7 @@
 </p:notes>
 </file>
 
-<file path=ppt/notesSlides/notesSlide13.xml><?xml version="1.0" encoding="utf-8"?>
+<file path=ppt/notesSlides/notesSlide14.xml><?xml version="1.0" encoding="utf-8"?>
 <p:notes xmlns:a="http://schemas.openxmlformats.org/drawingml/2006/main" xmlns:r="http://schemas.openxmlformats.org/officeDocument/2006/relationships" xmlns:p="http://schemas.openxmlformats.org/presentationml/2006/main">
   <p:cSld>
     <p:spTree>
@@ -10906,7 +11109,7 @@
       </p:grpSpPr>
       <p:sp>
         <p:nvSpPr>
-          <p:cNvPr id="2" name="Slide Image Placeholder 1"/>
+          <p:cNvPr id="2" name="幻灯片图像占位符 1"/>
           <p:cNvSpPr>
             <a:spLocks noGrp="1" noRot="1" noChangeAspect="1"/>
           </p:cNvSpPr>
@@ -10918,7 +11121,7 @@
       </p:sp>
       <p:sp>
         <p:nvSpPr>
-          <p:cNvPr id="3" name="Notes Placeholder 2"/>
+          <p:cNvPr id="3" name="备注占位符 2"/>
           <p:cNvSpPr>
             <a:spLocks noGrp="1"/>
           </p:cNvSpPr>
@@ -10931,13 +11134,13 @@
           <a:bodyPr/>
           <a:lstStyle/>
           <a:p>
-            <a:endParaRPr lang="en-US" dirty="0"/>
+            <a:endParaRPr lang="zh-CN" altLang="en-US" dirty="0"/>
           </a:p>
         </p:txBody>
       </p:sp>
       <p:sp>
         <p:nvSpPr>
-          <p:cNvPr id="4" name="Slide Number Placeholder 3"/>
+          <p:cNvPr id="4" name="灯片编号占位符 3"/>
           <p:cNvSpPr>
             <a:spLocks noGrp="1"/>
           </p:cNvSpPr>
@@ -10950,18 +11153,18 @@
           <a:bodyPr/>
           <a:lstStyle/>
           <a:p>
-            <a:fld id="{CF9A55BC-772A-6B4B-B482-1929458065AD}" type="slidenum">
-              <a:rPr lang="en-US" smtClean="0"/>
-              <a:t>4</a:t>
+            <a:fld id="{F068A748-A07F-45AA-8C4E-DF6D52704AC4}" type="slidenum">
+              <a:rPr lang="zh-CN" altLang="en-US" smtClean="0"/>
+              <a:t>3</a:t>
             </a:fld>
-            <a:endParaRPr lang="en-US"/>
+            <a:endParaRPr lang="zh-CN" altLang="en-US"/>
           </a:p>
         </p:txBody>
       </p:sp>
     </p:spTree>
     <p:extLst>
       <p:ext uri="{BB962C8B-B14F-4D97-AF65-F5344CB8AC3E}">
-        <p14:creationId xmlns:p14="http://schemas.microsoft.com/office/powerpoint/2010/main" val="895368541"/>
+        <p14:creationId xmlns:p14="http://schemas.microsoft.com/office/powerpoint/2010/main" val="664722303"/>
       </p:ext>
     </p:extLst>
   </p:cSld>
@@ -11036,7 +11239,7 @@
           <a:p>
             <a:fld id="{F068A748-A07F-45AA-8C4E-DF6D52704AC4}" type="slidenum">
               <a:rPr lang="zh-CN" altLang="en-US" smtClean="0"/>
-              <a:t>5</a:t>
+              <a:t>4</a:t>
             </a:fld>
             <a:endParaRPr lang="zh-CN" altLang="en-US"/>
           </a:p>
@@ -11099,6 +11302,10 @@
           <a:bodyPr/>
           <a:lstStyle/>
           <a:p>
+            <a:r>
+              <a:rPr lang="zh-CN" altLang="en-US" dirty="0" smtClean="0"/>
+              <a:t>模仿用户的一些随机操作</a:t>
+            </a:r>
             <a:endParaRPr lang="zh-CN" altLang="en-US" dirty="0"/>
           </a:p>
         </p:txBody>
@@ -11120,7 +11327,7 @@
           <a:p>
             <a:fld id="{F068A748-A07F-45AA-8C4E-DF6D52704AC4}" type="slidenum">
               <a:rPr lang="zh-CN" altLang="en-US" smtClean="0"/>
-              <a:t>6</a:t>
+              <a:t>5</a:t>
             </a:fld>
             <a:endParaRPr lang="zh-CN" altLang="en-US"/>
           </a:p>
@@ -11129,7 +11336,7 @@
     </p:spTree>
     <p:extLst>
       <p:ext uri="{BB962C8B-B14F-4D97-AF65-F5344CB8AC3E}">
-        <p14:creationId xmlns:p14="http://schemas.microsoft.com/office/powerpoint/2010/main" val="986669923"/>
+        <p14:creationId xmlns:p14="http://schemas.microsoft.com/office/powerpoint/2010/main" val="188941413"/>
       </p:ext>
     </p:extLst>
   </p:cSld>
@@ -11183,10 +11390,6 @@
           <a:bodyPr/>
           <a:lstStyle/>
           <a:p>
-            <a:r>
-              <a:rPr lang="zh-CN" altLang="en-US" dirty="0" smtClean="0"/>
-              <a:t>模仿用户的一些随机操作</a:t>
-            </a:r>
             <a:endParaRPr lang="zh-CN" altLang="en-US" dirty="0"/>
           </a:p>
         </p:txBody>
@@ -11208,7 +11411,7 @@
           <a:p>
             <a:fld id="{F068A748-A07F-45AA-8C4E-DF6D52704AC4}" type="slidenum">
               <a:rPr lang="zh-CN" altLang="en-US" smtClean="0"/>
-              <a:t>7</a:t>
+              <a:t>6</a:t>
             </a:fld>
             <a:endParaRPr lang="zh-CN" altLang="en-US"/>
           </a:p>
@@ -11217,7 +11420,7 @@
     </p:spTree>
     <p:extLst>
       <p:ext uri="{BB962C8B-B14F-4D97-AF65-F5344CB8AC3E}">
-        <p14:creationId xmlns:p14="http://schemas.microsoft.com/office/powerpoint/2010/main" val="397238315"/>
+        <p14:creationId xmlns:p14="http://schemas.microsoft.com/office/powerpoint/2010/main" val="986669923"/>
       </p:ext>
     </p:extLst>
   </p:cSld>
@@ -11272,8 +11475,8 @@
           <a:lstStyle/>
           <a:p>
             <a:r>
-              <a:rPr lang="en-US" altLang="zh-CN" dirty="0"/>
-              <a:t> </a:t>
+              <a:rPr lang="zh-CN" altLang="en-US" dirty="0" smtClean="0"/>
+              <a:t>模仿用户的一些随机操作</a:t>
             </a:r>
             <a:endParaRPr lang="zh-CN" altLang="en-US" dirty="0"/>
           </a:p>
@@ -11296,7 +11499,7 @@
           <a:p>
             <a:fld id="{F068A748-A07F-45AA-8C4E-DF6D52704AC4}" type="slidenum">
               <a:rPr lang="zh-CN" altLang="en-US" smtClean="0"/>
-              <a:t>8</a:t>
+              <a:t>7</a:t>
             </a:fld>
             <a:endParaRPr lang="zh-CN" altLang="en-US"/>
           </a:p>
@@ -11305,7 +11508,7 @@
     </p:spTree>
     <p:extLst>
       <p:ext uri="{BB962C8B-B14F-4D97-AF65-F5344CB8AC3E}">
-        <p14:creationId xmlns:p14="http://schemas.microsoft.com/office/powerpoint/2010/main" val="1994404782"/>
+        <p14:creationId xmlns:p14="http://schemas.microsoft.com/office/powerpoint/2010/main" val="397238315"/>
       </p:ext>
     </p:extLst>
   </p:cSld>
@@ -11334,7 +11537,7 @@
       </p:grpSpPr>
       <p:sp>
         <p:nvSpPr>
-          <p:cNvPr id="2" name="Slide Image Placeholder 1"/>
+          <p:cNvPr id="2" name="幻灯片图像占位符 1"/>
           <p:cNvSpPr>
             <a:spLocks noGrp="1" noRot="1" noChangeAspect="1"/>
           </p:cNvSpPr>
@@ -11346,7 +11549,7 @@
       </p:sp>
       <p:sp>
         <p:nvSpPr>
-          <p:cNvPr id="3" name="Notes Placeholder 2"/>
+          <p:cNvPr id="3" name="备注占位符 2"/>
           <p:cNvSpPr>
             <a:spLocks noGrp="1"/>
           </p:cNvSpPr>
@@ -11360,24 +11563,16 @@
           <a:lstStyle/>
           <a:p>
             <a:r>
-              <a:rPr lang="zh-CN" altLang="en-US" dirty="0" smtClean="0"/>
-              <a:t>红点</a:t>
-            </a:r>
-            <a:r>
-              <a:rPr lang="en-US" altLang="zh-CN" dirty="0" smtClean="0"/>
-              <a:t>+</a:t>
-            </a:r>
-            <a:r>
-              <a:rPr lang="zh-CN" altLang="en-US" dirty="0" smtClean="0"/>
-              <a:t>黑点</a:t>
-            </a:r>
-            <a:endParaRPr lang="en-US" dirty="0"/>
+              <a:rPr lang="en-US" altLang="zh-CN" dirty="0"/>
+              <a:t> </a:t>
+            </a:r>
+            <a:endParaRPr lang="zh-CN" altLang="en-US" dirty="0"/>
           </a:p>
         </p:txBody>
       </p:sp>
       <p:sp>
         <p:nvSpPr>
-          <p:cNvPr id="4" name="Slide Number Placeholder 3"/>
+          <p:cNvPr id="4" name="灯片编号占位符 3"/>
           <p:cNvSpPr>
             <a:spLocks noGrp="1"/>
           </p:cNvSpPr>
@@ -11390,18 +11585,18 @@
           <a:bodyPr/>
           <a:lstStyle/>
           <a:p>
-            <a:fld id="{CF9A55BC-772A-6B4B-B482-1929458065AD}" type="slidenum">
-              <a:rPr lang="en-US" smtClean="0"/>
-              <a:t>9</a:t>
+            <a:fld id="{F068A748-A07F-45AA-8C4E-DF6D52704AC4}" type="slidenum">
+              <a:rPr lang="zh-CN" altLang="en-US" smtClean="0"/>
+              <a:t>8</a:t>
             </a:fld>
-            <a:endParaRPr lang="en-US"/>
+            <a:endParaRPr lang="zh-CN" altLang="en-US"/>
           </a:p>
         </p:txBody>
       </p:sp>
     </p:spTree>
     <p:extLst>
       <p:ext uri="{BB962C8B-B14F-4D97-AF65-F5344CB8AC3E}">
-        <p14:creationId xmlns:p14="http://schemas.microsoft.com/office/powerpoint/2010/main" val="667578123"/>
+        <p14:creationId xmlns:p14="http://schemas.microsoft.com/office/powerpoint/2010/main" val="1994404782"/>
       </p:ext>
     </p:extLst>
   </p:cSld>
@@ -11457,15 +11652,7 @@
           <a:p>
             <a:r>
               <a:rPr lang="zh-CN" altLang="en-US" dirty="0" smtClean="0"/>
-              <a:t>系统</a:t>
-            </a:r>
-            <a:r>
-              <a:rPr lang="en-US" altLang="zh-CN" dirty="0" smtClean="0"/>
-              <a:t>Log</a:t>
-            </a:r>
-            <a:r>
-              <a:rPr lang="zh-CN" altLang="en-US" dirty="0" smtClean="0"/>
-              <a:t> </a:t>
+              <a:t>红点</a:t>
             </a:r>
             <a:r>
               <a:rPr lang="en-US" altLang="zh-CN" dirty="0" smtClean="0"/>
@@ -11473,23 +11660,7 @@
             </a:r>
             <a:r>
               <a:rPr lang="zh-CN" altLang="en-US" dirty="0" smtClean="0"/>
-              <a:t> </a:t>
-            </a:r>
-            <a:r>
-              <a:rPr lang="en-US" altLang="zh-CN" dirty="0" smtClean="0"/>
-              <a:t>crash</a:t>
-            </a:r>
-            <a:r>
-              <a:rPr lang="zh-CN" altLang="en-US" dirty="0" smtClean="0"/>
-              <a:t> </a:t>
-            </a:r>
-            <a:r>
-              <a:rPr lang="en-US" altLang="zh-CN" dirty="0" smtClean="0"/>
-              <a:t>file</a:t>
-            </a:r>
-            <a:r>
-              <a:rPr lang="zh-CN" altLang="en-US" dirty="0" smtClean="0"/>
-              <a:t> </a:t>
+              <a:t>黑点</a:t>
             </a:r>
             <a:endParaRPr lang="en-US" dirty="0"/>
           </a:p>
@@ -11512,7 +11683,7 @@
           <a:p>
             <a:fld id="{CF9A55BC-772A-6B4B-B482-1929458065AD}" type="slidenum">
               <a:rPr lang="en-US" smtClean="0"/>
-              <a:t>11</a:t>
+              <a:t>9</a:t>
             </a:fld>
             <a:endParaRPr lang="en-US"/>
           </a:p>
@@ -11521,7 +11692,7 @@
     </p:spTree>
     <p:extLst>
       <p:ext uri="{BB962C8B-B14F-4D97-AF65-F5344CB8AC3E}">
-        <p14:creationId xmlns:p14="http://schemas.microsoft.com/office/powerpoint/2010/main" val="1413942319"/>
+        <p14:creationId xmlns:p14="http://schemas.microsoft.com/office/powerpoint/2010/main" val="667578123"/>
       </p:ext>
     </p:extLst>
   </p:cSld>
@@ -11575,6 +11746,42 @@
           <a:bodyPr/>
           <a:lstStyle/>
           <a:p>
+            <a:r>
+              <a:rPr lang="zh-CN" altLang="en-US" dirty="0" smtClean="0"/>
+              <a:t>系统</a:t>
+            </a:r>
+            <a:r>
+              <a:rPr lang="en-US" altLang="zh-CN" dirty="0" smtClean="0"/>
+              <a:t>Log</a:t>
+            </a:r>
+            <a:r>
+              <a:rPr lang="zh-CN" altLang="en-US" dirty="0" smtClean="0"/>
+              <a:t> </a:t>
+            </a:r>
+            <a:r>
+              <a:rPr lang="en-US" altLang="zh-CN" dirty="0" smtClean="0"/>
+              <a:t>+</a:t>
+            </a:r>
+            <a:r>
+              <a:rPr lang="zh-CN" altLang="en-US" dirty="0" smtClean="0"/>
+              <a:t> </a:t>
+            </a:r>
+            <a:r>
+              <a:rPr lang="en-US" altLang="zh-CN" dirty="0" smtClean="0"/>
+              <a:t>crash</a:t>
+            </a:r>
+            <a:r>
+              <a:rPr lang="zh-CN" altLang="en-US" dirty="0" smtClean="0"/>
+              <a:t> </a:t>
+            </a:r>
+            <a:r>
+              <a:rPr lang="en-US" altLang="zh-CN" dirty="0" smtClean="0"/>
+              <a:t>file</a:t>
+            </a:r>
+            <a:r>
+              <a:rPr lang="zh-CN" altLang="en-US" dirty="0" smtClean="0"/>
+              <a:t> </a:t>
+            </a:r>
             <a:endParaRPr lang="en-US" dirty="0"/>
           </a:p>
         </p:txBody>
@@ -11596,7 +11803,7 @@
           <a:p>
             <a:fld id="{CF9A55BC-772A-6B4B-B482-1929458065AD}" type="slidenum">
               <a:rPr lang="en-US" smtClean="0"/>
-              <a:t>12</a:t>
+              <a:t>11</a:t>
             </a:fld>
             <a:endParaRPr lang="en-US"/>
           </a:p>
@@ -11605,7 +11812,7 @@
     </p:spTree>
     <p:extLst>
       <p:ext uri="{BB962C8B-B14F-4D97-AF65-F5344CB8AC3E}">
-        <p14:creationId xmlns:p14="http://schemas.microsoft.com/office/powerpoint/2010/main" val="320937940"/>
+        <p14:creationId xmlns:p14="http://schemas.microsoft.com/office/powerpoint/2010/main" val="1413942319"/>
       </p:ext>
     </p:extLst>
   </p:cSld>
@@ -11746,7 +11953,7 @@
           <a:p>
             <a:fld id="{281976D8-4F8D-7147-929E-C5FBCC10CBE3}" type="datetimeFigureOut">
               <a:rPr lang="en-US" smtClean="0"/>
-              <a:t>5/29/18</a:t>
+              <a:t>7/13/18</a:t>
             </a:fld>
             <a:endParaRPr lang="en-US"/>
           </a:p>
@@ -11916,7 +12123,7 @@
           <a:p>
             <a:fld id="{281976D8-4F8D-7147-929E-C5FBCC10CBE3}" type="datetimeFigureOut">
               <a:rPr lang="en-US" smtClean="0"/>
-              <a:t>5/29/18</a:t>
+              <a:t>7/13/18</a:t>
             </a:fld>
             <a:endParaRPr lang="en-US"/>
           </a:p>
@@ -12096,7 +12303,7 @@
           <a:p>
             <a:fld id="{281976D8-4F8D-7147-929E-C5FBCC10CBE3}" type="datetimeFigureOut">
               <a:rPr lang="en-US" smtClean="0"/>
-              <a:t>5/29/18</a:t>
+              <a:t>7/13/18</a:t>
             </a:fld>
             <a:endParaRPr lang="en-US"/>
           </a:p>
@@ -12266,7 +12473,7 @@
           <a:p>
             <a:fld id="{281976D8-4F8D-7147-929E-C5FBCC10CBE3}" type="datetimeFigureOut">
               <a:rPr lang="en-US" smtClean="0"/>
-              <a:t>5/29/18</a:t>
+              <a:t>7/13/18</a:t>
             </a:fld>
             <a:endParaRPr lang="en-US"/>
           </a:p>
@@ -12512,7 +12719,7 @@
           <a:p>
             <a:fld id="{281976D8-4F8D-7147-929E-C5FBCC10CBE3}" type="datetimeFigureOut">
               <a:rPr lang="en-US" smtClean="0"/>
-              <a:t>5/29/18</a:t>
+              <a:t>7/13/18</a:t>
             </a:fld>
             <a:endParaRPr lang="en-US"/>
           </a:p>
@@ -12744,7 +12951,7 @@
           <a:p>
             <a:fld id="{281976D8-4F8D-7147-929E-C5FBCC10CBE3}" type="datetimeFigureOut">
               <a:rPr lang="en-US" smtClean="0"/>
-              <a:t>5/29/18</a:t>
+              <a:t>7/13/18</a:t>
             </a:fld>
             <a:endParaRPr lang="en-US"/>
           </a:p>
@@ -13111,7 +13318,7 @@
           <a:p>
             <a:fld id="{281976D8-4F8D-7147-929E-C5FBCC10CBE3}" type="datetimeFigureOut">
               <a:rPr lang="en-US" smtClean="0"/>
-              <a:t>5/29/18</a:t>
+              <a:t>7/13/18</a:t>
             </a:fld>
             <a:endParaRPr lang="en-US"/>
           </a:p>
@@ -13229,7 +13436,7 @@
           <a:p>
             <a:fld id="{281976D8-4F8D-7147-929E-C5FBCC10CBE3}" type="datetimeFigureOut">
               <a:rPr lang="en-US" smtClean="0"/>
-              <a:t>5/29/18</a:t>
+              <a:t>7/13/18</a:t>
             </a:fld>
             <a:endParaRPr lang="en-US"/>
           </a:p>
@@ -13324,7 +13531,7 @@
           <a:p>
             <a:fld id="{281976D8-4F8D-7147-929E-C5FBCC10CBE3}" type="datetimeFigureOut">
               <a:rPr lang="en-US" smtClean="0"/>
-              <a:t>5/29/18</a:t>
+              <a:t>7/13/18</a:t>
             </a:fld>
             <a:endParaRPr lang="en-US"/>
           </a:p>
@@ -13601,7 +13808,7 @@
           <a:p>
             <a:fld id="{281976D8-4F8D-7147-929E-C5FBCC10CBE3}" type="datetimeFigureOut">
               <a:rPr lang="en-US" smtClean="0"/>
-              <a:t>5/29/18</a:t>
+              <a:t>7/13/18</a:t>
             </a:fld>
             <a:endParaRPr lang="en-US"/>
           </a:p>
@@ -13854,7 +14061,7 @@
           <a:p>
             <a:fld id="{281976D8-4F8D-7147-929E-C5FBCC10CBE3}" type="datetimeFigureOut">
               <a:rPr lang="en-US" smtClean="0"/>
-              <a:t>5/29/18</a:t>
+              <a:t>7/13/18</a:t>
             </a:fld>
             <a:endParaRPr lang="en-US"/>
           </a:p>
@@ -14067,7 +14274,7 @@
           <a:p>
             <a:fld id="{281976D8-4F8D-7147-929E-C5FBCC10CBE3}" type="datetimeFigureOut">
               <a:rPr lang="en-US" smtClean="0"/>
-              <a:t>5/29/18</a:t>
+              <a:t>7/13/18</a:t>
             </a:fld>
             <a:endParaRPr lang="en-US"/>
           </a:p>
@@ -14520,14 +14727,6 @@
           <a:p>
             <a:r>
               <a:rPr lang="zh-CN" altLang="en-US" dirty="0" smtClean="0"/>
-              <a:t>                                                           </a:t>
-            </a:r>
-            <a:r>
-              <a:rPr lang="en-US" altLang="zh-CN" dirty="0" smtClean="0"/>
-              <a:t>----</a:t>
-            </a:r>
-            <a:r>
-              <a:rPr lang="zh-CN" altLang="en-US" dirty="0" smtClean="0"/>
               <a:t>基于</a:t>
             </a:r>
             <a:r>
@@ -14540,11 +14739,27 @@
             </a:r>
             <a:r>
               <a:rPr lang="en-US" altLang="zh-CN" dirty="0" smtClean="0"/>
+              <a:t>APP</a:t>
+            </a:r>
+            <a:r>
+              <a:rPr lang="zh-CN" altLang="en-US" dirty="0" smtClean="0"/>
+              <a:t>、微信小程序</a:t>
+            </a:r>
+            <a:r>
+              <a:rPr lang="en-US" altLang="zh-CN" dirty="0" smtClean="0"/>
               <a:t>UI</a:t>
             </a:r>
             <a:r>
               <a:rPr lang="zh-CN" altLang="en-US" dirty="0" smtClean="0"/>
-              <a:t>自动化测试工具</a:t>
+              <a:t>自动</a:t>
+            </a:r>
+            <a:r>
+              <a:rPr lang="zh-CN" altLang="en-US" dirty="0" smtClean="0"/>
+              <a:t>遍历</a:t>
+            </a:r>
+            <a:r>
+              <a:rPr lang="zh-CN" altLang="en-US" dirty="0" smtClean="0"/>
+              <a:t>工具</a:t>
             </a:r>
             <a:endParaRPr lang="en-US" dirty="0"/>
           </a:p>
@@ -14832,7 +15047,7 @@
           <p:cNvPr id="12" name="Rectangle 6">
             <a:extLst>
               <a:ext uri="{FF2B5EF4-FFF2-40B4-BE49-F238E27FC236}">
-                <a16:creationId xmlns:a16="http://schemas.microsoft.com/office/drawing/2014/main" xmlns="" id="{FEF4E260-B79D-41D8-90EB-C84807CD77EC}"/>
+                <a16:creationId xmlns="" xmlns:a16="http://schemas.microsoft.com/office/drawing/2014/main" id="{FEF4E260-B79D-41D8-90EB-C84807CD77EC}"/>
               </a:ext>
             </a:extLst>
           </p:cNvPr>
@@ -14842,7 +15057,7 @@
           <p:nvPr>
             <p:extLst>
               <p:ext uri="{386F3935-93C4-4BCD-93E2-E3B085C9AB24}">
-                <p16:designElem xmlns:p16="http://schemas.microsoft.com/office/powerpoint/2015/main" xmlns="" val="1"/>
+                <p16:designElem xmlns="" xmlns:p16="http://schemas.microsoft.com/office/powerpoint/2015/main" val="1"/>
               </p:ext>
             </p:extLst>
           </p:nvPr>
@@ -14890,7 +15105,7 @@
           <p:cNvPr id="11" name="Rectangle 10">
             <a:extLst>
               <a:ext uri="{FF2B5EF4-FFF2-40B4-BE49-F238E27FC236}">
-                <a16:creationId xmlns:a16="http://schemas.microsoft.com/office/drawing/2014/main" xmlns="" id="{241208F6-8B1C-4098-9388-150BC8E447B2}"/>
+                <a16:creationId xmlns="" xmlns:a16="http://schemas.microsoft.com/office/drawing/2014/main" id="{241208F6-8B1C-4098-9388-150BC8E447B2}"/>
               </a:ext>
             </a:extLst>
           </p:cNvPr>
@@ -14900,7 +15115,7 @@
           <p:nvPr>
             <p:extLst>
               <p:ext uri="{386F3935-93C4-4BCD-93E2-E3B085C9AB24}">
-                <p16:designElem xmlns:p16="http://schemas.microsoft.com/office/powerpoint/2015/main" xmlns="" val="1"/>
+                <p16:designElem xmlns="" xmlns:p16="http://schemas.microsoft.com/office/powerpoint/2015/main" val="1"/>
               </p:ext>
             </p:extLst>
           </p:nvPr>
@@ -15442,7 +15657,12 @@
             <p:ph type="title"/>
           </p:nvPr>
         </p:nvSpPr>
-        <p:spPr/>
+        <p:spPr>
+          <a:xfrm>
+            <a:off x="838200" y="125283"/>
+            <a:ext cx="10515600" cy="1325563"/>
+          </a:xfrm>
+        </p:spPr>
         <p:txBody>
           <a:bodyPr/>
           <a:lstStyle/>
@@ -15467,13 +15687,13 @@
         </p:nvSpPr>
         <p:spPr>
           <a:xfrm>
-            <a:off x="838200" y="1825625"/>
-            <a:ext cx="10515600" cy="4859988"/>
+            <a:off x="838200" y="1266669"/>
+            <a:ext cx="11108961" cy="5591331"/>
           </a:xfrm>
         </p:spPr>
         <p:txBody>
           <a:bodyPr>
-            <a:normAutofit fontScale="92500" lnSpcReduction="20000"/>
+            <a:normAutofit fontScale="92500" lnSpcReduction="10000"/>
           </a:bodyPr>
           <a:lstStyle/>
           <a:p>
@@ -15612,30 +15832,6 @@
           </a:p>
         </p:txBody>
       </p:sp>
-      <p:sp>
-        <p:nvSpPr>
-          <p:cNvPr id="3" name="副标题 2"/>
-          <p:cNvSpPr>
-            <a:spLocks noGrp="1"/>
-          </p:cNvSpPr>
-          <p:nvPr>
-            <p:ph type="subTitle" idx="1"/>
-          </p:nvPr>
-        </p:nvSpPr>
-        <p:spPr>
-          <a:xfrm>
-            <a:off x="1524000" y="3602038"/>
-            <a:ext cx="9144000" cy="1655762"/>
-          </a:xfrm>
-        </p:spPr>
-        <p:txBody>
-          <a:bodyPr/>
-          <a:lstStyle/>
-          <a:p>
-            <a:endParaRPr lang="zh-CN" altLang="en-US"/>
-          </a:p>
-        </p:txBody>
-      </p:sp>
     </p:spTree>
     <p:extLst>
       <p:ext uri="{BB962C8B-B14F-4D97-AF65-F5344CB8AC3E}">
@@ -15675,6 +15871,131 @@
       </p:grpSpPr>
       <p:sp>
         <p:nvSpPr>
+          <p:cNvPr id="3" name="Content Placeholder 2"/>
+          <p:cNvSpPr>
+            <a:spLocks noGrp="1"/>
+          </p:cNvSpPr>
+          <p:nvPr>
+            <p:ph idx="1"/>
+          </p:nvPr>
+        </p:nvSpPr>
+        <p:spPr/>
+        <p:txBody>
+          <a:bodyPr/>
+          <a:lstStyle/>
+          <a:p>
+            <a:r>
+              <a:rPr lang="zh-CN" altLang="en-US" dirty="0" smtClean="0"/>
+              <a:t>测试平台、测试工具开发、技术培训</a:t>
+            </a:r>
+          </a:p>
+          <a:p>
+            <a:endParaRPr lang="zh-CN" altLang="en-US" dirty="0" smtClean="0"/>
+          </a:p>
+          <a:p>
+            <a:r>
+              <a:rPr lang="zh-CN" altLang="en-US" dirty="0" smtClean="0"/>
+              <a:t>工作十二年：五年开发经验，七年的测试框架开发和自动化测试开发经验</a:t>
+            </a:r>
+          </a:p>
+          <a:p>
+            <a:endParaRPr lang="zh-CN" altLang="en-US" dirty="0" smtClean="0"/>
+          </a:p>
+          <a:p>
+            <a:r>
+              <a:rPr lang="zh-CN" altLang="en-US" dirty="0" smtClean="0"/>
+              <a:t>开发语言：</a:t>
+            </a:r>
+            <a:r>
+              <a:rPr lang="en-US" altLang="zh-CN" dirty="0" smtClean="0"/>
+              <a:t>C++</a:t>
+            </a:r>
+            <a:r>
+              <a:rPr lang="zh-CN" altLang="en-US" dirty="0" smtClean="0"/>
+              <a:t>、</a:t>
+            </a:r>
+            <a:r>
+              <a:rPr lang="en-US" altLang="zh-CN" dirty="0" smtClean="0"/>
+              <a:t>Java</a:t>
+            </a:r>
+            <a:r>
+              <a:rPr lang="zh-CN" altLang="en-US" dirty="0" smtClean="0"/>
+              <a:t>、</a:t>
+            </a:r>
+            <a:r>
+              <a:rPr lang="en-US" altLang="zh-CN" dirty="0" smtClean="0"/>
+              <a:t>Python</a:t>
+            </a:r>
+            <a:r>
+              <a:rPr lang="zh-CN" altLang="en-US" dirty="0" smtClean="0"/>
+              <a:t>、</a:t>
+            </a:r>
+            <a:r>
+              <a:rPr lang="en-US" altLang="zh-CN" dirty="0" smtClean="0"/>
+              <a:t>C#</a:t>
+            </a:r>
+            <a:r>
+              <a:rPr lang="zh-CN" altLang="en-US" dirty="0" smtClean="0"/>
+              <a:t>、</a:t>
+            </a:r>
+            <a:r>
+              <a:rPr lang="en-US" altLang="zh-CN" dirty="0" err="1" smtClean="0"/>
+              <a:t>NodeJS</a:t>
+            </a:r>
+            <a:endParaRPr lang="zh-CN" altLang="en-US" dirty="0" smtClean="0"/>
+          </a:p>
+          <a:p>
+            <a:endParaRPr lang="zh-CN" altLang="en-US" dirty="0" smtClean="0"/>
+          </a:p>
+          <a:p>
+            <a:r>
+              <a:rPr lang="zh-CN" altLang="en-US" dirty="0" smtClean="0"/>
+              <a:t>爱好运动：跑步</a:t>
+            </a:r>
+            <a:r>
+              <a:rPr lang="zh-CN" altLang="en-US" dirty="0"/>
+              <a:t>、</a:t>
+            </a:r>
+            <a:r>
+              <a:rPr lang="zh-CN" altLang="en-US" dirty="0" smtClean="0"/>
+              <a:t>打球、游泳、户外</a:t>
+            </a:r>
+            <a:endParaRPr lang="en-US" dirty="0"/>
+          </a:p>
+        </p:txBody>
+      </p:sp>
+      <p:pic>
+        <p:nvPicPr>
+          <p:cNvPr id="4" name="Picture 3"/>
+          <p:cNvPicPr>
+            <a:picLocks noChangeAspect="1"/>
+          </p:cNvPicPr>
+          <p:nvPr/>
+        </p:nvPicPr>
+        <p:blipFill>
+          <a:blip r:embed="rId2">
+            <a:extLst>
+              <a:ext uri="{28A0092B-C50C-407E-A947-70E740481C1C}">
+                <a14:useLocalDpi xmlns:a14="http://schemas.microsoft.com/office/drawing/2010/main" val="0"/>
+              </a:ext>
+            </a:extLst>
+          </a:blip>
+          <a:stretch>
+            <a:fillRect/>
+          </a:stretch>
+        </p:blipFill>
+        <p:spPr>
+          <a:xfrm>
+            <a:off x="8118628" y="4742254"/>
+            <a:ext cx="3849769" cy="1862680"/>
+          </a:xfrm>
+          <a:prstGeom prst="rect">
+            <a:avLst/>
+          </a:prstGeom>
+        </p:spPr>
+      </p:pic>
+      <p:sp>
+        <p:nvSpPr>
           <p:cNvPr id="2" name="Title 1"/>
           <p:cNvSpPr>
             <a:spLocks noGrp="1"/>
@@ -15691,101 +16012,6 @@
             <a:r>
               <a:rPr lang="zh-CN" altLang="en-US" dirty="0" smtClean="0"/>
               <a:t>自我介绍</a:t>
-            </a:r>
-            <a:endParaRPr lang="en-US" dirty="0"/>
-          </a:p>
-        </p:txBody>
-      </p:sp>
-      <p:sp>
-        <p:nvSpPr>
-          <p:cNvPr id="3" name="Content Placeholder 2"/>
-          <p:cNvSpPr>
-            <a:spLocks noGrp="1"/>
-          </p:cNvSpPr>
-          <p:nvPr>
-            <p:ph idx="1"/>
-          </p:nvPr>
-        </p:nvSpPr>
-        <p:spPr/>
-        <p:txBody>
-          <a:bodyPr/>
-          <a:lstStyle/>
-          <a:p>
-            <a:r>
-              <a:rPr lang="zh-CN" altLang="en-US" dirty="0" smtClean="0"/>
-              <a:t>测试平台、测试工具开发、技术培训</a:t>
-            </a:r>
-          </a:p>
-          <a:p>
-            <a:endParaRPr lang="zh-CN" altLang="en-US" dirty="0" smtClean="0"/>
-          </a:p>
-          <a:p>
-            <a:r>
-              <a:rPr lang="zh-CN" altLang="en-US" dirty="0" smtClean="0"/>
-              <a:t>工作十二年：五年开发经验，七年的测试框架开发和自动化测试开发经验</a:t>
-            </a:r>
-          </a:p>
-          <a:p>
-            <a:endParaRPr lang="zh-CN" altLang="en-US" dirty="0" smtClean="0"/>
-          </a:p>
-          <a:p>
-            <a:r>
-              <a:rPr lang="zh-CN" altLang="en-US" dirty="0" smtClean="0"/>
-              <a:t>开发语言：</a:t>
-            </a:r>
-            <a:r>
-              <a:rPr lang="en-US" altLang="zh-CN" dirty="0" smtClean="0"/>
-              <a:t>C++</a:t>
-            </a:r>
-            <a:r>
-              <a:rPr lang="zh-CN" altLang="en-US" dirty="0" smtClean="0"/>
-              <a:t>、</a:t>
-            </a:r>
-            <a:r>
-              <a:rPr lang="en-US" altLang="zh-CN" dirty="0" smtClean="0"/>
-              <a:t>Java</a:t>
-            </a:r>
-            <a:r>
-              <a:rPr lang="zh-CN" altLang="en-US" dirty="0" smtClean="0"/>
-              <a:t>、</a:t>
-            </a:r>
-            <a:r>
-              <a:rPr lang="en-US" altLang="zh-CN" dirty="0" smtClean="0"/>
-              <a:t>Python</a:t>
-            </a:r>
-            <a:r>
-              <a:rPr lang="zh-CN" altLang="en-US" dirty="0" smtClean="0"/>
-              <a:t>、</a:t>
-            </a:r>
-            <a:r>
-              <a:rPr lang="en-US" altLang="zh-CN" dirty="0" smtClean="0"/>
-              <a:t>C#</a:t>
-            </a:r>
-            <a:r>
-              <a:rPr lang="zh-CN" altLang="en-US" dirty="0" smtClean="0"/>
-              <a:t>、</a:t>
-            </a:r>
-            <a:r>
-              <a:rPr lang="en-US" altLang="zh-CN" dirty="0" err="1" smtClean="0"/>
-              <a:t>NodeJS</a:t>
-            </a:r>
-            <a:endParaRPr lang="zh-CN" altLang="en-US" dirty="0" smtClean="0"/>
-          </a:p>
-          <a:p>
-            <a:endParaRPr lang="zh-CN" altLang="en-US" dirty="0" smtClean="0"/>
-          </a:p>
-          <a:p>
-            <a:r>
-              <a:rPr lang="zh-CN" altLang="en-US" dirty="0" smtClean="0"/>
-              <a:t>爱好运动：跑步</a:t>
-            </a:r>
-            <a:r>
-              <a:rPr lang="zh-CN" altLang="en-US" dirty="0"/>
-              <a:t>、</a:t>
-            </a:r>
-            <a:r>
-              <a:rPr lang="zh-CN" altLang="en-US" dirty="0" smtClean="0"/>
-              <a:t>打球、游泳、户外</a:t>
             </a:r>
             <a:endParaRPr lang="en-US" dirty="0"/>
           </a:p>
@@ -15833,7 +16059,7 @@
           <p:cNvPr id="10" name="Rectangle 9">
             <a:extLst>
               <a:ext uri="{FF2B5EF4-FFF2-40B4-BE49-F238E27FC236}">
-                <a16:creationId xmlns:a16="http://schemas.microsoft.com/office/drawing/2014/main" xmlns="" id="{08E89D5E-1885-4160-AC77-CC471DD1D0DB}"/>
+                <a16:creationId xmlns="" xmlns:a16="http://schemas.microsoft.com/office/drawing/2014/main" id="{08E89D5E-1885-4160-AC77-CC471DD1D0DB}"/>
               </a:ext>
             </a:extLst>
           </p:cNvPr>
@@ -15843,7 +16069,7 @@
           <p:nvPr>
             <p:extLst>
               <p:ext uri="{386F3935-93C4-4BCD-93E2-E3B085C9AB24}">
-                <p16:designElem xmlns:p16="http://schemas.microsoft.com/office/powerpoint/2015/main" xmlns="" val="1"/>
+                <p16:designElem xmlns="" xmlns:p16="http://schemas.microsoft.com/office/powerpoint/2015/main" val="1"/>
               </p:ext>
             </p:extLst>
           </p:nvPr>
@@ -15890,7 +16116,7 @@
           <p:cNvPr id="12" name="Straight Connector 11">
             <a:extLst>
               <a:ext uri="{FF2B5EF4-FFF2-40B4-BE49-F238E27FC236}">
-                <a16:creationId xmlns:a16="http://schemas.microsoft.com/office/drawing/2014/main" xmlns="" id="{550D2BD1-98F9-412D-905B-3A843EF4078B}"/>
+                <a16:creationId xmlns="" xmlns:a16="http://schemas.microsoft.com/office/drawing/2014/main" id="{550D2BD1-98F9-412D-905B-3A843EF4078B}"/>
               </a:ext>
             </a:extLst>
           </p:cNvPr>
@@ -15900,7 +16126,7 @@
           <p:nvPr>
             <p:extLst>
               <p:ext uri="{386F3935-93C4-4BCD-93E2-E3B085C9AB24}">
-                <p16:designElem xmlns:p16="http://schemas.microsoft.com/office/powerpoint/2015/main" xmlns="" val="1"/>
+                <p16:designElem xmlns="" xmlns:p16="http://schemas.microsoft.com/office/powerpoint/2015/main" val="1"/>
               </p:ext>
             </p:extLst>
           </p:nvPr>
@@ -16047,7 +16273,7 @@
       </p:grpSpPr>
       <p:sp>
         <p:nvSpPr>
-          <p:cNvPr id="2" name="Title 1"/>
+          <p:cNvPr id="2" name="标题 1"/>
           <p:cNvSpPr>
             <a:spLocks noGrp="1"/>
           </p:cNvSpPr>
@@ -16055,9 +16281,16 @@
             <p:ph type="title"/>
           </p:nvPr>
         </p:nvSpPr>
-        <p:spPr/>
+        <p:spPr>
+          <a:xfrm>
+            <a:off x="838200" y="365125"/>
+            <a:ext cx="10515600" cy="1325563"/>
+          </a:xfrm>
+        </p:spPr>
         <p:txBody>
-          <a:bodyPr/>
+          <a:bodyPr>
+            <a:normAutofit/>
+          </a:bodyPr>
           <a:lstStyle/>
           <a:p>
             <a:r>
@@ -16074,165 +16307,41 @@
             </a:r>
             <a:r>
               <a:rPr lang="zh-CN" altLang="en-US" dirty="0" smtClean="0"/>
-              <a:t>功能介绍 </a:t>
-            </a:r>
-            <a:endParaRPr lang="en-US" dirty="0"/>
+              <a:t>主要功能介绍 </a:t>
+            </a:r>
+            <a:endParaRPr lang="zh-CN" altLang="en-US" dirty="0"/>
           </a:p>
         </p:txBody>
       </p:sp>
-      <p:sp>
-        <p:nvSpPr>
-          <p:cNvPr id="3" name="Content Placeholder 2"/>
-          <p:cNvSpPr>
-            <a:spLocks noGrp="1"/>
-          </p:cNvSpPr>
+      <p:graphicFrame>
+        <p:nvGraphicFramePr>
+          <p:cNvPr id="16" name="内容占位符 2"/>
+          <p:cNvGraphicFramePr>
+            <a:graphicFrameLocks noGrp="1"/>
+          </p:cNvGraphicFramePr>
           <p:nvPr>
             <p:ph idx="1"/>
+            <p:extLst>
+              <p:ext uri="{D42A27DB-BD31-4B8C-83A1-F6EECF244321}">
+                <p14:modId xmlns:p14="http://schemas.microsoft.com/office/powerpoint/2010/main" val="282835595"/>
+              </p:ext>
+            </p:extLst>
           </p:nvPr>
-        </p:nvSpPr>
-        <p:spPr/>
-        <p:txBody>
-          <a:bodyPr>
-            <a:normAutofit lnSpcReduction="10000"/>
-          </a:bodyPr>
-          <a:lstStyle/>
-          <a:p>
-            <a:r>
-              <a:rPr lang="en-US" dirty="0" smtClean="0"/>
-              <a:t>支持</a:t>
-            </a:r>
-            <a:r>
-              <a:rPr lang="zh-CN" altLang="en-US" dirty="0" smtClean="0"/>
-              <a:t> </a:t>
-            </a:r>
-            <a:r>
-              <a:rPr lang="en-US" dirty="0" smtClean="0"/>
-              <a:t>And</a:t>
-            </a:r>
-            <a:r>
-              <a:rPr lang="en-US" altLang="zh-CN" dirty="0" smtClean="0"/>
-              <a:t>r</a:t>
-            </a:r>
-            <a:r>
-              <a:rPr lang="en-US" dirty="0" smtClean="0"/>
-              <a:t>oid/iOS</a:t>
-            </a:r>
-            <a:endParaRPr lang="zh-CN" altLang="en-US" dirty="0" smtClean="0"/>
-          </a:p>
-          <a:p>
-            <a:r>
-              <a:rPr lang="en-US" altLang="zh-CN" dirty="0" smtClean="0"/>
-              <a:t>UI</a:t>
-            </a:r>
-            <a:r>
-              <a:rPr lang="zh-CN" altLang="en-US" dirty="0" smtClean="0"/>
-              <a:t>元素遍历</a:t>
-            </a:r>
-            <a:r>
-              <a:rPr lang="en-US" altLang="zh-CN" dirty="0" smtClean="0"/>
-              <a:t>(</a:t>
-            </a:r>
-            <a:r>
-              <a:rPr lang="zh-CN" altLang="en-US" dirty="0" smtClean="0"/>
-              <a:t>深度优先</a:t>
-            </a:r>
-            <a:r>
-              <a:rPr lang="en-US" altLang="zh-CN" dirty="0" smtClean="0"/>
-              <a:t>)</a:t>
-            </a:r>
-            <a:endParaRPr lang="zh-CN" altLang="en-US" dirty="0" smtClean="0"/>
-          </a:p>
-          <a:p>
-            <a:r>
-              <a:rPr lang="en-US" altLang="zh-CN" dirty="0" smtClean="0"/>
-              <a:t>Monkey</a:t>
-            </a:r>
-            <a:r>
-              <a:rPr lang="zh-CN" altLang="en-US" dirty="0" smtClean="0"/>
-              <a:t>功能</a:t>
-            </a:r>
-          </a:p>
-          <a:p>
-            <a:r>
-              <a:rPr lang="zh-CN" altLang="en-US" dirty="0" smtClean="0"/>
-              <a:t>每次点击都会生一个一截图，并以红点标注位置</a:t>
-            </a:r>
-          </a:p>
-          <a:p>
-            <a:r>
-              <a:rPr lang="zh-CN" altLang="en-US" dirty="0" smtClean="0"/>
-              <a:t>生成测试视频，方便查看复现步骤</a:t>
-            </a:r>
-          </a:p>
-          <a:p>
-            <a:r>
-              <a:rPr lang="zh-CN" altLang="en-US" dirty="0" smtClean="0"/>
-              <a:t>测试报告</a:t>
-            </a:r>
-          </a:p>
-          <a:p>
-            <a:r>
-              <a:rPr lang="zh-CN" altLang="en-US" dirty="0" smtClean="0"/>
-              <a:t>当检查到</a:t>
-            </a:r>
-            <a:r>
-              <a:rPr lang="en-US" altLang="zh-CN" dirty="0" smtClean="0"/>
-              <a:t>Crash</a:t>
-            </a:r>
-            <a:r>
-              <a:rPr lang="zh-CN" altLang="en-US" dirty="0" smtClean="0"/>
-              <a:t>时，为每个</a:t>
-            </a:r>
-            <a:r>
-              <a:rPr lang="en-US" altLang="zh-CN" dirty="0" smtClean="0"/>
-              <a:t>Crash</a:t>
-            </a:r>
-            <a:r>
-              <a:rPr lang="zh-CN" altLang="en-US" dirty="0" smtClean="0"/>
-              <a:t>提供单独的操作步骤截图和</a:t>
-            </a:r>
-            <a:r>
-              <a:rPr lang="en-US" altLang="zh-CN" dirty="0" smtClean="0"/>
-              <a:t>mp4</a:t>
-            </a:r>
-            <a:r>
-              <a:rPr lang="zh-CN" altLang="en-US" dirty="0" smtClean="0"/>
-              <a:t>格式的视频文件</a:t>
-            </a:r>
-          </a:p>
-          <a:p>
-            <a:r>
-              <a:rPr lang="en-US" altLang="zh-CN" dirty="0"/>
-              <a:t>https://</a:t>
-            </a:r>
-            <a:r>
-              <a:rPr lang="en-US" altLang="zh-CN" dirty="0" err="1"/>
-              <a:t>github.com</a:t>
-            </a:r>
-            <a:r>
-              <a:rPr lang="en-US" altLang="zh-CN" dirty="0"/>
-              <a:t>/</a:t>
-            </a:r>
-            <a:r>
-              <a:rPr lang="en-US" altLang="zh-CN" dirty="0" err="1"/>
-              <a:t>lgxqf</a:t>
-            </a:r>
-            <a:r>
-              <a:rPr lang="en-US" altLang="zh-CN" dirty="0"/>
-              <a:t>/</a:t>
-            </a:r>
-            <a:r>
-              <a:rPr lang="en-US" altLang="zh-CN" dirty="0" err="1"/>
-              <a:t>UICrawler</a:t>
-            </a:r>
-            <a:endParaRPr lang="zh-CN" altLang="en-US" dirty="0" smtClean="0"/>
-          </a:p>
-        </p:txBody>
-      </p:sp>
+        </p:nvGraphicFramePr>
+        <p:xfrm>
+          <a:off x="838200" y="1825625"/>
+          <a:ext cx="10515600" cy="4351338"/>
+        </p:xfrm>
+        <a:graphic>
+          <a:graphicData uri="http://schemas.openxmlformats.org/drawingml/2006/diagram">
+            <dgm:relIds xmlns:dgm="http://schemas.openxmlformats.org/drawingml/2006/diagram" xmlns:r="http://schemas.openxmlformats.org/officeDocument/2006/relationships" r:dm="rId3" r:lo="rId4" r:qs="rId5" r:cs="rId6"/>
+          </a:graphicData>
+        </a:graphic>
+      </p:graphicFrame>
     </p:spTree>
     <p:extLst>
       <p:ext uri="{BB962C8B-B14F-4D97-AF65-F5344CB8AC3E}">
-        <p14:creationId xmlns:p14="http://schemas.microsoft.com/office/powerpoint/2010/main" val="97488420"/>
+        <p14:creationId xmlns:p14="http://schemas.microsoft.com/office/powerpoint/2010/main" val="324786281"/>
       </p:ext>
     </p:extLst>
   </p:cSld>
@@ -16261,107 +16370,10 @@
       </p:grpSpPr>
       <p:sp>
         <p:nvSpPr>
-          <p:cNvPr id="2" name="标题 1"/>
-          <p:cNvSpPr>
-            <a:spLocks noGrp="1"/>
-          </p:cNvSpPr>
-          <p:nvPr>
-            <p:ph type="title"/>
-          </p:nvPr>
-        </p:nvSpPr>
-        <p:spPr>
-          <a:xfrm>
-            <a:off x="838200" y="365125"/>
-            <a:ext cx="10515600" cy="1325563"/>
-          </a:xfrm>
-        </p:spPr>
-        <p:txBody>
-          <a:bodyPr>
-            <a:normAutofit/>
-          </a:bodyPr>
-          <a:lstStyle/>
-          <a:p>
-            <a:r>
-              <a:rPr lang="en-US" altLang="zh-CN" dirty="0" smtClean="0"/>
-              <a:t>UI</a:t>
-            </a:r>
-            <a:r>
-              <a:rPr lang="zh-CN" altLang="en-US" dirty="0" smtClean="0"/>
-              <a:t> </a:t>
-            </a:r>
-            <a:r>
-              <a:rPr lang="en-US" altLang="zh-CN" dirty="0" smtClean="0"/>
-              <a:t>Crawler</a:t>
-            </a:r>
-            <a:r>
-              <a:rPr lang="zh-CN" altLang="en-US" dirty="0" smtClean="0"/>
-              <a:t>主要功能介绍 </a:t>
-            </a:r>
-            <a:endParaRPr lang="zh-CN" altLang="en-US" dirty="0"/>
-          </a:p>
-        </p:txBody>
-      </p:sp>
-      <p:graphicFrame>
-        <p:nvGraphicFramePr>
-          <p:cNvPr id="16" name="内容占位符 2"/>
-          <p:cNvGraphicFramePr>
-            <a:graphicFrameLocks noGrp="1"/>
-          </p:cNvGraphicFramePr>
-          <p:nvPr>
-            <p:ph idx="1"/>
-            <p:extLst>
-              <p:ext uri="{D42A27DB-BD31-4B8C-83A1-F6EECF244321}">
-                <p14:modId xmlns:p14="http://schemas.microsoft.com/office/powerpoint/2010/main" val="443588764"/>
-              </p:ext>
-            </p:extLst>
-          </p:nvPr>
-        </p:nvGraphicFramePr>
-        <p:xfrm>
-          <a:off x="838200" y="1825625"/>
-          <a:ext cx="10515600" cy="4351338"/>
-        </p:xfrm>
-        <a:graphic>
-          <a:graphicData uri="http://schemas.openxmlformats.org/drawingml/2006/diagram">
-            <dgm:relIds xmlns:dgm="http://schemas.openxmlformats.org/drawingml/2006/diagram" xmlns:r="http://schemas.openxmlformats.org/officeDocument/2006/relationships" r:dm="rId3" r:lo="rId4" r:qs="rId5" r:cs="rId6"/>
-          </a:graphicData>
-        </a:graphic>
-      </p:graphicFrame>
-    </p:spTree>
-    <p:extLst>
-      <p:ext uri="{BB962C8B-B14F-4D97-AF65-F5344CB8AC3E}">
-        <p14:creationId xmlns:p14="http://schemas.microsoft.com/office/powerpoint/2010/main" val="324786281"/>
-      </p:ext>
-    </p:extLst>
-  </p:cSld>
-  <p:clrMapOvr>
-    <a:masterClrMapping/>
-  </p:clrMapOvr>
-</p:sld>
-</file>
-
-<file path=ppt/slides/slide6.xml><?xml version="1.0" encoding="utf-8"?>
-<p:sld xmlns:a="http://schemas.openxmlformats.org/drawingml/2006/main" xmlns:r="http://schemas.openxmlformats.org/officeDocument/2006/relationships" xmlns:p="http://schemas.openxmlformats.org/presentationml/2006/main">
-  <p:cSld>
-    <p:spTree>
-      <p:nvGrpSpPr>
-        <p:cNvPr id="1" name=""/>
-        <p:cNvGrpSpPr/>
-        <p:nvPr/>
-      </p:nvGrpSpPr>
-      <p:grpSpPr>
-        <a:xfrm>
-          <a:off x="0" y="0"/>
-          <a:ext cx="0" cy="0"/>
-          <a:chOff x="0" y="0"/>
-          <a:chExt cx="0" cy="0"/>
-        </a:xfrm>
-      </p:grpSpPr>
-      <p:sp>
-        <p:nvSpPr>
           <p:cNvPr id="12" name="Rectangle 6">
             <a:extLst>
               <a:ext uri="{FF2B5EF4-FFF2-40B4-BE49-F238E27FC236}">
-                <a16:creationId xmlns:a16="http://schemas.microsoft.com/office/drawing/2014/main" xmlns="" id="{FEF4E260-B79D-41D8-90EB-C84807CD77EC}"/>
+                <a16:creationId xmlns="" xmlns:a16="http://schemas.microsoft.com/office/drawing/2014/main" id="{FEF4E260-B79D-41D8-90EB-C84807CD77EC}"/>
               </a:ext>
             </a:extLst>
           </p:cNvPr>
@@ -16371,7 +16383,7 @@
           <p:nvPr>
             <p:extLst>
               <p:ext uri="{386F3935-93C4-4BCD-93E2-E3B085C9AB24}">
-                <p16:designElem xmlns:p16="http://schemas.microsoft.com/office/powerpoint/2015/main" xmlns="" val="1"/>
+                <p16:designElem xmlns="" xmlns:p16="http://schemas.microsoft.com/office/powerpoint/2015/main" val="1"/>
               </p:ext>
             </p:extLst>
           </p:nvPr>
@@ -16414,12 +16426,637 @@
           </a:p>
         </p:txBody>
       </p:sp>
+      <p:sp>
+        <p:nvSpPr>
+          <p:cNvPr id="11" name="Rectangle 10">
+            <a:extLst>
+              <a:ext uri="{FF2B5EF4-FFF2-40B4-BE49-F238E27FC236}">
+                <a16:creationId xmlns="" xmlns:a16="http://schemas.microsoft.com/office/drawing/2014/main" id="{241208F6-8B1C-4098-9388-150BC8E447B2}"/>
+              </a:ext>
+            </a:extLst>
+          </p:cNvPr>
+          <p:cNvSpPr>
+            <a:spLocks noGrp="1" noRot="1" noChangeAspect="1" noMove="1" noResize="1" noEditPoints="1" noAdjustHandles="1" noChangeArrowheads="1" noChangeShapeType="1" noTextEdit="1"/>
+          </p:cNvSpPr>
+          <p:nvPr>
+            <p:extLst>
+              <p:ext uri="{386F3935-93C4-4BCD-93E2-E3B085C9AB24}">
+                <p16:designElem xmlns="" xmlns:p16="http://schemas.microsoft.com/office/powerpoint/2015/main" val="1"/>
+              </p:ext>
+            </p:extLst>
+          </p:nvPr>
+        </p:nvSpPr>
+        <p:spPr>
+          <a:xfrm>
+            <a:off x="7851452" y="476778"/>
+            <a:ext cx="3864383" cy="5920653"/>
+          </a:xfrm>
+          <a:prstGeom prst="rect">
+            <a:avLst/>
+          </a:prstGeom>
+          <a:solidFill>
+            <a:schemeClr val="bg2">
+              <a:lumMod val="90000"/>
+            </a:schemeClr>
+          </a:solidFill>
+          <a:ln>
+            <a:noFill/>
+          </a:ln>
+        </p:spPr>
+        <p:style>
+          <a:lnRef idx="2">
+            <a:schemeClr val="accent1">
+              <a:shade val="50000"/>
+            </a:schemeClr>
+          </a:lnRef>
+          <a:fillRef idx="1">
+            <a:schemeClr val="accent1"/>
+          </a:fillRef>
+          <a:effectRef idx="0">
+            <a:schemeClr val="accent1"/>
+          </a:effectRef>
+          <a:fontRef idx="minor">
+            <a:schemeClr val="lt1"/>
+          </a:fontRef>
+        </p:style>
+        <p:txBody>
+          <a:bodyPr rtlCol="0" anchor="ctr"/>
+          <a:lstStyle/>
+          <a:p>
+            <a:pPr algn="ctr"/>
+            <a:endParaRPr lang="en-US"/>
+          </a:p>
+        </p:txBody>
+      </p:sp>
+      <p:sp>
+        <p:nvSpPr>
+          <p:cNvPr id="4" name="TextBox 3"/>
+          <p:cNvSpPr txBox="1"/>
+          <p:nvPr/>
+        </p:nvSpPr>
+        <p:spPr>
+          <a:xfrm>
+            <a:off x="680759" y="567786"/>
+            <a:ext cx="7009826" cy="5693866"/>
+          </a:xfrm>
+          <a:prstGeom prst="rect">
+            <a:avLst/>
+          </a:prstGeom>
+          <a:noFill/>
+        </p:spPr>
+        <p:txBody>
+          <a:bodyPr wrap="square" rtlCol="0">
+            <a:spAutoFit/>
+          </a:bodyPr>
+          <a:lstStyle/>
+          <a:p>
+            <a:pPr marL="457200" indent="-457200">
+              <a:buFont typeface="Arial" charset="0"/>
+              <a:buChar char="•"/>
+            </a:pPr>
+            <a:r>
+              <a:rPr lang="zh-CN" altLang="en-US" sz="2800" dirty="0">
+                <a:solidFill>
+                  <a:schemeClr val="bg1"/>
+                </a:solidFill>
+              </a:rPr>
+              <a:t>基于深度优先的原则点击</a:t>
+            </a:r>
+            <a:r>
+              <a:rPr lang="en-US" altLang="zh-CN" sz="2800" dirty="0">
+                <a:solidFill>
+                  <a:schemeClr val="bg1"/>
+                </a:solidFill>
+              </a:rPr>
+              <a:t>UI</a:t>
+            </a:r>
+            <a:r>
+              <a:rPr lang="zh-CN" altLang="en-US" sz="2800" dirty="0">
+                <a:solidFill>
+                  <a:schemeClr val="bg1"/>
+                </a:solidFill>
+              </a:rPr>
+              <a:t>上的</a:t>
+            </a:r>
+            <a:r>
+              <a:rPr lang="zh-CN" altLang="en-US" sz="2800" dirty="0" smtClean="0">
+                <a:solidFill>
+                  <a:schemeClr val="bg1"/>
+                </a:solidFill>
+              </a:rPr>
+              <a:t>元素</a:t>
+            </a:r>
+          </a:p>
+          <a:p>
+            <a:pPr marL="457200" indent="-457200">
+              <a:buFont typeface="Arial" charset="0"/>
+              <a:buChar char="•"/>
+            </a:pPr>
+            <a:endParaRPr lang="zh-CN" altLang="en-US" sz="2800" dirty="0" smtClean="0">
+              <a:solidFill>
+                <a:schemeClr val="bg1"/>
+              </a:solidFill>
+            </a:endParaRPr>
+          </a:p>
+          <a:p>
+            <a:pPr marL="457200" indent="-457200">
+              <a:buFont typeface="Arial" charset="0"/>
+              <a:buChar char="•"/>
+            </a:pPr>
+            <a:r>
+              <a:rPr lang="zh-CN" altLang="en-US" sz="2800" dirty="0" smtClean="0">
+                <a:solidFill>
+                  <a:schemeClr val="bg1"/>
+                </a:solidFill>
+              </a:rPr>
+              <a:t>支持</a:t>
+            </a:r>
+            <a:r>
+              <a:rPr lang="zh-CN" altLang="en-US" sz="2800" dirty="0">
+                <a:solidFill>
+                  <a:schemeClr val="bg1"/>
+                </a:solidFill>
+              </a:rPr>
+              <a:t>对输入框</a:t>
+            </a:r>
+            <a:r>
+              <a:rPr lang="zh-CN" altLang="en-US" sz="2800" dirty="0" smtClean="0">
+                <a:solidFill>
+                  <a:schemeClr val="bg1"/>
+                </a:solidFill>
+              </a:rPr>
+              <a:t>的输入</a:t>
+            </a:r>
+            <a:r>
+              <a:rPr lang="zh-CN" altLang="en-US" sz="2800" dirty="0" smtClean="0">
+                <a:solidFill>
+                  <a:schemeClr val="bg1"/>
+                </a:solidFill>
+              </a:rPr>
+              <a:t>文本</a:t>
+            </a:r>
+            <a:r>
+              <a:rPr lang="en-US" altLang="zh-CN" sz="2800" dirty="0" smtClean="0">
+                <a:solidFill>
+                  <a:schemeClr val="bg1"/>
+                </a:solidFill>
+              </a:rPr>
+              <a:t>(</a:t>
+            </a:r>
+            <a:r>
+              <a:rPr lang="zh-CN" altLang="en-US" sz="2800" dirty="0" smtClean="0">
+                <a:solidFill>
+                  <a:schemeClr val="bg1"/>
+                </a:solidFill>
+              </a:rPr>
+              <a:t>见配置项</a:t>
+            </a:r>
+            <a:r>
+              <a:rPr lang="zh-CN" altLang="en-US" sz="2800" dirty="0" smtClean="0">
+                <a:solidFill>
+                  <a:schemeClr val="bg1"/>
+                </a:solidFill>
+              </a:rPr>
+              <a:t> </a:t>
+            </a:r>
+            <a:r>
+              <a:rPr lang="en-US" altLang="zh-CN" sz="2800" dirty="0" smtClean="0">
+                <a:solidFill>
+                  <a:schemeClr val="bg1"/>
+                </a:solidFill>
+              </a:rPr>
+              <a:t>INPUT_TEXT_LIST)</a:t>
+            </a:r>
+            <a:endParaRPr lang="zh-CN" altLang="en-US" sz="2800" dirty="0" smtClean="0">
+              <a:solidFill>
+                <a:schemeClr val="bg1"/>
+              </a:solidFill>
+            </a:endParaRPr>
+          </a:p>
+          <a:p>
+            <a:pPr marL="457200" indent="-457200">
+              <a:buFont typeface="Arial" charset="0"/>
+              <a:buChar char="•"/>
+            </a:pPr>
+            <a:endParaRPr lang="zh-CN" altLang="en-US" sz="2800" dirty="0" smtClean="0">
+              <a:solidFill>
+                <a:schemeClr val="bg1"/>
+              </a:solidFill>
+            </a:endParaRPr>
+          </a:p>
+          <a:p>
+            <a:pPr marL="457200" indent="-457200">
+              <a:buFont typeface="Arial" charset="0"/>
+              <a:buChar char="•"/>
+            </a:pPr>
+            <a:r>
+              <a:rPr lang="zh-CN" altLang="en-US" sz="2800" dirty="0" smtClean="0">
+                <a:solidFill>
+                  <a:schemeClr val="bg1"/>
+                </a:solidFill>
+              </a:rPr>
+              <a:t>统计</a:t>
+            </a:r>
+            <a:r>
+              <a:rPr lang="zh-CN" altLang="en-US" sz="2800" dirty="0">
+                <a:solidFill>
+                  <a:schemeClr val="bg1"/>
+                </a:solidFill>
+              </a:rPr>
+              <a:t>每个</a:t>
+            </a:r>
+            <a:r>
+              <a:rPr lang="en-US" altLang="zh-CN" sz="2800" dirty="0">
+                <a:solidFill>
+                  <a:schemeClr val="bg1"/>
+                </a:solidFill>
+              </a:rPr>
+              <a:t>Activity</a:t>
+            </a:r>
+            <a:r>
+              <a:rPr lang="zh-CN" altLang="en-US" sz="2800" dirty="0">
+                <a:solidFill>
+                  <a:schemeClr val="bg1"/>
+                </a:solidFill>
+              </a:rPr>
+              <a:t>点击数量</a:t>
+            </a:r>
+            <a:r>
+              <a:rPr lang="en-US" altLang="zh-CN" sz="2800" dirty="0">
+                <a:solidFill>
+                  <a:schemeClr val="bg1"/>
+                </a:solidFill>
+              </a:rPr>
+              <a:t>(Android</a:t>
+            </a:r>
+            <a:r>
+              <a:rPr lang="en-US" altLang="zh-CN" sz="2800" dirty="0" smtClean="0">
+                <a:solidFill>
+                  <a:schemeClr val="bg1"/>
+                </a:solidFill>
+              </a:rPr>
+              <a:t>)</a:t>
+            </a:r>
+            <a:endParaRPr lang="zh-CN" altLang="en-US" sz="2800" dirty="0" smtClean="0">
+              <a:solidFill>
+                <a:schemeClr val="bg1"/>
+              </a:solidFill>
+            </a:endParaRPr>
+          </a:p>
+          <a:p>
+            <a:pPr marL="457200" indent="-457200">
+              <a:buFont typeface="Arial" charset="0"/>
+              <a:buChar char="•"/>
+            </a:pPr>
+            <a:endParaRPr lang="zh-CN" altLang="en-US" sz="2800" dirty="0" smtClean="0">
+              <a:solidFill>
+                <a:schemeClr val="bg1"/>
+              </a:solidFill>
+            </a:endParaRPr>
+          </a:p>
+          <a:p>
+            <a:pPr marL="457200" indent="-457200">
+              <a:buFont typeface="Arial" charset="0"/>
+              <a:buChar char="•"/>
+            </a:pPr>
+            <a:r>
+              <a:rPr lang="zh-CN" altLang="en-US" sz="2800" dirty="0" smtClean="0">
+                <a:solidFill>
+                  <a:schemeClr val="bg1"/>
+                </a:solidFill>
+              </a:rPr>
+              <a:t>支持</a:t>
+            </a:r>
+            <a:r>
+              <a:rPr lang="zh-CN" altLang="en-US" sz="2800" dirty="0">
+                <a:solidFill>
+                  <a:schemeClr val="bg1"/>
+                </a:solidFill>
+              </a:rPr>
+              <a:t>滑动</a:t>
+            </a:r>
+            <a:r>
+              <a:rPr lang="zh-CN" altLang="en-US" sz="2800" dirty="0" smtClean="0">
+                <a:solidFill>
+                  <a:schemeClr val="bg1"/>
+                </a:solidFill>
+              </a:rPr>
+              <a:t>动作</a:t>
+            </a:r>
+          </a:p>
+          <a:p>
+            <a:pPr marL="457200" indent="-457200">
+              <a:buFont typeface="Arial" charset="0"/>
+              <a:buChar char="•"/>
+            </a:pPr>
+            <a:endParaRPr lang="zh-CN" altLang="en-US" sz="2800" dirty="0" smtClean="0">
+              <a:solidFill>
+                <a:schemeClr val="bg1"/>
+              </a:solidFill>
+            </a:endParaRPr>
+          </a:p>
+          <a:p>
+            <a:pPr marL="457200" indent="-457200">
+              <a:buFont typeface="Arial" charset="0"/>
+              <a:buChar char="•"/>
+            </a:pPr>
+            <a:r>
+              <a:rPr lang="zh-CN" altLang="en-US" sz="2800" dirty="0" smtClean="0">
+                <a:solidFill>
+                  <a:schemeClr val="bg1"/>
+                </a:solidFill>
+              </a:rPr>
+              <a:t>支持</a:t>
+            </a:r>
+            <a:r>
+              <a:rPr lang="zh-CN" altLang="en-US" sz="2800" dirty="0">
+                <a:solidFill>
+                  <a:schemeClr val="bg1"/>
+                </a:solidFill>
+              </a:rPr>
+              <a:t>根据关键字和控件类型触发</a:t>
+            </a:r>
+            <a:r>
+              <a:rPr lang="en-US" altLang="zh-CN" sz="2800" dirty="0">
+                <a:solidFill>
+                  <a:schemeClr val="bg1"/>
+                </a:solidFill>
+              </a:rPr>
+              <a:t>Back </a:t>
+            </a:r>
+            <a:r>
+              <a:rPr lang="en-US" altLang="zh-CN" sz="2800" dirty="0" smtClean="0">
+                <a:solidFill>
+                  <a:schemeClr val="bg1"/>
+                </a:solidFill>
+              </a:rPr>
+              <a:t>key</a:t>
+            </a:r>
+            <a:endParaRPr lang="zh-CN" altLang="en-US" sz="2800" dirty="0" smtClean="0">
+              <a:solidFill>
+                <a:schemeClr val="bg1"/>
+              </a:solidFill>
+            </a:endParaRPr>
+          </a:p>
+          <a:p>
+            <a:pPr marL="457200" indent="-457200">
+              <a:buFont typeface="Arial" charset="0"/>
+              <a:buChar char="•"/>
+            </a:pPr>
+            <a:endParaRPr lang="zh-CN" altLang="en-US" sz="2800" dirty="0" smtClean="0">
+              <a:solidFill>
+                <a:schemeClr val="bg1"/>
+              </a:solidFill>
+            </a:endParaRPr>
+          </a:p>
+          <a:p>
+            <a:pPr marL="457200" indent="-457200">
+              <a:buFont typeface="Arial" charset="0"/>
+              <a:buChar char="•"/>
+            </a:pPr>
+            <a:r>
+              <a:rPr lang="en-US" altLang="zh-CN" sz="2800" dirty="0" smtClean="0">
+                <a:solidFill>
+                  <a:schemeClr val="bg1"/>
+                </a:solidFill>
+              </a:rPr>
+              <a:t>Android</a:t>
+            </a:r>
+            <a:r>
+              <a:rPr lang="zh-CN" altLang="en-US" sz="2800" dirty="0" smtClean="0">
+                <a:solidFill>
+                  <a:schemeClr val="bg1"/>
+                </a:solidFill>
+              </a:rPr>
+              <a:t>性能</a:t>
+            </a:r>
+            <a:r>
+              <a:rPr lang="zh-CN" altLang="en-US" sz="2800" dirty="0">
+                <a:solidFill>
+                  <a:schemeClr val="bg1"/>
+                </a:solidFill>
+              </a:rPr>
+              <a:t>数据收集</a:t>
+            </a:r>
+            <a:r>
+              <a:rPr lang="en-US" altLang="zh-CN" sz="2800" dirty="0">
+                <a:solidFill>
+                  <a:schemeClr val="bg1"/>
+                </a:solidFill>
+              </a:rPr>
+              <a:t>(</a:t>
+            </a:r>
+            <a:r>
+              <a:rPr lang="zh-CN" altLang="en-US" sz="2800" dirty="0">
+                <a:solidFill>
+                  <a:schemeClr val="bg1"/>
+                </a:solidFill>
+              </a:rPr>
+              <a:t>内存和</a:t>
+            </a:r>
+            <a:r>
+              <a:rPr lang="en-US" altLang="zh-CN" sz="2800" dirty="0">
+                <a:solidFill>
+                  <a:schemeClr val="bg1"/>
+                </a:solidFill>
+              </a:rPr>
+              <a:t>CPU</a:t>
+            </a:r>
+            <a:r>
+              <a:rPr lang="en-US" altLang="zh-CN" sz="2800" dirty="0" smtClean="0">
+                <a:solidFill>
+                  <a:schemeClr val="bg1"/>
+                </a:solidFill>
+              </a:rPr>
+              <a:t>)</a:t>
+            </a:r>
+            <a:r>
+              <a:rPr lang="zh-CN" altLang="en-US" sz="2800" dirty="0" smtClean="0">
+                <a:solidFill>
+                  <a:schemeClr val="bg1"/>
+                </a:solidFill>
+              </a:rPr>
+              <a:t>，</a:t>
+            </a:r>
+            <a:r>
+              <a:rPr lang="zh-CN" altLang="en-US" sz="2800" dirty="0" smtClean="0">
+                <a:solidFill>
+                  <a:schemeClr val="bg1"/>
+                </a:solidFill>
+              </a:rPr>
+              <a:t>并写入文件</a:t>
+            </a:r>
+            <a:endParaRPr lang="en-US" altLang="zh-CN" sz="2800" dirty="0">
+              <a:solidFill>
+                <a:schemeClr val="bg1"/>
+              </a:solidFill>
+            </a:endParaRPr>
+          </a:p>
+        </p:txBody>
+      </p:sp>
+      <p:sp>
+        <p:nvSpPr>
+          <p:cNvPr id="9" name="标题 1"/>
+          <p:cNvSpPr>
+            <a:spLocks noGrp="1"/>
+          </p:cNvSpPr>
+          <p:nvPr>
+            <p:ph type="title"/>
+          </p:nvPr>
+        </p:nvSpPr>
+        <p:spPr>
+          <a:xfrm>
+            <a:off x="8890000" y="2980267"/>
+            <a:ext cx="1886354" cy="868904"/>
+          </a:xfrm>
+          <a:noFill/>
+          <a:effectLst>
+            <a:outerShdw blurRad="50800" dist="50800" dir="5400000" algn="ctr" rotWithShape="0">
+              <a:schemeClr val="tx1"/>
+            </a:outerShdw>
+          </a:effectLst>
+        </p:spPr>
+        <p:txBody>
+          <a:bodyPr vert="horz" lIns="91440" tIns="45720" rIns="91440" bIns="45720" rtlCol="0" anchor="b">
+            <a:normAutofit/>
+          </a:bodyPr>
+          <a:lstStyle/>
+          <a:p>
+            <a:pPr algn="r"/>
+            <a:r>
+              <a:rPr lang="en-US" altLang="zh-CN" sz="4000" kern="1200" dirty="0" smtClean="0">
+                <a:solidFill>
+                  <a:schemeClr val="bg1"/>
+                </a:solidFill>
+                <a:latin typeface="+mj-lt"/>
+                <a:ea typeface="+mj-ea"/>
+                <a:cs typeface="+mj-cs"/>
+              </a:rPr>
+              <a:t>UI</a:t>
+            </a:r>
+            <a:r>
+              <a:rPr lang="zh-CN" altLang="en-US" sz="4000" kern="1200" dirty="0" smtClean="0">
+                <a:solidFill>
+                  <a:schemeClr val="bg1"/>
+                </a:solidFill>
+                <a:latin typeface="+mj-lt"/>
+                <a:ea typeface="+mj-ea"/>
+                <a:cs typeface="+mj-cs"/>
+              </a:rPr>
+              <a:t>遍历</a:t>
+            </a:r>
+            <a:endParaRPr lang="zh-CN" altLang="en-US" sz="4000" kern="1200" dirty="0">
+              <a:solidFill>
+                <a:schemeClr val="bg1"/>
+              </a:solidFill>
+              <a:latin typeface="+mj-lt"/>
+              <a:ea typeface="+mj-ea"/>
+              <a:cs typeface="+mj-cs"/>
+            </a:endParaRPr>
+          </a:p>
+        </p:txBody>
+      </p:sp>
+    </p:spTree>
+    <p:extLst>
+      <p:ext uri="{BB962C8B-B14F-4D97-AF65-F5344CB8AC3E}">
+        <p14:creationId xmlns:p14="http://schemas.microsoft.com/office/powerpoint/2010/main" val="1079183425"/>
+      </p:ext>
+    </p:extLst>
+  </p:cSld>
+  <p:clrMapOvr>
+    <a:masterClrMapping/>
+  </p:clrMapOvr>
+  <p:timing>
+    <p:tnLst>
+      <p:par>
+        <p:cTn id="1" dur="indefinite" restart="never" nodeType="tmRoot"/>
+      </p:par>
+    </p:tnLst>
+  </p:timing>
+</p:sld>
+</file>
+
+<file path=ppt/slides/slide6.xml><?xml version="1.0" encoding="utf-8"?>
+<p:sld xmlns:a="http://schemas.openxmlformats.org/drawingml/2006/main" xmlns:r="http://schemas.openxmlformats.org/officeDocument/2006/relationships" xmlns:p="http://schemas.openxmlformats.org/presentationml/2006/main">
+  <p:cSld>
+    <p:spTree>
+      <p:nvGrpSpPr>
+        <p:cNvPr id="1" name=""/>
+        <p:cNvGrpSpPr/>
+        <p:nvPr/>
+      </p:nvGrpSpPr>
+      <p:grpSpPr>
+        <a:xfrm>
+          <a:off x="0" y="0"/>
+          <a:ext cx="0" cy="0"/>
+          <a:chOff x="0" y="0"/>
+          <a:chExt cx="0" cy="0"/>
+        </a:xfrm>
+      </p:grpSpPr>
+      <p:sp>
+        <p:nvSpPr>
+          <p:cNvPr id="12" name="Rectangle 6">
+            <a:extLst>
+              <a:ext uri="{FF2B5EF4-FFF2-40B4-BE49-F238E27FC236}">
+                <a16:creationId xmlns="" xmlns:a16="http://schemas.microsoft.com/office/drawing/2014/main" id="{FEF4E260-B79D-41D8-90EB-C84807CD77EC}"/>
+              </a:ext>
+            </a:extLst>
+          </p:cNvPr>
+          <p:cNvSpPr>
+            <a:spLocks noGrp="1" noRot="1" noChangeAspect="1" noMove="1" noResize="1" noEditPoints="1" noAdjustHandles="1" noChangeArrowheads="1" noChangeShapeType="1" noTextEdit="1"/>
+          </p:cNvSpPr>
+          <p:nvPr>
+            <p:extLst>
+              <p:ext uri="{386F3935-93C4-4BCD-93E2-E3B085C9AB24}">
+                <p16:designElem xmlns="" xmlns:p16="http://schemas.microsoft.com/office/powerpoint/2015/main" val="1"/>
+              </p:ext>
+            </p:extLst>
+          </p:nvPr>
+        </p:nvSpPr>
+        <p:spPr>
+          <a:xfrm>
+            <a:off x="478135" y="476778"/>
+            <a:ext cx="7212450" cy="5920653"/>
+          </a:xfrm>
+          <a:prstGeom prst="rect">
+            <a:avLst/>
+          </a:prstGeom>
+          <a:solidFill>
+            <a:schemeClr val="accent1"/>
+          </a:solidFill>
+          <a:ln>
+            <a:noFill/>
+          </a:ln>
+        </p:spPr>
+        <p:style>
+          <a:lnRef idx="1">
+            <a:schemeClr val="accent1"/>
+          </a:lnRef>
+          <a:fillRef idx="3">
+            <a:schemeClr val="accent1"/>
+          </a:fillRef>
+          <a:effectRef idx="2">
+            <a:schemeClr val="accent1"/>
+          </a:effectRef>
+          <a:fontRef idx="minor">
+            <a:schemeClr val="lt1"/>
+          </a:fontRef>
+        </p:style>
+        <p:txBody>
+          <a:bodyPr rtlCol="0" anchor="ctr"/>
+          <a:lstStyle/>
+          <a:p>
+            <a:pPr algn="ctr"/>
+            <a:endParaRPr lang="en-US"/>
+          </a:p>
+        </p:txBody>
+      </p:sp>
       <p:cxnSp>
         <p:nvCxnSpPr>
           <p:cNvPr id="13" name="Straight Connector 8">
             <a:extLst>
               <a:ext uri="{FF2B5EF4-FFF2-40B4-BE49-F238E27FC236}">
-                <a16:creationId xmlns:a16="http://schemas.microsoft.com/office/drawing/2014/main" xmlns="" id="{0686AD50-C6DC-4D98-A467-9AC1F3C2D8D0}"/>
+                <a16:creationId xmlns="" xmlns:a16="http://schemas.microsoft.com/office/drawing/2014/main" id="{0686AD50-C6DC-4D98-A467-9AC1F3C2D8D0}"/>
               </a:ext>
             </a:extLst>
           </p:cNvPr>
@@ -16429,7 +17066,7 @@
           <p:nvPr>
             <p:extLst>
               <p:ext uri="{386F3935-93C4-4BCD-93E2-E3B085C9AB24}">
-                <p16:designElem xmlns:p16="http://schemas.microsoft.com/office/powerpoint/2015/main" xmlns="" val="1"/>
+                <p16:designElem xmlns="" xmlns:p16="http://schemas.microsoft.com/office/powerpoint/2015/main" val="1"/>
               </p:ext>
             </p:extLst>
           </p:nvPr>
@@ -16470,7 +17107,7 @@
           <p:cNvPr id="11" name="Rectangle 10">
             <a:extLst>
               <a:ext uri="{FF2B5EF4-FFF2-40B4-BE49-F238E27FC236}">
-                <a16:creationId xmlns:a16="http://schemas.microsoft.com/office/drawing/2014/main" xmlns="" id="{241208F6-8B1C-4098-9388-150BC8E447B2}"/>
+                <a16:creationId xmlns="" xmlns:a16="http://schemas.microsoft.com/office/drawing/2014/main" id="{241208F6-8B1C-4098-9388-150BC8E447B2}"/>
               </a:ext>
             </a:extLst>
           </p:cNvPr>
@@ -16480,7 +17117,7 @@
           <p:nvPr>
             <p:extLst>
               <p:ext uri="{386F3935-93C4-4BCD-93E2-E3B085C9AB24}">
-                <p16:designElem xmlns:p16="http://schemas.microsoft.com/office/powerpoint/2015/main" xmlns="" val="1"/>
+                <p16:designElem xmlns="" xmlns:p16="http://schemas.microsoft.com/office/powerpoint/2015/main" val="1"/>
               </p:ext>
             </p:extLst>
           </p:nvPr>
@@ -16539,9 +17176,14 @@
         </p:nvSpPr>
         <p:spPr>
           <a:xfrm>
-            <a:off x="8517466" y="2692400"/>
+            <a:off x="8594932" y="1987862"/>
             <a:ext cx="2377421" cy="1732506"/>
           </a:xfrm>
+          <a:effectLst>
+            <a:outerShdw blurRad="50800" dist="50800" dir="5400000" algn="ctr" rotWithShape="0">
+              <a:schemeClr val="tx1"/>
+            </a:outerShdw>
+          </a:effectLst>
         </p:spPr>
         <p:txBody>
           <a:bodyPr vert="horz" lIns="91440" tIns="45720" rIns="91440" bIns="45720" rtlCol="0" anchor="b">
@@ -16559,9 +17201,9 @@
                 <a:ea typeface="+mj-ea"/>
                 <a:cs typeface="+mj-cs"/>
               </a:rPr>
-              <a:t>元素遍历</a:t>
-            </a:r>
-            <a:br>
+              <a:t>深度</a:t>
+            </a:r>
+            <a:r>
               <a:rPr lang="zh-CN" altLang="en-US" sz="4000" kern="1200" dirty="0" smtClean="0">
                 <a:solidFill>
                   <a:srgbClr val="FFFFFF"/>
@@ -16570,17 +17212,7 @@
                 <a:ea typeface="+mj-ea"/>
                 <a:cs typeface="+mj-cs"/>
               </a:rPr>
-            </a:br>
-            <a:r>
-              <a:rPr lang="zh-CN" altLang="en-US" sz="4000" kern="1200" dirty="0" smtClean="0">
-                <a:solidFill>
-                  <a:srgbClr val="FFFFFF"/>
-                </a:solidFill>
-                <a:latin typeface="+mj-lt"/>
-                <a:ea typeface="+mj-ea"/>
-                <a:cs typeface="+mj-cs"/>
-              </a:rPr>
-              <a:t>深度优先</a:t>
+              <a:t>优先</a:t>
             </a:r>
             <a:endParaRPr lang="zh-CN" altLang="en-US" sz="4000" kern="1200" dirty="0">
               <a:solidFill>
@@ -16658,7 +17290,7 @@
           <p:cNvPr id="12" name="Rectangle 6">
             <a:extLst>
               <a:ext uri="{FF2B5EF4-FFF2-40B4-BE49-F238E27FC236}">
-                <a16:creationId xmlns:a16="http://schemas.microsoft.com/office/drawing/2014/main" xmlns="" id="{FEF4E260-B79D-41D8-90EB-C84807CD77EC}"/>
+                <a16:creationId xmlns="" xmlns:a16="http://schemas.microsoft.com/office/drawing/2014/main" id="{FEF4E260-B79D-41D8-90EB-C84807CD77EC}"/>
               </a:ext>
             </a:extLst>
           </p:cNvPr>
@@ -16668,7 +17300,7 @@
           <p:nvPr>
             <p:extLst>
               <p:ext uri="{386F3935-93C4-4BCD-93E2-E3B085C9AB24}">
-                <p16:designElem xmlns:p16="http://schemas.microsoft.com/office/powerpoint/2015/main" xmlns="" val="1"/>
+                <p16:designElem xmlns="" xmlns:p16="http://schemas.microsoft.com/office/powerpoint/2015/main" val="1"/>
               </p:ext>
             </p:extLst>
           </p:nvPr>
@@ -16716,7 +17348,7 @@
           <p:cNvPr id="11" name="Rectangle 10">
             <a:extLst>
               <a:ext uri="{FF2B5EF4-FFF2-40B4-BE49-F238E27FC236}">
-                <a16:creationId xmlns:a16="http://schemas.microsoft.com/office/drawing/2014/main" xmlns="" id="{241208F6-8B1C-4098-9388-150BC8E447B2}"/>
+                <a16:creationId xmlns="" xmlns:a16="http://schemas.microsoft.com/office/drawing/2014/main" id="{241208F6-8B1C-4098-9388-150BC8E447B2}"/>
               </a:ext>
             </a:extLst>
           </p:cNvPr>
@@ -16726,7 +17358,7 @@
           <p:nvPr>
             <p:extLst>
               <p:ext uri="{386F3935-93C4-4BCD-93E2-E3B085C9AB24}">
-                <p16:designElem xmlns:p16="http://schemas.microsoft.com/office/powerpoint/2015/main" xmlns="" val="1"/>
+                <p16:designElem xmlns="" xmlns:p16="http://schemas.microsoft.com/office/powerpoint/2015/main" val="1"/>
               </p:ext>
             </p:extLst>
           </p:nvPr>
@@ -16781,8 +17413,8 @@
         </p:nvSpPr>
         <p:spPr>
           <a:xfrm>
-            <a:off x="680759" y="1041037"/>
-            <a:ext cx="7009826" cy="2677656"/>
+            <a:off x="680759" y="590171"/>
+            <a:ext cx="7009826" cy="5693866"/>
           </a:xfrm>
           <a:prstGeom prst="rect">
             <a:avLst/>
@@ -16805,24 +17437,10 @@
                   <a:schemeClr val="bg1"/>
                 </a:solidFill>
               </a:rPr>
-              <a:t>随机</a:t>
-            </a:r>
-            <a:r>
-              <a:rPr lang="zh-CN" altLang="en-US" sz="2800" dirty="0">
-                <a:solidFill>
-                  <a:schemeClr val="bg1"/>
-                </a:solidFill>
-              </a:rPr>
-              <a:t>点击</a:t>
-            </a:r>
-          </a:p>
-          <a:p>
-            <a:pPr marL="457200" indent="-457200">
-              <a:buFont typeface="Arial" charset="0"/>
-              <a:buChar char="•"/>
-            </a:pPr>
-            <a:r>
-              <a:rPr lang="zh-CN" altLang="en-US" sz="2800" dirty="0">
+              <a:t>随机、</a:t>
+            </a:r>
+            <a:r>
+              <a:rPr lang="zh-CN" altLang="en-US" sz="2800" dirty="0" smtClean="0">
                 <a:solidFill>
                   <a:schemeClr val="bg1"/>
                 </a:solidFill>
@@ -16837,6 +17455,22 @@
               </a:rPr>
               <a:t>点击</a:t>
             </a:r>
+            <a:endParaRPr lang="zh-CN" altLang="en-US" sz="2800" dirty="0">
+              <a:solidFill>
+                <a:schemeClr val="bg1"/>
+              </a:solidFill>
+            </a:endParaRPr>
+          </a:p>
+          <a:p>
+            <a:pPr marL="457200" indent="-457200">
+              <a:buFont typeface="Arial" charset="0"/>
+              <a:buChar char="•"/>
+            </a:pPr>
+            <a:endParaRPr lang="zh-CN" altLang="en-US" sz="2800" dirty="0" smtClean="0">
+              <a:solidFill>
+                <a:schemeClr val="bg1"/>
+              </a:solidFill>
+            </a:endParaRPr>
           </a:p>
           <a:p>
             <a:pPr marL="457200" indent="-457200">
@@ -16881,6 +17515,17 @@
               <a:buFont typeface="Arial" charset="0"/>
               <a:buChar char="•"/>
             </a:pPr>
+            <a:endParaRPr lang="zh-CN" altLang="en-US" sz="2800" dirty="0" smtClean="0">
+              <a:solidFill>
+                <a:schemeClr val="bg1"/>
+              </a:solidFill>
+            </a:endParaRPr>
+          </a:p>
+          <a:p>
+            <a:pPr marL="457200" indent="-457200">
+              <a:buFont typeface="Arial" charset="0"/>
+              <a:buChar char="•"/>
+            </a:pPr>
             <a:r>
               <a:rPr lang="zh-CN" altLang="en-US" sz="2800" dirty="0" smtClean="0">
                 <a:solidFill>
@@ -16903,8 +17548,19 @@
               <a:buFont typeface="Arial" charset="0"/>
               <a:buChar char="•"/>
             </a:pPr>
-            <a:r>
-              <a:rPr lang="zh-CN" altLang="en-US" sz="2800" dirty="0">
+            <a:endParaRPr lang="zh-CN" altLang="en-US" sz="2800" dirty="0" smtClean="0">
+              <a:solidFill>
+                <a:schemeClr val="bg1"/>
+              </a:solidFill>
+            </a:endParaRPr>
+          </a:p>
+          <a:p>
+            <a:pPr marL="457200" indent="-457200">
+              <a:buFont typeface="Arial" charset="0"/>
+              <a:buChar char="•"/>
+            </a:pPr>
+            <a:r>
+              <a:rPr lang="zh-CN" altLang="en-US" sz="2800" dirty="0" smtClean="0">
                 <a:solidFill>
                   <a:schemeClr val="bg1"/>
                 </a:solidFill>
@@ -16941,12 +17597,102 @@
               <a:buFont typeface="Arial" charset="0"/>
               <a:buChar char="•"/>
             </a:pPr>
+            <a:endParaRPr lang="zh-CN" altLang="en-US" sz="2800" dirty="0" smtClean="0">
+              <a:solidFill>
+                <a:schemeClr val="bg1"/>
+              </a:solidFill>
+            </a:endParaRPr>
+          </a:p>
+          <a:p>
+            <a:pPr marL="457200" indent="-457200">
+              <a:buFont typeface="Arial" charset="0"/>
+              <a:buChar char="•"/>
+            </a:pPr>
             <a:r>
               <a:rPr lang="zh-CN" altLang="en-US" sz="2800" dirty="0" smtClean="0">
                 <a:solidFill>
                   <a:schemeClr val="bg1"/>
                 </a:solidFill>
               </a:rPr>
+              <a:t>通过</a:t>
+            </a:r>
+            <a:r>
+              <a:rPr lang="zh-CN" altLang="en-US" sz="2800" dirty="0">
+                <a:solidFill>
+                  <a:schemeClr val="bg1"/>
+                </a:solidFill>
+              </a:rPr>
+              <a:t>黑名单控制不想点击的</a:t>
+            </a:r>
+            <a:r>
+              <a:rPr lang="zh-CN" altLang="en-US" sz="2800" dirty="0" smtClean="0">
+                <a:solidFill>
+                  <a:schemeClr val="bg1"/>
+                </a:solidFill>
+              </a:rPr>
+              <a:t>区域</a:t>
+            </a:r>
+          </a:p>
+          <a:p>
+            <a:pPr marL="457200" indent="-457200">
+              <a:buFont typeface="Arial" charset="0"/>
+              <a:buChar char="•"/>
+            </a:pPr>
+            <a:endParaRPr lang="zh-CN" altLang="en-US" sz="2800" dirty="0" smtClean="0">
+              <a:solidFill>
+                <a:schemeClr val="bg1"/>
+              </a:solidFill>
+            </a:endParaRPr>
+          </a:p>
+          <a:p>
+            <a:pPr marL="457200" indent="-457200">
+              <a:buFont typeface="Arial" charset="0"/>
+              <a:buChar char="•"/>
+            </a:pPr>
+            <a:r>
+              <a:rPr lang="zh-CN" altLang="en-US" sz="2800" dirty="0" smtClean="0">
+                <a:solidFill>
+                  <a:schemeClr val="bg1"/>
+                </a:solidFill>
+              </a:rPr>
+              <a:t>手势</a:t>
+            </a:r>
+            <a:r>
+              <a:rPr lang="en-US" altLang="zh-CN" sz="2800" dirty="0" smtClean="0">
+                <a:solidFill>
+                  <a:schemeClr val="bg1"/>
+                </a:solidFill>
+              </a:rPr>
+              <a:t>:</a:t>
+            </a:r>
+            <a:r>
+              <a:rPr lang="zh-CN" altLang="en-US" sz="2800" dirty="0" smtClean="0">
+                <a:solidFill>
+                  <a:schemeClr val="bg1"/>
+                </a:solidFill>
+              </a:rPr>
+              <a:t> </a:t>
+            </a:r>
+            <a:r>
+              <a:rPr lang="zh-CN" altLang="en-US" sz="2800" dirty="0" smtClean="0">
+                <a:solidFill>
+                  <a:schemeClr val="bg1"/>
+                </a:solidFill>
+              </a:rPr>
+              <a:t>双击、双指放大、缩小、拖拽</a:t>
+            </a:r>
+          </a:p>
+          <a:p>
+            <a:pPr marL="457200" indent="-457200">
+              <a:buFont typeface="Arial" charset="0"/>
+              <a:buChar char="•"/>
+            </a:pPr>
+            <a:r>
+              <a:rPr lang="zh-CN" altLang="en-US" sz="2800" dirty="0">
+                <a:solidFill>
+                  <a:schemeClr val="bg1"/>
+                </a:solidFill>
+              </a:rPr>
               <a:t>重启</a:t>
             </a:r>
             <a:r>
@@ -16955,16 +17701,15 @@
                   <a:schemeClr val="bg1"/>
                 </a:solidFill>
               </a:rPr>
-              <a:t>A</a:t>
-            </a:r>
-            <a:r>
-              <a:rPr lang="en-US" altLang="zh-CN" sz="2800" dirty="0" smtClean="0">
-                <a:solidFill>
-                  <a:schemeClr val="bg1"/>
-                </a:solidFill>
-              </a:rPr>
-              <a:t>pp</a:t>
-            </a:r>
+              <a:t>App</a:t>
+            </a:r>
+            <a:endParaRPr lang="zh-CN" altLang="en-US" sz="2800" dirty="0">
+              <a:solidFill>
+                <a:schemeClr val="bg1"/>
+              </a:solidFill>
+            </a:endParaRPr>
+          </a:p>
+          <a:p>
             <a:endParaRPr lang="en-US" altLang="zh-CN" sz="2800" dirty="0">
               <a:solidFill>
                 <a:schemeClr val="bg1"/>
@@ -16988,6 +17733,11 @@
             <a:off x="8890000" y="2980267"/>
             <a:ext cx="1886354" cy="868904"/>
           </a:xfrm>
+          <a:effectLst>
+            <a:outerShdw blurRad="50800" dist="50800" dir="5400000" algn="ctr" rotWithShape="0">
+              <a:schemeClr val="tx1"/>
+            </a:outerShdw>
+          </a:effectLst>
         </p:spPr>
         <p:txBody>
           <a:bodyPr vert="horz" lIns="91440" tIns="45720" rIns="91440" bIns="45720" rtlCol="0" anchor="b">

--- a/doc/UICrawler.pptx
+++ b/doc/UICrawler.pptx
@@ -3110,21 +3110,13 @@
           </a:r>
           <a:r>
             <a:rPr lang="zh-CN" altLang="en-US" dirty="0" smtClean="0"/>
-            <a:t> 元素</a:t>
-          </a:r>
-          <a:r>
-            <a:rPr lang="zh-CN" altLang="en-US" dirty="0" smtClean="0"/>
-            <a:t>遍历</a:t>
+            <a:t> 元素遍历</a:t>
           </a:r>
         </a:p>
         <a:p>
           <a:r>
             <a:rPr lang="zh-CN" altLang="en-US" dirty="0" smtClean="0"/>
-            <a:t>深度优先原则</a:t>
-          </a:r>
-          <a:r>
-            <a:rPr lang="zh-CN" altLang="en-US" dirty="0" smtClean="0"/>
-            <a:t> </a:t>
+            <a:t>深度优先原则 </a:t>
           </a:r>
           <a:endParaRPr lang="en-US" dirty="0"/>
         </a:p>
@@ -5106,11 +5098,7 @@
           </a:r>
           <a:r>
             <a:rPr lang="zh-CN" altLang="en-US" sz="2600" kern="1200" dirty="0" smtClean="0"/>
-            <a:t> 元素</a:t>
-          </a:r>
-          <a:r>
-            <a:rPr lang="zh-CN" altLang="en-US" sz="2600" kern="1200" dirty="0" smtClean="0"/>
-            <a:t>遍历</a:t>
+            <a:t> 元素遍历</a:t>
           </a:r>
         </a:p>
         <a:p>
@@ -5127,11 +5115,7 @@
           </a:pPr>
           <a:r>
             <a:rPr lang="zh-CN" altLang="en-US" sz="2600" kern="1200" dirty="0" smtClean="0"/>
-            <a:t>深度优先原则</a:t>
-          </a:r>
-          <a:r>
-            <a:rPr lang="zh-CN" altLang="en-US" sz="2600" kern="1200" dirty="0" smtClean="0"/>
-            <a:t> </a:t>
+            <a:t>深度优先原则 </a:t>
           </a:r>
           <a:endParaRPr lang="en-US" sz="2600" kern="1200" dirty="0"/>
         </a:p>
@@ -6808,7 +6792,7 @@
   </dgm:layoutNode>
   <dgm:extLst>
     <a:ext uri="{4F341089-5ED1-44EC-B178-C955D00A3D55}">
-      <dgm1611:autoBuNodeInfoLst xmlns:dgm1611="http://schemas.microsoft.com/office/drawing/2016/11/diagram" xmlns="">
+      <dgm1611:autoBuNodeInfoLst xmlns="" xmlns:dgm1611="http://schemas.microsoft.com/office/drawing/2016/11/diagram">
         <dgm1611:autoBuNodeInfo lvl="1" ptType="sibTrans">
           <dgm1611:buPr prefix="" leadZeros="0">
             <a:buAutoNum type="arabicParenBoth"/>
@@ -7074,7 +7058,7 @@
   </dgm:layoutNode>
   <dgm:extLst>
     <a:ext uri="{4F341089-5ED1-44EC-B178-C955D00A3D55}">
-      <dgm1611:autoBuNodeInfoLst xmlns="" xmlns:dgm1611="http://schemas.microsoft.com/office/drawing/2016/11/diagram">
+      <dgm1611:autoBuNodeInfoLst xmlns:dgm1611="http://schemas.microsoft.com/office/drawing/2016/11/diagram" xmlns="">
         <dgm1611:autoBuNodeInfo lvl="1" ptType="sibTrans">
           <dgm1611:buPr prefix="" leadZeros="1">
             <a:buAutoNum type="arabicParenBoth"/>
@@ -10270,7 +10254,7 @@
           <a:p>
             <a:fld id="{8BBB6034-8C7C-DE4A-B016-4A2E981D7224}" type="datetimeFigureOut">
               <a:rPr lang="en-US" smtClean="0"/>
-              <a:t>7/13/18</a:t>
+              <a:t>8/28/18</a:t>
             </a:fld>
             <a:endParaRPr lang="en-US"/>
           </a:p>
@@ -11953,7 +11937,7 @@
           <a:p>
             <a:fld id="{281976D8-4F8D-7147-929E-C5FBCC10CBE3}" type="datetimeFigureOut">
               <a:rPr lang="en-US" smtClean="0"/>
-              <a:t>7/13/18</a:t>
+              <a:t>8/28/18</a:t>
             </a:fld>
             <a:endParaRPr lang="en-US"/>
           </a:p>
@@ -12123,7 +12107,7 @@
           <a:p>
             <a:fld id="{281976D8-4F8D-7147-929E-C5FBCC10CBE3}" type="datetimeFigureOut">
               <a:rPr lang="en-US" smtClean="0"/>
-              <a:t>7/13/18</a:t>
+              <a:t>8/28/18</a:t>
             </a:fld>
             <a:endParaRPr lang="en-US"/>
           </a:p>
@@ -12303,7 +12287,7 @@
           <a:p>
             <a:fld id="{281976D8-4F8D-7147-929E-C5FBCC10CBE3}" type="datetimeFigureOut">
               <a:rPr lang="en-US" smtClean="0"/>
-              <a:t>7/13/18</a:t>
+              <a:t>8/28/18</a:t>
             </a:fld>
             <a:endParaRPr lang="en-US"/>
           </a:p>
@@ -12473,7 +12457,7 @@
           <a:p>
             <a:fld id="{281976D8-4F8D-7147-929E-C5FBCC10CBE3}" type="datetimeFigureOut">
               <a:rPr lang="en-US" smtClean="0"/>
-              <a:t>7/13/18</a:t>
+              <a:t>8/28/18</a:t>
             </a:fld>
             <a:endParaRPr lang="en-US"/>
           </a:p>
@@ -12719,7 +12703,7 @@
           <a:p>
             <a:fld id="{281976D8-4F8D-7147-929E-C5FBCC10CBE3}" type="datetimeFigureOut">
               <a:rPr lang="en-US" smtClean="0"/>
-              <a:t>7/13/18</a:t>
+              <a:t>8/28/18</a:t>
             </a:fld>
             <a:endParaRPr lang="en-US"/>
           </a:p>
@@ -12951,7 +12935,7 @@
           <a:p>
             <a:fld id="{281976D8-4F8D-7147-929E-C5FBCC10CBE3}" type="datetimeFigureOut">
               <a:rPr lang="en-US" smtClean="0"/>
-              <a:t>7/13/18</a:t>
+              <a:t>8/28/18</a:t>
             </a:fld>
             <a:endParaRPr lang="en-US"/>
           </a:p>
@@ -13318,7 +13302,7 @@
           <a:p>
             <a:fld id="{281976D8-4F8D-7147-929E-C5FBCC10CBE3}" type="datetimeFigureOut">
               <a:rPr lang="en-US" smtClean="0"/>
-              <a:t>7/13/18</a:t>
+              <a:t>8/28/18</a:t>
             </a:fld>
             <a:endParaRPr lang="en-US"/>
           </a:p>
@@ -13436,7 +13420,7 @@
           <a:p>
             <a:fld id="{281976D8-4F8D-7147-929E-C5FBCC10CBE3}" type="datetimeFigureOut">
               <a:rPr lang="en-US" smtClean="0"/>
-              <a:t>7/13/18</a:t>
+              <a:t>8/28/18</a:t>
             </a:fld>
             <a:endParaRPr lang="en-US"/>
           </a:p>
@@ -13531,7 +13515,7 @@
           <a:p>
             <a:fld id="{281976D8-4F8D-7147-929E-C5FBCC10CBE3}" type="datetimeFigureOut">
               <a:rPr lang="en-US" smtClean="0"/>
-              <a:t>7/13/18</a:t>
+              <a:t>8/28/18</a:t>
             </a:fld>
             <a:endParaRPr lang="en-US"/>
           </a:p>
@@ -13808,7 +13792,7 @@
           <a:p>
             <a:fld id="{281976D8-4F8D-7147-929E-C5FBCC10CBE3}" type="datetimeFigureOut">
               <a:rPr lang="en-US" smtClean="0"/>
-              <a:t>7/13/18</a:t>
+              <a:t>8/28/18</a:t>
             </a:fld>
             <a:endParaRPr lang="en-US"/>
           </a:p>
@@ -14061,7 +14045,7 @@
           <a:p>
             <a:fld id="{281976D8-4F8D-7147-929E-C5FBCC10CBE3}" type="datetimeFigureOut">
               <a:rPr lang="en-US" smtClean="0"/>
-              <a:t>7/13/18</a:t>
+              <a:t>8/28/18</a:t>
             </a:fld>
             <a:endParaRPr lang="en-US"/>
           </a:p>
@@ -14274,7 +14258,7 @@
           <a:p>
             <a:fld id="{281976D8-4F8D-7147-929E-C5FBCC10CBE3}" type="datetimeFigureOut">
               <a:rPr lang="en-US" smtClean="0"/>
-              <a:t>7/13/18</a:t>
+              <a:t>8/28/18</a:t>
             </a:fld>
             <a:endParaRPr lang="en-US"/>
           </a:p>
@@ -14751,15 +14735,7 @@
             </a:r>
             <a:r>
               <a:rPr lang="zh-CN" altLang="en-US" dirty="0" smtClean="0"/>
-              <a:t>自动</a:t>
-            </a:r>
-            <a:r>
-              <a:rPr lang="zh-CN" altLang="en-US" dirty="0" smtClean="0"/>
-              <a:t>遍历</a:t>
-            </a:r>
-            <a:r>
-              <a:rPr lang="zh-CN" altLang="en-US" dirty="0" smtClean="0"/>
-              <a:t>工具</a:t>
+              <a:t>自动遍历工具</a:t>
             </a:r>
             <a:endParaRPr lang="en-US" dirty="0"/>
           </a:p>
@@ -14788,8 +14764,16 @@
           <a:lstStyle/>
           <a:p>
             <a:r>
+              <a:rPr lang="en-US" altLang="zh-CN" dirty="0" smtClean="0"/>
+              <a:t>Justin</a:t>
+            </a:r>
+            <a:r>
               <a:rPr lang="zh-CN" altLang="en-US" dirty="0" smtClean="0"/>
-              <a:t>测试中台：马毅</a:t>
+              <a:t> </a:t>
+            </a:r>
+            <a:r>
+              <a:rPr lang="en-US" altLang="zh-CN" dirty="0" smtClean="0"/>
+              <a:t>Ma</a:t>
             </a:r>
             <a:endParaRPr lang="en-US" dirty="0"/>
           </a:p>
@@ -15047,7 +15031,7 @@
           <p:cNvPr id="12" name="Rectangle 6">
             <a:extLst>
               <a:ext uri="{FF2B5EF4-FFF2-40B4-BE49-F238E27FC236}">
-                <a16:creationId xmlns="" xmlns:a16="http://schemas.microsoft.com/office/drawing/2014/main" id="{FEF4E260-B79D-41D8-90EB-C84807CD77EC}"/>
+                <a16:creationId xmlns:a16="http://schemas.microsoft.com/office/drawing/2014/main" xmlns="" id="{FEF4E260-B79D-41D8-90EB-C84807CD77EC}"/>
               </a:ext>
             </a:extLst>
           </p:cNvPr>
@@ -15057,7 +15041,7 @@
           <p:nvPr>
             <p:extLst>
               <p:ext uri="{386F3935-93C4-4BCD-93E2-E3B085C9AB24}">
-                <p16:designElem xmlns="" xmlns:p16="http://schemas.microsoft.com/office/powerpoint/2015/main" val="1"/>
+                <p16:designElem xmlns:p16="http://schemas.microsoft.com/office/powerpoint/2015/main" xmlns="" val="1"/>
               </p:ext>
             </p:extLst>
           </p:nvPr>
@@ -15105,7 +15089,7 @@
           <p:cNvPr id="11" name="Rectangle 10">
             <a:extLst>
               <a:ext uri="{FF2B5EF4-FFF2-40B4-BE49-F238E27FC236}">
-                <a16:creationId xmlns="" xmlns:a16="http://schemas.microsoft.com/office/drawing/2014/main" id="{241208F6-8B1C-4098-9388-150BC8E447B2}"/>
+                <a16:creationId xmlns:a16="http://schemas.microsoft.com/office/drawing/2014/main" xmlns="" id="{241208F6-8B1C-4098-9388-150BC8E447B2}"/>
               </a:ext>
             </a:extLst>
           </p:cNvPr>
@@ -15115,7 +15099,7 @@
           <p:nvPr>
             <p:extLst>
               <p:ext uri="{386F3935-93C4-4BCD-93E2-E3B085C9AB24}">
-                <p16:designElem xmlns="" xmlns:p16="http://schemas.microsoft.com/office/powerpoint/2015/main" val="1"/>
+                <p16:designElem xmlns:p16="http://schemas.microsoft.com/office/powerpoint/2015/main" xmlns="" val="1"/>
               </p:ext>
             </p:extLst>
           </p:nvPr>
@@ -15816,12 +15800,14 @@
         </p:nvSpPr>
         <p:spPr>
           <a:xfrm>
-            <a:off x="1524000" y="1122363"/>
-            <a:ext cx="9144000" cy="2387600"/>
+            <a:off x="1536357" y="875228"/>
+            <a:ext cx="9144000" cy="484015"/>
           </a:xfrm>
         </p:spPr>
         <p:txBody>
-          <a:bodyPr/>
+          <a:bodyPr>
+            <a:normAutofit fontScale="90000"/>
+          </a:bodyPr>
           <a:lstStyle/>
           <a:p>
             <a:r>
@@ -15832,6 +15818,36 @@
           </a:p>
         </p:txBody>
       </p:sp>
+      <p:pic>
+        <p:nvPicPr>
+          <p:cNvPr id="3" name="内容占位符 3"/>
+          <p:cNvPicPr>
+            <a:picLocks noChangeAspect="1"/>
+          </p:cNvPicPr>
+          <p:nvPr/>
+        </p:nvPicPr>
+        <p:blipFill>
+          <a:blip r:embed="rId3">
+            <a:extLst>
+              <a:ext uri="{28A0092B-C50C-407E-A947-70E740481C1C}">
+                <a14:useLocalDpi xmlns:a14="http://schemas.microsoft.com/office/drawing/2010/main" val="0"/>
+              </a:ext>
+            </a:extLst>
+          </a:blip>
+          <a:stretch>
+            <a:fillRect/>
+          </a:stretch>
+        </p:blipFill>
+        <p:spPr>
+          <a:xfrm>
+            <a:off x="4093326" y="1961550"/>
+            <a:ext cx="4351338" cy="4351338"/>
+          </a:xfrm>
+          <a:prstGeom prst="rect">
+            <a:avLst/>
+          </a:prstGeom>
+        </p:spPr>
+      </p:pic>
     </p:spTree>
     <p:extLst>
       <p:ext uri="{BB962C8B-B14F-4D97-AF65-F5344CB8AC3E}">
@@ -16059,7 +16075,7 @@
           <p:cNvPr id="10" name="Rectangle 9">
             <a:extLst>
               <a:ext uri="{FF2B5EF4-FFF2-40B4-BE49-F238E27FC236}">
-                <a16:creationId xmlns="" xmlns:a16="http://schemas.microsoft.com/office/drawing/2014/main" id="{08E89D5E-1885-4160-AC77-CC471DD1D0DB}"/>
+                <a16:creationId xmlns:a16="http://schemas.microsoft.com/office/drawing/2014/main" xmlns="" id="{08E89D5E-1885-4160-AC77-CC471DD1D0DB}"/>
               </a:ext>
             </a:extLst>
           </p:cNvPr>
@@ -16069,7 +16085,7 @@
           <p:nvPr>
             <p:extLst>
               <p:ext uri="{386F3935-93C4-4BCD-93E2-E3B085C9AB24}">
-                <p16:designElem xmlns="" xmlns:p16="http://schemas.microsoft.com/office/powerpoint/2015/main" val="1"/>
+                <p16:designElem xmlns:p16="http://schemas.microsoft.com/office/powerpoint/2015/main" xmlns="" val="1"/>
               </p:ext>
             </p:extLst>
           </p:nvPr>
@@ -16116,7 +16132,7 @@
           <p:cNvPr id="12" name="Straight Connector 11">
             <a:extLst>
               <a:ext uri="{FF2B5EF4-FFF2-40B4-BE49-F238E27FC236}">
-                <a16:creationId xmlns="" xmlns:a16="http://schemas.microsoft.com/office/drawing/2014/main" id="{550D2BD1-98F9-412D-905B-3A843EF4078B}"/>
+                <a16:creationId xmlns:a16="http://schemas.microsoft.com/office/drawing/2014/main" xmlns="" id="{550D2BD1-98F9-412D-905B-3A843EF4078B}"/>
               </a:ext>
             </a:extLst>
           </p:cNvPr>
@@ -16126,7 +16142,7 @@
           <p:nvPr>
             <p:extLst>
               <p:ext uri="{386F3935-93C4-4BCD-93E2-E3B085C9AB24}">
-                <p16:designElem xmlns="" xmlns:p16="http://schemas.microsoft.com/office/powerpoint/2015/main" val="1"/>
+                <p16:designElem xmlns:p16="http://schemas.microsoft.com/office/powerpoint/2015/main" xmlns="" val="1"/>
               </p:ext>
             </p:extLst>
           </p:nvPr>
@@ -16373,7 +16389,7 @@
           <p:cNvPr id="12" name="Rectangle 6">
             <a:extLst>
               <a:ext uri="{FF2B5EF4-FFF2-40B4-BE49-F238E27FC236}">
-                <a16:creationId xmlns="" xmlns:a16="http://schemas.microsoft.com/office/drawing/2014/main" id="{FEF4E260-B79D-41D8-90EB-C84807CD77EC}"/>
+                <a16:creationId xmlns:a16="http://schemas.microsoft.com/office/drawing/2014/main" xmlns="" id="{FEF4E260-B79D-41D8-90EB-C84807CD77EC}"/>
               </a:ext>
             </a:extLst>
           </p:cNvPr>
@@ -16383,7 +16399,7 @@
           <p:nvPr>
             <p:extLst>
               <p:ext uri="{386F3935-93C4-4BCD-93E2-E3B085C9AB24}">
-                <p16:designElem xmlns="" xmlns:p16="http://schemas.microsoft.com/office/powerpoint/2015/main" val="1"/>
+                <p16:designElem xmlns:p16="http://schemas.microsoft.com/office/powerpoint/2015/main" xmlns="" val="1"/>
               </p:ext>
             </p:extLst>
           </p:nvPr>
@@ -16431,7 +16447,7 @@
           <p:cNvPr id="11" name="Rectangle 10">
             <a:extLst>
               <a:ext uri="{FF2B5EF4-FFF2-40B4-BE49-F238E27FC236}">
-                <a16:creationId xmlns="" xmlns:a16="http://schemas.microsoft.com/office/drawing/2014/main" id="{241208F6-8B1C-4098-9388-150BC8E447B2}"/>
+                <a16:creationId xmlns:a16="http://schemas.microsoft.com/office/drawing/2014/main" xmlns="" id="{241208F6-8B1C-4098-9388-150BC8E447B2}"/>
               </a:ext>
             </a:extLst>
           </p:cNvPr>
@@ -16441,7 +16457,7 @@
           <p:nvPr>
             <p:extLst>
               <p:ext uri="{386F3935-93C4-4BCD-93E2-E3B085C9AB24}">
-                <p16:designElem xmlns="" xmlns:p16="http://schemas.microsoft.com/office/powerpoint/2015/main" val="1"/>
+                <p16:designElem xmlns:p16="http://schemas.microsoft.com/office/powerpoint/2015/main" xmlns="" val="1"/>
               </p:ext>
             </p:extLst>
           </p:nvPr>
@@ -16585,15 +16601,7 @@
                   <a:schemeClr val="bg1"/>
                 </a:solidFill>
               </a:rPr>
-              <a:t>的输入</a:t>
-            </a:r>
-            <a:r>
-              <a:rPr lang="zh-CN" altLang="en-US" sz="2800" dirty="0" smtClean="0">
-                <a:solidFill>
-                  <a:schemeClr val="bg1"/>
-                </a:solidFill>
-              </a:rPr>
-              <a:t>文本</a:t>
+              <a:t>的输入文本</a:t>
             </a:r>
             <a:r>
               <a:rPr lang="en-US" altLang="zh-CN" sz="2800" dirty="0" smtClean="0">
@@ -16609,15 +16617,7 @@
                   <a:schemeClr val="bg1"/>
                 </a:solidFill>
               </a:rPr>
-              <a:t>见配置项</a:t>
-            </a:r>
-            <a:r>
-              <a:rPr lang="zh-CN" altLang="en-US" sz="2800" dirty="0" smtClean="0">
-                <a:solidFill>
-                  <a:schemeClr val="bg1"/>
-                </a:solidFill>
-              </a:rPr>
-              <a:t> </a:t>
+              <a:t>见配置项 </a:t>
             </a:r>
             <a:r>
               <a:rPr lang="en-US" altLang="zh-CN" sz="2800" dirty="0" smtClean="0">
@@ -16876,15 +16876,7 @@
                   <a:schemeClr val="bg1"/>
                 </a:solidFill>
               </a:rPr>
-              <a:t>，</a:t>
-            </a:r>
-            <a:r>
-              <a:rPr lang="zh-CN" altLang="en-US" sz="2800" dirty="0" smtClean="0">
-                <a:solidFill>
-                  <a:schemeClr val="bg1"/>
-                </a:solidFill>
-              </a:rPr>
-              <a:t>并写入文件</a:t>
+              <a:t>，并写入文件</a:t>
             </a:r>
             <a:endParaRPr lang="en-US" altLang="zh-CN" sz="2800" dirty="0">
               <a:solidFill>
@@ -16998,7 +16990,7 @@
           <p:cNvPr id="12" name="Rectangle 6">
             <a:extLst>
               <a:ext uri="{FF2B5EF4-FFF2-40B4-BE49-F238E27FC236}">
-                <a16:creationId xmlns="" xmlns:a16="http://schemas.microsoft.com/office/drawing/2014/main" id="{FEF4E260-B79D-41D8-90EB-C84807CD77EC}"/>
+                <a16:creationId xmlns:a16="http://schemas.microsoft.com/office/drawing/2014/main" xmlns="" id="{FEF4E260-B79D-41D8-90EB-C84807CD77EC}"/>
               </a:ext>
             </a:extLst>
           </p:cNvPr>
@@ -17008,7 +17000,7 @@
           <p:nvPr>
             <p:extLst>
               <p:ext uri="{386F3935-93C4-4BCD-93E2-E3B085C9AB24}">
-                <p16:designElem xmlns="" xmlns:p16="http://schemas.microsoft.com/office/powerpoint/2015/main" val="1"/>
+                <p16:designElem xmlns:p16="http://schemas.microsoft.com/office/powerpoint/2015/main" xmlns="" val="1"/>
               </p:ext>
             </p:extLst>
           </p:nvPr>
@@ -17056,7 +17048,7 @@
           <p:cNvPr id="13" name="Straight Connector 8">
             <a:extLst>
               <a:ext uri="{FF2B5EF4-FFF2-40B4-BE49-F238E27FC236}">
-                <a16:creationId xmlns="" xmlns:a16="http://schemas.microsoft.com/office/drawing/2014/main" id="{0686AD50-C6DC-4D98-A467-9AC1F3C2D8D0}"/>
+                <a16:creationId xmlns:a16="http://schemas.microsoft.com/office/drawing/2014/main" xmlns="" id="{0686AD50-C6DC-4D98-A467-9AC1F3C2D8D0}"/>
               </a:ext>
             </a:extLst>
           </p:cNvPr>
@@ -17066,7 +17058,7 @@
           <p:nvPr>
             <p:extLst>
               <p:ext uri="{386F3935-93C4-4BCD-93E2-E3B085C9AB24}">
-                <p16:designElem xmlns="" xmlns:p16="http://schemas.microsoft.com/office/powerpoint/2015/main" val="1"/>
+                <p16:designElem xmlns:p16="http://schemas.microsoft.com/office/powerpoint/2015/main" xmlns="" val="1"/>
               </p:ext>
             </p:extLst>
           </p:nvPr>
@@ -17107,7 +17099,7 @@
           <p:cNvPr id="11" name="Rectangle 10">
             <a:extLst>
               <a:ext uri="{FF2B5EF4-FFF2-40B4-BE49-F238E27FC236}">
-                <a16:creationId xmlns="" xmlns:a16="http://schemas.microsoft.com/office/drawing/2014/main" id="{241208F6-8B1C-4098-9388-150BC8E447B2}"/>
+                <a16:creationId xmlns:a16="http://schemas.microsoft.com/office/drawing/2014/main" xmlns="" id="{241208F6-8B1C-4098-9388-150BC8E447B2}"/>
               </a:ext>
             </a:extLst>
           </p:cNvPr>
@@ -17117,7 +17109,7 @@
           <p:nvPr>
             <p:extLst>
               <p:ext uri="{386F3935-93C4-4BCD-93E2-E3B085C9AB24}">
-                <p16:designElem xmlns="" xmlns:p16="http://schemas.microsoft.com/office/powerpoint/2015/main" val="1"/>
+                <p16:designElem xmlns:p16="http://schemas.microsoft.com/office/powerpoint/2015/main" xmlns="" val="1"/>
               </p:ext>
             </p:extLst>
           </p:nvPr>
@@ -17201,18 +17193,7 @@
                 <a:ea typeface="+mj-ea"/>
                 <a:cs typeface="+mj-cs"/>
               </a:rPr>
-              <a:t>深度</a:t>
-            </a:r>
-            <a:r>
-              <a:rPr lang="zh-CN" altLang="en-US" sz="4000" kern="1200" dirty="0" smtClean="0">
-                <a:solidFill>
-                  <a:srgbClr val="FFFFFF"/>
-                </a:solidFill>
-                <a:latin typeface="+mj-lt"/>
-                <a:ea typeface="+mj-ea"/>
-                <a:cs typeface="+mj-cs"/>
-              </a:rPr>
-              <a:t>优先</a:t>
+              <a:t>深度优先</a:t>
             </a:r>
             <a:endParaRPr lang="zh-CN" altLang="en-US" sz="4000" kern="1200" dirty="0">
               <a:solidFill>
@@ -17290,7 +17271,7 @@
           <p:cNvPr id="12" name="Rectangle 6">
             <a:extLst>
               <a:ext uri="{FF2B5EF4-FFF2-40B4-BE49-F238E27FC236}">
-                <a16:creationId xmlns="" xmlns:a16="http://schemas.microsoft.com/office/drawing/2014/main" id="{FEF4E260-B79D-41D8-90EB-C84807CD77EC}"/>
+                <a16:creationId xmlns:a16="http://schemas.microsoft.com/office/drawing/2014/main" xmlns="" id="{FEF4E260-B79D-41D8-90EB-C84807CD77EC}"/>
               </a:ext>
             </a:extLst>
           </p:cNvPr>
@@ -17300,7 +17281,7 @@
           <p:nvPr>
             <p:extLst>
               <p:ext uri="{386F3935-93C4-4BCD-93E2-E3B085C9AB24}">
-                <p16:designElem xmlns="" xmlns:p16="http://schemas.microsoft.com/office/powerpoint/2015/main" val="1"/>
+                <p16:designElem xmlns:p16="http://schemas.microsoft.com/office/powerpoint/2015/main" xmlns="" val="1"/>
               </p:ext>
             </p:extLst>
           </p:nvPr>
@@ -17348,7 +17329,7 @@
           <p:cNvPr id="11" name="Rectangle 10">
             <a:extLst>
               <a:ext uri="{FF2B5EF4-FFF2-40B4-BE49-F238E27FC236}">
-                <a16:creationId xmlns="" xmlns:a16="http://schemas.microsoft.com/office/drawing/2014/main" id="{241208F6-8B1C-4098-9388-150BC8E447B2}"/>
+                <a16:creationId xmlns:a16="http://schemas.microsoft.com/office/drawing/2014/main" xmlns="" id="{241208F6-8B1C-4098-9388-150BC8E447B2}"/>
               </a:ext>
             </a:extLst>
           </p:cNvPr>
@@ -17358,7 +17339,7 @@
           <p:nvPr>
             <p:extLst>
               <p:ext uri="{386F3935-93C4-4BCD-93E2-E3B085C9AB24}">
-                <p16:designElem xmlns="" xmlns:p16="http://schemas.microsoft.com/office/powerpoint/2015/main" val="1"/>
+                <p16:designElem xmlns:p16="http://schemas.microsoft.com/office/powerpoint/2015/main" xmlns="" val="1"/>
               </p:ext>
             </p:extLst>
           </p:nvPr>
@@ -17437,23 +17418,7 @@
                   <a:schemeClr val="bg1"/>
                 </a:solidFill>
               </a:rPr>
-              <a:t>随机、</a:t>
-            </a:r>
-            <a:r>
-              <a:rPr lang="zh-CN" altLang="en-US" sz="2800" dirty="0" smtClean="0">
-                <a:solidFill>
-                  <a:schemeClr val="bg1"/>
-                </a:solidFill>
-              </a:rPr>
-              <a:t>特殊位置</a:t>
-            </a:r>
-            <a:r>
-              <a:rPr lang="zh-CN" altLang="en-US" sz="2800" dirty="0" smtClean="0">
-                <a:solidFill>
-                  <a:schemeClr val="bg1"/>
-                </a:solidFill>
-              </a:rPr>
-              <a:t>点击</a:t>
+              <a:t>随机、特殊位置点击</a:t>
             </a:r>
             <a:endParaRPr lang="zh-CN" altLang="en-US" sz="2800" dirty="0">
               <a:solidFill>
@@ -17671,15 +17636,7 @@
                   <a:schemeClr val="bg1"/>
                 </a:solidFill>
               </a:rPr>
-              <a:t> </a:t>
-            </a:r>
-            <a:r>
-              <a:rPr lang="zh-CN" altLang="en-US" sz="2800" dirty="0" smtClean="0">
-                <a:solidFill>
-                  <a:schemeClr val="bg1"/>
-                </a:solidFill>
-              </a:rPr>
-              <a:t>双击、双指放大、缩小、拖拽</a:t>
+              <a:t> 双击、双指放大、缩小、拖拽</a:t>
             </a:r>
           </a:p>
           <a:p>

--- a/doc/UICrawler.pptx
+++ b/doc/UICrawler.pptx
@@ -5,7 +5,7 @@
     <p:sldMasterId id="2147483648" r:id="rId1"/>
   </p:sldMasterIdLst>
   <p:notesMasterIdLst>
-    <p:notesMasterId r:id="rId19"/>
+    <p:notesMasterId r:id="rId18"/>
   </p:notesMasterIdLst>
   <p:sldIdLst>
     <p:sldId id="256" r:id="rId2"/>
@@ -24,7 +24,6 @@
     <p:sldId id="271" r:id="rId15"/>
     <p:sldId id="274" r:id="rId16"/>
     <p:sldId id="273" r:id="rId17"/>
-    <p:sldId id="272" r:id="rId18"/>
   </p:sldIdLst>
   <p:sldSz cx="12192000" cy="6858000"/>
   <p:notesSz cx="6858000" cy="9144000"/>
@@ -6792,7 +6791,7 @@
   </dgm:layoutNode>
   <dgm:extLst>
     <a:ext uri="{4F341089-5ED1-44EC-B178-C955D00A3D55}">
-      <dgm1611:autoBuNodeInfoLst xmlns="" xmlns:dgm1611="http://schemas.microsoft.com/office/drawing/2016/11/diagram">
+      <dgm1611:autoBuNodeInfoLst xmlns:dgm1611="http://schemas.microsoft.com/office/drawing/2016/11/diagram" xmlns="">
         <dgm1611:autoBuNodeInfo lvl="1" ptType="sibTrans">
           <dgm1611:buPr prefix="" leadZeros="0">
             <a:buAutoNum type="arabicParenBoth"/>
@@ -7058,7 +7057,7 @@
   </dgm:layoutNode>
   <dgm:extLst>
     <a:ext uri="{4F341089-5ED1-44EC-B178-C955D00A3D55}">
-      <dgm1611:autoBuNodeInfoLst xmlns:dgm1611="http://schemas.microsoft.com/office/drawing/2016/11/diagram" xmlns="">
+      <dgm1611:autoBuNodeInfoLst xmlns="" xmlns:dgm1611="http://schemas.microsoft.com/office/drawing/2016/11/diagram">
         <dgm1611:autoBuNodeInfo lvl="1" ptType="sibTrans">
           <dgm1611:buPr prefix="" leadZeros="1">
             <a:buAutoNum type="arabicParenBoth"/>
@@ -10254,7 +10253,7 @@
           <a:p>
             <a:fld id="{8BBB6034-8C7C-DE4A-B016-4A2E981D7224}" type="datetimeFigureOut">
               <a:rPr lang="en-US" smtClean="0"/>
-              <a:t>8/28/18</a:t>
+              <a:t>10/18/18</a:t>
             </a:fld>
             <a:endParaRPr lang="en-US"/>
           </a:p>
@@ -10990,90 +10989,6 @@
 </p:notes>
 </file>
 
-<file path=ppt/notesSlides/notesSlide14.xml><?xml version="1.0" encoding="utf-8"?>
-<p:notes xmlns:a="http://schemas.openxmlformats.org/drawingml/2006/main" xmlns:r="http://schemas.openxmlformats.org/officeDocument/2006/relationships" xmlns:p="http://schemas.openxmlformats.org/presentationml/2006/main">
-  <p:cSld>
-    <p:spTree>
-      <p:nvGrpSpPr>
-        <p:cNvPr id="1" name=""/>
-        <p:cNvGrpSpPr/>
-        <p:nvPr/>
-      </p:nvGrpSpPr>
-      <p:grpSpPr>
-        <a:xfrm>
-          <a:off x="0" y="0"/>
-          <a:ext cx="0" cy="0"/>
-          <a:chOff x="0" y="0"/>
-          <a:chExt cx="0" cy="0"/>
-        </a:xfrm>
-      </p:grpSpPr>
-      <p:sp>
-        <p:nvSpPr>
-          <p:cNvPr id="2" name="幻灯片图像占位符 1"/>
-          <p:cNvSpPr>
-            <a:spLocks noGrp="1" noRot="1" noChangeAspect="1"/>
-          </p:cNvSpPr>
-          <p:nvPr>
-            <p:ph type="sldImg"/>
-          </p:nvPr>
-        </p:nvSpPr>
-        <p:spPr/>
-      </p:sp>
-      <p:sp>
-        <p:nvSpPr>
-          <p:cNvPr id="3" name="备注占位符 2"/>
-          <p:cNvSpPr>
-            <a:spLocks noGrp="1"/>
-          </p:cNvSpPr>
-          <p:nvPr>
-            <p:ph type="body" idx="1"/>
-          </p:nvPr>
-        </p:nvSpPr>
-        <p:spPr/>
-        <p:txBody>
-          <a:bodyPr/>
-          <a:lstStyle/>
-          <a:p>
-            <a:endParaRPr lang="zh-CN" altLang="en-US" dirty="0"/>
-          </a:p>
-        </p:txBody>
-      </p:sp>
-      <p:sp>
-        <p:nvSpPr>
-          <p:cNvPr id="4" name="灯片编号占位符 3"/>
-          <p:cNvSpPr>
-            <a:spLocks noGrp="1"/>
-          </p:cNvSpPr>
-          <p:nvPr>
-            <p:ph type="sldNum" sz="quarter" idx="10"/>
-          </p:nvPr>
-        </p:nvSpPr>
-        <p:spPr/>
-        <p:txBody>
-          <a:bodyPr/>
-          <a:lstStyle/>
-          <a:p>
-            <a:fld id="{F068A748-A07F-45AA-8C4E-DF6D52704AC4}" type="slidenum">
-              <a:rPr lang="zh-CN" altLang="en-US" smtClean="0"/>
-              <a:t>17</a:t>
-            </a:fld>
-            <a:endParaRPr lang="zh-CN" altLang="en-US"/>
-          </a:p>
-        </p:txBody>
-      </p:sp>
-    </p:spTree>
-    <p:extLst>
-      <p:ext uri="{BB962C8B-B14F-4D97-AF65-F5344CB8AC3E}">
-        <p14:creationId xmlns:p14="http://schemas.microsoft.com/office/powerpoint/2010/main" val="54128299"/>
-      </p:ext>
-    </p:extLst>
-  </p:cSld>
-  <p:clrMapOvr>
-    <a:masterClrMapping/>
-  </p:clrMapOvr>
-</p:notes>
-</file>
-
 <file path=ppt/notesSlides/notesSlide2.xml><?xml version="1.0" encoding="utf-8"?>
 <p:notes xmlns:a="http://schemas.openxmlformats.org/drawingml/2006/main" xmlns:r="http://schemas.openxmlformats.org/officeDocument/2006/relationships" xmlns:p="http://schemas.openxmlformats.org/presentationml/2006/main">
   <p:cSld>
@@ -11937,7 +11852,7 @@
           <a:p>
             <a:fld id="{281976D8-4F8D-7147-929E-C5FBCC10CBE3}" type="datetimeFigureOut">
               <a:rPr lang="en-US" smtClean="0"/>
-              <a:t>8/28/18</a:t>
+              <a:t>10/18/18</a:t>
             </a:fld>
             <a:endParaRPr lang="en-US"/>
           </a:p>
@@ -12107,7 +12022,7 @@
           <a:p>
             <a:fld id="{281976D8-4F8D-7147-929E-C5FBCC10CBE3}" type="datetimeFigureOut">
               <a:rPr lang="en-US" smtClean="0"/>
-              <a:t>8/28/18</a:t>
+              <a:t>10/18/18</a:t>
             </a:fld>
             <a:endParaRPr lang="en-US"/>
           </a:p>
@@ -12287,7 +12202,7 @@
           <a:p>
             <a:fld id="{281976D8-4F8D-7147-929E-C5FBCC10CBE3}" type="datetimeFigureOut">
               <a:rPr lang="en-US" smtClean="0"/>
-              <a:t>8/28/18</a:t>
+              <a:t>10/18/18</a:t>
             </a:fld>
             <a:endParaRPr lang="en-US"/>
           </a:p>
@@ -12457,7 +12372,7 @@
           <a:p>
             <a:fld id="{281976D8-4F8D-7147-929E-C5FBCC10CBE3}" type="datetimeFigureOut">
               <a:rPr lang="en-US" smtClean="0"/>
-              <a:t>8/28/18</a:t>
+              <a:t>10/18/18</a:t>
             </a:fld>
             <a:endParaRPr lang="en-US"/>
           </a:p>
@@ -12703,7 +12618,7 @@
           <a:p>
             <a:fld id="{281976D8-4F8D-7147-929E-C5FBCC10CBE3}" type="datetimeFigureOut">
               <a:rPr lang="en-US" smtClean="0"/>
-              <a:t>8/28/18</a:t>
+              <a:t>10/18/18</a:t>
             </a:fld>
             <a:endParaRPr lang="en-US"/>
           </a:p>
@@ -12935,7 +12850,7 @@
           <a:p>
             <a:fld id="{281976D8-4F8D-7147-929E-C5FBCC10CBE3}" type="datetimeFigureOut">
               <a:rPr lang="en-US" smtClean="0"/>
-              <a:t>8/28/18</a:t>
+              <a:t>10/18/18</a:t>
             </a:fld>
             <a:endParaRPr lang="en-US"/>
           </a:p>
@@ -13302,7 +13217,7 @@
           <a:p>
             <a:fld id="{281976D8-4F8D-7147-929E-C5FBCC10CBE3}" type="datetimeFigureOut">
               <a:rPr lang="en-US" smtClean="0"/>
-              <a:t>8/28/18</a:t>
+              <a:t>10/18/18</a:t>
             </a:fld>
             <a:endParaRPr lang="en-US"/>
           </a:p>
@@ -13420,7 +13335,7 @@
           <a:p>
             <a:fld id="{281976D8-4F8D-7147-929E-C5FBCC10CBE3}" type="datetimeFigureOut">
               <a:rPr lang="en-US" smtClean="0"/>
-              <a:t>8/28/18</a:t>
+              <a:t>10/18/18</a:t>
             </a:fld>
             <a:endParaRPr lang="en-US"/>
           </a:p>
@@ -13515,7 +13430,7 @@
           <a:p>
             <a:fld id="{281976D8-4F8D-7147-929E-C5FBCC10CBE3}" type="datetimeFigureOut">
               <a:rPr lang="en-US" smtClean="0"/>
-              <a:t>8/28/18</a:t>
+              <a:t>10/18/18</a:t>
             </a:fld>
             <a:endParaRPr lang="en-US"/>
           </a:p>
@@ -13792,7 +13707,7 @@
           <a:p>
             <a:fld id="{281976D8-4F8D-7147-929E-C5FBCC10CBE3}" type="datetimeFigureOut">
               <a:rPr lang="en-US" smtClean="0"/>
-              <a:t>8/28/18</a:t>
+              <a:t>10/18/18</a:t>
             </a:fld>
             <a:endParaRPr lang="en-US"/>
           </a:p>
@@ -14045,7 +13960,7 @@
           <a:p>
             <a:fld id="{281976D8-4F8D-7147-929E-C5FBCC10CBE3}" type="datetimeFigureOut">
               <a:rPr lang="en-US" smtClean="0"/>
-              <a:t>8/28/18</a:t>
+              <a:t>10/18/18</a:t>
             </a:fld>
             <a:endParaRPr lang="en-US"/>
           </a:p>
@@ -14258,7 +14173,7 @@
           <a:p>
             <a:fld id="{281976D8-4F8D-7147-929E-C5FBCC10CBE3}" type="datetimeFigureOut">
               <a:rPr lang="en-US" smtClean="0"/>
-              <a:t>8/28/18</a:t>
+              <a:t>10/18/18</a:t>
             </a:fld>
             <a:endParaRPr lang="en-US"/>
           </a:p>
@@ -15031,7 +14946,7 @@
           <p:cNvPr id="12" name="Rectangle 6">
             <a:extLst>
               <a:ext uri="{FF2B5EF4-FFF2-40B4-BE49-F238E27FC236}">
-                <a16:creationId xmlns:a16="http://schemas.microsoft.com/office/drawing/2014/main" xmlns="" id="{FEF4E260-B79D-41D8-90EB-C84807CD77EC}"/>
+                <a16:creationId xmlns="" xmlns:a16="http://schemas.microsoft.com/office/drawing/2014/main" id="{FEF4E260-B79D-41D8-90EB-C84807CD77EC}"/>
               </a:ext>
             </a:extLst>
           </p:cNvPr>
@@ -15041,7 +14956,7 @@
           <p:nvPr>
             <p:extLst>
               <p:ext uri="{386F3935-93C4-4BCD-93E2-E3B085C9AB24}">
-                <p16:designElem xmlns:p16="http://schemas.microsoft.com/office/powerpoint/2015/main" xmlns="" val="1"/>
+                <p16:designElem xmlns="" xmlns:p16="http://schemas.microsoft.com/office/powerpoint/2015/main" val="1"/>
               </p:ext>
             </p:extLst>
           </p:nvPr>
@@ -15089,7 +15004,7 @@
           <p:cNvPr id="11" name="Rectangle 10">
             <a:extLst>
               <a:ext uri="{FF2B5EF4-FFF2-40B4-BE49-F238E27FC236}">
-                <a16:creationId xmlns:a16="http://schemas.microsoft.com/office/drawing/2014/main" xmlns="" id="{241208F6-8B1C-4098-9388-150BC8E447B2}"/>
+                <a16:creationId xmlns="" xmlns:a16="http://schemas.microsoft.com/office/drawing/2014/main" id="{241208F6-8B1C-4098-9388-150BC8E447B2}"/>
               </a:ext>
             </a:extLst>
           </p:cNvPr>
@@ -15099,7 +15014,7 @@
           <p:nvPr>
             <p:extLst>
               <p:ext uri="{386F3935-93C4-4BCD-93E2-E3B085C9AB24}">
-                <p16:designElem xmlns:p16="http://schemas.microsoft.com/office/powerpoint/2015/main" xmlns="" val="1"/>
+                <p16:designElem xmlns="" xmlns:p16="http://schemas.microsoft.com/office/powerpoint/2015/main" val="1"/>
               </p:ext>
             </p:extLst>
           </p:nvPr>
@@ -15771,103 +15686,6 @@
 </p:sld>
 </file>
 
-<file path=ppt/slides/slide17.xml><?xml version="1.0" encoding="utf-8"?>
-<p:sld xmlns:a="http://schemas.openxmlformats.org/drawingml/2006/main" xmlns:r="http://schemas.openxmlformats.org/officeDocument/2006/relationships" xmlns:p="http://schemas.openxmlformats.org/presentationml/2006/main">
-  <p:cSld>
-    <p:spTree>
-      <p:nvGrpSpPr>
-        <p:cNvPr id="1" name=""/>
-        <p:cNvGrpSpPr/>
-        <p:nvPr/>
-      </p:nvGrpSpPr>
-      <p:grpSpPr>
-        <a:xfrm>
-          <a:off x="0" y="0"/>
-          <a:ext cx="0" cy="0"/>
-          <a:chOff x="0" y="0"/>
-          <a:chExt cx="0" cy="0"/>
-        </a:xfrm>
-      </p:grpSpPr>
-      <p:sp>
-        <p:nvSpPr>
-          <p:cNvPr id="2" name="标题 1"/>
-          <p:cNvSpPr>
-            <a:spLocks noGrp="1"/>
-          </p:cNvSpPr>
-          <p:nvPr>
-            <p:ph type="ctrTitle"/>
-          </p:nvPr>
-        </p:nvSpPr>
-        <p:spPr>
-          <a:xfrm>
-            <a:off x="1536357" y="875228"/>
-            <a:ext cx="9144000" cy="484015"/>
-          </a:xfrm>
-        </p:spPr>
-        <p:txBody>
-          <a:bodyPr>
-            <a:normAutofit fontScale="90000"/>
-          </a:bodyPr>
-          <a:lstStyle/>
-          <a:p>
-            <a:r>
-              <a:rPr lang="en-US" altLang="zh-CN" dirty="0"/>
-              <a:t>QA</a:t>
-            </a:r>
-            <a:endParaRPr lang="zh-CN" altLang="en-US" dirty="0"/>
-          </a:p>
-        </p:txBody>
-      </p:sp>
-      <p:pic>
-        <p:nvPicPr>
-          <p:cNvPr id="3" name="内容占位符 3"/>
-          <p:cNvPicPr>
-            <a:picLocks noChangeAspect="1"/>
-          </p:cNvPicPr>
-          <p:nvPr/>
-        </p:nvPicPr>
-        <p:blipFill>
-          <a:blip r:embed="rId3">
-            <a:extLst>
-              <a:ext uri="{28A0092B-C50C-407E-A947-70E740481C1C}">
-                <a14:useLocalDpi xmlns:a14="http://schemas.microsoft.com/office/drawing/2010/main" val="0"/>
-              </a:ext>
-            </a:extLst>
-          </a:blip>
-          <a:stretch>
-            <a:fillRect/>
-          </a:stretch>
-        </p:blipFill>
-        <p:spPr>
-          <a:xfrm>
-            <a:off x="4093326" y="1961550"/>
-            <a:ext cx="4351338" cy="4351338"/>
-          </a:xfrm>
-          <a:prstGeom prst="rect">
-            <a:avLst/>
-          </a:prstGeom>
-        </p:spPr>
-      </p:pic>
-    </p:spTree>
-    <p:extLst>
-      <p:ext uri="{BB962C8B-B14F-4D97-AF65-F5344CB8AC3E}">
-        <p14:creationId xmlns:p14="http://schemas.microsoft.com/office/powerpoint/2010/main" val="66956361"/>
-      </p:ext>
-    </p:extLst>
-  </p:cSld>
-  <p:clrMapOvr>
-    <a:masterClrMapping/>
-  </p:clrMapOvr>
-  <p:timing>
-    <p:tnLst>
-      <p:par>
-        <p:cTn id="1" dur="indefinite" restart="never" nodeType="tmRoot"/>
-      </p:par>
-    </p:tnLst>
-  </p:timing>
-</p:sld>
-</file>
-
 <file path=ppt/slides/slide2.xml><?xml version="1.0" encoding="utf-8"?>
 <p:sld xmlns:a="http://schemas.openxmlformats.org/drawingml/2006/main" xmlns:r="http://schemas.openxmlformats.org/officeDocument/2006/relationships" xmlns:p="http://schemas.openxmlformats.org/presentationml/2006/main">
   <p:cSld>
@@ -16075,7 +15893,7 @@
           <p:cNvPr id="10" name="Rectangle 9">
             <a:extLst>
               <a:ext uri="{FF2B5EF4-FFF2-40B4-BE49-F238E27FC236}">
-                <a16:creationId xmlns:a16="http://schemas.microsoft.com/office/drawing/2014/main" xmlns="" id="{08E89D5E-1885-4160-AC77-CC471DD1D0DB}"/>
+                <a16:creationId xmlns="" xmlns:a16="http://schemas.microsoft.com/office/drawing/2014/main" id="{08E89D5E-1885-4160-AC77-CC471DD1D0DB}"/>
               </a:ext>
             </a:extLst>
           </p:cNvPr>
@@ -16085,7 +15903,7 @@
           <p:nvPr>
             <p:extLst>
               <p:ext uri="{386F3935-93C4-4BCD-93E2-E3B085C9AB24}">
-                <p16:designElem xmlns:p16="http://schemas.microsoft.com/office/powerpoint/2015/main" xmlns="" val="1"/>
+                <p16:designElem xmlns="" xmlns:p16="http://schemas.microsoft.com/office/powerpoint/2015/main" val="1"/>
               </p:ext>
             </p:extLst>
           </p:nvPr>
@@ -16132,7 +15950,7 @@
           <p:cNvPr id="12" name="Straight Connector 11">
             <a:extLst>
               <a:ext uri="{FF2B5EF4-FFF2-40B4-BE49-F238E27FC236}">
-                <a16:creationId xmlns:a16="http://schemas.microsoft.com/office/drawing/2014/main" xmlns="" id="{550D2BD1-98F9-412D-905B-3A843EF4078B}"/>
+                <a16:creationId xmlns="" xmlns:a16="http://schemas.microsoft.com/office/drawing/2014/main" id="{550D2BD1-98F9-412D-905B-3A843EF4078B}"/>
               </a:ext>
             </a:extLst>
           </p:cNvPr>
@@ -16142,7 +15960,7 @@
           <p:nvPr>
             <p:extLst>
               <p:ext uri="{386F3935-93C4-4BCD-93E2-E3B085C9AB24}">
-                <p16:designElem xmlns:p16="http://schemas.microsoft.com/office/powerpoint/2015/main" xmlns="" val="1"/>
+                <p16:designElem xmlns="" xmlns:p16="http://schemas.microsoft.com/office/powerpoint/2015/main" val="1"/>
               </p:ext>
             </p:extLst>
           </p:nvPr>
@@ -16389,7 +16207,7 @@
           <p:cNvPr id="12" name="Rectangle 6">
             <a:extLst>
               <a:ext uri="{FF2B5EF4-FFF2-40B4-BE49-F238E27FC236}">
-                <a16:creationId xmlns:a16="http://schemas.microsoft.com/office/drawing/2014/main" xmlns="" id="{FEF4E260-B79D-41D8-90EB-C84807CD77EC}"/>
+                <a16:creationId xmlns="" xmlns:a16="http://schemas.microsoft.com/office/drawing/2014/main" id="{FEF4E260-B79D-41D8-90EB-C84807CD77EC}"/>
               </a:ext>
             </a:extLst>
           </p:cNvPr>
@@ -16399,7 +16217,7 @@
           <p:nvPr>
             <p:extLst>
               <p:ext uri="{386F3935-93C4-4BCD-93E2-E3B085C9AB24}">
-                <p16:designElem xmlns:p16="http://schemas.microsoft.com/office/powerpoint/2015/main" xmlns="" val="1"/>
+                <p16:designElem xmlns="" xmlns:p16="http://schemas.microsoft.com/office/powerpoint/2015/main" val="1"/>
               </p:ext>
             </p:extLst>
           </p:nvPr>
@@ -16447,7 +16265,7 @@
           <p:cNvPr id="11" name="Rectangle 10">
             <a:extLst>
               <a:ext uri="{FF2B5EF4-FFF2-40B4-BE49-F238E27FC236}">
-                <a16:creationId xmlns:a16="http://schemas.microsoft.com/office/drawing/2014/main" xmlns="" id="{241208F6-8B1C-4098-9388-150BC8E447B2}"/>
+                <a16:creationId xmlns="" xmlns:a16="http://schemas.microsoft.com/office/drawing/2014/main" id="{241208F6-8B1C-4098-9388-150BC8E447B2}"/>
               </a:ext>
             </a:extLst>
           </p:cNvPr>
@@ -16457,7 +16275,7 @@
           <p:nvPr>
             <p:extLst>
               <p:ext uri="{386F3935-93C4-4BCD-93E2-E3B085C9AB24}">
-                <p16:designElem xmlns:p16="http://schemas.microsoft.com/office/powerpoint/2015/main" xmlns="" val="1"/>
+                <p16:designElem xmlns="" xmlns:p16="http://schemas.microsoft.com/office/powerpoint/2015/main" val="1"/>
               </p:ext>
             </p:extLst>
           </p:nvPr>
@@ -16990,7 +16808,7 @@
           <p:cNvPr id="12" name="Rectangle 6">
             <a:extLst>
               <a:ext uri="{FF2B5EF4-FFF2-40B4-BE49-F238E27FC236}">
-                <a16:creationId xmlns:a16="http://schemas.microsoft.com/office/drawing/2014/main" xmlns="" id="{FEF4E260-B79D-41D8-90EB-C84807CD77EC}"/>
+                <a16:creationId xmlns="" xmlns:a16="http://schemas.microsoft.com/office/drawing/2014/main" id="{FEF4E260-B79D-41D8-90EB-C84807CD77EC}"/>
               </a:ext>
             </a:extLst>
           </p:cNvPr>
@@ -17000,7 +16818,7 @@
           <p:nvPr>
             <p:extLst>
               <p:ext uri="{386F3935-93C4-4BCD-93E2-E3B085C9AB24}">
-                <p16:designElem xmlns:p16="http://schemas.microsoft.com/office/powerpoint/2015/main" xmlns="" val="1"/>
+                <p16:designElem xmlns="" xmlns:p16="http://schemas.microsoft.com/office/powerpoint/2015/main" val="1"/>
               </p:ext>
             </p:extLst>
           </p:nvPr>
@@ -17048,7 +16866,7 @@
           <p:cNvPr id="13" name="Straight Connector 8">
             <a:extLst>
               <a:ext uri="{FF2B5EF4-FFF2-40B4-BE49-F238E27FC236}">
-                <a16:creationId xmlns:a16="http://schemas.microsoft.com/office/drawing/2014/main" xmlns="" id="{0686AD50-C6DC-4D98-A467-9AC1F3C2D8D0}"/>
+                <a16:creationId xmlns="" xmlns:a16="http://schemas.microsoft.com/office/drawing/2014/main" id="{0686AD50-C6DC-4D98-A467-9AC1F3C2D8D0}"/>
               </a:ext>
             </a:extLst>
           </p:cNvPr>
@@ -17058,7 +16876,7 @@
           <p:nvPr>
             <p:extLst>
               <p:ext uri="{386F3935-93C4-4BCD-93E2-E3B085C9AB24}">
-                <p16:designElem xmlns:p16="http://schemas.microsoft.com/office/powerpoint/2015/main" xmlns="" val="1"/>
+                <p16:designElem xmlns="" xmlns:p16="http://schemas.microsoft.com/office/powerpoint/2015/main" val="1"/>
               </p:ext>
             </p:extLst>
           </p:nvPr>
@@ -17099,7 +16917,7 @@
           <p:cNvPr id="11" name="Rectangle 10">
             <a:extLst>
               <a:ext uri="{FF2B5EF4-FFF2-40B4-BE49-F238E27FC236}">
-                <a16:creationId xmlns:a16="http://schemas.microsoft.com/office/drawing/2014/main" xmlns="" id="{241208F6-8B1C-4098-9388-150BC8E447B2}"/>
+                <a16:creationId xmlns="" xmlns:a16="http://schemas.microsoft.com/office/drawing/2014/main" id="{241208F6-8B1C-4098-9388-150BC8E447B2}"/>
               </a:ext>
             </a:extLst>
           </p:cNvPr>
@@ -17109,7 +16927,7 @@
           <p:nvPr>
             <p:extLst>
               <p:ext uri="{386F3935-93C4-4BCD-93E2-E3B085C9AB24}">
-                <p16:designElem xmlns:p16="http://schemas.microsoft.com/office/powerpoint/2015/main" xmlns="" val="1"/>
+                <p16:designElem xmlns="" xmlns:p16="http://schemas.microsoft.com/office/powerpoint/2015/main" val="1"/>
               </p:ext>
             </p:extLst>
           </p:nvPr>
@@ -17271,7 +17089,7 @@
           <p:cNvPr id="12" name="Rectangle 6">
             <a:extLst>
               <a:ext uri="{FF2B5EF4-FFF2-40B4-BE49-F238E27FC236}">
-                <a16:creationId xmlns:a16="http://schemas.microsoft.com/office/drawing/2014/main" xmlns="" id="{FEF4E260-B79D-41D8-90EB-C84807CD77EC}"/>
+                <a16:creationId xmlns="" xmlns:a16="http://schemas.microsoft.com/office/drawing/2014/main" id="{FEF4E260-B79D-41D8-90EB-C84807CD77EC}"/>
               </a:ext>
             </a:extLst>
           </p:cNvPr>
@@ -17281,7 +17099,7 @@
           <p:nvPr>
             <p:extLst>
               <p:ext uri="{386F3935-93C4-4BCD-93E2-E3B085C9AB24}">
-                <p16:designElem xmlns:p16="http://schemas.microsoft.com/office/powerpoint/2015/main" xmlns="" val="1"/>
+                <p16:designElem xmlns="" xmlns:p16="http://schemas.microsoft.com/office/powerpoint/2015/main" val="1"/>
               </p:ext>
             </p:extLst>
           </p:nvPr>
@@ -17329,7 +17147,7 @@
           <p:cNvPr id="11" name="Rectangle 10">
             <a:extLst>
               <a:ext uri="{FF2B5EF4-FFF2-40B4-BE49-F238E27FC236}">
-                <a16:creationId xmlns:a16="http://schemas.microsoft.com/office/drawing/2014/main" xmlns="" id="{241208F6-8B1C-4098-9388-150BC8E447B2}"/>
+                <a16:creationId xmlns="" xmlns:a16="http://schemas.microsoft.com/office/drawing/2014/main" id="{241208F6-8B1C-4098-9388-150BC8E447B2}"/>
               </a:ext>
             </a:extLst>
           </p:cNvPr>
@@ -17339,7 +17157,7 @@
           <p:nvPr>
             <p:extLst>
               <p:ext uri="{386F3935-93C4-4BCD-93E2-E3B085C9AB24}">
-                <p16:designElem xmlns:p16="http://schemas.microsoft.com/office/powerpoint/2015/main" xmlns="" val="1"/>
+                <p16:designElem xmlns="" xmlns:p16="http://schemas.microsoft.com/office/powerpoint/2015/main" val="1"/>
               </p:ext>
             </p:extLst>
           </p:nvPr>
